--- a/others/Background - Proyecto 2 S.O.pptx
+++ b/others/Background - Proyecto 2 S.O.pptx
@@ -16,8 +16,11 @@
     <p:sldId id="269" r:id="rId10"/>
     <p:sldId id="271" r:id="rId11"/>
     <p:sldId id="273" r:id="rId12"/>
-    <p:sldId id="274" r:id="rId13"/>
-    <p:sldId id="275" r:id="rId14"/>
+    <p:sldId id="276" r:id="rId13"/>
+    <p:sldId id="277" r:id="rId14"/>
+    <p:sldId id="274" r:id="rId15"/>
+    <p:sldId id="275" r:id="rId16"/>
+    <p:sldId id="279" r:id="rId17"/>
   </p:sldIdLst>
   <p:sldSz cx="12192000" cy="6858000"/>
   <p:notesSz cx="6858000" cy="9144000"/>
@@ -273,7 +276,7 @@
           <a:p>
             <a:fld id="{E4357CC5-A7E9-4741-9CFB-1DE0539F89CE}" type="datetimeFigureOut">
               <a:rPr lang="es-419" smtClean="0"/>
-              <a:t>23/3/2019</a:t>
+              <a:t>25/3/2019</a:t>
             </a:fld>
             <a:endParaRPr lang="es-419"/>
           </a:p>
@@ -473,7 +476,7 @@
           <a:p>
             <a:fld id="{E4357CC5-A7E9-4741-9CFB-1DE0539F89CE}" type="datetimeFigureOut">
               <a:rPr lang="es-419" smtClean="0"/>
-              <a:t>23/3/2019</a:t>
+              <a:t>25/3/2019</a:t>
             </a:fld>
             <a:endParaRPr lang="es-419"/>
           </a:p>
@@ -683,7 +686,7 @@
           <a:p>
             <a:fld id="{E4357CC5-A7E9-4741-9CFB-1DE0539F89CE}" type="datetimeFigureOut">
               <a:rPr lang="es-419" smtClean="0"/>
-              <a:t>23/3/2019</a:t>
+              <a:t>25/3/2019</a:t>
             </a:fld>
             <a:endParaRPr lang="es-419"/>
           </a:p>
@@ -883,7 +886,7 @@
           <a:p>
             <a:fld id="{E4357CC5-A7E9-4741-9CFB-1DE0539F89CE}" type="datetimeFigureOut">
               <a:rPr lang="es-419" smtClean="0"/>
-              <a:t>23/3/2019</a:t>
+              <a:t>25/3/2019</a:t>
             </a:fld>
             <a:endParaRPr lang="es-419"/>
           </a:p>
@@ -1159,7 +1162,7 @@
           <a:p>
             <a:fld id="{E4357CC5-A7E9-4741-9CFB-1DE0539F89CE}" type="datetimeFigureOut">
               <a:rPr lang="es-419" smtClean="0"/>
-              <a:t>23/3/2019</a:t>
+              <a:t>25/3/2019</a:t>
             </a:fld>
             <a:endParaRPr lang="es-419"/>
           </a:p>
@@ -1427,7 +1430,7 @@
           <a:p>
             <a:fld id="{E4357CC5-A7E9-4741-9CFB-1DE0539F89CE}" type="datetimeFigureOut">
               <a:rPr lang="es-419" smtClean="0"/>
-              <a:t>23/3/2019</a:t>
+              <a:t>25/3/2019</a:t>
             </a:fld>
             <a:endParaRPr lang="es-419"/>
           </a:p>
@@ -1842,7 +1845,7 @@
           <a:p>
             <a:fld id="{E4357CC5-A7E9-4741-9CFB-1DE0539F89CE}" type="datetimeFigureOut">
               <a:rPr lang="es-419" smtClean="0"/>
-              <a:t>23/3/2019</a:t>
+              <a:t>25/3/2019</a:t>
             </a:fld>
             <a:endParaRPr lang="es-419"/>
           </a:p>
@@ -1984,7 +1987,7 @@
           <a:p>
             <a:fld id="{E4357CC5-A7E9-4741-9CFB-1DE0539F89CE}" type="datetimeFigureOut">
               <a:rPr lang="es-419" smtClean="0"/>
-              <a:t>23/3/2019</a:t>
+              <a:t>25/3/2019</a:t>
             </a:fld>
             <a:endParaRPr lang="es-419"/>
           </a:p>
@@ -2097,7 +2100,7 @@
           <a:p>
             <a:fld id="{E4357CC5-A7E9-4741-9CFB-1DE0539F89CE}" type="datetimeFigureOut">
               <a:rPr lang="es-419" smtClean="0"/>
-              <a:t>23/3/2019</a:t>
+              <a:t>25/3/2019</a:t>
             </a:fld>
             <a:endParaRPr lang="es-419"/>
           </a:p>
@@ -2410,7 +2413,7 @@
           <a:p>
             <a:fld id="{E4357CC5-A7E9-4741-9CFB-1DE0539F89CE}" type="datetimeFigureOut">
               <a:rPr lang="es-419" smtClean="0"/>
-              <a:t>23/3/2019</a:t>
+              <a:t>25/3/2019</a:t>
             </a:fld>
             <a:endParaRPr lang="es-419"/>
           </a:p>
@@ -2699,7 +2702,7 @@
           <a:p>
             <a:fld id="{E4357CC5-A7E9-4741-9CFB-1DE0539F89CE}" type="datetimeFigureOut">
               <a:rPr lang="es-419" smtClean="0"/>
-              <a:t>23/3/2019</a:t>
+              <a:t>25/3/2019</a:t>
             </a:fld>
             <a:endParaRPr lang="es-419"/>
           </a:p>
@@ -2942,7 +2945,7 @@
           <a:p>
             <a:fld id="{E4357CC5-A7E9-4741-9CFB-1DE0539F89CE}" type="datetimeFigureOut">
               <a:rPr lang="es-419" smtClean="0"/>
-              <a:t>23/3/2019</a:t>
+              <a:t>25/3/2019</a:t>
             </a:fld>
             <a:endParaRPr lang="es-419"/>
           </a:p>
@@ -11104,6 +11107,2478 @@
           <a:chExt cx="0" cy="0"/>
         </a:xfrm>
       </p:grpSpPr>
+      <p:pic>
+        <p:nvPicPr>
+          <p:cNvPr id="5" name="Imagen 4">
+            <a:extLst>
+              <a:ext uri="{FF2B5EF4-FFF2-40B4-BE49-F238E27FC236}">
+                <a16:creationId xmlns:a16="http://schemas.microsoft.com/office/drawing/2014/main" id="{32F22644-81F6-4721-9AE4-51158DE44E64}"/>
+              </a:ext>
+            </a:extLst>
+          </p:cNvPr>
+          <p:cNvPicPr>
+            <a:picLocks noChangeAspect="1"/>
+          </p:cNvPicPr>
+          <p:nvPr/>
+        </p:nvPicPr>
+        <p:blipFill>
+          <a:blip r:embed="rId2">
+            <a:extLst>
+              <a:ext uri="{28A0092B-C50C-407E-A947-70E740481C1C}">
+                <a14:useLocalDpi xmlns:a14="http://schemas.microsoft.com/office/drawing/2010/main" val="0"/>
+              </a:ext>
+            </a:extLst>
+          </a:blip>
+          <a:stretch>
+            <a:fillRect/>
+          </a:stretch>
+        </p:blipFill>
+        <p:spPr>
+          <a:xfrm>
+            <a:off x="609123" y="728238"/>
+            <a:ext cx="10769926" cy="5401524"/>
+          </a:xfrm>
+          <a:prstGeom prst="rect">
+            <a:avLst/>
+          </a:prstGeom>
+        </p:spPr>
+      </p:pic>
+      <p:sp>
+        <p:nvSpPr>
+          <p:cNvPr id="7" name="Rectángulo 6">
+            <a:extLst>
+              <a:ext uri="{FF2B5EF4-FFF2-40B4-BE49-F238E27FC236}">
+                <a16:creationId xmlns:a16="http://schemas.microsoft.com/office/drawing/2014/main" id="{BEFB36E5-199E-415E-8EDD-8718DBA4B11F}"/>
+              </a:ext>
+            </a:extLst>
+          </p:cNvPr>
+          <p:cNvSpPr/>
+          <p:nvPr/>
+        </p:nvSpPr>
+        <p:spPr>
+          <a:xfrm>
+            <a:off x="609122" y="728238"/>
+            <a:ext cx="10769926" cy="4138402"/>
+          </a:xfrm>
+          <a:prstGeom prst="rect">
+            <a:avLst/>
+          </a:prstGeom>
+          <a:solidFill>
+            <a:srgbClr val="4FB5C1"/>
+          </a:solidFill>
+          <a:ln>
+            <a:noFill/>
+          </a:ln>
+        </p:spPr>
+        <p:style>
+          <a:lnRef idx="2">
+            <a:schemeClr val="accent1">
+              <a:shade val="50000"/>
+            </a:schemeClr>
+          </a:lnRef>
+          <a:fillRef idx="1">
+            <a:schemeClr val="accent1"/>
+          </a:fillRef>
+          <a:effectRef idx="0">
+            <a:schemeClr val="accent1"/>
+          </a:effectRef>
+          <a:fontRef idx="minor">
+            <a:schemeClr val="lt1"/>
+          </a:fontRef>
+        </p:style>
+        <p:txBody>
+          <a:bodyPr rtlCol="0" anchor="ctr"/>
+          <a:lstStyle/>
+          <a:p>
+            <a:pPr algn="ctr"/>
+            <a:endParaRPr lang="es-419"/>
+          </a:p>
+        </p:txBody>
+      </p:sp>
+      <p:sp>
+        <p:nvSpPr>
+          <p:cNvPr id="3" name="Rectángulo 2">
+            <a:extLst>
+              <a:ext uri="{FF2B5EF4-FFF2-40B4-BE49-F238E27FC236}">
+                <a16:creationId xmlns:a16="http://schemas.microsoft.com/office/drawing/2014/main" id="{3A238BA1-AED0-4561-AD72-37AACDD92426}"/>
+              </a:ext>
+            </a:extLst>
+          </p:cNvPr>
+          <p:cNvSpPr/>
+          <p:nvPr/>
+        </p:nvSpPr>
+        <p:spPr>
+          <a:xfrm>
+            <a:off x="609123" y="4654420"/>
+            <a:ext cx="10769926" cy="476614"/>
+          </a:xfrm>
+          <a:prstGeom prst="rect">
+            <a:avLst/>
+          </a:prstGeom>
+          <a:solidFill>
+            <a:srgbClr val="33949A"/>
+          </a:solidFill>
+          <a:ln>
+            <a:noFill/>
+          </a:ln>
+        </p:spPr>
+        <p:style>
+          <a:lnRef idx="2">
+            <a:schemeClr val="accent1">
+              <a:shade val="50000"/>
+            </a:schemeClr>
+          </a:lnRef>
+          <a:fillRef idx="1">
+            <a:schemeClr val="accent1"/>
+          </a:fillRef>
+          <a:effectRef idx="0">
+            <a:schemeClr val="accent1"/>
+          </a:effectRef>
+          <a:fontRef idx="minor">
+            <a:schemeClr val="lt1"/>
+          </a:fontRef>
+        </p:style>
+        <p:txBody>
+          <a:bodyPr rtlCol="0" anchor="ctr"/>
+          <a:lstStyle/>
+          <a:p>
+            <a:pPr algn="ctr"/>
+            <a:endParaRPr lang="es-419"/>
+          </a:p>
+        </p:txBody>
+      </p:sp>
+      <p:sp>
+        <p:nvSpPr>
+          <p:cNvPr id="20" name="Arco 19">
+            <a:extLst>
+              <a:ext uri="{FF2B5EF4-FFF2-40B4-BE49-F238E27FC236}">
+                <a16:creationId xmlns:a16="http://schemas.microsoft.com/office/drawing/2014/main" id="{D1A19CB0-3F23-4000-85F1-F7EFE5B5D3B0}"/>
+              </a:ext>
+            </a:extLst>
+          </p:cNvPr>
+          <p:cNvSpPr/>
+          <p:nvPr/>
+        </p:nvSpPr>
+        <p:spPr>
+          <a:xfrm>
+            <a:off x="4581652" y="4943807"/>
+            <a:ext cx="3028696" cy="476614"/>
+          </a:xfrm>
+          <a:prstGeom prst="arc">
+            <a:avLst>
+              <a:gd name="adj1" fmla="val 10991487"/>
+              <a:gd name="adj2" fmla="val 21405921"/>
+            </a:avLst>
+          </a:prstGeom>
+          <a:ln w="69850">
+            <a:solidFill>
+              <a:schemeClr val="bg1">
+                <a:lumMod val="75000"/>
+              </a:schemeClr>
+            </a:solidFill>
+          </a:ln>
+        </p:spPr>
+        <p:style>
+          <a:lnRef idx="1">
+            <a:schemeClr val="accent1"/>
+          </a:lnRef>
+          <a:fillRef idx="0">
+            <a:schemeClr val="accent1"/>
+          </a:fillRef>
+          <a:effectRef idx="0">
+            <a:schemeClr val="accent1"/>
+          </a:effectRef>
+          <a:fontRef idx="minor">
+            <a:schemeClr val="tx1"/>
+          </a:fontRef>
+        </p:style>
+        <p:txBody>
+          <a:bodyPr rtlCol="0" anchor="ctr"/>
+          <a:lstStyle/>
+          <a:p>
+            <a:pPr algn="ctr"/>
+            <a:endParaRPr lang="es-419"/>
+          </a:p>
+        </p:txBody>
+      </p:sp>
+      <p:sp>
+        <p:nvSpPr>
+          <p:cNvPr id="26" name="Arco 25">
+            <a:extLst>
+              <a:ext uri="{FF2B5EF4-FFF2-40B4-BE49-F238E27FC236}">
+                <a16:creationId xmlns:a16="http://schemas.microsoft.com/office/drawing/2014/main" id="{54EA3C4F-1A97-417E-A70D-9A94CFF28D54}"/>
+              </a:ext>
+            </a:extLst>
+          </p:cNvPr>
+          <p:cNvSpPr/>
+          <p:nvPr/>
+        </p:nvSpPr>
+        <p:spPr>
+          <a:xfrm>
+            <a:off x="4581652" y="4998349"/>
+            <a:ext cx="3028696" cy="476614"/>
+          </a:xfrm>
+          <a:prstGeom prst="arc">
+            <a:avLst>
+              <a:gd name="adj1" fmla="val 10991487"/>
+              <a:gd name="adj2" fmla="val 21405921"/>
+            </a:avLst>
+          </a:prstGeom>
+          <a:ln w="34925">
+            <a:solidFill>
+              <a:srgbClr val="33949A"/>
+            </a:solidFill>
+          </a:ln>
+        </p:spPr>
+        <p:style>
+          <a:lnRef idx="1">
+            <a:schemeClr val="accent1"/>
+          </a:lnRef>
+          <a:fillRef idx="0">
+            <a:schemeClr val="accent1"/>
+          </a:fillRef>
+          <a:effectRef idx="0">
+            <a:schemeClr val="accent1"/>
+          </a:effectRef>
+          <a:fontRef idx="minor">
+            <a:schemeClr val="tx1"/>
+          </a:fontRef>
+        </p:style>
+        <p:txBody>
+          <a:bodyPr rtlCol="0" anchor="ctr"/>
+          <a:lstStyle/>
+          <a:p>
+            <a:pPr algn="ctr"/>
+            <a:endParaRPr lang="es-419"/>
+          </a:p>
+        </p:txBody>
+      </p:sp>
+      <p:grpSp>
+        <p:nvGrpSpPr>
+          <p:cNvPr id="41" name="Grupo 40">
+            <a:extLst>
+              <a:ext uri="{FF2B5EF4-FFF2-40B4-BE49-F238E27FC236}">
+                <a16:creationId xmlns:a16="http://schemas.microsoft.com/office/drawing/2014/main" id="{1A3DE6CD-84A5-4D9B-B3DF-C797471F4BBC}"/>
+              </a:ext>
+            </a:extLst>
+          </p:cNvPr>
+          <p:cNvGrpSpPr/>
+          <p:nvPr/>
+        </p:nvGrpSpPr>
+        <p:grpSpPr>
+          <a:xfrm>
+            <a:off x="4509021" y="4404484"/>
+            <a:ext cx="3171770" cy="904805"/>
+            <a:chOff x="4509021" y="4404484"/>
+            <a:chExt cx="3171770" cy="904805"/>
+          </a:xfrm>
+        </p:grpSpPr>
+        <p:sp>
+          <p:nvSpPr>
+            <p:cNvPr id="19" name="Arco 18">
+              <a:extLst>
+                <a:ext uri="{FF2B5EF4-FFF2-40B4-BE49-F238E27FC236}">
+                  <a16:creationId xmlns:a16="http://schemas.microsoft.com/office/drawing/2014/main" id="{482AFB60-136B-49FC-8FEF-BD549D368C8A}"/>
+                </a:ext>
+              </a:extLst>
+            </p:cNvPr>
+            <p:cNvSpPr/>
+            <p:nvPr/>
+          </p:nvSpPr>
+          <p:spPr>
+            <a:xfrm>
+              <a:off x="4585462" y="4832675"/>
+              <a:ext cx="3028696" cy="476614"/>
+            </a:xfrm>
+            <a:prstGeom prst="arc">
+              <a:avLst>
+                <a:gd name="adj1" fmla="val 10932239"/>
+                <a:gd name="adj2" fmla="val 21423255"/>
+              </a:avLst>
+            </a:prstGeom>
+            <a:ln w="174625">
+              <a:solidFill>
+                <a:srgbClr val="929DAC"/>
+              </a:solidFill>
+            </a:ln>
+          </p:spPr>
+          <p:style>
+            <a:lnRef idx="1">
+              <a:schemeClr val="accent1"/>
+            </a:lnRef>
+            <a:fillRef idx="0">
+              <a:schemeClr val="accent1"/>
+            </a:fillRef>
+            <a:effectRef idx="0">
+              <a:schemeClr val="accent1"/>
+            </a:effectRef>
+            <a:fontRef idx="minor">
+              <a:schemeClr val="tx1"/>
+            </a:fontRef>
+          </p:style>
+          <p:txBody>
+            <a:bodyPr rtlCol="0" anchor="ctr"/>
+            <a:lstStyle/>
+            <a:p>
+              <a:pPr algn="ctr"/>
+              <a:endParaRPr lang="es-419"/>
+            </a:p>
+          </p:txBody>
+        </p:sp>
+        <p:sp>
+          <p:nvSpPr>
+            <p:cNvPr id="23" name="Rectángulo 22">
+              <a:extLst>
+                <a:ext uri="{FF2B5EF4-FFF2-40B4-BE49-F238E27FC236}">
+                  <a16:creationId xmlns:a16="http://schemas.microsoft.com/office/drawing/2014/main" id="{E8251545-1379-46F9-8BAB-ACBC0D411F54}"/>
+                </a:ext>
+              </a:extLst>
+            </p:cNvPr>
+            <p:cNvSpPr/>
+            <p:nvPr/>
+          </p:nvSpPr>
+          <p:spPr>
+            <a:xfrm rot="2030111" flipV="1">
+              <a:off x="4566667" y="4991708"/>
+              <a:ext cx="244643" cy="45719"/>
+            </a:xfrm>
+            <a:prstGeom prst="rect">
+              <a:avLst/>
+            </a:prstGeom>
+            <a:solidFill>
+              <a:srgbClr val="BFBFBF"/>
+            </a:solidFill>
+            <a:ln>
+              <a:noFill/>
+            </a:ln>
+          </p:spPr>
+          <p:style>
+            <a:lnRef idx="2">
+              <a:schemeClr val="accent1">
+                <a:shade val="50000"/>
+              </a:schemeClr>
+            </a:lnRef>
+            <a:fillRef idx="1">
+              <a:schemeClr val="accent1"/>
+            </a:fillRef>
+            <a:effectRef idx="0">
+              <a:schemeClr val="accent1"/>
+            </a:effectRef>
+            <a:fontRef idx="minor">
+              <a:schemeClr val="lt1"/>
+            </a:fontRef>
+          </p:style>
+          <p:txBody>
+            <a:bodyPr rtlCol="0" anchor="ctr"/>
+            <a:lstStyle/>
+            <a:p>
+              <a:pPr algn="ctr"/>
+              <a:endParaRPr lang="es-419"/>
+            </a:p>
+          </p:txBody>
+        </p:sp>
+        <p:sp>
+          <p:nvSpPr>
+            <p:cNvPr id="24" name="Rectángulo 23">
+              <a:extLst>
+                <a:ext uri="{FF2B5EF4-FFF2-40B4-BE49-F238E27FC236}">
+                  <a16:creationId xmlns:a16="http://schemas.microsoft.com/office/drawing/2014/main" id="{82A0B092-6BF2-4F1C-B38B-B1554174E0D0}"/>
+                </a:ext>
+              </a:extLst>
+            </p:cNvPr>
+            <p:cNvSpPr/>
+            <p:nvPr/>
+          </p:nvSpPr>
+          <p:spPr>
+            <a:xfrm rot="2030111" flipV="1">
+              <a:off x="4509021" y="5018873"/>
+              <a:ext cx="269528" cy="88850"/>
+            </a:xfrm>
+            <a:prstGeom prst="rect">
+              <a:avLst/>
+            </a:prstGeom>
+            <a:solidFill>
+              <a:srgbClr val="33949A"/>
+            </a:solidFill>
+            <a:ln>
+              <a:noFill/>
+            </a:ln>
+          </p:spPr>
+          <p:style>
+            <a:lnRef idx="2">
+              <a:schemeClr val="accent1">
+                <a:shade val="50000"/>
+              </a:schemeClr>
+            </a:lnRef>
+            <a:fillRef idx="1">
+              <a:schemeClr val="accent1"/>
+            </a:fillRef>
+            <a:effectRef idx="0">
+              <a:schemeClr val="accent1"/>
+            </a:effectRef>
+            <a:fontRef idx="minor">
+              <a:schemeClr val="lt1"/>
+            </a:fontRef>
+          </p:style>
+          <p:txBody>
+            <a:bodyPr rtlCol="0" anchor="ctr"/>
+            <a:lstStyle/>
+            <a:p>
+              <a:pPr algn="ctr"/>
+              <a:endParaRPr lang="es-419"/>
+            </a:p>
+          </p:txBody>
+        </p:sp>
+        <p:sp>
+          <p:nvSpPr>
+            <p:cNvPr id="25" name="Rectángulo 24">
+              <a:extLst>
+                <a:ext uri="{FF2B5EF4-FFF2-40B4-BE49-F238E27FC236}">
+                  <a16:creationId xmlns:a16="http://schemas.microsoft.com/office/drawing/2014/main" id="{DD127A63-D435-45F0-B47A-0C4502C3406E}"/>
+                </a:ext>
+              </a:extLst>
+            </p:cNvPr>
+            <p:cNvSpPr/>
+            <p:nvPr/>
+          </p:nvSpPr>
+          <p:spPr>
+            <a:xfrm rot="5400000" flipV="1">
+              <a:off x="4502957" y="4909775"/>
+              <a:ext cx="157388" cy="45719"/>
+            </a:xfrm>
+            <a:prstGeom prst="rect">
+              <a:avLst/>
+            </a:prstGeom>
+            <a:solidFill>
+              <a:srgbClr val="33949A"/>
+            </a:solidFill>
+            <a:ln>
+              <a:noFill/>
+            </a:ln>
+          </p:spPr>
+          <p:style>
+            <a:lnRef idx="2">
+              <a:schemeClr val="accent1">
+                <a:shade val="50000"/>
+              </a:schemeClr>
+            </a:lnRef>
+            <a:fillRef idx="1">
+              <a:schemeClr val="accent1"/>
+            </a:fillRef>
+            <a:effectRef idx="0">
+              <a:schemeClr val="accent1"/>
+            </a:effectRef>
+            <a:fontRef idx="minor">
+              <a:schemeClr val="lt1"/>
+            </a:fontRef>
+          </p:style>
+          <p:txBody>
+            <a:bodyPr rtlCol="0" anchor="ctr"/>
+            <a:lstStyle/>
+            <a:p>
+              <a:pPr algn="ctr"/>
+              <a:endParaRPr lang="es-419"/>
+            </a:p>
+          </p:txBody>
+        </p:sp>
+        <p:grpSp>
+          <p:nvGrpSpPr>
+            <p:cNvPr id="31" name="Grupo 30">
+              <a:extLst>
+                <a:ext uri="{FF2B5EF4-FFF2-40B4-BE49-F238E27FC236}">
+                  <a16:creationId xmlns:a16="http://schemas.microsoft.com/office/drawing/2014/main" id="{1BC1194E-980B-4CD2-AEA3-5B0229EC76E2}"/>
+                </a:ext>
+              </a:extLst>
+            </p:cNvPr>
+            <p:cNvGrpSpPr/>
+            <p:nvPr/>
+          </p:nvGrpSpPr>
+          <p:grpSpPr>
+            <a:xfrm flipH="1">
+              <a:off x="7351180" y="4846820"/>
+              <a:ext cx="329611" cy="270509"/>
+              <a:chOff x="6679582" y="3590881"/>
+              <a:chExt cx="329611" cy="270509"/>
+            </a:xfrm>
+          </p:grpSpPr>
+          <p:sp>
+            <p:nvSpPr>
+              <p:cNvPr id="28" name="Rectángulo 27">
+                <a:extLst>
+                  <a:ext uri="{FF2B5EF4-FFF2-40B4-BE49-F238E27FC236}">
+                    <a16:creationId xmlns:a16="http://schemas.microsoft.com/office/drawing/2014/main" id="{09A95ED3-3D41-4764-AC12-3F60433BBBD2}"/>
+                  </a:ext>
+                </a:extLst>
+              </p:cNvPr>
+              <p:cNvSpPr/>
+              <p:nvPr/>
+            </p:nvSpPr>
+            <p:spPr>
+              <a:xfrm rot="2030111" flipV="1">
+                <a:off x="6742316" y="3728648"/>
+                <a:ext cx="244643" cy="45719"/>
+              </a:xfrm>
+              <a:prstGeom prst="rect">
+                <a:avLst/>
+              </a:prstGeom>
+              <a:solidFill>
+                <a:srgbClr val="BFBFBF"/>
+              </a:solidFill>
+              <a:ln>
+                <a:noFill/>
+              </a:ln>
+            </p:spPr>
+            <p:style>
+              <a:lnRef idx="2">
+                <a:schemeClr val="accent1">
+                  <a:shade val="50000"/>
+                </a:schemeClr>
+              </a:lnRef>
+              <a:fillRef idx="1">
+                <a:schemeClr val="accent1"/>
+              </a:fillRef>
+              <a:effectRef idx="0">
+                <a:schemeClr val="accent1"/>
+              </a:effectRef>
+              <a:fontRef idx="minor">
+                <a:schemeClr val="lt1"/>
+              </a:fontRef>
+            </p:style>
+            <p:txBody>
+              <a:bodyPr rtlCol="0" anchor="ctr"/>
+              <a:lstStyle/>
+              <a:p>
+                <a:pPr algn="ctr"/>
+                <a:endParaRPr lang="es-419"/>
+              </a:p>
+            </p:txBody>
+          </p:sp>
+          <p:sp>
+            <p:nvSpPr>
+              <p:cNvPr id="29" name="Rectángulo 28">
+                <a:extLst>
+                  <a:ext uri="{FF2B5EF4-FFF2-40B4-BE49-F238E27FC236}">
+                    <a16:creationId xmlns:a16="http://schemas.microsoft.com/office/drawing/2014/main" id="{2948FC20-3302-40D2-973F-0F39933D52CB}"/>
+                  </a:ext>
+                </a:extLst>
+              </p:cNvPr>
+              <p:cNvSpPr/>
+              <p:nvPr/>
+            </p:nvSpPr>
+            <p:spPr>
+              <a:xfrm rot="2030111" flipV="1">
+                <a:off x="6679582" y="3772540"/>
+                <a:ext cx="329611" cy="88850"/>
+              </a:xfrm>
+              <a:prstGeom prst="rect">
+                <a:avLst/>
+              </a:prstGeom>
+              <a:solidFill>
+                <a:srgbClr val="33949A"/>
+              </a:solidFill>
+              <a:ln>
+                <a:noFill/>
+              </a:ln>
+            </p:spPr>
+            <p:style>
+              <a:lnRef idx="2">
+                <a:schemeClr val="accent1">
+                  <a:shade val="50000"/>
+                </a:schemeClr>
+              </a:lnRef>
+              <a:fillRef idx="1">
+                <a:schemeClr val="accent1"/>
+              </a:fillRef>
+              <a:effectRef idx="0">
+                <a:schemeClr val="accent1"/>
+              </a:effectRef>
+              <a:fontRef idx="minor">
+                <a:schemeClr val="lt1"/>
+              </a:fontRef>
+            </p:style>
+            <p:txBody>
+              <a:bodyPr rtlCol="0" anchor="ctr"/>
+              <a:lstStyle/>
+              <a:p>
+                <a:pPr algn="ctr"/>
+                <a:endParaRPr lang="es-419"/>
+              </a:p>
+            </p:txBody>
+          </p:sp>
+          <p:sp>
+            <p:nvSpPr>
+              <p:cNvPr id="30" name="Rectángulo 29">
+                <a:extLst>
+                  <a:ext uri="{FF2B5EF4-FFF2-40B4-BE49-F238E27FC236}">
+                    <a16:creationId xmlns:a16="http://schemas.microsoft.com/office/drawing/2014/main" id="{5BCA33C6-B94C-482A-A892-BC35075C2B7B}"/>
+                  </a:ext>
+                </a:extLst>
+              </p:cNvPr>
+              <p:cNvSpPr/>
+              <p:nvPr/>
+            </p:nvSpPr>
+            <p:spPr>
+              <a:xfrm rot="5400000" flipV="1">
+                <a:off x="6678606" y="3646715"/>
+                <a:ext cx="157388" cy="45719"/>
+              </a:xfrm>
+              <a:prstGeom prst="rect">
+                <a:avLst/>
+              </a:prstGeom>
+              <a:solidFill>
+                <a:srgbClr val="33949A"/>
+              </a:solidFill>
+              <a:ln>
+                <a:noFill/>
+              </a:ln>
+            </p:spPr>
+            <p:style>
+              <a:lnRef idx="2">
+                <a:schemeClr val="accent1">
+                  <a:shade val="50000"/>
+                </a:schemeClr>
+              </a:lnRef>
+              <a:fillRef idx="1">
+                <a:schemeClr val="accent1"/>
+              </a:fillRef>
+              <a:effectRef idx="0">
+                <a:schemeClr val="accent1"/>
+              </a:effectRef>
+              <a:fontRef idx="minor">
+                <a:schemeClr val="lt1"/>
+              </a:fontRef>
+            </p:style>
+            <p:txBody>
+              <a:bodyPr rtlCol="0" anchor="ctr"/>
+              <a:lstStyle/>
+              <a:p>
+                <a:pPr algn="ctr"/>
+                <a:endParaRPr lang="es-419"/>
+              </a:p>
+            </p:txBody>
+          </p:sp>
+        </p:grpSp>
+        <p:sp>
+          <p:nvSpPr>
+            <p:cNvPr id="33" name="Elipse 32">
+              <a:extLst>
+                <a:ext uri="{FF2B5EF4-FFF2-40B4-BE49-F238E27FC236}">
+                  <a16:creationId xmlns:a16="http://schemas.microsoft.com/office/drawing/2014/main" id="{60FC0F6B-E12E-42DA-9DAA-922FB6962DF4}"/>
+                </a:ext>
+              </a:extLst>
+            </p:cNvPr>
+            <p:cNvSpPr/>
+            <p:nvPr/>
+          </p:nvSpPr>
+          <p:spPr>
+            <a:xfrm>
+              <a:off x="5851866" y="4765827"/>
+              <a:ext cx="488265" cy="66848"/>
+            </a:xfrm>
+            <a:prstGeom prst="ellipse">
+              <a:avLst/>
+            </a:prstGeom>
+            <a:solidFill>
+              <a:srgbClr val="697789"/>
+            </a:solidFill>
+            <a:ln>
+              <a:noFill/>
+            </a:ln>
+          </p:spPr>
+          <p:style>
+            <a:lnRef idx="2">
+              <a:schemeClr val="accent1">
+                <a:shade val="50000"/>
+              </a:schemeClr>
+            </a:lnRef>
+            <a:fillRef idx="1">
+              <a:schemeClr val="accent1"/>
+            </a:fillRef>
+            <a:effectRef idx="0">
+              <a:schemeClr val="accent1"/>
+            </a:effectRef>
+            <a:fontRef idx="minor">
+              <a:schemeClr val="lt1"/>
+            </a:fontRef>
+          </p:style>
+          <p:txBody>
+            <a:bodyPr rtlCol="0" anchor="ctr"/>
+            <a:lstStyle/>
+            <a:p>
+              <a:pPr algn="ctr"/>
+              <a:endParaRPr lang="es-419"/>
+            </a:p>
+          </p:txBody>
+        </p:sp>
+        <p:sp>
+          <p:nvSpPr>
+            <p:cNvPr id="11" name="Rectángulo 10">
+              <a:extLst>
+                <a:ext uri="{FF2B5EF4-FFF2-40B4-BE49-F238E27FC236}">
+                  <a16:creationId xmlns:a16="http://schemas.microsoft.com/office/drawing/2014/main" id="{78BF9C01-5BE1-4121-89FB-9E5A7EEEA7E3}"/>
+                </a:ext>
+              </a:extLst>
+            </p:cNvPr>
+            <p:cNvSpPr/>
+            <p:nvPr/>
+          </p:nvSpPr>
+          <p:spPr>
+            <a:xfrm>
+              <a:off x="5851866" y="4404484"/>
+              <a:ext cx="488265" cy="391109"/>
+            </a:xfrm>
+            <a:prstGeom prst="rect">
+              <a:avLst/>
+            </a:prstGeom>
+            <a:solidFill>
+              <a:srgbClr val="697789"/>
+            </a:solidFill>
+            <a:ln>
+              <a:noFill/>
+            </a:ln>
+          </p:spPr>
+          <p:style>
+            <a:lnRef idx="2">
+              <a:schemeClr val="accent1">
+                <a:shade val="50000"/>
+              </a:schemeClr>
+            </a:lnRef>
+            <a:fillRef idx="1">
+              <a:schemeClr val="accent1"/>
+            </a:fillRef>
+            <a:effectRef idx="0">
+              <a:schemeClr val="accent1"/>
+            </a:effectRef>
+            <a:fontRef idx="minor">
+              <a:schemeClr val="lt1"/>
+            </a:fontRef>
+          </p:style>
+          <p:txBody>
+            <a:bodyPr rtlCol="0" anchor="ctr"/>
+            <a:lstStyle/>
+            <a:p>
+              <a:pPr algn="ctr"/>
+              <a:endParaRPr lang="es-419"/>
+            </a:p>
+          </p:txBody>
+        </p:sp>
+      </p:grpSp>
+      <p:sp>
+        <p:nvSpPr>
+          <p:cNvPr id="4" name="Rectángulo: esquinas redondeadas 3">
+            <a:extLst>
+              <a:ext uri="{FF2B5EF4-FFF2-40B4-BE49-F238E27FC236}">
+                <a16:creationId xmlns:a16="http://schemas.microsoft.com/office/drawing/2014/main" id="{D243FB7A-C3DD-4F9A-86EE-6DC59CCDB267}"/>
+              </a:ext>
+            </a:extLst>
+          </p:cNvPr>
+          <p:cNvSpPr/>
+          <p:nvPr/>
+        </p:nvSpPr>
+        <p:spPr>
+          <a:xfrm>
+            <a:off x="893240" y="835374"/>
+            <a:ext cx="10130360" cy="3569110"/>
+          </a:xfrm>
+          <a:prstGeom prst="roundRect">
+            <a:avLst>
+              <a:gd name="adj" fmla="val 4863"/>
+            </a:avLst>
+          </a:prstGeom>
+          <a:solidFill>
+            <a:srgbClr val="57585A"/>
+          </a:solidFill>
+          <a:ln>
+            <a:noFill/>
+          </a:ln>
+        </p:spPr>
+        <p:style>
+          <a:lnRef idx="2">
+            <a:schemeClr val="accent1">
+              <a:shade val="50000"/>
+            </a:schemeClr>
+          </a:lnRef>
+          <a:fillRef idx="1">
+            <a:schemeClr val="accent1"/>
+          </a:fillRef>
+          <a:effectRef idx="0">
+            <a:schemeClr val="accent1"/>
+          </a:effectRef>
+          <a:fontRef idx="minor">
+            <a:schemeClr val="lt1"/>
+          </a:fontRef>
+        </p:style>
+        <p:txBody>
+          <a:bodyPr rtlCol="0" anchor="ctr"/>
+          <a:lstStyle/>
+          <a:p>
+            <a:pPr algn="ctr"/>
+            <a:endParaRPr lang="es-419"/>
+          </a:p>
+        </p:txBody>
+      </p:sp>
+      <p:sp>
+        <p:nvSpPr>
+          <p:cNvPr id="42" name="Rectángulo: esquinas redondeadas 41">
+            <a:extLst>
+              <a:ext uri="{FF2B5EF4-FFF2-40B4-BE49-F238E27FC236}">
+                <a16:creationId xmlns:a16="http://schemas.microsoft.com/office/drawing/2014/main" id="{BBDF4808-2BBE-4169-BEA6-BE70E086C559}"/>
+              </a:ext>
+            </a:extLst>
+          </p:cNvPr>
+          <p:cNvSpPr/>
+          <p:nvPr/>
+        </p:nvSpPr>
+        <p:spPr>
+          <a:xfrm>
+            <a:off x="7914640" y="835374"/>
+            <a:ext cx="3108960" cy="3569110"/>
+          </a:xfrm>
+          <a:prstGeom prst="roundRect">
+            <a:avLst>
+              <a:gd name="adj" fmla="val 4863"/>
+            </a:avLst>
+          </a:prstGeom>
+          <a:solidFill>
+            <a:srgbClr val="6A6D6D"/>
+          </a:solidFill>
+          <a:ln>
+            <a:noFill/>
+          </a:ln>
+        </p:spPr>
+        <p:style>
+          <a:lnRef idx="2">
+            <a:schemeClr val="accent1">
+              <a:shade val="50000"/>
+            </a:schemeClr>
+          </a:lnRef>
+          <a:fillRef idx="1">
+            <a:schemeClr val="accent1"/>
+          </a:fillRef>
+          <a:effectRef idx="0">
+            <a:schemeClr val="accent1"/>
+          </a:effectRef>
+          <a:fontRef idx="minor">
+            <a:schemeClr val="lt1"/>
+          </a:fontRef>
+        </p:style>
+        <p:txBody>
+          <a:bodyPr rtlCol="0" anchor="ctr"/>
+          <a:lstStyle/>
+          <a:p>
+            <a:pPr algn="ctr"/>
+            <a:endParaRPr lang="es-419"/>
+          </a:p>
+        </p:txBody>
+      </p:sp>
+      <p:sp>
+        <p:nvSpPr>
+          <p:cNvPr id="43" name="Triángulo isósceles 42">
+            <a:extLst>
+              <a:ext uri="{FF2B5EF4-FFF2-40B4-BE49-F238E27FC236}">
+                <a16:creationId xmlns:a16="http://schemas.microsoft.com/office/drawing/2014/main" id="{4BBFC94A-8B93-4200-BA3A-2CE7995FBD74}"/>
+              </a:ext>
+            </a:extLst>
+          </p:cNvPr>
+          <p:cNvSpPr/>
+          <p:nvPr/>
+        </p:nvSpPr>
+        <p:spPr>
+          <a:xfrm>
+            <a:off x="4564748" y="835374"/>
+            <a:ext cx="3390532" cy="3569110"/>
+          </a:xfrm>
+          <a:prstGeom prst="triangle">
+            <a:avLst>
+              <a:gd name="adj" fmla="val 100000"/>
+            </a:avLst>
+          </a:prstGeom>
+          <a:solidFill>
+            <a:srgbClr val="6A6D6D"/>
+          </a:solidFill>
+          <a:ln>
+            <a:noFill/>
+          </a:ln>
+        </p:spPr>
+        <p:style>
+          <a:lnRef idx="2">
+            <a:schemeClr val="accent1">
+              <a:shade val="50000"/>
+            </a:schemeClr>
+          </a:lnRef>
+          <a:fillRef idx="1">
+            <a:schemeClr val="accent1"/>
+          </a:fillRef>
+          <a:effectRef idx="0">
+            <a:schemeClr val="accent1"/>
+          </a:effectRef>
+          <a:fontRef idx="minor">
+            <a:schemeClr val="lt1"/>
+          </a:fontRef>
+        </p:style>
+        <p:txBody>
+          <a:bodyPr rtlCol="0" anchor="ctr"/>
+          <a:lstStyle/>
+          <a:p>
+            <a:pPr algn="ctr"/>
+            <a:endParaRPr lang="es-419"/>
+          </a:p>
+        </p:txBody>
+      </p:sp>
+      <p:sp>
+        <p:nvSpPr>
+          <p:cNvPr id="6" name="Rectángulo 5">
+            <a:extLst>
+              <a:ext uri="{FF2B5EF4-FFF2-40B4-BE49-F238E27FC236}">
+                <a16:creationId xmlns:a16="http://schemas.microsoft.com/office/drawing/2014/main" id="{342D79D1-6E92-49CE-866C-60F0054DE1EF}"/>
+              </a:ext>
+            </a:extLst>
+          </p:cNvPr>
+          <p:cNvSpPr/>
+          <p:nvPr/>
+        </p:nvSpPr>
+        <p:spPr>
+          <a:xfrm>
+            <a:off x="1049424" y="982858"/>
+            <a:ext cx="9811616" cy="3274142"/>
+          </a:xfrm>
+          <a:prstGeom prst="rect">
+            <a:avLst/>
+          </a:prstGeom>
+          <a:solidFill>
+            <a:srgbClr val="FFFFFF"/>
+          </a:solidFill>
+          <a:ln>
+            <a:noFill/>
+          </a:ln>
+        </p:spPr>
+        <p:style>
+          <a:lnRef idx="2">
+            <a:schemeClr val="accent1">
+              <a:shade val="50000"/>
+            </a:schemeClr>
+          </a:lnRef>
+          <a:fillRef idx="1">
+            <a:schemeClr val="accent1"/>
+          </a:fillRef>
+          <a:effectRef idx="0">
+            <a:schemeClr val="accent1"/>
+          </a:effectRef>
+          <a:fontRef idx="minor">
+            <a:schemeClr val="lt1"/>
+          </a:fontRef>
+        </p:style>
+        <p:txBody>
+          <a:bodyPr rtlCol="0" anchor="ctr"/>
+          <a:lstStyle/>
+          <a:p>
+            <a:pPr algn="ctr"/>
+            <a:endParaRPr lang="es-419"/>
+          </a:p>
+        </p:txBody>
+      </p:sp>
+      <p:sp>
+        <p:nvSpPr>
+          <p:cNvPr id="44" name="Rectángulo 43">
+            <a:extLst>
+              <a:ext uri="{FF2B5EF4-FFF2-40B4-BE49-F238E27FC236}">
+                <a16:creationId xmlns:a16="http://schemas.microsoft.com/office/drawing/2014/main" id="{1439137F-1F5C-4D3C-A265-A7F5C965CC74}"/>
+              </a:ext>
+            </a:extLst>
+          </p:cNvPr>
+          <p:cNvSpPr/>
+          <p:nvPr/>
+        </p:nvSpPr>
+        <p:spPr>
+          <a:xfrm>
+            <a:off x="7955280" y="835374"/>
+            <a:ext cx="873760" cy="147484"/>
+          </a:xfrm>
+          <a:prstGeom prst="rect">
+            <a:avLst/>
+          </a:prstGeom>
+          <a:solidFill>
+            <a:srgbClr val="6A6D6D"/>
+          </a:solidFill>
+          <a:ln>
+            <a:noFill/>
+          </a:ln>
+        </p:spPr>
+        <p:style>
+          <a:lnRef idx="2">
+            <a:schemeClr val="accent1">
+              <a:shade val="50000"/>
+            </a:schemeClr>
+          </a:lnRef>
+          <a:fillRef idx="1">
+            <a:schemeClr val="accent1"/>
+          </a:fillRef>
+          <a:effectRef idx="0">
+            <a:schemeClr val="accent1"/>
+          </a:effectRef>
+          <a:fontRef idx="minor">
+            <a:schemeClr val="lt1"/>
+          </a:fontRef>
+        </p:style>
+        <p:txBody>
+          <a:bodyPr rtlCol="0" anchor="ctr"/>
+          <a:lstStyle/>
+          <a:p>
+            <a:pPr algn="ctr"/>
+            <a:endParaRPr lang="es-419"/>
+          </a:p>
+        </p:txBody>
+      </p:sp>
+      <p:sp>
+        <p:nvSpPr>
+          <p:cNvPr id="45" name="Rectángulo 44">
+            <a:extLst>
+              <a:ext uri="{FF2B5EF4-FFF2-40B4-BE49-F238E27FC236}">
+                <a16:creationId xmlns:a16="http://schemas.microsoft.com/office/drawing/2014/main" id="{1172B2B0-356D-46C2-B1F3-9C612E736229}"/>
+              </a:ext>
+            </a:extLst>
+          </p:cNvPr>
+          <p:cNvSpPr/>
+          <p:nvPr/>
+        </p:nvSpPr>
+        <p:spPr>
+          <a:xfrm>
+            <a:off x="7625933" y="4270130"/>
+            <a:ext cx="873760" cy="133271"/>
+          </a:xfrm>
+          <a:prstGeom prst="rect">
+            <a:avLst/>
+          </a:prstGeom>
+          <a:solidFill>
+            <a:srgbClr val="6A6D6D"/>
+          </a:solidFill>
+          <a:ln>
+            <a:noFill/>
+          </a:ln>
+        </p:spPr>
+        <p:style>
+          <a:lnRef idx="2">
+            <a:schemeClr val="accent1">
+              <a:shade val="50000"/>
+            </a:schemeClr>
+          </a:lnRef>
+          <a:fillRef idx="1">
+            <a:schemeClr val="accent1"/>
+          </a:fillRef>
+          <a:effectRef idx="0">
+            <a:schemeClr val="accent1"/>
+          </a:effectRef>
+          <a:fontRef idx="minor">
+            <a:schemeClr val="lt1"/>
+          </a:fontRef>
+        </p:style>
+        <p:txBody>
+          <a:bodyPr rtlCol="0" anchor="ctr"/>
+          <a:lstStyle/>
+          <a:p>
+            <a:pPr algn="ctr"/>
+            <a:endParaRPr lang="es-419"/>
+          </a:p>
+        </p:txBody>
+      </p:sp>
+      <p:sp>
+        <p:nvSpPr>
+          <p:cNvPr id="46" name="Rectángulo 45">
+            <a:extLst>
+              <a:ext uri="{FF2B5EF4-FFF2-40B4-BE49-F238E27FC236}">
+                <a16:creationId xmlns:a16="http://schemas.microsoft.com/office/drawing/2014/main" id="{393AF7C5-06E4-4E0F-816E-68F4BAE6B89C}"/>
+              </a:ext>
+            </a:extLst>
+          </p:cNvPr>
+          <p:cNvSpPr/>
+          <p:nvPr/>
+        </p:nvSpPr>
+        <p:spPr>
+          <a:xfrm>
+            <a:off x="1049420" y="982994"/>
+            <a:ext cx="9811618" cy="84509"/>
+          </a:xfrm>
+          <a:prstGeom prst="rect">
+            <a:avLst/>
+          </a:prstGeom>
+          <a:solidFill>
+            <a:srgbClr val="217346"/>
+          </a:solidFill>
+          <a:ln>
+            <a:noFill/>
+          </a:ln>
+        </p:spPr>
+        <p:style>
+          <a:lnRef idx="2">
+            <a:schemeClr val="accent1">
+              <a:shade val="50000"/>
+            </a:schemeClr>
+          </a:lnRef>
+          <a:fillRef idx="1">
+            <a:schemeClr val="accent1"/>
+          </a:fillRef>
+          <a:effectRef idx="0">
+            <a:schemeClr val="accent1"/>
+          </a:effectRef>
+          <a:fontRef idx="minor">
+            <a:schemeClr val="lt1"/>
+          </a:fontRef>
+        </p:style>
+        <p:txBody>
+          <a:bodyPr rtlCol="0" anchor="ctr"/>
+          <a:lstStyle/>
+          <a:p>
+            <a:pPr algn="ctr"/>
+            <a:endParaRPr lang="es-419"/>
+          </a:p>
+        </p:txBody>
+      </p:sp>
+      <p:sp>
+        <p:nvSpPr>
+          <p:cNvPr id="47" name="Rectángulo 46">
+            <a:extLst>
+              <a:ext uri="{FF2B5EF4-FFF2-40B4-BE49-F238E27FC236}">
+                <a16:creationId xmlns:a16="http://schemas.microsoft.com/office/drawing/2014/main" id="{8BAE81A3-6000-4574-BE95-A05F51B0F5E9}"/>
+              </a:ext>
+            </a:extLst>
+          </p:cNvPr>
+          <p:cNvSpPr/>
+          <p:nvPr/>
+        </p:nvSpPr>
+        <p:spPr>
+          <a:xfrm>
+            <a:off x="1049419" y="1068586"/>
+            <a:ext cx="9811616" cy="187750"/>
+          </a:xfrm>
+          <a:prstGeom prst="rect">
+            <a:avLst/>
+          </a:prstGeom>
+          <a:solidFill>
+            <a:srgbClr val="F3F3F3"/>
+          </a:solidFill>
+          <a:ln>
+            <a:noFill/>
+          </a:ln>
+        </p:spPr>
+        <p:style>
+          <a:lnRef idx="2">
+            <a:schemeClr val="accent1">
+              <a:shade val="50000"/>
+            </a:schemeClr>
+          </a:lnRef>
+          <a:fillRef idx="1">
+            <a:schemeClr val="accent1"/>
+          </a:fillRef>
+          <a:effectRef idx="0">
+            <a:schemeClr val="accent1"/>
+          </a:effectRef>
+          <a:fontRef idx="minor">
+            <a:schemeClr val="lt1"/>
+          </a:fontRef>
+        </p:style>
+        <p:txBody>
+          <a:bodyPr rtlCol="0" anchor="ctr"/>
+          <a:lstStyle/>
+          <a:p>
+            <a:pPr algn="ctr"/>
+            <a:endParaRPr lang="es-419"/>
+          </a:p>
+        </p:txBody>
+      </p:sp>
+      <p:sp>
+        <p:nvSpPr>
+          <p:cNvPr id="49" name="Signo de multiplicación 48">
+            <a:extLst>
+              <a:ext uri="{FF2B5EF4-FFF2-40B4-BE49-F238E27FC236}">
+                <a16:creationId xmlns:a16="http://schemas.microsoft.com/office/drawing/2014/main" id="{26EBD8E6-B5BB-4846-95BA-17AE0C1C3A2A}"/>
+              </a:ext>
+            </a:extLst>
+          </p:cNvPr>
+          <p:cNvSpPr/>
+          <p:nvPr/>
+        </p:nvSpPr>
+        <p:spPr>
+          <a:xfrm>
+            <a:off x="10773727" y="985286"/>
+            <a:ext cx="81593" cy="75756"/>
+          </a:xfrm>
+          <a:prstGeom prst="mathMultiply">
+            <a:avLst>
+              <a:gd name="adj1" fmla="val 13236"/>
+            </a:avLst>
+          </a:prstGeom>
+          <a:solidFill>
+            <a:srgbClr val="F3F3F3"/>
+          </a:solidFill>
+          <a:ln>
+            <a:noFill/>
+          </a:ln>
+        </p:spPr>
+        <p:style>
+          <a:lnRef idx="2">
+            <a:schemeClr val="accent1">
+              <a:shade val="50000"/>
+            </a:schemeClr>
+          </a:lnRef>
+          <a:fillRef idx="1">
+            <a:schemeClr val="accent1"/>
+          </a:fillRef>
+          <a:effectRef idx="0">
+            <a:schemeClr val="accent1"/>
+          </a:effectRef>
+          <a:fontRef idx="minor">
+            <a:schemeClr val="lt1"/>
+          </a:fontRef>
+        </p:style>
+        <p:txBody>
+          <a:bodyPr rtlCol="0" anchor="ctr"/>
+          <a:lstStyle/>
+          <a:p>
+            <a:pPr algn="ctr"/>
+            <a:endParaRPr lang="es-419"/>
+          </a:p>
+        </p:txBody>
+      </p:sp>
+    </p:spTree>
+    <p:extLst>
+      <p:ext uri="{BB962C8B-B14F-4D97-AF65-F5344CB8AC3E}">
+        <p14:creationId xmlns:p14="http://schemas.microsoft.com/office/powerpoint/2010/main" val="1408828785"/>
+      </p:ext>
+    </p:extLst>
+  </p:cSld>
+  <p:clrMapOvr>
+    <a:masterClrMapping/>
+  </p:clrMapOvr>
+</p:sld>
+</file>
+
+<file path=ppt/slides/slide13.xml><?xml version="1.0" encoding="utf-8"?>
+<p:sld xmlns:a="http://schemas.openxmlformats.org/drawingml/2006/main" xmlns:r="http://schemas.openxmlformats.org/officeDocument/2006/relationships" xmlns:p="http://schemas.openxmlformats.org/presentationml/2006/main">
+  <p:cSld>
+    <p:spTree>
+      <p:nvGrpSpPr>
+        <p:cNvPr id="1" name=""/>
+        <p:cNvGrpSpPr/>
+        <p:nvPr/>
+      </p:nvGrpSpPr>
+      <p:grpSpPr>
+        <a:xfrm>
+          <a:off x="0" y="0"/>
+          <a:ext cx="0" cy="0"/>
+          <a:chOff x="0" y="0"/>
+          <a:chExt cx="0" cy="0"/>
+        </a:xfrm>
+      </p:grpSpPr>
+      <p:pic>
+        <p:nvPicPr>
+          <p:cNvPr id="5" name="Imagen 4">
+            <a:extLst>
+              <a:ext uri="{FF2B5EF4-FFF2-40B4-BE49-F238E27FC236}">
+                <a16:creationId xmlns:a16="http://schemas.microsoft.com/office/drawing/2014/main" id="{32F22644-81F6-4721-9AE4-51158DE44E64}"/>
+              </a:ext>
+            </a:extLst>
+          </p:cNvPr>
+          <p:cNvPicPr>
+            <a:picLocks noChangeAspect="1"/>
+          </p:cNvPicPr>
+          <p:nvPr/>
+        </p:nvPicPr>
+        <p:blipFill>
+          <a:blip r:embed="rId2">
+            <a:extLst>
+              <a:ext uri="{28A0092B-C50C-407E-A947-70E740481C1C}">
+                <a14:useLocalDpi xmlns:a14="http://schemas.microsoft.com/office/drawing/2010/main" val="0"/>
+              </a:ext>
+            </a:extLst>
+          </a:blip>
+          <a:stretch>
+            <a:fillRect/>
+          </a:stretch>
+        </p:blipFill>
+        <p:spPr>
+          <a:xfrm>
+            <a:off x="609123" y="728238"/>
+            <a:ext cx="10769926" cy="5401524"/>
+          </a:xfrm>
+          <a:prstGeom prst="rect">
+            <a:avLst/>
+          </a:prstGeom>
+        </p:spPr>
+      </p:pic>
+      <p:sp>
+        <p:nvSpPr>
+          <p:cNvPr id="10" name="Rectángulo 9">
+            <a:extLst>
+              <a:ext uri="{FF2B5EF4-FFF2-40B4-BE49-F238E27FC236}">
+                <a16:creationId xmlns:a16="http://schemas.microsoft.com/office/drawing/2014/main" id="{94F7D03F-AA83-4647-A5ED-FFF29A679BDC}"/>
+              </a:ext>
+            </a:extLst>
+          </p:cNvPr>
+          <p:cNvSpPr/>
+          <p:nvPr/>
+        </p:nvSpPr>
+        <p:spPr>
+          <a:xfrm>
+            <a:off x="703006" y="870154"/>
+            <a:ext cx="10676044" cy="4016477"/>
+          </a:xfrm>
+          <a:prstGeom prst="rect">
+            <a:avLst/>
+          </a:prstGeom>
+          <a:solidFill>
+            <a:srgbClr val="4FB5C1"/>
+          </a:solidFill>
+          <a:ln>
+            <a:noFill/>
+          </a:ln>
+        </p:spPr>
+        <p:style>
+          <a:lnRef idx="2">
+            <a:schemeClr val="accent1">
+              <a:shade val="50000"/>
+            </a:schemeClr>
+          </a:lnRef>
+          <a:fillRef idx="1">
+            <a:schemeClr val="accent1"/>
+          </a:fillRef>
+          <a:effectRef idx="0">
+            <a:schemeClr val="accent1"/>
+          </a:effectRef>
+          <a:fontRef idx="minor">
+            <a:schemeClr val="lt1"/>
+          </a:fontRef>
+        </p:style>
+        <p:txBody>
+          <a:bodyPr rtlCol="0" anchor="ctr"/>
+          <a:lstStyle/>
+          <a:p>
+            <a:pPr algn="ctr"/>
+            <a:endParaRPr lang="es-419"/>
+          </a:p>
+        </p:txBody>
+      </p:sp>
+      <p:sp>
+        <p:nvSpPr>
+          <p:cNvPr id="15" name="Rectángulo 14">
+            <a:extLst>
+              <a:ext uri="{FF2B5EF4-FFF2-40B4-BE49-F238E27FC236}">
+                <a16:creationId xmlns:a16="http://schemas.microsoft.com/office/drawing/2014/main" id="{11CF474B-DDD4-48EB-92A2-5AF9A584D5AE}"/>
+              </a:ext>
+            </a:extLst>
+          </p:cNvPr>
+          <p:cNvSpPr/>
+          <p:nvPr/>
+        </p:nvSpPr>
+        <p:spPr>
+          <a:xfrm>
+            <a:off x="609123" y="4648324"/>
+            <a:ext cx="10769926" cy="476614"/>
+          </a:xfrm>
+          <a:prstGeom prst="rect">
+            <a:avLst/>
+          </a:prstGeom>
+          <a:solidFill>
+            <a:srgbClr val="33949A"/>
+          </a:solidFill>
+          <a:ln>
+            <a:noFill/>
+          </a:ln>
+        </p:spPr>
+        <p:style>
+          <a:lnRef idx="2">
+            <a:schemeClr val="accent1">
+              <a:shade val="50000"/>
+            </a:schemeClr>
+          </a:lnRef>
+          <a:fillRef idx="1">
+            <a:schemeClr val="accent1"/>
+          </a:fillRef>
+          <a:effectRef idx="0">
+            <a:schemeClr val="accent1"/>
+          </a:effectRef>
+          <a:fontRef idx="minor">
+            <a:schemeClr val="lt1"/>
+          </a:fontRef>
+        </p:style>
+        <p:txBody>
+          <a:bodyPr rtlCol="0" anchor="ctr"/>
+          <a:lstStyle/>
+          <a:p>
+            <a:pPr algn="ctr"/>
+            <a:endParaRPr lang="es-419"/>
+          </a:p>
+        </p:txBody>
+      </p:sp>
+      <p:grpSp>
+        <p:nvGrpSpPr>
+          <p:cNvPr id="3" name="Grupo 2">
+            <a:extLst>
+              <a:ext uri="{FF2B5EF4-FFF2-40B4-BE49-F238E27FC236}">
+                <a16:creationId xmlns:a16="http://schemas.microsoft.com/office/drawing/2014/main" id="{126DC54C-87CA-476C-BA8D-E093DE315B1F}"/>
+              </a:ext>
+            </a:extLst>
+          </p:cNvPr>
+          <p:cNvGrpSpPr/>
+          <p:nvPr/>
+        </p:nvGrpSpPr>
+        <p:grpSpPr>
+          <a:xfrm>
+            <a:off x="811157" y="941839"/>
+            <a:ext cx="5100846" cy="4101540"/>
+            <a:chOff x="811157" y="941839"/>
+            <a:chExt cx="5100846" cy="4101540"/>
+          </a:xfrm>
+        </p:grpSpPr>
+        <p:sp>
+          <p:nvSpPr>
+            <p:cNvPr id="8" name="Rectángulo: esquinas redondeadas 7">
+              <a:extLst>
+                <a:ext uri="{FF2B5EF4-FFF2-40B4-BE49-F238E27FC236}">
+                  <a16:creationId xmlns:a16="http://schemas.microsoft.com/office/drawing/2014/main" id="{3C96070C-B559-466F-BE0B-582A09FD6D6E}"/>
+                </a:ext>
+              </a:extLst>
+            </p:cNvPr>
+            <p:cNvSpPr/>
+            <p:nvPr/>
+          </p:nvSpPr>
+          <p:spPr>
+            <a:xfrm>
+              <a:off x="811157" y="941839"/>
+              <a:ext cx="5100846" cy="3569110"/>
+            </a:xfrm>
+            <a:prstGeom prst="roundRect">
+              <a:avLst>
+                <a:gd name="adj" fmla="val 4863"/>
+              </a:avLst>
+            </a:prstGeom>
+            <a:solidFill>
+              <a:srgbClr val="57585A"/>
+            </a:solidFill>
+            <a:ln>
+              <a:noFill/>
+            </a:ln>
+          </p:spPr>
+          <p:style>
+            <a:lnRef idx="2">
+              <a:schemeClr val="accent1">
+                <a:shade val="50000"/>
+              </a:schemeClr>
+            </a:lnRef>
+            <a:fillRef idx="1">
+              <a:schemeClr val="accent1"/>
+            </a:fillRef>
+            <a:effectRef idx="0">
+              <a:schemeClr val="accent1"/>
+            </a:effectRef>
+            <a:fontRef idx="minor">
+              <a:schemeClr val="lt1"/>
+            </a:fontRef>
+          </p:style>
+          <p:txBody>
+            <a:bodyPr rtlCol="0" anchor="ctr"/>
+            <a:lstStyle/>
+            <a:p>
+              <a:pPr algn="ctr"/>
+              <a:endParaRPr lang="es-419"/>
+            </a:p>
+          </p:txBody>
+        </p:sp>
+        <p:sp>
+          <p:nvSpPr>
+            <p:cNvPr id="9" name="Rectángulo 8">
+              <a:extLst>
+                <a:ext uri="{FF2B5EF4-FFF2-40B4-BE49-F238E27FC236}">
+                  <a16:creationId xmlns:a16="http://schemas.microsoft.com/office/drawing/2014/main" id="{EAF2522F-C6E5-494A-853E-D291B3795D66}"/>
+                </a:ext>
+              </a:extLst>
+            </p:cNvPr>
+            <p:cNvSpPr/>
+            <p:nvPr/>
+          </p:nvSpPr>
+          <p:spPr>
+            <a:xfrm>
+              <a:off x="978304" y="1079491"/>
+              <a:ext cx="4770413" cy="3274142"/>
+            </a:xfrm>
+            <a:prstGeom prst="rect">
+              <a:avLst/>
+            </a:prstGeom>
+            <a:solidFill>
+              <a:srgbClr val="FFFFFF"/>
+            </a:solidFill>
+            <a:ln>
+              <a:noFill/>
+            </a:ln>
+          </p:spPr>
+          <p:style>
+            <a:lnRef idx="2">
+              <a:schemeClr val="accent1">
+                <a:shade val="50000"/>
+              </a:schemeClr>
+            </a:lnRef>
+            <a:fillRef idx="1">
+              <a:schemeClr val="accent1"/>
+            </a:fillRef>
+            <a:effectRef idx="0">
+              <a:schemeClr val="accent1"/>
+            </a:effectRef>
+            <a:fontRef idx="minor">
+              <a:schemeClr val="lt1"/>
+            </a:fontRef>
+          </p:style>
+          <p:txBody>
+            <a:bodyPr rtlCol="0" anchor="ctr"/>
+            <a:lstStyle/>
+            <a:p>
+              <a:pPr algn="ctr"/>
+              <a:endParaRPr lang="es-419"/>
+            </a:p>
+          </p:txBody>
+        </p:sp>
+        <p:grpSp>
+          <p:nvGrpSpPr>
+            <p:cNvPr id="2" name="Grupo 1">
+              <a:extLst>
+                <a:ext uri="{FF2B5EF4-FFF2-40B4-BE49-F238E27FC236}">
+                  <a16:creationId xmlns:a16="http://schemas.microsoft.com/office/drawing/2014/main" id="{F80E560C-2C45-4450-9FFB-A3B02C340112}"/>
+                </a:ext>
+              </a:extLst>
+            </p:cNvPr>
+            <p:cNvGrpSpPr/>
+            <p:nvPr/>
+          </p:nvGrpSpPr>
+          <p:grpSpPr>
+            <a:xfrm>
+              <a:off x="2486884" y="4510949"/>
+              <a:ext cx="1749392" cy="532430"/>
+              <a:chOff x="2471419" y="4445970"/>
+              <a:chExt cx="1749392" cy="532430"/>
+            </a:xfrm>
+          </p:grpSpPr>
+          <p:sp>
+            <p:nvSpPr>
+              <p:cNvPr id="18" name="Paralelogramo 17">
+                <a:extLst>
+                  <a:ext uri="{FF2B5EF4-FFF2-40B4-BE49-F238E27FC236}">
+                    <a16:creationId xmlns:a16="http://schemas.microsoft.com/office/drawing/2014/main" id="{4C496AA3-F0C1-4825-880C-B256E4C3E6E5}"/>
+                  </a:ext>
+                </a:extLst>
+              </p:cNvPr>
+              <p:cNvSpPr/>
+              <p:nvPr/>
+            </p:nvSpPr>
+            <p:spPr>
+              <a:xfrm>
+                <a:off x="2471420" y="4650312"/>
+                <a:ext cx="1545460" cy="241930"/>
+              </a:xfrm>
+              <a:prstGeom prst="parallelogram">
+                <a:avLst>
+                  <a:gd name="adj" fmla="val 84348"/>
+                </a:avLst>
+              </a:prstGeom>
+              <a:solidFill>
+                <a:srgbClr val="929DAC"/>
+              </a:solidFill>
+              <a:ln>
+                <a:noFill/>
+              </a:ln>
+            </p:spPr>
+            <p:style>
+              <a:lnRef idx="2">
+                <a:schemeClr val="accent1">
+                  <a:shade val="50000"/>
+                </a:schemeClr>
+              </a:lnRef>
+              <a:fillRef idx="1">
+                <a:schemeClr val="accent1"/>
+              </a:fillRef>
+              <a:effectRef idx="0">
+                <a:schemeClr val="accent1"/>
+              </a:effectRef>
+              <a:fontRef idx="minor">
+                <a:schemeClr val="lt1"/>
+              </a:fontRef>
+            </p:style>
+            <p:txBody>
+              <a:bodyPr rtlCol="0" anchor="ctr"/>
+              <a:lstStyle/>
+              <a:p>
+                <a:pPr algn="ctr"/>
+                <a:endParaRPr lang="es-419"/>
+              </a:p>
+            </p:txBody>
+          </p:sp>
+          <p:sp>
+            <p:nvSpPr>
+              <p:cNvPr id="40" name="Rectángulo 39">
+                <a:extLst>
+                  <a:ext uri="{FF2B5EF4-FFF2-40B4-BE49-F238E27FC236}">
+                    <a16:creationId xmlns:a16="http://schemas.microsoft.com/office/drawing/2014/main" id="{DBEC2C6E-B0D1-4F43-8DF5-A9EE86AF5E83}"/>
+                  </a:ext>
+                </a:extLst>
+              </p:cNvPr>
+              <p:cNvSpPr/>
+              <p:nvPr/>
+            </p:nvSpPr>
+            <p:spPr>
+              <a:xfrm>
+                <a:off x="2675351" y="4445970"/>
+                <a:ext cx="1341529" cy="204342"/>
+              </a:xfrm>
+              <a:prstGeom prst="rect">
+                <a:avLst/>
+              </a:prstGeom>
+              <a:solidFill>
+                <a:srgbClr val="697789"/>
+              </a:solidFill>
+              <a:ln>
+                <a:noFill/>
+              </a:ln>
+            </p:spPr>
+            <p:style>
+              <a:lnRef idx="2">
+                <a:schemeClr val="accent1">
+                  <a:shade val="50000"/>
+                </a:schemeClr>
+              </a:lnRef>
+              <a:fillRef idx="1">
+                <a:schemeClr val="accent1"/>
+              </a:fillRef>
+              <a:effectRef idx="0">
+                <a:schemeClr val="accent1"/>
+              </a:effectRef>
+              <a:fontRef idx="minor">
+                <a:schemeClr val="lt1"/>
+              </a:fontRef>
+            </p:style>
+            <p:txBody>
+              <a:bodyPr rtlCol="0" anchor="ctr"/>
+              <a:lstStyle/>
+              <a:p>
+                <a:pPr algn="ctr"/>
+                <a:endParaRPr lang="es-419"/>
+              </a:p>
+            </p:txBody>
+          </p:sp>
+          <p:sp>
+            <p:nvSpPr>
+              <p:cNvPr id="41" name="Paralelogramo 40">
+                <a:extLst>
+                  <a:ext uri="{FF2B5EF4-FFF2-40B4-BE49-F238E27FC236}">
+                    <a16:creationId xmlns:a16="http://schemas.microsoft.com/office/drawing/2014/main" id="{AC6D27A2-620A-41AB-946E-C5E82077ECF2}"/>
+                  </a:ext>
+                </a:extLst>
+              </p:cNvPr>
+              <p:cNvSpPr/>
+              <p:nvPr/>
+            </p:nvSpPr>
+            <p:spPr>
+              <a:xfrm flipH="1">
+                <a:off x="2675351" y="4650312"/>
+                <a:ext cx="1545460" cy="241930"/>
+              </a:xfrm>
+              <a:prstGeom prst="parallelogram">
+                <a:avLst>
+                  <a:gd name="adj" fmla="val 84348"/>
+                </a:avLst>
+              </a:prstGeom>
+              <a:solidFill>
+                <a:srgbClr val="929DAC"/>
+              </a:solidFill>
+              <a:ln>
+                <a:noFill/>
+              </a:ln>
+            </p:spPr>
+            <p:style>
+              <a:lnRef idx="2">
+                <a:schemeClr val="accent1">
+                  <a:shade val="50000"/>
+                </a:schemeClr>
+              </a:lnRef>
+              <a:fillRef idx="1">
+                <a:schemeClr val="accent1"/>
+              </a:fillRef>
+              <a:effectRef idx="0">
+                <a:schemeClr val="accent1"/>
+              </a:effectRef>
+              <a:fontRef idx="minor">
+                <a:schemeClr val="lt1"/>
+              </a:fontRef>
+            </p:style>
+            <p:txBody>
+              <a:bodyPr rtlCol="0" anchor="ctr"/>
+              <a:lstStyle/>
+              <a:p>
+                <a:pPr algn="ctr"/>
+                <a:endParaRPr lang="es-419"/>
+              </a:p>
+            </p:txBody>
+          </p:sp>
+          <p:sp>
+            <p:nvSpPr>
+              <p:cNvPr id="42" name="Rectángulo 41">
+                <a:extLst>
+                  <a:ext uri="{FF2B5EF4-FFF2-40B4-BE49-F238E27FC236}">
+                    <a16:creationId xmlns:a16="http://schemas.microsoft.com/office/drawing/2014/main" id="{AFBA8D3C-E236-4175-98B7-8234B270253E}"/>
+                  </a:ext>
+                </a:extLst>
+              </p:cNvPr>
+              <p:cNvSpPr/>
+              <p:nvPr/>
+            </p:nvSpPr>
+            <p:spPr>
+              <a:xfrm>
+                <a:off x="2471419" y="4892242"/>
+                <a:ext cx="1749392" cy="86158"/>
+              </a:xfrm>
+              <a:prstGeom prst="rect">
+                <a:avLst/>
+              </a:prstGeom>
+              <a:solidFill>
+                <a:schemeClr val="bg1">
+                  <a:lumMod val="75000"/>
+                </a:schemeClr>
+              </a:solidFill>
+              <a:ln>
+                <a:noFill/>
+              </a:ln>
+            </p:spPr>
+            <p:style>
+              <a:lnRef idx="2">
+                <a:schemeClr val="accent1">
+                  <a:shade val="50000"/>
+                </a:schemeClr>
+              </a:lnRef>
+              <a:fillRef idx="1">
+                <a:schemeClr val="accent1"/>
+              </a:fillRef>
+              <a:effectRef idx="0">
+                <a:schemeClr val="accent1"/>
+              </a:effectRef>
+              <a:fontRef idx="minor">
+                <a:schemeClr val="lt1"/>
+              </a:fontRef>
+            </p:style>
+            <p:txBody>
+              <a:bodyPr rtlCol="0" anchor="ctr"/>
+              <a:lstStyle/>
+              <a:p>
+                <a:pPr algn="ctr"/>
+                <a:endParaRPr lang="es-419"/>
+              </a:p>
+            </p:txBody>
+          </p:sp>
+        </p:grpSp>
+      </p:grpSp>
+      <p:grpSp>
+        <p:nvGrpSpPr>
+          <p:cNvPr id="43" name="Grupo 42">
+            <a:extLst>
+              <a:ext uri="{FF2B5EF4-FFF2-40B4-BE49-F238E27FC236}">
+                <a16:creationId xmlns:a16="http://schemas.microsoft.com/office/drawing/2014/main" id="{798F6B6F-A2B4-4A20-942C-3156C630D30C}"/>
+              </a:ext>
+            </a:extLst>
+          </p:cNvPr>
+          <p:cNvGrpSpPr/>
+          <p:nvPr/>
+        </p:nvGrpSpPr>
+        <p:grpSpPr>
+          <a:xfrm>
+            <a:off x="6077153" y="941839"/>
+            <a:ext cx="5100846" cy="4101540"/>
+            <a:chOff x="863471" y="878348"/>
+            <a:chExt cx="5100846" cy="4101540"/>
+          </a:xfrm>
+        </p:grpSpPr>
+        <p:sp>
+          <p:nvSpPr>
+            <p:cNvPr id="44" name="Rectángulo: esquinas redondeadas 43">
+              <a:extLst>
+                <a:ext uri="{FF2B5EF4-FFF2-40B4-BE49-F238E27FC236}">
+                  <a16:creationId xmlns:a16="http://schemas.microsoft.com/office/drawing/2014/main" id="{FC2B0FFF-94EF-46B9-94E7-42E85493F4CE}"/>
+                </a:ext>
+              </a:extLst>
+            </p:cNvPr>
+            <p:cNvSpPr/>
+            <p:nvPr/>
+          </p:nvSpPr>
+          <p:spPr>
+            <a:xfrm>
+              <a:off x="863471" y="878348"/>
+              <a:ext cx="5100846" cy="3569110"/>
+            </a:xfrm>
+            <a:prstGeom prst="roundRect">
+              <a:avLst>
+                <a:gd name="adj" fmla="val 4863"/>
+              </a:avLst>
+            </a:prstGeom>
+            <a:solidFill>
+              <a:srgbClr val="57585A"/>
+            </a:solidFill>
+            <a:ln>
+              <a:noFill/>
+            </a:ln>
+          </p:spPr>
+          <p:style>
+            <a:lnRef idx="2">
+              <a:schemeClr val="accent1">
+                <a:shade val="50000"/>
+              </a:schemeClr>
+            </a:lnRef>
+            <a:fillRef idx="1">
+              <a:schemeClr val="accent1"/>
+            </a:fillRef>
+            <a:effectRef idx="0">
+              <a:schemeClr val="accent1"/>
+            </a:effectRef>
+            <a:fontRef idx="minor">
+              <a:schemeClr val="lt1"/>
+            </a:fontRef>
+          </p:style>
+          <p:txBody>
+            <a:bodyPr rtlCol="0" anchor="ctr"/>
+            <a:lstStyle/>
+            <a:p>
+              <a:pPr algn="ctr"/>
+              <a:endParaRPr lang="es-419"/>
+            </a:p>
+          </p:txBody>
+        </p:sp>
+        <p:sp>
+          <p:nvSpPr>
+            <p:cNvPr id="45" name="Rectángulo 44">
+              <a:extLst>
+                <a:ext uri="{FF2B5EF4-FFF2-40B4-BE49-F238E27FC236}">
+                  <a16:creationId xmlns:a16="http://schemas.microsoft.com/office/drawing/2014/main" id="{71F57EB1-A097-41EF-9AC2-5F4D44890A08}"/>
+                </a:ext>
+              </a:extLst>
+            </p:cNvPr>
+            <p:cNvSpPr/>
+            <p:nvPr/>
+          </p:nvSpPr>
+          <p:spPr>
+            <a:xfrm>
+              <a:off x="1031466" y="1016000"/>
+              <a:ext cx="4769565" cy="3274142"/>
+            </a:xfrm>
+            <a:prstGeom prst="rect">
+              <a:avLst/>
+            </a:prstGeom>
+            <a:solidFill>
+              <a:srgbClr val="FFFFFF"/>
+            </a:solidFill>
+            <a:ln>
+              <a:noFill/>
+            </a:ln>
+          </p:spPr>
+          <p:style>
+            <a:lnRef idx="2">
+              <a:schemeClr val="accent1">
+                <a:shade val="50000"/>
+              </a:schemeClr>
+            </a:lnRef>
+            <a:fillRef idx="1">
+              <a:schemeClr val="accent1"/>
+            </a:fillRef>
+            <a:effectRef idx="0">
+              <a:schemeClr val="accent1"/>
+            </a:effectRef>
+            <a:fontRef idx="minor">
+              <a:schemeClr val="lt1"/>
+            </a:fontRef>
+          </p:style>
+          <p:txBody>
+            <a:bodyPr rtlCol="0" anchor="ctr"/>
+            <a:lstStyle/>
+            <a:p>
+              <a:pPr algn="ctr"/>
+              <a:endParaRPr lang="es-419"/>
+            </a:p>
+          </p:txBody>
+        </p:sp>
+        <p:grpSp>
+          <p:nvGrpSpPr>
+            <p:cNvPr id="46" name="Grupo 45">
+              <a:extLst>
+                <a:ext uri="{FF2B5EF4-FFF2-40B4-BE49-F238E27FC236}">
+                  <a16:creationId xmlns:a16="http://schemas.microsoft.com/office/drawing/2014/main" id="{D70F0376-8060-4892-BA45-7BF077FFF55B}"/>
+                </a:ext>
+              </a:extLst>
+            </p:cNvPr>
+            <p:cNvGrpSpPr/>
+            <p:nvPr/>
+          </p:nvGrpSpPr>
+          <p:grpSpPr>
+            <a:xfrm>
+              <a:off x="2539198" y="4447458"/>
+              <a:ext cx="1749392" cy="532430"/>
+              <a:chOff x="2471419" y="4445970"/>
+              <a:chExt cx="1749392" cy="532430"/>
+            </a:xfrm>
+          </p:grpSpPr>
+          <p:sp>
+            <p:nvSpPr>
+              <p:cNvPr id="47" name="Paralelogramo 46">
+                <a:extLst>
+                  <a:ext uri="{FF2B5EF4-FFF2-40B4-BE49-F238E27FC236}">
+                    <a16:creationId xmlns:a16="http://schemas.microsoft.com/office/drawing/2014/main" id="{724D8711-9724-4810-8615-3448ED81D098}"/>
+                  </a:ext>
+                </a:extLst>
+              </p:cNvPr>
+              <p:cNvSpPr/>
+              <p:nvPr/>
+            </p:nvSpPr>
+            <p:spPr>
+              <a:xfrm>
+                <a:off x="2471420" y="4650312"/>
+                <a:ext cx="1545460" cy="241930"/>
+              </a:xfrm>
+              <a:prstGeom prst="parallelogram">
+                <a:avLst>
+                  <a:gd name="adj" fmla="val 84348"/>
+                </a:avLst>
+              </a:prstGeom>
+              <a:solidFill>
+                <a:srgbClr val="929DAC"/>
+              </a:solidFill>
+              <a:ln>
+                <a:noFill/>
+              </a:ln>
+            </p:spPr>
+            <p:style>
+              <a:lnRef idx="2">
+                <a:schemeClr val="accent1">
+                  <a:shade val="50000"/>
+                </a:schemeClr>
+              </a:lnRef>
+              <a:fillRef idx="1">
+                <a:schemeClr val="accent1"/>
+              </a:fillRef>
+              <a:effectRef idx="0">
+                <a:schemeClr val="accent1"/>
+              </a:effectRef>
+              <a:fontRef idx="minor">
+                <a:schemeClr val="lt1"/>
+              </a:fontRef>
+            </p:style>
+            <p:txBody>
+              <a:bodyPr rtlCol="0" anchor="ctr"/>
+              <a:lstStyle/>
+              <a:p>
+                <a:pPr algn="ctr"/>
+                <a:endParaRPr lang="es-419"/>
+              </a:p>
+            </p:txBody>
+          </p:sp>
+          <p:sp>
+            <p:nvSpPr>
+              <p:cNvPr id="48" name="Rectángulo 47">
+                <a:extLst>
+                  <a:ext uri="{FF2B5EF4-FFF2-40B4-BE49-F238E27FC236}">
+                    <a16:creationId xmlns:a16="http://schemas.microsoft.com/office/drawing/2014/main" id="{F59536A1-907F-4069-8909-63A701FB56F2}"/>
+                  </a:ext>
+                </a:extLst>
+              </p:cNvPr>
+              <p:cNvSpPr/>
+              <p:nvPr/>
+            </p:nvSpPr>
+            <p:spPr>
+              <a:xfrm>
+                <a:off x="2675351" y="4445970"/>
+                <a:ext cx="1341529" cy="204342"/>
+              </a:xfrm>
+              <a:prstGeom prst="rect">
+                <a:avLst/>
+              </a:prstGeom>
+              <a:solidFill>
+                <a:srgbClr val="697789"/>
+              </a:solidFill>
+              <a:ln>
+                <a:noFill/>
+              </a:ln>
+            </p:spPr>
+            <p:style>
+              <a:lnRef idx="2">
+                <a:schemeClr val="accent1">
+                  <a:shade val="50000"/>
+                </a:schemeClr>
+              </a:lnRef>
+              <a:fillRef idx="1">
+                <a:schemeClr val="accent1"/>
+              </a:fillRef>
+              <a:effectRef idx="0">
+                <a:schemeClr val="accent1"/>
+              </a:effectRef>
+              <a:fontRef idx="minor">
+                <a:schemeClr val="lt1"/>
+              </a:fontRef>
+            </p:style>
+            <p:txBody>
+              <a:bodyPr rtlCol="0" anchor="ctr"/>
+              <a:lstStyle/>
+              <a:p>
+                <a:pPr algn="ctr"/>
+                <a:endParaRPr lang="es-419"/>
+              </a:p>
+            </p:txBody>
+          </p:sp>
+          <p:sp>
+            <p:nvSpPr>
+              <p:cNvPr id="49" name="Paralelogramo 48">
+                <a:extLst>
+                  <a:ext uri="{FF2B5EF4-FFF2-40B4-BE49-F238E27FC236}">
+                    <a16:creationId xmlns:a16="http://schemas.microsoft.com/office/drawing/2014/main" id="{C12CDFD5-4890-4393-A33E-7AF8A53B230F}"/>
+                  </a:ext>
+                </a:extLst>
+              </p:cNvPr>
+              <p:cNvSpPr/>
+              <p:nvPr/>
+            </p:nvSpPr>
+            <p:spPr>
+              <a:xfrm flipH="1">
+                <a:off x="2675351" y="4650312"/>
+                <a:ext cx="1545460" cy="241930"/>
+              </a:xfrm>
+              <a:prstGeom prst="parallelogram">
+                <a:avLst>
+                  <a:gd name="adj" fmla="val 84348"/>
+                </a:avLst>
+              </a:prstGeom>
+              <a:solidFill>
+                <a:srgbClr val="929DAC"/>
+              </a:solidFill>
+              <a:ln>
+                <a:noFill/>
+              </a:ln>
+            </p:spPr>
+            <p:style>
+              <a:lnRef idx="2">
+                <a:schemeClr val="accent1">
+                  <a:shade val="50000"/>
+                </a:schemeClr>
+              </a:lnRef>
+              <a:fillRef idx="1">
+                <a:schemeClr val="accent1"/>
+              </a:fillRef>
+              <a:effectRef idx="0">
+                <a:schemeClr val="accent1"/>
+              </a:effectRef>
+              <a:fontRef idx="minor">
+                <a:schemeClr val="lt1"/>
+              </a:fontRef>
+            </p:style>
+            <p:txBody>
+              <a:bodyPr rtlCol="0" anchor="ctr"/>
+              <a:lstStyle/>
+              <a:p>
+                <a:pPr algn="ctr"/>
+                <a:endParaRPr lang="es-419"/>
+              </a:p>
+            </p:txBody>
+          </p:sp>
+          <p:sp>
+            <p:nvSpPr>
+              <p:cNvPr id="50" name="Rectángulo 49">
+                <a:extLst>
+                  <a:ext uri="{FF2B5EF4-FFF2-40B4-BE49-F238E27FC236}">
+                    <a16:creationId xmlns:a16="http://schemas.microsoft.com/office/drawing/2014/main" id="{EA697EFE-5D72-430F-B277-EC5DEAB067EE}"/>
+                  </a:ext>
+                </a:extLst>
+              </p:cNvPr>
+              <p:cNvSpPr/>
+              <p:nvPr/>
+            </p:nvSpPr>
+            <p:spPr>
+              <a:xfrm>
+                <a:off x="2471419" y="4892242"/>
+                <a:ext cx="1749392" cy="86158"/>
+              </a:xfrm>
+              <a:prstGeom prst="rect">
+                <a:avLst/>
+              </a:prstGeom>
+              <a:solidFill>
+                <a:schemeClr val="bg1">
+                  <a:lumMod val="75000"/>
+                </a:schemeClr>
+              </a:solidFill>
+              <a:ln>
+                <a:noFill/>
+              </a:ln>
+            </p:spPr>
+            <p:style>
+              <a:lnRef idx="2">
+                <a:schemeClr val="accent1">
+                  <a:shade val="50000"/>
+                </a:schemeClr>
+              </a:lnRef>
+              <a:fillRef idx="1">
+                <a:schemeClr val="accent1"/>
+              </a:fillRef>
+              <a:effectRef idx="0">
+                <a:schemeClr val="accent1"/>
+              </a:effectRef>
+              <a:fontRef idx="minor">
+                <a:schemeClr val="lt1"/>
+              </a:fontRef>
+            </p:style>
+            <p:txBody>
+              <a:bodyPr rtlCol="0" anchor="ctr"/>
+              <a:lstStyle/>
+              <a:p>
+                <a:pPr algn="ctr"/>
+                <a:endParaRPr lang="es-419"/>
+              </a:p>
+            </p:txBody>
+          </p:sp>
+        </p:grpSp>
+      </p:grpSp>
+      <p:sp>
+        <p:nvSpPr>
+          <p:cNvPr id="27" name="Rectángulo 26">
+            <a:extLst>
+              <a:ext uri="{FF2B5EF4-FFF2-40B4-BE49-F238E27FC236}">
+                <a16:creationId xmlns:a16="http://schemas.microsoft.com/office/drawing/2014/main" id="{94AC324A-02E2-4EFD-8EF2-12B05DD7D676}"/>
+              </a:ext>
+            </a:extLst>
+          </p:cNvPr>
+          <p:cNvSpPr/>
+          <p:nvPr/>
+        </p:nvSpPr>
+        <p:spPr>
+          <a:xfrm>
+            <a:off x="978304" y="1069795"/>
+            <a:ext cx="4770414" cy="85888"/>
+          </a:xfrm>
+          <a:prstGeom prst="rect">
+            <a:avLst/>
+          </a:prstGeom>
+          <a:solidFill>
+            <a:srgbClr val="217346"/>
+          </a:solidFill>
+          <a:ln>
+            <a:noFill/>
+          </a:ln>
+        </p:spPr>
+        <p:style>
+          <a:lnRef idx="2">
+            <a:schemeClr val="accent1">
+              <a:shade val="50000"/>
+            </a:schemeClr>
+          </a:lnRef>
+          <a:fillRef idx="1">
+            <a:schemeClr val="accent1"/>
+          </a:fillRef>
+          <a:effectRef idx="0">
+            <a:schemeClr val="accent1"/>
+          </a:effectRef>
+          <a:fontRef idx="minor">
+            <a:schemeClr val="lt1"/>
+          </a:fontRef>
+        </p:style>
+        <p:txBody>
+          <a:bodyPr rtlCol="0" anchor="ctr"/>
+          <a:lstStyle/>
+          <a:p>
+            <a:pPr algn="ctr"/>
+            <a:endParaRPr lang="es-419"/>
+          </a:p>
+        </p:txBody>
+      </p:sp>
+      <p:sp>
+        <p:nvSpPr>
+          <p:cNvPr id="28" name="Rectángulo 27">
+            <a:extLst>
+              <a:ext uri="{FF2B5EF4-FFF2-40B4-BE49-F238E27FC236}">
+                <a16:creationId xmlns:a16="http://schemas.microsoft.com/office/drawing/2014/main" id="{F63B8CA7-63AF-42E8-83CC-E0E4D710FDCA}"/>
+              </a:ext>
+            </a:extLst>
+          </p:cNvPr>
+          <p:cNvSpPr/>
+          <p:nvPr/>
+        </p:nvSpPr>
+        <p:spPr>
+          <a:xfrm>
+            <a:off x="978303" y="1155386"/>
+            <a:ext cx="4770413" cy="190813"/>
+          </a:xfrm>
+          <a:prstGeom prst="rect">
+            <a:avLst/>
+          </a:prstGeom>
+          <a:solidFill>
+            <a:srgbClr val="F3F3F3"/>
+          </a:solidFill>
+          <a:ln>
+            <a:noFill/>
+          </a:ln>
+        </p:spPr>
+        <p:style>
+          <a:lnRef idx="2">
+            <a:schemeClr val="accent1">
+              <a:shade val="50000"/>
+            </a:schemeClr>
+          </a:lnRef>
+          <a:fillRef idx="1">
+            <a:schemeClr val="accent1"/>
+          </a:fillRef>
+          <a:effectRef idx="0">
+            <a:schemeClr val="accent1"/>
+          </a:effectRef>
+          <a:fontRef idx="minor">
+            <a:schemeClr val="lt1"/>
+          </a:fontRef>
+        </p:style>
+        <p:txBody>
+          <a:bodyPr rtlCol="0" anchor="ctr"/>
+          <a:lstStyle/>
+          <a:p>
+            <a:pPr algn="ctr"/>
+            <a:endParaRPr lang="es-419"/>
+          </a:p>
+        </p:txBody>
+      </p:sp>
+      <p:sp>
+        <p:nvSpPr>
+          <p:cNvPr id="29" name="Signo de multiplicación 28">
+            <a:extLst>
+              <a:ext uri="{FF2B5EF4-FFF2-40B4-BE49-F238E27FC236}">
+                <a16:creationId xmlns:a16="http://schemas.microsoft.com/office/drawing/2014/main" id="{F10AD5B8-DAC0-4BBE-A8A9-A19D7EE29B19}"/>
+              </a:ext>
+            </a:extLst>
+          </p:cNvPr>
+          <p:cNvSpPr/>
+          <p:nvPr/>
+        </p:nvSpPr>
+        <p:spPr>
+          <a:xfrm>
+            <a:off x="5666274" y="1069795"/>
+            <a:ext cx="81593" cy="75756"/>
+          </a:xfrm>
+          <a:prstGeom prst="mathMultiply">
+            <a:avLst>
+              <a:gd name="adj1" fmla="val 13236"/>
+            </a:avLst>
+          </a:prstGeom>
+          <a:solidFill>
+            <a:srgbClr val="F3F3F3"/>
+          </a:solidFill>
+          <a:ln>
+            <a:noFill/>
+          </a:ln>
+        </p:spPr>
+        <p:style>
+          <a:lnRef idx="2">
+            <a:schemeClr val="accent1">
+              <a:shade val="50000"/>
+            </a:schemeClr>
+          </a:lnRef>
+          <a:fillRef idx="1">
+            <a:schemeClr val="accent1"/>
+          </a:fillRef>
+          <a:effectRef idx="0">
+            <a:schemeClr val="accent1"/>
+          </a:effectRef>
+          <a:fontRef idx="minor">
+            <a:schemeClr val="lt1"/>
+          </a:fontRef>
+        </p:style>
+        <p:txBody>
+          <a:bodyPr rtlCol="0" anchor="ctr"/>
+          <a:lstStyle/>
+          <a:p>
+            <a:pPr algn="ctr"/>
+            <a:endParaRPr lang="es-419"/>
+          </a:p>
+        </p:txBody>
+      </p:sp>
+      <p:sp>
+        <p:nvSpPr>
+          <p:cNvPr id="30" name="Rectángulo 29">
+            <a:extLst>
+              <a:ext uri="{FF2B5EF4-FFF2-40B4-BE49-F238E27FC236}">
+                <a16:creationId xmlns:a16="http://schemas.microsoft.com/office/drawing/2014/main" id="{4F46FF3C-B8FA-4617-882D-812D09BCB314}"/>
+              </a:ext>
+            </a:extLst>
+          </p:cNvPr>
+          <p:cNvSpPr/>
+          <p:nvPr/>
+        </p:nvSpPr>
+        <p:spPr>
+          <a:xfrm>
+            <a:off x="6244031" y="1069795"/>
+            <a:ext cx="4771802" cy="85888"/>
+          </a:xfrm>
+          <a:prstGeom prst="rect">
+            <a:avLst/>
+          </a:prstGeom>
+          <a:solidFill>
+            <a:srgbClr val="217346"/>
+          </a:solidFill>
+          <a:ln>
+            <a:noFill/>
+          </a:ln>
+        </p:spPr>
+        <p:style>
+          <a:lnRef idx="2">
+            <a:schemeClr val="accent1">
+              <a:shade val="50000"/>
+            </a:schemeClr>
+          </a:lnRef>
+          <a:fillRef idx="1">
+            <a:schemeClr val="accent1"/>
+          </a:fillRef>
+          <a:effectRef idx="0">
+            <a:schemeClr val="accent1"/>
+          </a:effectRef>
+          <a:fontRef idx="minor">
+            <a:schemeClr val="lt1"/>
+          </a:fontRef>
+        </p:style>
+        <p:txBody>
+          <a:bodyPr rtlCol="0" anchor="ctr"/>
+          <a:lstStyle/>
+          <a:p>
+            <a:pPr algn="ctr"/>
+            <a:endParaRPr lang="es-419"/>
+          </a:p>
+        </p:txBody>
+      </p:sp>
+      <p:sp>
+        <p:nvSpPr>
+          <p:cNvPr id="31" name="Rectángulo 30">
+            <a:extLst>
+              <a:ext uri="{FF2B5EF4-FFF2-40B4-BE49-F238E27FC236}">
+                <a16:creationId xmlns:a16="http://schemas.microsoft.com/office/drawing/2014/main" id="{995850BB-0290-44B0-8CDF-83EBF5F38ACE}"/>
+              </a:ext>
+            </a:extLst>
+          </p:cNvPr>
+          <p:cNvSpPr/>
+          <p:nvPr/>
+        </p:nvSpPr>
+        <p:spPr>
+          <a:xfrm>
+            <a:off x="6246267" y="1155386"/>
+            <a:ext cx="4769564" cy="190813"/>
+          </a:xfrm>
+          <a:prstGeom prst="rect">
+            <a:avLst/>
+          </a:prstGeom>
+          <a:solidFill>
+            <a:srgbClr val="F3F3F3"/>
+          </a:solidFill>
+          <a:ln>
+            <a:noFill/>
+          </a:ln>
+        </p:spPr>
+        <p:style>
+          <a:lnRef idx="2">
+            <a:schemeClr val="accent1">
+              <a:shade val="50000"/>
+            </a:schemeClr>
+          </a:lnRef>
+          <a:fillRef idx="1">
+            <a:schemeClr val="accent1"/>
+          </a:fillRef>
+          <a:effectRef idx="0">
+            <a:schemeClr val="accent1"/>
+          </a:effectRef>
+          <a:fontRef idx="minor">
+            <a:schemeClr val="lt1"/>
+          </a:fontRef>
+        </p:style>
+        <p:txBody>
+          <a:bodyPr rtlCol="0" anchor="ctr"/>
+          <a:lstStyle/>
+          <a:p>
+            <a:pPr algn="ctr"/>
+            <a:endParaRPr lang="es-419"/>
+          </a:p>
+        </p:txBody>
+      </p:sp>
+      <p:sp>
+        <p:nvSpPr>
+          <p:cNvPr id="32" name="Signo de multiplicación 31">
+            <a:extLst>
+              <a:ext uri="{FF2B5EF4-FFF2-40B4-BE49-F238E27FC236}">
+                <a16:creationId xmlns:a16="http://schemas.microsoft.com/office/drawing/2014/main" id="{F0BDBE99-BC19-4B23-8C5B-5E6505F93362}"/>
+              </a:ext>
+            </a:extLst>
+          </p:cNvPr>
+          <p:cNvSpPr/>
+          <p:nvPr/>
+        </p:nvSpPr>
+        <p:spPr>
+          <a:xfrm>
+            <a:off x="10934237" y="1069795"/>
+            <a:ext cx="81593" cy="75756"/>
+          </a:xfrm>
+          <a:prstGeom prst="mathMultiply">
+            <a:avLst>
+              <a:gd name="adj1" fmla="val 13236"/>
+            </a:avLst>
+          </a:prstGeom>
+          <a:solidFill>
+            <a:srgbClr val="F3F3F3"/>
+          </a:solidFill>
+          <a:ln>
+            <a:noFill/>
+          </a:ln>
+        </p:spPr>
+        <p:style>
+          <a:lnRef idx="2">
+            <a:schemeClr val="accent1">
+              <a:shade val="50000"/>
+            </a:schemeClr>
+          </a:lnRef>
+          <a:fillRef idx="1">
+            <a:schemeClr val="accent1"/>
+          </a:fillRef>
+          <a:effectRef idx="0">
+            <a:schemeClr val="accent1"/>
+          </a:effectRef>
+          <a:fontRef idx="minor">
+            <a:schemeClr val="lt1"/>
+          </a:fontRef>
+        </p:style>
+        <p:txBody>
+          <a:bodyPr rtlCol="0" anchor="ctr"/>
+          <a:lstStyle/>
+          <a:p>
+            <a:pPr algn="ctr"/>
+            <a:endParaRPr lang="es-419"/>
+          </a:p>
+        </p:txBody>
+      </p:sp>
+    </p:spTree>
+    <p:extLst>
+      <p:ext uri="{BB962C8B-B14F-4D97-AF65-F5344CB8AC3E}">
+        <p14:creationId xmlns:p14="http://schemas.microsoft.com/office/powerpoint/2010/main" val="280598131"/>
+      </p:ext>
+    </p:extLst>
+  </p:cSld>
+  <p:clrMapOvr>
+    <a:masterClrMapping/>
+  </p:clrMapOvr>
+</p:sld>
+</file>
+
+<file path=ppt/slides/slide14.xml><?xml version="1.0" encoding="utf-8"?>
+<p:sld xmlns:a="http://schemas.openxmlformats.org/drawingml/2006/main" xmlns:r="http://schemas.openxmlformats.org/officeDocument/2006/relationships" xmlns:p="http://schemas.openxmlformats.org/presentationml/2006/main">
+  <p:cSld>
+    <p:spTree>
+      <p:nvGrpSpPr>
+        <p:cNvPr id="1" name=""/>
+        <p:cNvGrpSpPr/>
+        <p:nvPr/>
+      </p:nvGrpSpPr>
+      <p:grpSpPr>
+        <a:xfrm>
+          <a:off x="0" y="0"/>
+          <a:ext cx="0" cy="0"/>
+          <a:chOff x="0" y="0"/>
+          <a:chExt cx="0" cy="0"/>
+        </a:xfrm>
+      </p:grpSpPr>
       <p:grpSp>
         <p:nvGrpSpPr>
           <p:cNvPr id="6" name="Grupo 5">
@@ -13556,7 +16031,7 @@
 </p:sld>
 </file>
 
-<file path=ppt/slides/slide13.xml><?xml version="1.0" encoding="utf-8"?>
+<file path=ppt/slides/slide15.xml><?xml version="1.0" encoding="utf-8"?>
 <p:sld xmlns:a="http://schemas.openxmlformats.org/drawingml/2006/main" xmlns:r="http://schemas.openxmlformats.org/officeDocument/2006/relationships" xmlns:p="http://schemas.openxmlformats.org/presentationml/2006/main">
   <p:cSld>
     <p:spTree>
@@ -15507,6 +17982,72 @@
     <p:extLst>
       <p:ext uri="{BB962C8B-B14F-4D97-AF65-F5344CB8AC3E}">
         <p14:creationId xmlns:p14="http://schemas.microsoft.com/office/powerpoint/2010/main" val="565750693"/>
+      </p:ext>
+    </p:extLst>
+  </p:cSld>
+  <p:clrMapOvr>
+    <a:masterClrMapping/>
+  </p:clrMapOvr>
+</p:sld>
+</file>
+
+<file path=ppt/slides/slide16.xml><?xml version="1.0" encoding="utf-8"?>
+<p:sld xmlns:a="http://schemas.openxmlformats.org/drawingml/2006/main" xmlns:r="http://schemas.openxmlformats.org/officeDocument/2006/relationships" xmlns:p="http://schemas.openxmlformats.org/presentationml/2006/main">
+  <p:cSld>
+    <p:spTree>
+      <p:nvGrpSpPr>
+        <p:cNvPr id="1" name=""/>
+        <p:cNvGrpSpPr/>
+        <p:nvPr/>
+      </p:nvGrpSpPr>
+      <p:grpSpPr>
+        <a:xfrm>
+          <a:off x="0" y="0"/>
+          <a:ext cx="0" cy="0"/>
+          <a:chOff x="0" y="0"/>
+          <a:chExt cx="0" cy="0"/>
+        </a:xfrm>
+      </p:grpSpPr>
+      <p:pic>
+        <p:nvPicPr>
+          <p:cNvPr id="5" name="Imagen 4">
+            <a:extLst>
+              <a:ext uri="{FF2B5EF4-FFF2-40B4-BE49-F238E27FC236}">
+                <a16:creationId xmlns:a16="http://schemas.microsoft.com/office/drawing/2014/main" id="{32F22644-81F6-4721-9AE4-51158DE44E64}"/>
+              </a:ext>
+            </a:extLst>
+          </p:cNvPr>
+          <p:cNvPicPr>
+            <a:picLocks noChangeAspect="1"/>
+          </p:cNvPicPr>
+          <p:nvPr/>
+        </p:nvPicPr>
+        <p:blipFill>
+          <a:blip r:embed="rId2">
+            <a:extLst>
+              <a:ext uri="{28A0092B-C50C-407E-A947-70E740481C1C}">
+                <a14:useLocalDpi xmlns:a14="http://schemas.microsoft.com/office/drawing/2010/main" val="0"/>
+              </a:ext>
+            </a:extLst>
+          </a:blip>
+          <a:stretch>
+            <a:fillRect/>
+          </a:stretch>
+        </p:blipFill>
+        <p:spPr>
+          <a:xfrm>
+            <a:off x="609123" y="728238"/>
+            <a:ext cx="10769926" cy="5401524"/>
+          </a:xfrm>
+          <a:prstGeom prst="rect">
+            <a:avLst/>
+          </a:prstGeom>
+        </p:spPr>
+      </p:pic>
+    </p:spTree>
+    <p:extLst>
+      <p:ext uri="{BB962C8B-B14F-4D97-AF65-F5344CB8AC3E}">
+        <p14:creationId xmlns:p14="http://schemas.microsoft.com/office/powerpoint/2010/main" val="1467913520"/>
       </p:ext>
     </p:extLst>
   </p:cSld>

--- a/others/Background - Proyecto 2 S.O.pptx
+++ b/others/Background - Proyecto 2 S.O.pptx
@@ -15,12 +15,13 @@
     <p:sldId id="268" r:id="rId9"/>
     <p:sldId id="269" r:id="rId10"/>
     <p:sldId id="271" r:id="rId11"/>
-    <p:sldId id="273" r:id="rId12"/>
-    <p:sldId id="276" r:id="rId13"/>
-    <p:sldId id="277" r:id="rId14"/>
-    <p:sldId id="274" r:id="rId15"/>
-    <p:sldId id="275" r:id="rId16"/>
-    <p:sldId id="279" r:id="rId17"/>
+    <p:sldId id="280" r:id="rId12"/>
+    <p:sldId id="273" r:id="rId13"/>
+    <p:sldId id="276" r:id="rId14"/>
+    <p:sldId id="277" r:id="rId15"/>
+    <p:sldId id="274" r:id="rId16"/>
+    <p:sldId id="275" r:id="rId17"/>
+    <p:sldId id="279" r:id="rId18"/>
   </p:sldIdLst>
   <p:sldSz cx="12192000" cy="6858000"/>
   <p:notesSz cx="6858000" cy="9144000"/>
@@ -276,7 +277,7 @@
           <a:p>
             <a:fld id="{E4357CC5-A7E9-4741-9CFB-1DE0539F89CE}" type="datetimeFigureOut">
               <a:rPr lang="es-419" smtClean="0"/>
-              <a:t>25/3/2019</a:t>
+              <a:t>29/3/2019</a:t>
             </a:fld>
             <a:endParaRPr lang="es-419"/>
           </a:p>
@@ -476,7 +477,7 @@
           <a:p>
             <a:fld id="{E4357CC5-A7E9-4741-9CFB-1DE0539F89CE}" type="datetimeFigureOut">
               <a:rPr lang="es-419" smtClean="0"/>
-              <a:t>25/3/2019</a:t>
+              <a:t>29/3/2019</a:t>
             </a:fld>
             <a:endParaRPr lang="es-419"/>
           </a:p>
@@ -686,7 +687,7 @@
           <a:p>
             <a:fld id="{E4357CC5-A7E9-4741-9CFB-1DE0539F89CE}" type="datetimeFigureOut">
               <a:rPr lang="es-419" smtClean="0"/>
-              <a:t>25/3/2019</a:t>
+              <a:t>29/3/2019</a:t>
             </a:fld>
             <a:endParaRPr lang="es-419"/>
           </a:p>
@@ -886,7 +887,7 @@
           <a:p>
             <a:fld id="{E4357CC5-A7E9-4741-9CFB-1DE0539F89CE}" type="datetimeFigureOut">
               <a:rPr lang="es-419" smtClean="0"/>
-              <a:t>25/3/2019</a:t>
+              <a:t>29/3/2019</a:t>
             </a:fld>
             <a:endParaRPr lang="es-419"/>
           </a:p>
@@ -1162,7 +1163,7 @@
           <a:p>
             <a:fld id="{E4357CC5-A7E9-4741-9CFB-1DE0539F89CE}" type="datetimeFigureOut">
               <a:rPr lang="es-419" smtClean="0"/>
-              <a:t>25/3/2019</a:t>
+              <a:t>29/3/2019</a:t>
             </a:fld>
             <a:endParaRPr lang="es-419"/>
           </a:p>
@@ -1430,7 +1431,7 @@
           <a:p>
             <a:fld id="{E4357CC5-A7E9-4741-9CFB-1DE0539F89CE}" type="datetimeFigureOut">
               <a:rPr lang="es-419" smtClean="0"/>
-              <a:t>25/3/2019</a:t>
+              <a:t>29/3/2019</a:t>
             </a:fld>
             <a:endParaRPr lang="es-419"/>
           </a:p>
@@ -1845,7 +1846,7 @@
           <a:p>
             <a:fld id="{E4357CC5-A7E9-4741-9CFB-1DE0539F89CE}" type="datetimeFigureOut">
               <a:rPr lang="es-419" smtClean="0"/>
-              <a:t>25/3/2019</a:t>
+              <a:t>29/3/2019</a:t>
             </a:fld>
             <a:endParaRPr lang="es-419"/>
           </a:p>
@@ -1987,7 +1988,7 @@
           <a:p>
             <a:fld id="{E4357CC5-A7E9-4741-9CFB-1DE0539F89CE}" type="datetimeFigureOut">
               <a:rPr lang="es-419" smtClean="0"/>
-              <a:t>25/3/2019</a:t>
+              <a:t>29/3/2019</a:t>
             </a:fld>
             <a:endParaRPr lang="es-419"/>
           </a:p>
@@ -2100,7 +2101,7 @@
           <a:p>
             <a:fld id="{E4357CC5-A7E9-4741-9CFB-1DE0539F89CE}" type="datetimeFigureOut">
               <a:rPr lang="es-419" smtClean="0"/>
-              <a:t>25/3/2019</a:t>
+              <a:t>29/3/2019</a:t>
             </a:fld>
             <a:endParaRPr lang="es-419"/>
           </a:p>
@@ -2413,7 +2414,7 @@
           <a:p>
             <a:fld id="{E4357CC5-A7E9-4741-9CFB-1DE0539F89CE}" type="datetimeFigureOut">
               <a:rPr lang="es-419" smtClean="0"/>
-              <a:t>25/3/2019</a:t>
+              <a:t>29/3/2019</a:t>
             </a:fld>
             <a:endParaRPr lang="es-419"/>
           </a:p>
@@ -2702,7 +2703,7 @@
           <a:p>
             <a:fld id="{E4357CC5-A7E9-4741-9CFB-1DE0539F89CE}" type="datetimeFigureOut">
               <a:rPr lang="es-419" smtClean="0"/>
-              <a:t>25/3/2019</a:t>
+              <a:t>29/3/2019</a:t>
             </a:fld>
             <a:endParaRPr lang="es-419"/>
           </a:p>
@@ -2945,7 +2946,7 @@
           <a:p>
             <a:fld id="{E4357CC5-A7E9-4741-9CFB-1DE0539F89CE}" type="datetimeFigureOut">
               <a:rPr lang="es-419" smtClean="0"/>
-              <a:t>25/3/2019</a:t>
+              <a:t>29/3/2019</a:t>
             </a:fld>
             <a:endParaRPr lang="es-419"/>
           </a:p>
@@ -8239,16 +8240,10 @@
               </a:p>
               <a:p>
                 <a:r>
-                  <a:rPr lang="es-419" sz="1400" dirty="0">
-                    <a:latin typeface="Arial Narrow" panose="020B0606020202030204" pitchFamily="34" charset="0"/>
-                  </a:rPr>
-                  <a:t>per routes</a:t>
-                </a:r>
-                <a:r>
                   <a:rPr lang="en-US" sz="1400" dirty="0">
                     <a:latin typeface="Arial Narrow" panose="020B0606020202030204" pitchFamily="34" charset="0"/>
                   </a:rPr>
-                  <a:t>: </a:t>
+                  <a:t>for the route</a:t>
                 </a:r>
                 <a:endParaRPr lang="es-419" sz="1400" dirty="0">
                   <a:latin typeface="Arial Narrow" panose="020B0606020202030204" pitchFamily="34" charset="0"/>
@@ -8316,7 +8311,13 @@
                     <a:rPr lang="es-419" sz="1400" dirty="0">
                       <a:latin typeface="Arial Narrow" panose="020B0606020202030204" pitchFamily="34" charset="0"/>
                     </a:rPr>
-                    <a:t>per truck</a:t>
+                    <a:t>per </a:t>
+                  </a:r>
+                  <a:r>
+                    <a:rPr lang="es-419" sz="1400" dirty="0" err="1">
+                      <a:latin typeface="Arial Narrow" panose="020B0606020202030204" pitchFamily="34" charset="0"/>
+                    </a:rPr>
+                    <a:t>truck</a:t>
                   </a:r>
                   <a:r>
                     <a:rPr lang="en-US" sz="1400" dirty="0">
@@ -9637,6 +9638,2489 @@
       </p:grpSpPr>
       <p:sp>
         <p:nvSpPr>
+          <p:cNvPr id="65" name="Rectángulo 64">
+            <a:extLst>
+              <a:ext uri="{FF2B5EF4-FFF2-40B4-BE49-F238E27FC236}">
+                <a16:creationId xmlns:a16="http://schemas.microsoft.com/office/drawing/2014/main" id="{95606A51-4899-423A-96C0-8CE9EC8934C2}"/>
+              </a:ext>
+            </a:extLst>
+          </p:cNvPr>
+          <p:cNvSpPr/>
+          <p:nvPr/>
+        </p:nvSpPr>
+        <p:spPr>
+          <a:xfrm>
+            <a:off x="611436" y="958084"/>
+            <a:ext cx="10969127" cy="5398816"/>
+          </a:xfrm>
+          <a:prstGeom prst="rect">
+            <a:avLst/>
+          </a:prstGeom>
+          <a:solidFill>
+            <a:srgbClr val="4FB5C1"/>
+          </a:solidFill>
+          <a:ln>
+            <a:noFill/>
+          </a:ln>
+        </p:spPr>
+        <p:style>
+          <a:lnRef idx="2">
+            <a:schemeClr val="accent1">
+              <a:shade val="50000"/>
+            </a:schemeClr>
+          </a:lnRef>
+          <a:fillRef idx="1">
+            <a:schemeClr val="accent1"/>
+          </a:fillRef>
+          <a:effectRef idx="0">
+            <a:schemeClr val="accent1"/>
+          </a:effectRef>
+          <a:fontRef idx="minor">
+            <a:schemeClr val="lt1"/>
+          </a:fontRef>
+        </p:style>
+        <p:txBody>
+          <a:bodyPr rtlCol="0" anchor="ctr"/>
+          <a:lstStyle/>
+          <a:p>
+            <a:pPr algn="ctr"/>
+            <a:endParaRPr lang="es-419"/>
+          </a:p>
+        </p:txBody>
+      </p:sp>
+      <p:sp>
+        <p:nvSpPr>
+          <p:cNvPr id="66" name="Rectángulo 65">
+            <a:extLst>
+              <a:ext uri="{FF2B5EF4-FFF2-40B4-BE49-F238E27FC236}">
+                <a16:creationId xmlns:a16="http://schemas.microsoft.com/office/drawing/2014/main" id="{D1607B60-6303-4550-AD79-402E0A00DBF1}"/>
+              </a:ext>
+            </a:extLst>
+          </p:cNvPr>
+          <p:cNvSpPr/>
+          <p:nvPr/>
+        </p:nvSpPr>
+        <p:spPr>
+          <a:xfrm>
+            <a:off x="754089" y="2660418"/>
+            <a:ext cx="8294479" cy="3696477"/>
+          </a:xfrm>
+          <a:prstGeom prst="rect">
+            <a:avLst/>
+          </a:prstGeom>
+          <a:solidFill>
+            <a:srgbClr val="33949A"/>
+          </a:solidFill>
+          <a:ln>
+            <a:noFill/>
+          </a:ln>
+        </p:spPr>
+        <p:style>
+          <a:lnRef idx="2">
+            <a:schemeClr val="accent1">
+              <a:shade val="50000"/>
+            </a:schemeClr>
+          </a:lnRef>
+          <a:fillRef idx="1">
+            <a:schemeClr val="accent1"/>
+          </a:fillRef>
+          <a:effectRef idx="0">
+            <a:schemeClr val="accent1"/>
+          </a:effectRef>
+          <a:fontRef idx="minor">
+            <a:schemeClr val="lt1"/>
+          </a:fontRef>
+        </p:style>
+        <p:txBody>
+          <a:bodyPr rtlCol="0" anchor="ctr"/>
+          <a:lstStyle/>
+          <a:p>
+            <a:pPr algn="ctr"/>
+            <a:endParaRPr lang="es-419"/>
+          </a:p>
+        </p:txBody>
+      </p:sp>
+      <p:sp>
+        <p:nvSpPr>
+          <p:cNvPr id="67" name="Triángulo rectángulo 66">
+            <a:extLst>
+              <a:ext uri="{FF2B5EF4-FFF2-40B4-BE49-F238E27FC236}">
+                <a16:creationId xmlns:a16="http://schemas.microsoft.com/office/drawing/2014/main" id="{629090C4-8F78-4D64-8F1D-A294E7ED8BD3}"/>
+              </a:ext>
+            </a:extLst>
+          </p:cNvPr>
+          <p:cNvSpPr/>
+          <p:nvPr/>
+        </p:nvSpPr>
+        <p:spPr>
+          <a:xfrm>
+            <a:off x="9048568" y="1132462"/>
+            <a:ext cx="1798570" cy="5224433"/>
+          </a:xfrm>
+          <a:prstGeom prst="rtTriangle">
+            <a:avLst/>
+          </a:prstGeom>
+          <a:solidFill>
+            <a:srgbClr val="33949A"/>
+          </a:solidFill>
+          <a:ln>
+            <a:noFill/>
+          </a:ln>
+        </p:spPr>
+        <p:style>
+          <a:lnRef idx="2">
+            <a:schemeClr val="accent1">
+              <a:shade val="50000"/>
+            </a:schemeClr>
+          </a:lnRef>
+          <a:fillRef idx="1">
+            <a:schemeClr val="accent1"/>
+          </a:fillRef>
+          <a:effectRef idx="0">
+            <a:schemeClr val="accent1"/>
+          </a:effectRef>
+          <a:fontRef idx="minor">
+            <a:schemeClr val="lt1"/>
+          </a:fontRef>
+        </p:style>
+        <p:txBody>
+          <a:bodyPr rtlCol="0" anchor="ctr"/>
+          <a:lstStyle/>
+          <a:p>
+            <a:pPr algn="ctr"/>
+            <a:endParaRPr lang="es-419"/>
+          </a:p>
+        </p:txBody>
+      </p:sp>
+      <p:grpSp>
+        <p:nvGrpSpPr>
+          <p:cNvPr id="68" name="Grupo 67">
+            <a:extLst>
+              <a:ext uri="{FF2B5EF4-FFF2-40B4-BE49-F238E27FC236}">
+                <a16:creationId xmlns:a16="http://schemas.microsoft.com/office/drawing/2014/main" id="{0C647551-7B0F-4A25-9078-B0BF3D7657D6}"/>
+              </a:ext>
+            </a:extLst>
+          </p:cNvPr>
+          <p:cNvGrpSpPr/>
+          <p:nvPr/>
+        </p:nvGrpSpPr>
+        <p:grpSpPr>
+          <a:xfrm>
+            <a:off x="5765713" y="1437972"/>
+            <a:ext cx="3796740" cy="4638358"/>
+            <a:chOff x="6528359" y="1406205"/>
+            <a:chExt cx="3796740" cy="4638358"/>
+          </a:xfrm>
+        </p:grpSpPr>
+        <p:sp>
+          <p:nvSpPr>
+            <p:cNvPr id="139" name="Rectángulo 138">
+              <a:extLst>
+                <a:ext uri="{FF2B5EF4-FFF2-40B4-BE49-F238E27FC236}">
+                  <a16:creationId xmlns:a16="http://schemas.microsoft.com/office/drawing/2014/main" id="{FFC145AC-ED24-4068-8E5E-BCE8B64910EA}"/>
+                </a:ext>
+              </a:extLst>
+            </p:cNvPr>
+            <p:cNvSpPr/>
+            <p:nvPr/>
+          </p:nvSpPr>
+          <p:spPr>
+            <a:xfrm>
+              <a:off x="10010774" y="1406205"/>
+              <a:ext cx="314325" cy="2022795"/>
+            </a:xfrm>
+            <a:prstGeom prst="rect">
+              <a:avLst/>
+            </a:prstGeom>
+            <a:solidFill>
+              <a:srgbClr val="FFB78B"/>
+            </a:solidFill>
+            <a:ln>
+              <a:noFill/>
+            </a:ln>
+          </p:spPr>
+          <p:style>
+            <a:lnRef idx="2">
+              <a:schemeClr val="accent1">
+                <a:shade val="50000"/>
+              </a:schemeClr>
+            </a:lnRef>
+            <a:fillRef idx="1">
+              <a:schemeClr val="accent1"/>
+            </a:fillRef>
+            <a:effectRef idx="0">
+              <a:schemeClr val="accent1"/>
+            </a:effectRef>
+            <a:fontRef idx="minor">
+              <a:schemeClr val="lt1"/>
+            </a:fontRef>
+          </p:style>
+          <p:txBody>
+            <a:bodyPr rtlCol="0" anchor="ctr"/>
+            <a:lstStyle/>
+            <a:p>
+              <a:pPr algn="ctr"/>
+              <a:endParaRPr lang="es-419"/>
+            </a:p>
+          </p:txBody>
+        </p:sp>
+        <p:sp>
+          <p:nvSpPr>
+            <p:cNvPr id="140" name="Rectángulo 139">
+              <a:extLst>
+                <a:ext uri="{FF2B5EF4-FFF2-40B4-BE49-F238E27FC236}">
+                  <a16:creationId xmlns:a16="http://schemas.microsoft.com/office/drawing/2014/main" id="{498CF59F-33BB-4DE8-8709-761DE3048AC6}"/>
+                </a:ext>
+              </a:extLst>
+            </p:cNvPr>
+            <p:cNvSpPr/>
+            <p:nvPr/>
+          </p:nvSpPr>
+          <p:spPr>
+            <a:xfrm>
+              <a:off x="6528359" y="1406205"/>
+              <a:ext cx="3482416" cy="4638358"/>
+            </a:xfrm>
+            <a:prstGeom prst="rect">
+              <a:avLst/>
+            </a:prstGeom>
+            <a:solidFill>
+              <a:srgbClr val="FFB78B"/>
+            </a:solidFill>
+            <a:ln>
+              <a:noFill/>
+            </a:ln>
+          </p:spPr>
+          <p:style>
+            <a:lnRef idx="2">
+              <a:schemeClr val="accent1">
+                <a:shade val="50000"/>
+              </a:schemeClr>
+            </a:lnRef>
+            <a:fillRef idx="1">
+              <a:schemeClr val="accent1"/>
+            </a:fillRef>
+            <a:effectRef idx="0">
+              <a:schemeClr val="accent1"/>
+            </a:effectRef>
+            <a:fontRef idx="minor">
+              <a:schemeClr val="lt1"/>
+            </a:fontRef>
+          </p:style>
+          <p:txBody>
+            <a:bodyPr rtlCol="0" anchor="ctr"/>
+            <a:lstStyle/>
+            <a:p>
+              <a:pPr algn="ctr"/>
+              <a:endParaRPr lang="es-419"/>
+            </a:p>
+          </p:txBody>
+        </p:sp>
+        <p:sp>
+          <p:nvSpPr>
+            <p:cNvPr id="143" name="Rectángulo 142">
+              <a:extLst>
+                <a:ext uri="{FF2B5EF4-FFF2-40B4-BE49-F238E27FC236}">
+                  <a16:creationId xmlns:a16="http://schemas.microsoft.com/office/drawing/2014/main" id="{CEA5BA0C-DC89-4B92-A063-0CC5D8C5E51B}"/>
+                </a:ext>
+              </a:extLst>
+            </p:cNvPr>
+            <p:cNvSpPr/>
+            <p:nvPr/>
+          </p:nvSpPr>
+          <p:spPr>
+            <a:xfrm>
+              <a:off x="6754559" y="1608591"/>
+              <a:ext cx="3387166" cy="4341974"/>
+            </a:xfrm>
+            <a:prstGeom prst="rect">
+              <a:avLst/>
+            </a:prstGeom>
+            <a:solidFill>
+              <a:srgbClr val="F3F3F3"/>
+            </a:solidFill>
+            <a:ln>
+              <a:noFill/>
+            </a:ln>
+          </p:spPr>
+          <p:style>
+            <a:lnRef idx="2">
+              <a:schemeClr val="accent1">
+                <a:shade val="50000"/>
+              </a:schemeClr>
+            </a:lnRef>
+            <a:fillRef idx="1">
+              <a:schemeClr val="accent1"/>
+            </a:fillRef>
+            <a:effectRef idx="0">
+              <a:schemeClr val="accent1"/>
+            </a:effectRef>
+            <a:fontRef idx="minor">
+              <a:schemeClr val="lt1"/>
+            </a:fontRef>
+          </p:style>
+          <p:txBody>
+            <a:bodyPr rtlCol="0" anchor="ctr"/>
+            <a:lstStyle/>
+            <a:p>
+              <a:pPr algn="ctr"/>
+              <a:endParaRPr lang="es-419"/>
+            </a:p>
+          </p:txBody>
+        </p:sp>
+        <p:sp>
+          <p:nvSpPr>
+            <p:cNvPr id="144" name="Rectángulo 143">
+              <a:extLst>
+                <a:ext uri="{FF2B5EF4-FFF2-40B4-BE49-F238E27FC236}">
+                  <a16:creationId xmlns:a16="http://schemas.microsoft.com/office/drawing/2014/main" id="{9DE215A6-872E-4311-92EF-DFDCA9356AAC}"/>
+                </a:ext>
+              </a:extLst>
+            </p:cNvPr>
+            <p:cNvSpPr/>
+            <p:nvPr/>
+          </p:nvSpPr>
+          <p:spPr>
+            <a:xfrm>
+              <a:off x="6671234" y="1554397"/>
+              <a:ext cx="3387166" cy="4341974"/>
+            </a:xfrm>
+            <a:prstGeom prst="rect">
+              <a:avLst/>
+            </a:prstGeom>
+            <a:solidFill>
+              <a:schemeClr val="bg1"/>
+            </a:solidFill>
+            <a:ln>
+              <a:noFill/>
+            </a:ln>
+          </p:spPr>
+          <p:style>
+            <a:lnRef idx="2">
+              <a:schemeClr val="accent1">
+                <a:shade val="50000"/>
+              </a:schemeClr>
+            </a:lnRef>
+            <a:fillRef idx="1">
+              <a:schemeClr val="accent1"/>
+            </a:fillRef>
+            <a:effectRef idx="0">
+              <a:schemeClr val="accent1"/>
+            </a:effectRef>
+            <a:fontRef idx="minor">
+              <a:schemeClr val="lt1"/>
+            </a:fontRef>
+          </p:style>
+          <p:txBody>
+            <a:bodyPr rtlCol="0" anchor="ctr"/>
+            <a:lstStyle/>
+            <a:p>
+              <a:pPr algn="ctr"/>
+              <a:endParaRPr lang="es-419"/>
+            </a:p>
+          </p:txBody>
+        </p:sp>
+        <p:sp>
+          <p:nvSpPr>
+            <p:cNvPr id="145" name="Rectángulo 144">
+              <a:extLst>
+                <a:ext uri="{FF2B5EF4-FFF2-40B4-BE49-F238E27FC236}">
+                  <a16:creationId xmlns:a16="http://schemas.microsoft.com/office/drawing/2014/main" id="{92E388D7-E92E-4844-A67F-F745F3EC9F96}"/>
+                </a:ext>
+              </a:extLst>
+            </p:cNvPr>
+            <p:cNvSpPr/>
+            <p:nvPr/>
+          </p:nvSpPr>
+          <p:spPr>
+            <a:xfrm>
+              <a:off x="6528359" y="1406205"/>
+              <a:ext cx="3387166" cy="4638358"/>
+            </a:xfrm>
+            <a:prstGeom prst="rect">
+              <a:avLst/>
+            </a:prstGeom>
+            <a:solidFill>
+              <a:srgbClr val="FFCDAF"/>
+            </a:solidFill>
+            <a:ln>
+              <a:noFill/>
+            </a:ln>
+          </p:spPr>
+          <p:style>
+            <a:lnRef idx="2">
+              <a:schemeClr val="accent1">
+                <a:shade val="50000"/>
+              </a:schemeClr>
+            </a:lnRef>
+            <a:fillRef idx="1">
+              <a:schemeClr val="accent1"/>
+            </a:fillRef>
+            <a:effectRef idx="0">
+              <a:schemeClr val="accent1"/>
+            </a:effectRef>
+            <a:fontRef idx="minor">
+              <a:schemeClr val="lt1"/>
+            </a:fontRef>
+          </p:style>
+          <p:txBody>
+            <a:bodyPr rtlCol="0" anchor="ctr"/>
+            <a:lstStyle/>
+            <a:p>
+              <a:pPr algn="ctr"/>
+              <a:endParaRPr lang="es-419" dirty="0"/>
+            </a:p>
+          </p:txBody>
+        </p:sp>
+      </p:grpSp>
+      <p:grpSp>
+        <p:nvGrpSpPr>
+          <p:cNvPr id="69" name="Grupo 68">
+            <a:extLst>
+              <a:ext uri="{FF2B5EF4-FFF2-40B4-BE49-F238E27FC236}">
+                <a16:creationId xmlns:a16="http://schemas.microsoft.com/office/drawing/2014/main" id="{63507398-6EC8-4EA9-955D-93EB213B9B15}"/>
+              </a:ext>
+            </a:extLst>
+          </p:cNvPr>
+          <p:cNvGrpSpPr/>
+          <p:nvPr/>
+        </p:nvGrpSpPr>
+        <p:grpSpPr>
+          <a:xfrm>
+            <a:off x="754090" y="1132462"/>
+            <a:ext cx="8294483" cy="5049548"/>
+            <a:chOff x="1487515" y="1132462"/>
+            <a:chExt cx="8294483" cy="5049548"/>
+          </a:xfrm>
+        </p:grpSpPr>
+        <p:cxnSp>
+          <p:nvCxnSpPr>
+            <p:cNvPr id="122" name="Conector recto 121">
+              <a:extLst>
+                <a:ext uri="{FF2B5EF4-FFF2-40B4-BE49-F238E27FC236}">
+                  <a16:creationId xmlns:a16="http://schemas.microsoft.com/office/drawing/2014/main" id="{E525F085-F30D-489A-9B44-9D0527BE9E23}"/>
+                </a:ext>
+              </a:extLst>
+            </p:cNvPr>
+            <p:cNvCxnSpPr/>
+            <p:nvPr/>
+          </p:nvCxnSpPr>
+          <p:spPr>
+            <a:xfrm>
+              <a:off x="5478308" y="1132969"/>
+              <a:ext cx="0" cy="5049041"/>
+            </a:xfrm>
+            <a:prstGeom prst="line">
+              <a:avLst/>
+            </a:prstGeom>
+            <a:ln w="22225">
+              <a:solidFill>
+                <a:srgbClr val="CD8A53"/>
+              </a:solidFill>
+            </a:ln>
+          </p:spPr>
+          <p:style>
+            <a:lnRef idx="1">
+              <a:schemeClr val="accent1"/>
+            </a:lnRef>
+            <a:fillRef idx="0">
+              <a:schemeClr val="accent1"/>
+            </a:fillRef>
+            <a:effectRef idx="0">
+              <a:schemeClr val="accent1"/>
+            </a:effectRef>
+            <a:fontRef idx="minor">
+              <a:schemeClr val="tx1"/>
+            </a:fontRef>
+          </p:style>
+        </p:cxnSp>
+        <p:sp>
+          <p:nvSpPr>
+            <p:cNvPr id="125" name="Rectángulo 124">
+              <a:extLst>
+                <a:ext uri="{FF2B5EF4-FFF2-40B4-BE49-F238E27FC236}">
+                  <a16:creationId xmlns:a16="http://schemas.microsoft.com/office/drawing/2014/main" id="{96AA633D-0B48-4105-A171-D0C0A981CB2B}"/>
+                </a:ext>
+              </a:extLst>
+            </p:cNvPr>
+            <p:cNvSpPr/>
+            <p:nvPr/>
+          </p:nvSpPr>
+          <p:spPr>
+            <a:xfrm>
+              <a:off x="9467673" y="1132462"/>
+              <a:ext cx="314325" cy="2363213"/>
+            </a:xfrm>
+            <a:prstGeom prst="rect">
+              <a:avLst/>
+            </a:prstGeom>
+            <a:solidFill>
+              <a:srgbClr val="FFE8A7"/>
+            </a:solidFill>
+            <a:ln>
+              <a:noFill/>
+            </a:ln>
+          </p:spPr>
+          <p:style>
+            <a:lnRef idx="2">
+              <a:schemeClr val="accent1">
+                <a:shade val="50000"/>
+              </a:schemeClr>
+            </a:lnRef>
+            <a:fillRef idx="1">
+              <a:schemeClr val="accent1"/>
+            </a:fillRef>
+            <a:effectRef idx="0">
+              <a:schemeClr val="accent1"/>
+            </a:effectRef>
+            <a:fontRef idx="minor">
+              <a:schemeClr val="lt1"/>
+            </a:fontRef>
+          </p:style>
+          <p:txBody>
+            <a:bodyPr rtlCol="0" anchor="ctr"/>
+            <a:lstStyle/>
+            <a:p>
+              <a:pPr algn="ctr"/>
+              <a:endParaRPr lang="es-419"/>
+            </a:p>
+          </p:txBody>
+        </p:sp>
+        <p:sp>
+          <p:nvSpPr>
+            <p:cNvPr id="126" name="Rectángulo 125">
+              <a:extLst>
+                <a:ext uri="{FF2B5EF4-FFF2-40B4-BE49-F238E27FC236}">
+                  <a16:creationId xmlns:a16="http://schemas.microsoft.com/office/drawing/2014/main" id="{6317B91A-86FA-4C66-803F-046FB74451A8}"/>
+                </a:ext>
+              </a:extLst>
+            </p:cNvPr>
+            <p:cNvSpPr/>
+            <p:nvPr/>
+          </p:nvSpPr>
+          <p:spPr>
+            <a:xfrm>
+              <a:off x="5477594" y="1132969"/>
+              <a:ext cx="3990079" cy="5049041"/>
+            </a:xfrm>
+            <a:prstGeom prst="rect">
+              <a:avLst/>
+            </a:prstGeom>
+            <a:solidFill>
+              <a:srgbClr val="FFE8A7"/>
+            </a:solidFill>
+            <a:ln>
+              <a:noFill/>
+            </a:ln>
+          </p:spPr>
+          <p:style>
+            <a:lnRef idx="2">
+              <a:schemeClr val="accent1">
+                <a:shade val="50000"/>
+              </a:schemeClr>
+            </a:lnRef>
+            <a:fillRef idx="1">
+              <a:schemeClr val="accent1"/>
+            </a:fillRef>
+            <a:effectRef idx="0">
+              <a:schemeClr val="accent1"/>
+            </a:effectRef>
+            <a:fontRef idx="minor">
+              <a:schemeClr val="lt1"/>
+            </a:fontRef>
+          </p:style>
+          <p:txBody>
+            <a:bodyPr rtlCol="0" anchor="ctr"/>
+            <a:lstStyle/>
+            <a:p>
+              <a:pPr algn="ctr"/>
+              <a:endParaRPr lang="es-419"/>
+            </a:p>
+          </p:txBody>
+        </p:sp>
+        <p:sp>
+          <p:nvSpPr>
+            <p:cNvPr id="127" name="Rectángulo 126">
+              <a:extLst>
+                <a:ext uri="{FF2B5EF4-FFF2-40B4-BE49-F238E27FC236}">
+                  <a16:creationId xmlns:a16="http://schemas.microsoft.com/office/drawing/2014/main" id="{03DBED80-56DC-4D36-B06B-05F65D11CBE0}"/>
+                </a:ext>
+              </a:extLst>
+            </p:cNvPr>
+            <p:cNvSpPr/>
+            <p:nvPr/>
+          </p:nvSpPr>
+          <p:spPr>
+            <a:xfrm rot="333266">
+              <a:off x="5895657" y="1277076"/>
+              <a:ext cx="3646485" cy="4809514"/>
+            </a:xfrm>
+            <a:prstGeom prst="rect">
+              <a:avLst/>
+            </a:prstGeom>
+            <a:solidFill>
+              <a:srgbClr val="E2E2E2"/>
+            </a:solidFill>
+            <a:ln>
+              <a:noFill/>
+            </a:ln>
+          </p:spPr>
+          <p:style>
+            <a:lnRef idx="2">
+              <a:schemeClr val="accent1">
+                <a:shade val="50000"/>
+              </a:schemeClr>
+            </a:lnRef>
+            <a:fillRef idx="1">
+              <a:schemeClr val="accent1"/>
+            </a:fillRef>
+            <a:effectRef idx="0">
+              <a:schemeClr val="accent1"/>
+            </a:effectRef>
+            <a:fontRef idx="minor">
+              <a:schemeClr val="lt1"/>
+            </a:fontRef>
+          </p:style>
+          <p:txBody>
+            <a:bodyPr rtlCol="0" anchor="ctr"/>
+            <a:lstStyle/>
+            <a:p>
+              <a:pPr algn="ctr"/>
+              <a:endParaRPr lang="es-419"/>
+            </a:p>
+          </p:txBody>
+        </p:sp>
+        <p:sp>
+          <p:nvSpPr>
+            <p:cNvPr id="128" name="Rectángulo 127">
+              <a:extLst>
+                <a:ext uri="{FF2B5EF4-FFF2-40B4-BE49-F238E27FC236}">
+                  <a16:creationId xmlns:a16="http://schemas.microsoft.com/office/drawing/2014/main" id="{3EFC5D7C-D687-4FA0-8539-8C4E42CBCD6E}"/>
+                </a:ext>
+              </a:extLst>
+            </p:cNvPr>
+            <p:cNvSpPr/>
+            <p:nvPr/>
+          </p:nvSpPr>
+          <p:spPr>
+            <a:xfrm rot="167836">
+              <a:off x="5747173" y="1237741"/>
+              <a:ext cx="3646485" cy="4809514"/>
+            </a:xfrm>
+            <a:prstGeom prst="rect">
+              <a:avLst/>
+            </a:prstGeom>
+            <a:solidFill>
+              <a:schemeClr val="bg1">
+                <a:lumMod val="95000"/>
+              </a:schemeClr>
+            </a:solidFill>
+            <a:ln>
+              <a:noFill/>
+            </a:ln>
+          </p:spPr>
+          <p:style>
+            <a:lnRef idx="2">
+              <a:schemeClr val="accent1">
+                <a:shade val="50000"/>
+              </a:schemeClr>
+            </a:lnRef>
+            <a:fillRef idx="1">
+              <a:schemeClr val="accent1"/>
+            </a:fillRef>
+            <a:effectRef idx="0">
+              <a:schemeClr val="accent1"/>
+            </a:effectRef>
+            <a:fontRef idx="minor">
+              <a:schemeClr val="lt1"/>
+            </a:fontRef>
+          </p:style>
+          <p:txBody>
+            <a:bodyPr rtlCol="0" anchor="ctr"/>
+            <a:lstStyle/>
+            <a:p>
+              <a:pPr algn="ctr"/>
+              <a:endParaRPr lang="es-419"/>
+            </a:p>
+          </p:txBody>
+        </p:sp>
+        <p:sp>
+          <p:nvSpPr>
+            <p:cNvPr id="129" name="Rectángulo 128">
+              <a:extLst>
+                <a:ext uri="{FF2B5EF4-FFF2-40B4-BE49-F238E27FC236}">
+                  <a16:creationId xmlns:a16="http://schemas.microsoft.com/office/drawing/2014/main" id="{782E1712-FB97-44DF-A51C-675B09382D7F}"/>
+                </a:ext>
+              </a:extLst>
+            </p:cNvPr>
+            <p:cNvSpPr/>
+            <p:nvPr/>
+          </p:nvSpPr>
+          <p:spPr>
+            <a:xfrm>
+              <a:off x="1487515" y="1132969"/>
+              <a:ext cx="3990079" cy="5049041"/>
+            </a:xfrm>
+            <a:prstGeom prst="rect">
+              <a:avLst/>
+            </a:prstGeom>
+            <a:solidFill>
+              <a:srgbClr val="FFE8A7"/>
+            </a:solidFill>
+            <a:ln>
+              <a:noFill/>
+            </a:ln>
+          </p:spPr>
+          <p:style>
+            <a:lnRef idx="2">
+              <a:schemeClr val="accent1">
+                <a:shade val="50000"/>
+              </a:schemeClr>
+            </a:lnRef>
+            <a:fillRef idx="1">
+              <a:schemeClr val="accent1"/>
+            </a:fillRef>
+            <a:effectRef idx="0">
+              <a:schemeClr val="accent1"/>
+            </a:effectRef>
+            <a:fontRef idx="minor">
+              <a:schemeClr val="lt1"/>
+            </a:fontRef>
+          </p:style>
+          <p:txBody>
+            <a:bodyPr rtlCol="0" anchor="ctr"/>
+            <a:lstStyle/>
+            <a:p>
+              <a:pPr algn="ctr"/>
+              <a:endParaRPr lang="es-419"/>
+            </a:p>
+          </p:txBody>
+        </p:sp>
+        <p:sp>
+          <p:nvSpPr>
+            <p:cNvPr id="130" name="Rectángulo 129">
+              <a:extLst>
+                <a:ext uri="{FF2B5EF4-FFF2-40B4-BE49-F238E27FC236}">
+                  <a16:creationId xmlns:a16="http://schemas.microsoft.com/office/drawing/2014/main" id="{87299518-66C5-4772-862A-6F92C67AD1BF}"/>
+                </a:ext>
+              </a:extLst>
+            </p:cNvPr>
+            <p:cNvSpPr/>
+            <p:nvPr/>
+          </p:nvSpPr>
+          <p:spPr>
+            <a:xfrm>
+              <a:off x="5655264" y="1273529"/>
+              <a:ext cx="3646485" cy="4767919"/>
+            </a:xfrm>
+            <a:prstGeom prst="rect">
+              <a:avLst/>
+            </a:prstGeom>
+            <a:solidFill>
+              <a:schemeClr val="bg1"/>
+            </a:solidFill>
+            <a:ln>
+              <a:noFill/>
+            </a:ln>
+          </p:spPr>
+          <p:style>
+            <a:lnRef idx="2">
+              <a:schemeClr val="accent1">
+                <a:shade val="50000"/>
+              </a:schemeClr>
+            </a:lnRef>
+            <a:fillRef idx="1">
+              <a:schemeClr val="accent1"/>
+            </a:fillRef>
+            <a:effectRef idx="0">
+              <a:schemeClr val="accent1"/>
+            </a:effectRef>
+            <a:fontRef idx="minor">
+              <a:schemeClr val="lt1"/>
+            </a:fontRef>
+          </p:style>
+          <p:txBody>
+            <a:bodyPr rtlCol="0" anchor="ctr"/>
+            <a:lstStyle/>
+            <a:p>
+              <a:pPr algn="ctr"/>
+              <a:endParaRPr lang="es-419" dirty="0"/>
+            </a:p>
+          </p:txBody>
+        </p:sp>
+        <p:sp>
+          <p:nvSpPr>
+            <p:cNvPr id="131" name="Rectángulo 130">
+              <a:extLst>
+                <a:ext uri="{FF2B5EF4-FFF2-40B4-BE49-F238E27FC236}">
+                  <a16:creationId xmlns:a16="http://schemas.microsoft.com/office/drawing/2014/main" id="{C9B8AD87-9B38-4BB1-B5CC-9EB0C721E3C3}"/>
+                </a:ext>
+              </a:extLst>
+            </p:cNvPr>
+            <p:cNvSpPr/>
+            <p:nvPr/>
+          </p:nvSpPr>
+          <p:spPr>
+            <a:xfrm rot="21416026">
+              <a:off x="1621762" y="1254613"/>
+              <a:ext cx="3646485" cy="4809514"/>
+            </a:xfrm>
+            <a:prstGeom prst="rect">
+              <a:avLst/>
+            </a:prstGeom>
+            <a:solidFill>
+              <a:schemeClr val="bg1">
+                <a:lumMod val="95000"/>
+              </a:schemeClr>
+            </a:solidFill>
+            <a:ln>
+              <a:noFill/>
+            </a:ln>
+          </p:spPr>
+          <p:style>
+            <a:lnRef idx="2">
+              <a:schemeClr val="accent1">
+                <a:shade val="50000"/>
+              </a:schemeClr>
+            </a:lnRef>
+            <a:fillRef idx="1">
+              <a:schemeClr val="accent1"/>
+            </a:fillRef>
+            <a:effectRef idx="0">
+              <a:schemeClr val="accent1"/>
+            </a:effectRef>
+            <a:fontRef idx="minor">
+              <a:schemeClr val="lt1"/>
+            </a:fontRef>
+          </p:style>
+          <p:txBody>
+            <a:bodyPr rtlCol="0" anchor="ctr"/>
+            <a:lstStyle/>
+            <a:p>
+              <a:pPr algn="ctr"/>
+              <a:endParaRPr lang="es-419"/>
+            </a:p>
+          </p:txBody>
+        </p:sp>
+        <p:cxnSp>
+          <p:nvCxnSpPr>
+            <p:cNvPr id="132" name="Conector recto 131">
+              <a:extLst>
+                <a:ext uri="{FF2B5EF4-FFF2-40B4-BE49-F238E27FC236}">
+                  <a16:creationId xmlns:a16="http://schemas.microsoft.com/office/drawing/2014/main" id="{28B01502-208A-441D-AF1A-2D1C32311095}"/>
+                </a:ext>
+              </a:extLst>
+            </p:cNvPr>
+            <p:cNvCxnSpPr>
+              <a:cxnSpLocks/>
+            </p:cNvCxnSpPr>
+            <p:nvPr/>
+          </p:nvCxnSpPr>
+          <p:spPr>
+            <a:xfrm>
+              <a:off x="5477594" y="1132462"/>
+              <a:ext cx="0" cy="5049548"/>
+            </a:xfrm>
+            <a:prstGeom prst="line">
+              <a:avLst/>
+            </a:prstGeom>
+            <a:ln w="15875">
+              <a:solidFill>
+                <a:schemeClr val="accent2">
+                  <a:lumMod val="60000"/>
+                  <a:lumOff val="40000"/>
+                </a:schemeClr>
+              </a:solidFill>
+            </a:ln>
+          </p:spPr>
+          <p:style>
+            <a:lnRef idx="1">
+              <a:schemeClr val="accent1"/>
+            </a:lnRef>
+            <a:fillRef idx="0">
+              <a:schemeClr val="accent1"/>
+            </a:fillRef>
+            <a:effectRef idx="0">
+              <a:schemeClr val="accent1"/>
+            </a:effectRef>
+            <a:fontRef idx="minor">
+              <a:schemeClr val="tx1"/>
+            </a:fontRef>
+          </p:style>
+        </p:cxnSp>
+        <p:sp>
+          <p:nvSpPr>
+            <p:cNvPr id="137" name="Rectángulo 136">
+              <a:extLst>
+                <a:ext uri="{FF2B5EF4-FFF2-40B4-BE49-F238E27FC236}">
+                  <a16:creationId xmlns:a16="http://schemas.microsoft.com/office/drawing/2014/main" id="{55257687-7966-47B4-AEF9-C19B7BBBFABC}"/>
+                </a:ext>
+              </a:extLst>
+            </p:cNvPr>
+            <p:cNvSpPr/>
+            <p:nvPr/>
+          </p:nvSpPr>
+          <p:spPr>
+            <a:xfrm>
+              <a:off x="1667278" y="1273529"/>
+              <a:ext cx="3646485" cy="4767919"/>
+            </a:xfrm>
+            <a:prstGeom prst="rect">
+              <a:avLst/>
+            </a:prstGeom>
+            <a:solidFill>
+              <a:schemeClr val="bg1"/>
+            </a:solidFill>
+            <a:ln>
+              <a:noFill/>
+            </a:ln>
+          </p:spPr>
+          <p:style>
+            <a:lnRef idx="2">
+              <a:schemeClr val="accent1">
+                <a:shade val="50000"/>
+              </a:schemeClr>
+            </a:lnRef>
+            <a:fillRef idx="1">
+              <a:schemeClr val="accent1"/>
+            </a:fillRef>
+            <a:effectRef idx="0">
+              <a:schemeClr val="accent1"/>
+            </a:effectRef>
+            <a:fontRef idx="minor">
+              <a:schemeClr val="lt1"/>
+            </a:fontRef>
+          </p:style>
+          <p:txBody>
+            <a:bodyPr rtlCol="0" anchor="ctr"/>
+            <a:lstStyle/>
+            <a:p>
+              <a:pPr algn="ctr"/>
+              <a:r>
+                <a:rPr lang="en-US" dirty="0"/>
+                <a:t> </a:t>
+              </a:r>
+              <a:endParaRPr lang="es-419" dirty="0"/>
+            </a:p>
+          </p:txBody>
+        </p:sp>
+      </p:grpSp>
+      <p:pic>
+        <p:nvPicPr>
+          <p:cNvPr id="70" name="Picture 2" descr="Resultado de imagen para pen vector png">
+            <a:extLst>
+              <a:ext uri="{FF2B5EF4-FFF2-40B4-BE49-F238E27FC236}">
+                <a16:creationId xmlns:a16="http://schemas.microsoft.com/office/drawing/2014/main" id="{87C05D01-67C7-47CC-BEC8-6617A240B00F}"/>
+              </a:ext>
+            </a:extLst>
+          </p:cNvPr>
+          <p:cNvPicPr>
+            <a:picLocks noChangeAspect="1" noChangeArrowheads="1"/>
+          </p:cNvPicPr>
+          <p:nvPr/>
+        </p:nvPicPr>
+        <p:blipFill>
+          <a:blip r:embed="rId2">
+            <a:extLst>
+              <a:ext uri="{28A0092B-C50C-407E-A947-70E740481C1C}">
+                <a14:useLocalDpi xmlns:a14="http://schemas.microsoft.com/office/drawing/2010/main" val="0"/>
+              </a:ext>
+            </a:extLst>
+          </a:blip>
+          <a:srcRect/>
+          <a:stretch>
+            <a:fillRect/>
+          </a:stretch>
+        </p:blipFill>
+        <p:spPr bwMode="auto">
+          <a:xfrm rot="19705747">
+            <a:off x="7689140" y="3104051"/>
+            <a:ext cx="2558852" cy="2600562"/>
+          </a:xfrm>
+          <a:prstGeom prst="rect">
+            <a:avLst/>
+          </a:prstGeom>
+          <a:noFill/>
+          <a:extLst>
+            <a:ext uri="{909E8E84-426E-40DD-AFC4-6F175D3DCCD1}">
+              <a14:hiddenFill xmlns:a14="http://schemas.microsoft.com/office/drawing/2010/main">
+                <a:solidFill>
+                  <a:srgbClr val="FFFFFF"/>
+                </a:solidFill>
+              </a14:hiddenFill>
+            </a:ext>
+          </a:extLst>
+        </p:spPr>
+      </p:pic>
+      <p:grpSp>
+        <p:nvGrpSpPr>
+          <p:cNvPr id="71" name="Grupo 70">
+            <a:extLst>
+              <a:ext uri="{FF2B5EF4-FFF2-40B4-BE49-F238E27FC236}">
+                <a16:creationId xmlns:a16="http://schemas.microsoft.com/office/drawing/2014/main" id="{DD071A4A-00FE-4FA5-B4F0-D29BBFBA56A8}"/>
+              </a:ext>
+            </a:extLst>
+          </p:cNvPr>
+          <p:cNvGrpSpPr/>
+          <p:nvPr/>
+        </p:nvGrpSpPr>
+        <p:grpSpPr>
+          <a:xfrm>
+            <a:off x="1835285" y="3207945"/>
+            <a:ext cx="2327078" cy="886470"/>
+            <a:chOff x="1835285" y="3207945"/>
+            <a:chExt cx="2327078" cy="886470"/>
+          </a:xfrm>
+        </p:grpSpPr>
+        <p:cxnSp>
+          <p:nvCxnSpPr>
+            <p:cNvPr id="113" name="Conector recto 112">
+              <a:extLst>
+                <a:ext uri="{FF2B5EF4-FFF2-40B4-BE49-F238E27FC236}">
+                  <a16:creationId xmlns:a16="http://schemas.microsoft.com/office/drawing/2014/main" id="{4780C850-74B6-45CB-90CB-195C4ECAD840}"/>
+                </a:ext>
+              </a:extLst>
+            </p:cNvPr>
+            <p:cNvCxnSpPr>
+              <a:cxnSpLocks/>
+            </p:cNvCxnSpPr>
+            <p:nvPr/>
+          </p:nvCxnSpPr>
+          <p:spPr>
+            <a:xfrm>
+              <a:off x="2298192" y="3553732"/>
+              <a:ext cx="1847613" cy="4656"/>
+            </a:xfrm>
+            <a:prstGeom prst="line">
+              <a:avLst/>
+            </a:prstGeom>
+            <a:ln w="19050">
+              <a:solidFill>
+                <a:schemeClr val="bg1">
+                  <a:lumMod val="65000"/>
+                </a:schemeClr>
+              </a:solidFill>
+              <a:prstDash val="sysDash"/>
+            </a:ln>
+          </p:spPr>
+          <p:style>
+            <a:lnRef idx="1">
+              <a:schemeClr val="accent1"/>
+            </a:lnRef>
+            <a:fillRef idx="0">
+              <a:schemeClr val="accent1"/>
+            </a:fillRef>
+            <a:effectRef idx="0">
+              <a:schemeClr val="accent1"/>
+            </a:effectRef>
+            <a:fontRef idx="minor">
+              <a:schemeClr val="tx1"/>
+            </a:fontRef>
+          </p:style>
+        </p:cxnSp>
+        <p:sp>
+          <p:nvSpPr>
+            <p:cNvPr id="115" name="CuadroTexto 114">
+              <a:extLst>
+                <a:ext uri="{FF2B5EF4-FFF2-40B4-BE49-F238E27FC236}">
+                  <a16:creationId xmlns:a16="http://schemas.microsoft.com/office/drawing/2014/main" id="{86FDC45D-B85D-4D31-A31C-185EC7BD433E}"/>
+                </a:ext>
+              </a:extLst>
+            </p:cNvPr>
+            <p:cNvSpPr txBox="1"/>
+            <p:nvPr/>
+          </p:nvSpPr>
+          <p:spPr>
+            <a:xfrm>
+              <a:off x="2227644" y="3207945"/>
+              <a:ext cx="1934719" cy="307777"/>
+            </a:xfrm>
+            <a:prstGeom prst="rect">
+              <a:avLst/>
+            </a:prstGeom>
+            <a:noFill/>
+          </p:spPr>
+          <p:txBody>
+            <a:bodyPr wrap="square" rtlCol="0">
+              <a:spAutoFit/>
+            </a:bodyPr>
+            <a:lstStyle/>
+            <a:p>
+              <a:r>
+                <a:rPr lang="es-419" sz="1400" dirty="0">
+                  <a:latin typeface="Arial Narrow" panose="020B0606020202030204" pitchFamily="34" charset="0"/>
+                </a:rPr>
+                <a:t>Number of routes</a:t>
+              </a:r>
+              <a:r>
+                <a:rPr lang="en-US" sz="1400" dirty="0">
+                  <a:latin typeface="Arial Narrow" panose="020B0606020202030204" pitchFamily="34" charset="0"/>
+                </a:rPr>
+                <a:t>: </a:t>
+              </a:r>
+              <a:endParaRPr lang="es-419" sz="1400" dirty="0">
+                <a:latin typeface="Arial Narrow" panose="020B0606020202030204" pitchFamily="34" charset="0"/>
+              </a:endParaRPr>
+            </a:p>
+          </p:txBody>
+        </p:sp>
+        <p:cxnSp>
+          <p:nvCxnSpPr>
+            <p:cNvPr id="116" name="Conector recto 115">
+              <a:extLst>
+                <a:ext uri="{FF2B5EF4-FFF2-40B4-BE49-F238E27FC236}">
+                  <a16:creationId xmlns:a16="http://schemas.microsoft.com/office/drawing/2014/main" id="{21370C23-4528-4F05-A0A7-2610F1CA84C7}"/>
+                </a:ext>
+              </a:extLst>
+            </p:cNvPr>
+            <p:cNvCxnSpPr>
+              <a:cxnSpLocks/>
+            </p:cNvCxnSpPr>
+            <p:nvPr/>
+          </p:nvCxnSpPr>
+          <p:spPr>
+            <a:xfrm>
+              <a:off x="1864453" y="4094415"/>
+              <a:ext cx="2267497" cy="0"/>
+            </a:xfrm>
+            <a:prstGeom prst="line">
+              <a:avLst/>
+            </a:prstGeom>
+            <a:ln w="19050">
+              <a:solidFill>
+                <a:schemeClr val="bg1">
+                  <a:lumMod val="65000"/>
+                </a:schemeClr>
+              </a:solidFill>
+              <a:prstDash val="sysDash"/>
+            </a:ln>
+          </p:spPr>
+          <p:style>
+            <a:lnRef idx="1">
+              <a:schemeClr val="accent1"/>
+            </a:lnRef>
+            <a:fillRef idx="0">
+              <a:schemeClr val="accent1"/>
+            </a:fillRef>
+            <a:effectRef idx="0">
+              <a:schemeClr val="accent1"/>
+            </a:effectRef>
+            <a:fontRef idx="minor">
+              <a:schemeClr val="tx1"/>
+            </a:fontRef>
+          </p:style>
+        </p:cxnSp>
+        <p:sp>
+          <p:nvSpPr>
+            <p:cNvPr id="120" name="CuadroTexto 119">
+              <a:extLst>
+                <a:ext uri="{FF2B5EF4-FFF2-40B4-BE49-F238E27FC236}">
+                  <a16:creationId xmlns:a16="http://schemas.microsoft.com/office/drawing/2014/main" id="{AD95631A-7AFF-4F6E-A370-E7F75855FF97}"/>
+                </a:ext>
+              </a:extLst>
+            </p:cNvPr>
+            <p:cNvSpPr txBox="1"/>
+            <p:nvPr/>
+          </p:nvSpPr>
+          <p:spPr>
+            <a:xfrm>
+              <a:off x="1835285" y="3596398"/>
+              <a:ext cx="2327078" cy="461665"/>
+            </a:xfrm>
+            <a:prstGeom prst="rect">
+              <a:avLst/>
+            </a:prstGeom>
+            <a:noFill/>
+          </p:spPr>
+          <p:txBody>
+            <a:bodyPr wrap="square" rtlCol="0">
+              <a:spAutoFit/>
+            </a:bodyPr>
+            <a:lstStyle/>
+            <a:p>
+              <a:r>
+                <a:rPr lang="en-US" sz="800" dirty="0">
+                  <a:solidFill>
+                    <a:schemeClr val="bg1">
+                      <a:lumMod val="50000"/>
+                    </a:schemeClr>
+                  </a:solidFill>
+                  <a:latin typeface="Arial" panose="020B0604020202020204" pitchFamily="34" charset="0"/>
+                  <a:cs typeface="Arial" panose="020B0604020202020204" pitchFamily="34" charset="0"/>
+                </a:rPr>
+                <a:t>The maximum number of transportation routes allowed in the state of Texas according to the FMCSA is 200.</a:t>
+              </a:r>
+              <a:endParaRPr lang="es-419" sz="800" dirty="0">
+                <a:solidFill>
+                  <a:schemeClr val="bg1">
+                    <a:lumMod val="50000"/>
+                  </a:schemeClr>
+                </a:solidFill>
+                <a:latin typeface="Arial" panose="020B0604020202020204" pitchFamily="34" charset="0"/>
+                <a:cs typeface="Arial" panose="020B0604020202020204" pitchFamily="34" charset="0"/>
+              </a:endParaRPr>
+            </a:p>
+          </p:txBody>
+        </p:sp>
+        <p:pic>
+          <p:nvPicPr>
+            <p:cNvPr id="121" name="Picture 2" descr="Resultado de imagen para logo de ubicacion">
+              <a:extLst>
+                <a:ext uri="{FF2B5EF4-FFF2-40B4-BE49-F238E27FC236}">
+                  <a16:creationId xmlns:a16="http://schemas.microsoft.com/office/drawing/2014/main" id="{990FFDE1-7ED0-4E50-AAB5-54D8A572CCC9}"/>
+                </a:ext>
+              </a:extLst>
+            </p:cNvPr>
+            <p:cNvPicPr>
+              <a:picLocks noChangeAspect="1" noChangeArrowheads="1"/>
+            </p:cNvPicPr>
+            <p:nvPr/>
+          </p:nvPicPr>
+          <p:blipFill>
+            <a:blip r:embed="rId3">
+              <a:extLst>
+                <a:ext uri="{BEBA8EAE-BF5A-486C-A8C5-ECC9F3942E4B}">
+                  <a14:imgProps xmlns:a14="http://schemas.microsoft.com/office/drawing/2010/main">
+                    <a14:imgLayer r:embed="rId4">
+                      <a14:imgEffect>
+                        <a14:backgroundRemoval t="639" b="99042" l="9585" r="89617">
+                          <a14:foregroundMark x1="38179" y1="6230" x2="50000" y2="6070"/>
+                          <a14:foregroundMark x1="50000" y1="6070" x2="60224" y2="6550"/>
+                          <a14:foregroundMark x1="49042" y1="1278" x2="52236" y2="639"/>
+                          <a14:foregroundMark x1="48562" y1="30831" x2="50639" y2="34185"/>
+                          <a14:foregroundMark x1="49681" y1="92173" x2="50160" y2="95527"/>
+                          <a14:foregroundMark x1="50319" y1="99042" x2="50319" y2="99042"/>
+                        </a14:backgroundRemoval>
+                      </a14:imgEffect>
+                    </a14:imgLayer>
+                  </a14:imgProps>
+                </a:ext>
+                <a:ext uri="{28A0092B-C50C-407E-A947-70E740481C1C}">
+                  <a14:useLocalDpi xmlns:a14="http://schemas.microsoft.com/office/drawing/2010/main" val="0"/>
+                </a:ext>
+              </a:extLst>
+            </a:blip>
+            <a:srcRect/>
+            <a:stretch>
+              <a:fillRect/>
+            </a:stretch>
+          </p:blipFill>
+          <p:spPr bwMode="auto">
+            <a:xfrm>
+              <a:off x="1894808" y="3232729"/>
+              <a:ext cx="300439" cy="300439"/>
+            </a:xfrm>
+            <a:prstGeom prst="rect">
+              <a:avLst/>
+            </a:prstGeom>
+            <a:noFill/>
+            <a:extLst>
+              <a:ext uri="{909E8E84-426E-40DD-AFC4-6F175D3DCCD1}">
+                <a14:hiddenFill xmlns:a14="http://schemas.microsoft.com/office/drawing/2010/main">
+                  <a:solidFill>
+                    <a:srgbClr val="FFFFFF"/>
+                  </a:solidFill>
+                </a14:hiddenFill>
+              </a:ext>
+            </a:extLst>
+          </p:spPr>
+        </p:pic>
+      </p:grpSp>
+      <p:pic>
+        <p:nvPicPr>
+          <p:cNvPr id="72" name="Picture 8" descr="Resultado de imagen para icon truck png">
+            <a:extLst>
+              <a:ext uri="{FF2B5EF4-FFF2-40B4-BE49-F238E27FC236}">
+                <a16:creationId xmlns:a16="http://schemas.microsoft.com/office/drawing/2014/main" id="{6E194033-C2AE-4FD3-908B-CE2F0126042E}"/>
+              </a:ext>
+            </a:extLst>
+          </p:cNvPr>
+          <p:cNvPicPr>
+            <a:picLocks noChangeAspect="1" noChangeArrowheads="1"/>
+          </p:cNvPicPr>
+          <p:nvPr/>
+        </p:nvPicPr>
+        <p:blipFill>
+          <a:blip r:embed="rId5">
+            <a:extLst>
+              <a:ext uri="{28A0092B-C50C-407E-A947-70E740481C1C}">
+                <a14:useLocalDpi xmlns:a14="http://schemas.microsoft.com/office/drawing/2010/main" val="0"/>
+              </a:ext>
+            </a:extLst>
+          </a:blip>
+          <a:srcRect/>
+          <a:stretch>
+            <a:fillRect/>
+          </a:stretch>
+        </p:blipFill>
+        <p:spPr bwMode="auto">
+          <a:xfrm>
+            <a:off x="5772782" y="1624744"/>
+            <a:ext cx="419884" cy="268051"/>
+          </a:xfrm>
+          <a:prstGeom prst="rect">
+            <a:avLst/>
+          </a:prstGeom>
+          <a:noFill/>
+          <a:extLst>
+            <a:ext uri="{909E8E84-426E-40DD-AFC4-6F175D3DCCD1}">
+              <a14:hiddenFill xmlns:a14="http://schemas.microsoft.com/office/drawing/2010/main">
+                <a:solidFill>
+                  <a:srgbClr val="FFFFFF"/>
+                </a:solidFill>
+              </a14:hiddenFill>
+            </a:ext>
+          </a:extLst>
+        </p:spPr>
+      </p:pic>
+      <p:sp>
+        <p:nvSpPr>
+          <p:cNvPr id="74" name="CuadroTexto 73">
+            <a:extLst>
+              <a:ext uri="{FF2B5EF4-FFF2-40B4-BE49-F238E27FC236}">
+                <a16:creationId xmlns:a16="http://schemas.microsoft.com/office/drawing/2014/main" id="{F9AFBAD6-6C64-4E77-86F0-EE06D881C8B1}"/>
+              </a:ext>
+            </a:extLst>
+          </p:cNvPr>
+          <p:cNvSpPr txBox="1"/>
+          <p:nvPr/>
+        </p:nvSpPr>
+        <p:spPr>
+          <a:xfrm>
+            <a:off x="6203381" y="1591114"/>
+            <a:ext cx="2062710" cy="738664"/>
+          </a:xfrm>
+          <a:prstGeom prst="rect">
+            <a:avLst/>
+          </a:prstGeom>
+          <a:noFill/>
+        </p:spPr>
+        <p:txBody>
+          <a:bodyPr wrap="square" rtlCol="0">
+            <a:spAutoFit/>
+          </a:bodyPr>
+          <a:lstStyle/>
+          <a:p>
+            <a:r>
+              <a:rPr lang="es-419" sz="1400" dirty="0">
+                <a:latin typeface="Arial Narrow" panose="020B0606020202030204" pitchFamily="34" charset="0"/>
+              </a:rPr>
+              <a:t>Number of trucks </a:t>
+            </a:r>
+          </a:p>
+          <a:p>
+            <a:r>
+              <a:rPr lang="en-US" sz="1400" dirty="0">
+                <a:latin typeface="Arial Narrow" panose="020B0606020202030204" pitchFamily="34" charset="0"/>
+              </a:rPr>
+              <a:t>for the route	            </a:t>
+            </a:r>
+          </a:p>
+          <a:p>
+            <a:r>
+              <a:rPr lang="en-US" sz="1400" dirty="0">
+                <a:latin typeface="Arial Narrow" panose="020B0606020202030204" pitchFamily="34" charset="0"/>
+              </a:rPr>
+              <a:t>In this order</a:t>
+            </a:r>
+            <a:endParaRPr lang="es-419" sz="1400" dirty="0">
+              <a:latin typeface="Arial Narrow" panose="020B0606020202030204" pitchFamily="34" charset="0"/>
+            </a:endParaRPr>
+          </a:p>
+        </p:txBody>
+      </p:sp>
+      <p:sp>
+        <p:nvSpPr>
+          <p:cNvPr id="76" name="CuadroTexto 75">
+            <a:extLst>
+              <a:ext uri="{FF2B5EF4-FFF2-40B4-BE49-F238E27FC236}">
+                <a16:creationId xmlns:a16="http://schemas.microsoft.com/office/drawing/2014/main" id="{AD2E3818-7078-4A37-A0BA-D0C52E06A756}"/>
+              </a:ext>
+            </a:extLst>
+          </p:cNvPr>
+          <p:cNvSpPr txBox="1"/>
+          <p:nvPr/>
+        </p:nvSpPr>
+        <p:spPr>
+          <a:xfrm>
+            <a:off x="3363081" y="1365789"/>
+            <a:ext cx="561975" cy="400110"/>
+          </a:xfrm>
+          <a:prstGeom prst="rect">
+            <a:avLst/>
+          </a:prstGeom>
+          <a:noFill/>
+        </p:spPr>
+        <p:txBody>
+          <a:bodyPr wrap="square" rtlCol="0">
+            <a:spAutoFit/>
+          </a:bodyPr>
+          <a:lstStyle/>
+          <a:p>
+            <a:r>
+              <a:rPr lang="es-419" sz="2000" b="1" dirty="0">
+                <a:solidFill>
+                  <a:srgbClr val="4FB5C1"/>
+                </a:solidFill>
+                <a:latin typeface="Bahnschrift SemiLight" panose="020B0502040204020203" pitchFamily="34" charset="0"/>
+              </a:rPr>
+              <a:t>N°</a:t>
+            </a:r>
+            <a:r>
+              <a:rPr lang="en-US" sz="2000" b="1" dirty="0">
+                <a:solidFill>
+                  <a:srgbClr val="4FB5C1"/>
+                </a:solidFill>
+                <a:latin typeface="Bahnschrift SemiLight" panose="020B0502040204020203" pitchFamily="34" charset="0"/>
+              </a:rPr>
+              <a:t>:</a:t>
+            </a:r>
+            <a:endParaRPr lang="es-419" sz="2000" b="1" dirty="0">
+              <a:solidFill>
+                <a:srgbClr val="4FB5C1"/>
+              </a:solidFill>
+              <a:latin typeface="Bahnschrift SemiLight" panose="020B0502040204020203" pitchFamily="34" charset="0"/>
+            </a:endParaRPr>
+          </a:p>
+        </p:txBody>
+      </p:sp>
+      <p:sp>
+        <p:nvSpPr>
+          <p:cNvPr id="78" name="CuadroTexto 77">
+            <a:extLst>
+              <a:ext uri="{FF2B5EF4-FFF2-40B4-BE49-F238E27FC236}">
+                <a16:creationId xmlns:a16="http://schemas.microsoft.com/office/drawing/2014/main" id="{15080261-92BD-4419-A349-530A02424F13}"/>
+              </a:ext>
+            </a:extLst>
+          </p:cNvPr>
+          <p:cNvSpPr txBox="1"/>
+          <p:nvPr/>
+        </p:nvSpPr>
+        <p:spPr>
+          <a:xfrm>
+            <a:off x="1188720" y="2200190"/>
+            <a:ext cx="3085727" cy="707886"/>
+          </a:xfrm>
+          <a:prstGeom prst="rect">
+            <a:avLst/>
+          </a:prstGeom>
+          <a:noFill/>
+        </p:spPr>
+        <p:txBody>
+          <a:bodyPr wrap="square" rtlCol="0">
+            <a:spAutoFit/>
+          </a:bodyPr>
+          <a:lstStyle/>
+          <a:p>
+            <a:pPr algn="just"/>
+            <a:r>
+              <a:rPr lang="en-US" sz="800" dirty="0">
+                <a:solidFill>
+                  <a:srgbClr val="7F7F7F"/>
+                </a:solidFill>
+                <a:latin typeface="Arial" panose="020B0604020202020204" pitchFamily="34" charset="0"/>
+                <a:cs typeface="Arial" panose="020B0604020202020204" pitchFamily="34" charset="0"/>
+              </a:rPr>
+              <a:t>    Welcome to the company Trucks Logistic, this company is responsible for making any shipment to all of Texas, so that we have more control of the transport of orders, it is necessary to detail some aspects of the shipments. Once chosen the desired amount give you check.</a:t>
+            </a:r>
+            <a:endParaRPr lang="es-419" sz="800" dirty="0">
+              <a:solidFill>
+                <a:srgbClr val="7F7F7F"/>
+              </a:solidFill>
+              <a:latin typeface="Arial" panose="020B0604020202020204" pitchFamily="34" charset="0"/>
+              <a:cs typeface="Arial" panose="020B0604020202020204" pitchFamily="34" charset="0"/>
+            </a:endParaRPr>
+          </a:p>
+        </p:txBody>
+      </p:sp>
+      <p:sp>
+        <p:nvSpPr>
+          <p:cNvPr id="79" name="CuadroTexto 78">
+            <a:extLst>
+              <a:ext uri="{FF2B5EF4-FFF2-40B4-BE49-F238E27FC236}">
+                <a16:creationId xmlns:a16="http://schemas.microsoft.com/office/drawing/2014/main" id="{EF225EB9-C54A-4E84-932B-0B588E0C2B1B}"/>
+              </a:ext>
+            </a:extLst>
+          </p:cNvPr>
+          <p:cNvSpPr txBox="1"/>
+          <p:nvPr/>
+        </p:nvSpPr>
+        <p:spPr>
+          <a:xfrm>
+            <a:off x="1021447" y="1765774"/>
+            <a:ext cx="1208192" cy="276999"/>
+          </a:xfrm>
+          <a:prstGeom prst="rect">
+            <a:avLst/>
+          </a:prstGeom>
+          <a:noFill/>
+        </p:spPr>
+        <p:txBody>
+          <a:bodyPr wrap="square" rtlCol="0">
+            <a:spAutoFit/>
+          </a:bodyPr>
+          <a:lstStyle/>
+          <a:p>
+            <a:r>
+              <a:rPr lang="en-US" sz="600" b="1" dirty="0">
+                <a:solidFill>
+                  <a:schemeClr val="bg1">
+                    <a:lumMod val="50000"/>
+                  </a:schemeClr>
+                </a:solidFill>
+                <a:latin typeface="Arial" panose="020B0604020202020204" pitchFamily="34" charset="0"/>
+                <a:cs typeface="Arial" panose="020B0604020202020204" pitchFamily="34" charset="0"/>
+              </a:rPr>
+              <a:t>CEO:   Marcos De Andrade</a:t>
+            </a:r>
+          </a:p>
+          <a:p>
+            <a:r>
+              <a:rPr lang="en-US" sz="600" b="1" dirty="0">
+                <a:solidFill>
+                  <a:schemeClr val="bg1">
+                    <a:lumMod val="50000"/>
+                  </a:schemeClr>
+                </a:solidFill>
+                <a:latin typeface="Arial" panose="020B0604020202020204" pitchFamily="34" charset="0"/>
+                <a:cs typeface="Arial" panose="020B0604020202020204" pitchFamily="34" charset="0"/>
+              </a:rPr>
+              <a:t>            Samuel Boada</a:t>
+            </a:r>
+            <a:endParaRPr lang="es-419" sz="600" b="1" dirty="0">
+              <a:solidFill>
+                <a:schemeClr val="bg1">
+                  <a:lumMod val="50000"/>
+                </a:schemeClr>
+              </a:solidFill>
+              <a:latin typeface="Arial" panose="020B0604020202020204" pitchFamily="34" charset="0"/>
+              <a:cs typeface="Arial" panose="020B0604020202020204" pitchFamily="34" charset="0"/>
+            </a:endParaRPr>
+          </a:p>
+        </p:txBody>
+      </p:sp>
+      <p:pic>
+        <p:nvPicPr>
+          <p:cNvPr id="81" name="Picture 12" descr="Imagen relacionada">
+            <a:extLst>
+              <a:ext uri="{FF2B5EF4-FFF2-40B4-BE49-F238E27FC236}">
+                <a16:creationId xmlns:a16="http://schemas.microsoft.com/office/drawing/2014/main" id="{B0F7570A-B8EA-4F50-A662-E89789AED6CF}"/>
+              </a:ext>
+            </a:extLst>
+          </p:cNvPr>
+          <p:cNvPicPr>
+            <a:picLocks noChangeAspect="1" noChangeArrowheads="1"/>
+          </p:cNvPicPr>
+          <p:nvPr/>
+        </p:nvPicPr>
+        <p:blipFill>
+          <a:blip r:embed="rId6">
+            <a:extLst>
+              <a:ext uri="{28A0092B-C50C-407E-A947-70E740481C1C}">
+                <a14:useLocalDpi xmlns:a14="http://schemas.microsoft.com/office/drawing/2010/main" val="0"/>
+              </a:ext>
+            </a:extLst>
+          </a:blip>
+          <a:srcRect/>
+          <a:stretch>
+            <a:fillRect/>
+          </a:stretch>
+        </p:blipFill>
+        <p:spPr bwMode="auto">
+          <a:xfrm>
+            <a:off x="1084697" y="1323056"/>
+            <a:ext cx="207411" cy="207411"/>
+          </a:xfrm>
+          <a:prstGeom prst="rect">
+            <a:avLst/>
+          </a:prstGeom>
+          <a:noFill/>
+          <a:extLst>
+            <a:ext uri="{909E8E84-426E-40DD-AFC4-6F175D3DCCD1}">
+              <a14:hiddenFill xmlns:a14="http://schemas.microsoft.com/office/drawing/2010/main">
+                <a:solidFill>
+                  <a:srgbClr val="FFFFFF"/>
+                </a:solidFill>
+              </a14:hiddenFill>
+            </a:ext>
+          </a:extLst>
+        </p:spPr>
+      </p:pic>
+      <p:sp>
+        <p:nvSpPr>
+          <p:cNvPr id="82" name="CuadroTexto 81">
+            <a:extLst>
+              <a:ext uri="{FF2B5EF4-FFF2-40B4-BE49-F238E27FC236}">
+                <a16:creationId xmlns:a16="http://schemas.microsoft.com/office/drawing/2014/main" id="{474E83AA-D7F6-451F-B0BD-7AD0BCD6F1ED}"/>
+              </a:ext>
+            </a:extLst>
+          </p:cNvPr>
+          <p:cNvSpPr txBox="1"/>
+          <p:nvPr/>
+        </p:nvSpPr>
+        <p:spPr>
+          <a:xfrm>
+            <a:off x="1210506" y="1371291"/>
+            <a:ext cx="766884" cy="153888"/>
+          </a:xfrm>
+          <a:prstGeom prst="rect">
+            <a:avLst/>
+          </a:prstGeom>
+          <a:noFill/>
+        </p:spPr>
+        <p:txBody>
+          <a:bodyPr wrap="square" rtlCol="0">
+            <a:spAutoFit/>
+          </a:bodyPr>
+          <a:lstStyle/>
+          <a:p>
+            <a:r>
+              <a:rPr lang="en-US" sz="400" dirty="0">
+                <a:solidFill>
+                  <a:schemeClr val="bg1">
+                    <a:lumMod val="50000"/>
+                  </a:schemeClr>
+                </a:solidFill>
+                <a:latin typeface="Arial" panose="020B0604020202020204" pitchFamily="34" charset="0"/>
+                <a:cs typeface="Arial" panose="020B0604020202020204" pitchFamily="34" charset="0"/>
+              </a:rPr>
+              <a:t>United States of America</a:t>
+            </a:r>
+            <a:endParaRPr lang="es-419" sz="400" dirty="0">
+              <a:solidFill>
+                <a:schemeClr val="bg1">
+                  <a:lumMod val="50000"/>
+                </a:schemeClr>
+              </a:solidFill>
+              <a:latin typeface="Arial" panose="020B0604020202020204" pitchFamily="34" charset="0"/>
+              <a:cs typeface="Arial" panose="020B0604020202020204" pitchFamily="34" charset="0"/>
+            </a:endParaRPr>
+          </a:p>
+        </p:txBody>
+      </p:sp>
+      <p:grpSp>
+        <p:nvGrpSpPr>
+          <p:cNvPr id="84" name="Grupo 83">
+            <a:extLst>
+              <a:ext uri="{FF2B5EF4-FFF2-40B4-BE49-F238E27FC236}">
+                <a16:creationId xmlns:a16="http://schemas.microsoft.com/office/drawing/2014/main" id="{DB750B84-CEAD-479E-9F43-34CD5D2BE0A9}"/>
+              </a:ext>
+            </a:extLst>
+          </p:cNvPr>
+          <p:cNvGrpSpPr/>
+          <p:nvPr/>
+        </p:nvGrpSpPr>
+        <p:grpSpPr>
+          <a:xfrm>
+            <a:off x="1811033" y="4624891"/>
+            <a:ext cx="2327078" cy="897638"/>
+            <a:chOff x="1811033" y="4624891"/>
+            <a:chExt cx="2327078" cy="897638"/>
+          </a:xfrm>
+        </p:grpSpPr>
+        <p:sp>
+          <p:nvSpPr>
+            <p:cNvPr id="103" name="CuadroTexto 102">
+              <a:extLst>
+                <a:ext uri="{FF2B5EF4-FFF2-40B4-BE49-F238E27FC236}">
+                  <a16:creationId xmlns:a16="http://schemas.microsoft.com/office/drawing/2014/main" id="{B82902AF-E437-4AAA-8013-355BFEC70F97}"/>
+                </a:ext>
+              </a:extLst>
+            </p:cNvPr>
+            <p:cNvSpPr txBox="1"/>
+            <p:nvPr/>
+          </p:nvSpPr>
+          <p:spPr>
+            <a:xfrm>
+              <a:off x="2197231" y="4638710"/>
+              <a:ext cx="1934719" cy="307777"/>
+            </a:xfrm>
+            <a:prstGeom prst="rect">
+              <a:avLst/>
+            </a:prstGeom>
+            <a:noFill/>
+          </p:spPr>
+          <p:txBody>
+            <a:bodyPr wrap="square" rtlCol="0">
+              <a:spAutoFit/>
+            </a:bodyPr>
+            <a:lstStyle/>
+            <a:p>
+              <a:r>
+                <a:rPr lang="es-419" sz="1400" dirty="0">
+                  <a:latin typeface="Arial Narrow" panose="020B0606020202030204" pitchFamily="34" charset="0"/>
+                </a:rPr>
+                <a:t>Number of orders</a:t>
+              </a:r>
+              <a:r>
+                <a:rPr lang="en-US" sz="1400" dirty="0">
+                  <a:latin typeface="Arial Narrow" panose="020B0606020202030204" pitchFamily="34" charset="0"/>
+                </a:rPr>
+                <a:t>: </a:t>
+              </a:r>
+              <a:endParaRPr lang="es-419" sz="1400" dirty="0">
+                <a:latin typeface="Arial Narrow" panose="020B0606020202030204" pitchFamily="34" charset="0"/>
+              </a:endParaRPr>
+            </a:p>
+          </p:txBody>
+        </p:sp>
+        <p:pic>
+          <p:nvPicPr>
+            <p:cNvPr id="104" name="Picture 4" descr="Resultado de imagen para icon box">
+              <a:extLst>
+                <a:ext uri="{FF2B5EF4-FFF2-40B4-BE49-F238E27FC236}">
+                  <a16:creationId xmlns:a16="http://schemas.microsoft.com/office/drawing/2014/main" id="{4465AA0A-B703-4430-98D1-8A67F87C7907}"/>
+                </a:ext>
+              </a:extLst>
+            </p:cNvPr>
+            <p:cNvPicPr>
+              <a:picLocks noChangeAspect="1" noChangeArrowheads="1"/>
+            </p:cNvPicPr>
+            <p:nvPr/>
+          </p:nvPicPr>
+          <p:blipFill>
+            <a:blip r:embed="rId7">
+              <a:extLst>
+                <a:ext uri="{28A0092B-C50C-407E-A947-70E740481C1C}">
+                  <a14:useLocalDpi xmlns:a14="http://schemas.microsoft.com/office/drawing/2010/main" val="0"/>
+                </a:ext>
+              </a:extLst>
+            </a:blip>
+            <a:srcRect/>
+            <a:stretch>
+              <a:fillRect/>
+            </a:stretch>
+          </p:blipFill>
+          <p:spPr bwMode="auto">
+            <a:xfrm>
+              <a:off x="1878308" y="4624891"/>
+              <a:ext cx="325526" cy="325526"/>
+            </a:xfrm>
+            <a:prstGeom prst="rect">
+              <a:avLst/>
+            </a:prstGeom>
+            <a:noFill/>
+            <a:extLst>
+              <a:ext uri="{909E8E84-426E-40DD-AFC4-6F175D3DCCD1}">
+                <a14:hiddenFill xmlns:a14="http://schemas.microsoft.com/office/drawing/2010/main">
+                  <a:solidFill>
+                    <a:srgbClr val="FFFFFF"/>
+                  </a:solidFill>
+                </a14:hiddenFill>
+              </a:ext>
+            </a:extLst>
+          </p:spPr>
+        </p:pic>
+        <p:cxnSp>
+          <p:nvCxnSpPr>
+            <p:cNvPr id="105" name="Conector recto 104">
+              <a:extLst>
+                <a:ext uri="{FF2B5EF4-FFF2-40B4-BE49-F238E27FC236}">
+                  <a16:creationId xmlns:a16="http://schemas.microsoft.com/office/drawing/2014/main" id="{A10CEF8F-71F2-4A82-81BE-66F012803E31}"/>
+                </a:ext>
+              </a:extLst>
+            </p:cNvPr>
+            <p:cNvCxnSpPr>
+              <a:cxnSpLocks/>
+            </p:cNvCxnSpPr>
+            <p:nvPr/>
+          </p:nvCxnSpPr>
+          <p:spPr>
+            <a:xfrm>
+              <a:off x="2273940" y="4981846"/>
+              <a:ext cx="1847613" cy="4656"/>
+            </a:xfrm>
+            <a:prstGeom prst="line">
+              <a:avLst/>
+            </a:prstGeom>
+            <a:ln w="19050">
+              <a:solidFill>
+                <a:schemeClr val="bg1">
+                  <a:lumMod val="65000"/>
+                </a:schemeClr>
+              </a:solidFill>
+              <a:prstDash val="sysDash"/>
+            </a:ln>
+          </p:spPr>
+          <p:style>
+            <a:lnRef idx="1">
+              <a:schemeClr val="accent1"/>
+            </a:lnRef>
+            <a:fillRef idx="0">
+              <a:schemeClr val="accent1"/>
+            </a:fillRef>
+            <a:effectRef idx="0">
+              <a:schemeClr val="accent1"/>
+            </a:effectRef>
+            <a:fontRef idx="minor">
+              <a:schemeClr val="tx1"/>
+            </a:fontRef>
+          </p:style>
+        </p:cxnSp>
+        <p:cxnSp>
+          <p:nvCxnSpPr>
+            <p:cNvPr id="106" name="Conector recto 105">
+              <a:extLst>
+                <a:ext uri="{FF2B5EF4-FFF2-40B4-BE49-F238E27FC236}">
+                  <a16:creationId xmlns:a16="http://schemas.microsoft.com/office/drawing/2014/main" id="{E55E969D-A3D4-451D-A971-83150E0B5A90}"/>
+                </a:ext>
+              </a:extLst>
+            </p:cNvPr>
+            <p:cNvCxnSpPr>
+              <a:cxnSpLocks/>
+            </p:cNvCxnSpPr>
+            <p:nvPr/>
+          </p:nvCxnSpPr>
+          <p:spPr>
+            <a:xfrm>
+              <a:off x="1840201" y="5522529"/>
+              <a:ext cx="2267497" cy="0"/>
+            </a:xfrm>
+            <a:prstGeom prst="line">
+              <a:avLst/>
+            </a:prstGeom>
+            <a:ln w="19050">
+              <a:solidFill>
+                <a:schemeClr val="bg1">
+                  <a:lumMod val="65000"/>
+                </a:schemeClr>
+              </a:solidFill>
+              <a:prstDash val="sysDash"/>
+            </a:ln>
+          </p:spPr>
+          <p:style>
+            <a:lnRef idx="1">
+              <a:schemeClr val="accent1"/>
+            </a:lnRef>
+            <a:fillRef idx="0">
+              <a:schemeClr val="accent1"/>
+            </a:fillRef>
+            <a:effectRef idx="0">
+              <a:schemeClr val="accent1"/>
+            </a:effectRef>
+            <a:fontRef idx="minor">
+              <a:schemeClr val="tx1"/>
+            </a:fontRef>
+          </p:style>
+        </p:cxnSp>
+        <p:sp>
+          <p:nvSpPr>
+            <p:cNvPr id="107" name="CuadroTexto 106">
+              <a:extLst>
+                <a:ext uri="{FF2B5EF4-FFF2-40B4-BE49-F238E27FC236}">
+                  <a16:creationId xmlns:a16="http://schemas.microsoft.com/office/drawing/2014/main" id="{4CEFDB4C-443B-48A8-84EE-414AAFF3EE20}"/>
+                </a:ext>
+              </a:extLst>
+            </p:cNvPr>
+            <p:cNvSpPr txBox="1"/>
+            <p:nvPr/>
+          </p:nvSpPr>
+          <p:spPr>
+            <a:xfrm>
+              <a:off x="1811033" y="5024512"/>
+              <a:ext cx="2327078" cy="461665"/>
+            </a:xfrm>
+            <a:prstGeom prst="rect">
+              <a:avLst/>
+            </a:prstGeom>
+            <a:noFill/>
+          </p:spPr>
+          <p:txBody>
+            <a:bodyPr wrap="square" rtlCol="0">
+              <a:spAutoFit/>
+            </a:bodyPr>
+            <a:lstStyle/>
+            <a:p>
+              <a:r>
+                <a:rPr lang="en-US" sz="800" dirty="0">
+                  <a:solidFill>
+                    <a:schemeClr val="bg1">
+                      <a:lumMod val="50000"/>
+                    </a:schemeClr>
+                  </a:solidFill>
+                  <a:latin typeface="Arial" panose="020B0604020202020204" pitchFamily="34" charset="0"/>
+                  <a:cs typeface="Arial" panose="020B0604020202020204" pitchFamily="34" charset="0"/>
+                </a:rPr>
+                <a:t>The maximum number of orders allowed in the state of Texas according to the law of the FMCSA is 3500.</a:t>
+              </a:r>
+              <a:endParaRPr lang="es-419" sz="800" dirty="0">
+                <a:solidFill>
+                  <a:schemeClr val="bg1">
+                    <a:lumMod val="50000"/>
+                  </a:schemeClr>
+                </a:solidFill>
+                <a:latin typeface="Arial" panose="020B0604020202020204" pitchFamily="34" charset="0"/>
+                <a:cs typeface="Arial" panose="020B0604020202020204" pitchFamily="34" charset="0"/>
+              </a:endParaRPr>
+            </a:p>
+          </p:txBody>
+        </p:sp>
+      </p:grpSp>
+      <p:cxnSp>
+        <p:nvCxnSpPr>
+          <p:cNvPr id="85" name="Conector recto 84">
+            <a:extLst>
+              <a:ext uri="{FF2B5EF4-FFF2-40B4-BE49-F238E27FC236}">
+                <a16:creationId xmlns:a16="http://schemas.microsoft.com/office/drawing/2014/main" id="{AE669A1F-1C80-4872-ACDC-70EAE05A1B07}"/>
+              </a:ext>
+            </a:extLst>
+          </p:cNvPr>
+          <p:cNvCxnSpPr>
+            <a:cxnSpLocks/>
+          </p:cNvCxnSpPr>
+          <p:nvPr/>
+        </p:nvCxnSpPr>
+        <p:spPr>
+          <a:xfrm>
+            <a:off x="6309523" y="2372977"/>
+            <a:ext cx="1699251" cy="0"/>
+          </a:xfrm>
+          <a:prstGeom prst="line">
+            <a:avLst/>
+          </a:prstGeom>
+          <a:ln w="19050">
+            <a:solidFill>
+              <a:schemeClr val="bg1">
+                <a:lumMod val="65000"/>
+              </a:schemeClr>
+            </a:solidFill>
+            <a:prstDash val="sysDash"/>
+          </a:ln>
+        </p:spPr>
+        <p:style>
+          <a:lnRef idx="1">
+            <a:schemeClr val="accent1"/>
+          </a:lnRef>
+          <a:fillRef idx="0">
+            <a:schemeClr val="accent1"/>
+          </a:fillRef>
+          <a:effectRef idx="0">
+            <a:schemeClr val="accent1"/>
+          </a:effectRef>
+          <a:fontRef idx="minor">
+            <a:schemeClr val="tx1"/>
+          </a:fontRef>
+        </p:style>
+      </p:cxnSp>
+      <p:cxnSp>
+        <p:nvCxnSpPr>
+          <p:cNvPr id="86" name="Conector recto 85">
+            <a:extLst>
+              <a:ext uri="{FF2B5EF4-FFF2-40B4-BE49-F238E27FC236}">
+                <a16:creationId xmlns:a16="http://schemas.microsoft.com/office/drawing/2014/main" id="{9949DE06-A2F5-4233-BC4D-757B4C026939}"/>
+              </a:ext>
+            </a:extLst>
+          </p:cNvPr>
+          <p:cNvCxnSpPr>
+            <a:cxnSpLocks/>
+          </p:cNvCxnSpPr>
+          <p:nvPr/>
+        </p:nvCxnSpPr>
+        <p:spPr>
+          <a:xfrm>
+            <a:off x="5772782" y="3037485"/>
+            <a:ext cx="2235992" cy="0"/>
+          </a:xfrm>
+          <a:prstGeom prst="line">
+            <a:avLst/>
+          </a:prstGeom>
+          <a:ln w="19050">
+            <a:solidFill>
+              <a:schemeClr val="bg1">
+                <a:lumMod val="65000"/>
+              </a:schemeClr>
+            </a:solidFill>
+            <a:prstDash val="sysDash"/>
+          </a:ln>
+        </p:spPr>
+        <p:style>
+          <a:lnRef idx="1">
+            <a:schemeClr val="accent1"/>
+          </a:lnRef>
+          <a:fillRef idx="0">
+            <a:schemeClr val="accent1"/>
+          </a:fillRef>
+          <a:effectRef idx="0">
+            <a:schemeClr val="accent1"/>
+          </a:effectRef>
+          <a:fontRef idx="minor">
+            <a:schemeClr val="tx1"/>
+          </a:fontRef>
+        </p:style>
+      </p:cxnSp>
+      <p:sp>
+        <p:nvSpPr>
+          <p:cNvPr id="87" name="CuadroTexto 86">
+            <a:extLst>
+              <a:ext uri="{FF2B5EF4-FFF2-40B4-BE49-F238E27FC236}">
+                <a16:creationId xmlns:a16="http://schemas.microsoft.com/office/drawing/2014/main" id="{F6492FF6-38AC-41B7-8EA2-4E4DBBD2E639}"/>
+              </a:ext>
+            </a:extLst>
+          </p:cNvPr>
+          <p:cNvSpPr txBox="1"/>
+          <p:nvPr/>
+        </p:nvSpPr>
+        <p:spPr>
+          <a:xfrm>
+            <a:off x="5769532" y="2415999"/>
+            <a:ext cx="2327078" cy="584775"/>
+          </a:xfrm>
+          <a:prstGeom prst="rect">
+            <a:avLst/>
+          </a:prstGeom>
+          <a:noFill/>
+        </p:spPr>
+        <p:txBody>
+          <a:bodyPr wrap="square" rtlCol="0">
+            <a:spAutoFit/>
+          </a:bodyPr>
+          <a:lstStyle/>
+          <a:p>
+            <a:pPr algn="just"/>
+            <a:r>
+              <a:rPr lang="en-US" sz="800" dirty="0">
+                <a:solidFill>
+                  <a:schemeClr val="bg1">
+                    <a:lumMod val="50000"/>
+                  </a:schemeClr>
+                </a:solidFill>
+                <a:latin typeface="Arial" panose="020B0604020202020204" pitchFamily="34" charset="0"/>
+                <a:cs typeface="Arial" panose="020B0604020202020204" pitchFamily="34" charset="0"/>
+              </a:rPr>
+              <a:t>The maximum number of trucks for the transport of merchandise on the transportation routes allowed in the state of Texas according to the FMCSA is 200.</a:t>
+            </a:r>
+            <a:endParaRPr lang="es-419" sz="800" dirty="0">
+              <a:solidFill>
+                <a:schemeClr val="bg1">
+                  <a:lumMod val="50000"/>
+                </a:schemeClr>
+              </a:solidFill>
+              <a:latin typeface="Arial" panose="020B0604020202020204" pitchFamily="34" charset="0"/>
+              <a:cs typeface="Arial" panose="020B0604020202020204" pitchFamily="34" charset="0"/>
+            </a:endParaRPr>
+          </a:p>
+        </p:txBody>
+      </p:sp>
+      <p:pic>
+        <p:nvPicPr>
+          <p:cNvPr id="98" name="Imagen 97">
+            <a:extLst>
+              <a:ext uri="{FF2B5EF4-FFF2-40B4-BE49-F238E27FC236}">
+                <a16:creationId xmlns:a16="http://schemas.microsoft.com/office/drawing/2014/main" id="{6E3422D2-CA72-47F2-9790-84A9D7BD7442}"/>
+              </a:ext>
+            </a:extLst>
+          </p:cNvPr>
+          <p:cNvPicPr>
+            <a:picLocks noChangeAspect="1"/>
+          </p:cNvPicPr>
+          <p:nvPr/>
+        </p:nvPicPr>
+        <p:blipFill>
+          <a:blip r:embed="rId8">
+            <a:extLst>
+              <a:ext uri="{28A0092B-C50C-407E-A947-70E740481C1C}">
+                <a14:useLocalDpi xmlns:a14="http://schemas.microsoft.com/office/drawing/2010/main" val="0"/>
+              </a:ext>
+            </a:extLst>
+          </a:blip>
+          <a:stretch>
+            <a:fillRect/>
+          </a:stretch>
+        </p:blipFill>
+        <p:spPr>
+          <a:xfrm>
+            <a:off x="9686000" y="1977230"/>
+            <a:ext cx="1781992" cy="3721594"/>
+          </a:xfrm>
+          <a:prstGeom prst="rect">
+            <a:avLst/>
+          </a:prstGeom>
+        </p:spPr>
+      </p:pic>
+      <p:pic>
+        <p:nvPicPr>
+          <p:cNvPr id="100" name="Imagen 99">
+            <a:extLst>
+              <a:ext uri="{FF2B5EF4-FFF2-40B4-BE49-F238E27FC236}">
+                <a16:creationId xmlns:a16="http://schemas.microsoft.com/office/drawing/2014/main" id="{27406753-51A2-4190-AEEB-C1CFB4634F27}"/>
+              </a:ext>
+            </a:extLst>
+          </p:cNvPr>
+          <p:cNvPicPr>
+            <a:picLocks noChangeAspect="1"/>
+          </p:cNvPicPr>
+          <p:nvPr/>
+        </p:nvPicPr>
+        <p:blipFill>
+          <a:blip r:embed="rId9">
+            <a:extLst>
+              <a:ext uri="{28A0092B-C50C-407E-A947-70E740481C1C}">
+                <a14:useLocalDpi xmlns:a14="http://schemas.microsoft.com/office/drawing/2010/main" val="0"/>
+              </a:ext>
+            </a:extLst>
+          </a:blip>
+          <a:stretch>
+            <a:fillRect/>
+          </a:stretch>
+        </p:blipFill>
+        <p:spPr>
+          <a:xfrm>
+            <a:off x="2386002" y="1538817"/>
+            <a:ext cx="741797" cy="643694"/>
+          </a:xfrm>
+          <a:prstGeom prst="rect">
+            <a:avLst/>
+          </a:prstGeom>
+        </p:spPr>
+      </p:pic>
+      <p:sp>
+        <p:nvSpPr>
+          <p:cNvPr id="2" name="Rectángulo 1">
+            <a:extLst>
+              <a:ext uri="{FF2B5EF4-FFF2-40B4-BE49-F238E27FC236}">
+                <a16:creationId xmlns:a16="http://schemas.microsoft.com/office/drawing/2014/main" id="{4D2AFC08-0A69-4B5E-BD92-0A446B503640}"/>
+              </a:ext>
+            </a:extLst>
+          </p:cNvPr>
+          <p:cNvSpPr/>
+          <p:nvPr/>
+        </p:nvSpPr>
+        <p:spPr>
+          <a:xfrm>
+            <a:off x="9999406" y="4517136"/>
+            <a:ext cx="1154653" cy="507376"/>
+          </a:xfrm>
+          <a:prstGeom prst="rect">
+            <a:avLst/>
+          </a:prstGeom>
+          <a:solidFill>
+            <a:schemeClr val="bg1"/>
+          </a:solidFill>
+          <a:ln>
+            <a:noFill/>
+          </a:ln>
+        </p:spPr>
+        <p:style>
+          <a:lnRef idx="2">
+            <a:schemeClr val="accent1">
+              <a:shade val="50000"/>
+            </a:schemeClr>
+          </a:lnRef>
+          <a:fillRef idx="1">
+            <a:schemeClr val="accent1"/>
+          </a:fillRef>
+          <a:effectRef idx="0">
+            <a:schemeClr val="accent1"/>
+          </a:effectRef>
+          <a:fontRef idx="minor">
+            <a:schemeClr val="lt1"/>
+          </a:fontRef>
+        </p:style>
+        <p:txBody>
+          <a:bodyPr rtlCol="0" anchor="ctr"/>
+          <a:lstStyle/>
+          <a:p>
+            <a:pPr algn="ctr"/>
+            <a:endParaRPr lang="es-419"/>
+          </a:p>
+        </p:txBody>
+      </p:sp>
+      <p:pic>
+        <p:nvPicPr>
+          <p:cNvPr id="54" name="Imagen 53">
+            <a:extLst>
+              <a:ext uri="{FF2B5EF4-FFF2-40B4-BE49-F238E27FC236}">
+                <a16:creationId xmlns:a16="http://schemas.microsoft.com/office/drawing/2014/main" id="{728D697B-93BC-4B9D-B25A-756B191BD91D}"/>
+              </a:ext>
+            </a:extLst>
+          </p:cNvPr>
+          <p:cNvPicPr>
+            <a:picLocks noChangeAspect="1"/>
+          </p:cNvPicPr>
+          <p:nvPr/>
+        </p:nvPicPr>
+        <p:blipFill>
+          <a:blip r:embed="rId9">
+            <a:duotone>
+              <a:schemeClr val="bg2">
+                <a:shade val="45000"/>
+                <a:satMod val="135000"/>
+              </a:schemeClr>
+              <a:prstClr val="white"/>
+            </a:duotone>
+            <a:extLst>
+              <a:ext uri="{28A0092B-C50C-407E-A947-70E740481C1C}">
+                <a14:useLocalDpi xmlns:a14="http://schemas.microsoft.com/office/drawing/2010/main" val="0"/>
+              </a:ext>
+            </a:extLst>
+          </a:blip>
+          <a:stretch>
+            <a:fillRect/>
+          </a:stretch>
+        </p:blipFill>
+        <p:spPr>
+          <a:xfrm>
+            <a:off x="5720527" y="3219062"/>
+            <a:ext cx="2049637" cy="1778572"/>
+          </a:xfrm>
+          <a:prstGeom prst="rect">
+            <a:avLst/>
+          </a:prstGeom>
+        </p:spPr>
+      </p:pic>
+      <p:sp>
+        <p:nvSpPr>
+          <p:cNvPr id="5" name="Rectángulo 4">
+            <a:extLst>
+              <a:ext uri="{FF2B5EF4-FFF2-40B4-BE49-F238E27FC236}">
+                <a16:creationId xmlns:a16="http://schemas.microsoft.com/office/drawing/2014/main" id="{2D54A1E0-47EF-4FA0-8714-3051E5A0A6C8}"/>
+              </a:ext>
+            </a:extLst>
+          </p:cNvPr>
+          <p:cNvSpPr/>
+          <p:nvPr/>
+        </p:nvSpPr>
+        <p:spPr>
+          <a:xfrm>
+            <a:off x="5720527" y="3116580"/>
+            <a:ext cx="2327078" cy="1774188"/>
+          </a:xfrm>
+          <a:prstGeom prst="rect">
+            <a:avLst/>
+          </a:prstGeom>
+          <a:solidFill>
+            <a:schemeClr val="bg1">
+              <a:alpha val="56000"/>
+            </a:schemeClr>
+          </a:solidFill>
+          <a:ln>
+            <a:noFill/>
+          </a:ln>
+        </p:spPr>
+        <p:style>
+          <a:lnRef idx="2">
+            <a:schemeClr val="accent1">
+              <a:shade val="50000"/>
+            </a:schemeClr>
+          </a:lnRef>
+          <a:fillRef idx="1">
+            <a:schemeClr val="accent1"/>
+          </a:fillRef>
+          <a:effectRef idx="0">
+            <a:schemeClr val="accent1"/>
+          </a:effectRef>
+          <a:fontRef idx="minor">
+            <a:schemeClr val="lt1"/>
+          </a:fontRef>
+        </p:style>
+        <p:txBody>
+          <a:bodyPr rtlCol="0" anchor="ctr"/>
+          <a:lstStyle/>
+          <a:p>
+            <a:pPr algn="ctr"/>
+            <a:endParaRPr lang="es-419"/>
+          </a:p>
+        </p:txBody>
+      </p:sp>
+      <p:grpSp>
+        <p:nvGrpSpPr>
+          <p:cNvPr id="4" name="Grupo 3">
+            <a:extLst>
+              <a:ext uri="{FF2B5EF4-FFF2-40B4-BE49-F238E27FC236}">
+                <a16:creationId xmlns:a16="http://schemas.microsoft.com/office/drawing/2014/main" id="{2322C57E-36C0-4A0C-B315-1E1895E0DF5F}"/>
+              </a:ext>
+            </a:extLst>
+          </p:cNvPr>
+          <p:cNvGrpSpPr/>
+          <p:nvPr/>
+        </p:nvGrpSpPr>
+        <p:grpSpPr>
+          <a:xfrm>
+            <a:off x="6139707" y="5138688"/>
+            <a:ext cx="1199001" cy="650297"/>
+            <a:chOff x="7134079" y="5202876"/>
+            <a:chExt cx="1199001" cy="650297"/>
+          </a:xfrm>
+        </p:grpSpPr>
+        <p:cxnSp>
+          <p:nvCxnSpPr>
+            <p:cNvPr id="95" name="Conector recto 94">
+              <a:extLst>
+                <a:ext uri="{FF2B5EF4-FFF2-40B4-BE49-F238E27FC236}">
+                  <a16:creationId xmlns:a16="http://schemas.microsoft.com/office/drawing/2014/main" id="{EC613204-F4DC-4C44-A46E-BE5C744EB519}"/>
+                </a:ext>
+              </a:extLst>
+            </p:cNvPr>
+            <p:cNvCxnSpPr>
+              <a:cxnSpLocks/>
+            </p:cNvCxnSpPr>
+            <p:nvPr/>
+          </p:nvCxnSpPr>
+          <p:spPr>
+            <a:xfrm>
+              <a:off x="7189989" y="5662142"/>
+              <a:ext cx="1081794" cy="0"/>
+            </a:xfrm>
+            <a:prstGeom prst="line">
+              <a:avLst/>
+            </a:prstGeom>
+            <a:ln w="9525">
+              <a:solidFill>
+                <a:schemeClr val="bg1">
+                  <a:lumMod val="65000"/>
+                </a:schemeClr>
+              </a:solidFill>
+              <a:prstDash val="solid"/>
+            </a:ln>
+          </p:spPr>
+          <p:style>
+            <a:lnRef idx="1">
+              <a:schemeClr val="accent1"/>
+            </a:lnRef>
+            <a:fillRef idx="0">
+              <a:schemeClr val="accent1"/>
+            </a:fillRef>
+            <a:effectRef idx="0">
+              <a:schemeClr val="accent1"/>
+            </a:effectRef>
+            <a:fontRef idx="minor">
+              <a:schemeClr val="tx1"/>
+            </a:fontRef>
+          </p:style>
+        </p:cxnSp>
+        <p:sp>
+          <p:nvSpPr>
+            <p:cNvPr id="96" name="CuadroTexto 95">
+              <a:extLst>
+                <a:ext uri="{FF2B5EF4-FFF2-40B4-BE49-F238E27FC236}">
+                  <a16:creationId xmlns:a16="http://schemas.microsoft.com/office/drawing/2014/main" id="{87917734-AECB-4372-94B3-A7DCCC71C7C0}"/>
+                </a:ext>
+              </a:extLst>
+            </p:cNvPr>
+            <p:cNvSpPr txBox="1"/>
+            <p:nvPr/>
+          </p:nvSpPr>
+          <p:spPr>
+            <a:xfrm>
+              <a:off x="7134079" y="5668507"/>
+              <a:ext cx="1199001" cy="184666"/>
+            </a:xfrm>
+            <a:prstGeom prst="rect">
+              <a:avLst/>
+            </a:prstGeom>
+            <a:noFill/>
+          </p:spPr>
+          <p:txBody>
+            <a:bodyPr wrap="square" rtlCol="0">
+              <a:spAutoFit/>
+            </a:bodyPr>
+            <a:lstStyle/>
+            <a:p>
+              <a:pPr algn="just"/>
+              <a:r>
+                <a:rPr lang="en-US" sz="600" dirty="0">
+                  <a:solidFill>
+                    <a:schemeClr val="bg1">
+                      <a:lumMod val="50000"/>
+                    </a:schemeClr>
+                  </a:solidFill>
+                  <a:latin typeface="Arial" panose="020B0604020202020204" pitchFamily="34" charset="0"/>
+                  <a:cs typeface="Arial" panose="020B0604020202020204" pitchFamily="34" charset="0"/>
+                </a:rPr>
+                <a:t>General Manager. John Doe</a:t>
+              </a:r>
+              <a:endParaRPr lang="es-419" sz="600" dirty="0">
+                <a:solidFill>
+                  <a:schemeClr val="bg1">
+                    <a:lumMod val="50000"/>
+                  </a:schemeClr>
+                </a:solidFill>
+                <a:latin typeface="Arial" panose="020B0604020202020204" pitchFamily="34" charset="0"/>
+                <a:cs typeface="Arial" panose="020B0604020202020204" pitchFamily="34" charset="0"/>
+              </a:endParaRPr>
+            </a:p>
+          </p:txBody>
+        </p:sp>
+        <p:pic>
+          <p:nvPicPr>
+            <p:cNvPr id="97" name="Picture 14" descr="Resultado de imagen para firmas png">
+              <a:extLst>
+                <a:ext uri="{FF2B5EF4-FFF2-40B4-BE49-F238E27FC236}">
+                  <a16:creationId xmlns:a16="http://schemas.microsoft.com/office/drawing/2014/main" id="{E8DF70F0-0ECA-4D88-922F-BA0CAEFF415C}"/>
+                </a:ext>
+              </a:extLst>
+            </p:cNvPr>
+            <p:cNvPicPr>
+              <a:picLocks noChangeAspect="1" noChangeArrowheads="1"/>
+            </p:cNvPicPr>
+            <p:nvPr/>
+          </p:nvPicPr>
+          <p:blipFill>
+            <a:blip r:embed="rId10">
+              <a:extLst>
+                <a:ext uri="{28A0092B-C50C-407E-A947-70E740481C1C}">
+                  <a14:useLocalDpi xmlns:a14="http://schemas.microsoft.com/office/drawing/2010/main" val="0"/>
+                </a:ext>
+              </a:extLst>
+            </a:blip>
+            <a:srcRect/>
+            <a:stretch>
+              <a:fillRect/>
+            </a:stretch>
+          </p:blipFill>
+          <p:spPr bwMode="auto">
+            <a:xfrm>
+              <a:off x="7311018" y="5202876"/>
+              <a:ext cx="883022" cy="515540"/>
+            </a:xfrm>
+            <a:prstGeom prst="rect">
+              <a:avLst/>
+            </a:prstGeom>
+            <a:noFill/>
+            <a:extLst>
+              <a:ext uri="{909E8E84-426E-40DD-AFC4-6F175D3DCCD1}">
+                <a14:hiddenFill xmlns:a14="http://schemas.microsoft.com/office/drawing/2010/main">
+                  <a:solidFill>
+                    <a:srgbClr val="FFFFFF"/>
+                  </a:solidFill>
+                </a14:hiddenFill>
+              </a:ext>
+            </a:extLst>
+          </p:spPr>
+        </p:pic>
+      </p:grpSp>
+    </p:spTree>
+    <p:extLst>
+      <p:ext uri="{BB962C8B-B14F-4D97-AF65-F5344CB8AC3E}">
+        <p14:creationId xmlns:p14="http://schemas.microsoft.com/office/powerpoint/2010/main" val="3665114061"/>
+      </p:ext>
+    </p:extLst>
+  </p:cSld>
+  <p:clrMapOvr>
+    <a:masterClrMapping/>
+  </p:clrMapOvr>
+</p:sld>
+</file>
+
+<file path=ppt/slides/slide12.xml><?xml version="1.0" encoding="utf-8"?>
+<p:sld xmlns:a="http://schemas.openxmlformats.org/drawingml/2006/main" xmlns:r="http://schemas.openxmlformats.org/officeDocument/2006/relationships" xmlns:p="http://schemas.openxmlformats.org/presentationml/2006/main">
+  <p:cSld>
+    <p:spTree>
+      <p:nvGrpSpPr>
+        <p:cNvPr id="1" name=""/>
+        <p:cNvGrpSpPr/>
+        <p:nvPr/>
+      </p:nvGrpSpPr>
+      <p:grpSpPr>
+        <a:xfrm>
+          <a:off x="0" y="0"/>
+          <a:ext cx="0" cy="0"/>
+          <a:chOff x="0" y="0"/>
+          <a:chExt cx="0" cy="0"/>
+        </a:xfrm>
+      </p:grpSpPr>
+      <p:sp>
+        <p:nvSpPr>
           <p:cNvPr id="4" name="Rectángulo 3">
             <a:extLst>
               <a:ext uri="{FF2B5EF4-FFF2-40B4-BE49-F238E27FC236}">
@@ -11090,7 +13574,7 @@
 </p:sld>
 </file>
 
-<file path=ppt/slides/slide12.xml><?xml version="1.0" encoding="utf-8"?>
+<file path=ppt/slides/slide13.xml><?xml version="1.0" encoding="utf-8"?>
 <p:sld xmlns:a="http://schemas.openxmlformats.org/drawingml/2006/main" xmlns:r="http://schemas.openxmlformats.org/officeDocument/2006/relationships" xmlns:p="http://schemas.openxmlformats.org/presentationml/2006/main">
   <p:cSld>
     <p:spTree>
@@ -12352,7 +14836,7 @@
 </p:sld>
 </file>
 
-<file path=ppt/slides/slide13.xml><?xml version="1.0" encoding="utf-8"?>
+<file path=ppt/slides/slide14.xml><?xml version="1.0" encoding="utf-8"?>
 <p:sld xmlns:a="http://schemas.openxmlformats.org/drawingml/2006/main" xmlns:r="http://schemas.openxmlformats.org/officeDocument/2006/relationships" xmlns:p="http://schemas.openxmlformats.org/presentationml/2006/main">
   <p:cSld>
     <p:spTree>
@@ -13562,7 +16046,7 @@
 </p:sld>
 </file>
 
-<file path=ppt/slides/slide14.xml><?xml version="1.0" encoding="utf-8"?>
+<file path=ppt/slides/slide15.xml><?xml version="1.0" encoding="utf-8"?>
 <p:sld xmlns:a="http://schemas.openxmlformats.org/drawingml/2006/main" xmlns:r="http://schemas.openxmlformats.org/officeDocument/2006/relationships" xmlns:p="http://schemas.openxmlformats.org/presentationml/2006/main">
   <p:cSld>
     <p:spTree>
@@ -16031,7 +18515,7 @@
 </p:sld>
 </file>
 
-<file path=ppt/slides/slide15.xml><?xml version="1.0" encoding="utf-8"?>
+<file path=ppt/slides/slide16.xml><?xml version="1.0" encoding="utf-8"?>
 <p:sld xmlns:a="http://schemas.openxmlformats.org/drawingml/2006/main" xmlns:r="http://schemas.openxmlformats.org/officeDocument/2006/relationships" xmlns:p="http://schemas.openxmlformats.org/presentationml/2006/main">
   <p:cSld>
     <p:spTree>
@@ -17991,7 +20475,7 @@
 </p:sld>
 </file>
 
-<file path=ppt/slides/slide16.xml><?xml version="1.0" encoding="utf-8"?>
+<file path=ppt/slides/slide17.xml><?xml version="1.0" encoding="utf-8"?>
 <p:sld xmlns:a="http://schemas.openxmlformats.org/drawingml/2006/main" xmlns:r="http://schemas.openxmlformats.org/officeDocument/2006/relationships" xmlns:p="http://schemas.openxmlformats.org/presentationml/2006/main">
   <p:cSld>
     <p:spTree>
@@ -19596,16 +22080,10 @@
               </a:p>
               <a:p>
                 <a:r>
-                  <a:rPr lang="es-419" sz="1400" dirty="0">
-                    <a:latin typeface="Arial Narrow" panose="020B0606020202030204" pitchFamily="34" charset="0"/>
-                  </a:rPr>
-                  <a:t>per routes</a:t>
-                </a:r>
-                <a:r>
                   <a:rPr lang="en-US" sz="1400" dirty="0">
                     <a:latin typeface="Arial Narrow" panose="020B0606020202030204" pitchFamily="34" charset="0"/>
                   </a:rPr>
-                  <a:t>: </a:t>
+                  <a:t>for the route</a:t>
                 </a:r>
                 <a:endParaRPr lang="es-419" sz="1400" dirty="0">
                   <a:latin typeface="Arial Narrow" panose="020B0606020202030204" pitchFamily="34" charset="0"/>
@@ -19719,21 +22197,60 @@
                     <a:rPr lang="es-419" sz="1400" dirty="0">
                       <a:latin typeface="Arial Narrow" panose="020B0606020202030204" pitchFamily="34" charset="0"/>
                     </a:rPr>
-                    <a:t>Number of orders </a:t>
+                    <a:t>Number </a:t>
                   </a:r>
-                </a:p>
-                <a:p>
+                  <a:r>
+                    <a:rPr lang="es-419" sz="1400" dirty="0" err="1">
+                      <a:latin typeface="Arial Narrow" panose="020B0606020202030204" pitchFamily="34" charset="0"/>
+                    </a:rPr>
+                    <a:t>of</a:t>
+                  </a:r>
                   <a:r>
                     <a:rPr lang="es-419" sz="1400" dirty="0">
                       <a:latin typeface="Arial Narrow" panose="020B0606020202030204" pitchFamily="34" charset="0"/>
                     </a:rPr>
-                    <a:t>per truck</a:t>
+                    <a:t> </a:t>
                   </a:r>
                   <a:r>
-                    <a:rPr lang="en-US" sz="1400" dirty="0">
+                    <a:rPr lang="es-419" sz="1400" dirty="0" err="1">
                       <a:latin typeface="Arial Narrow" panose="020B0606020202030204" pitchFamily="34" charset="0"/>
                     </a:rPr>
-                    <a:t>: </a:t>
+                    <a:t>orders</a:t>
+                  </a:r>
+                  <a:endParaRPr lang="es-419" sz="1400" dirty="0">
+                    <a:latin typeface="Arial Narrow" panose="020B0606020202030204" pitchFamily="34" charset="0"/>
+                  </a:endParaRPr>
+                </a:p>
+                <a:p>
+                  <a:r>
+                    <a:rPr lang="es-419" sz="1400" dirty="0" err="1">
+                      <a:latin typeface="Arial Narrow" panose="020B0606020202030204" pitchFamily="34" charset="0"/>
+                    </a:rPr>
+                    <a:t>for</a:t>
+                  </a:r>
+                  <a:r>
+                    <a:rPr lang="es-419" sz="1400" dirty="0">
+                      <a:latin typeface="Arial Narrow" panose="020B0606020202030204" pitchFamily="34" charset="0"/>
+                    </a:rPr>
+                    <a:t> </a:t>
+                  </a:r>
+                  <a:r>
+                    <a:rPr lang="es-419" sz="1400" dirty="0" err="1">
+                      <a:latin typeface="Arial Narrow" panose="020B0606020202030204" pitchFamily="34" charset="0"/>
+                    </a:rPr>
+                    <a:t>the</a:t>
+                  </a:r>
+                  <a:r>
+                    <a:rPr lang="es-419" sz="1400" dirty="0">
+                      <a:latin typeface="Arial Narrow" panose="020B0606020202030204" pitchFamily="34" charset="0"/>
+                    </a:rPr>
+                    <a:t> </a:t>
+                  </a:r>
+                  <a:r>
+                    <a:rPr lang="es-419" sz="1400" dirty="0" err="1">
+                      <a:latin typeface="Arial Narrow" panose="020B0606020202030204" pitchFamily="34" charset="0"/>
+                    </a:rPr>
+                    <a:t>truck</a:t>
                   </a:r>
                   <a:endParaRPr lang="es-419" sz="1400" dirty="0">
                     <a:latin typeface="Arial Narrow" panose="020B0606020202030204" pitchFamily="34" charset="0"/>
@@ -27267,7 +29784,7 @@
             <a:lstStyle/>
             <a:p>
               <a:pPr algn="ctr"/>
-              <a:endParaRPr lang="es-419"/>
+              <a:endParaRPr lang="es-419" dirty="0"/>
             </a:p>
           </p:txBody>
         </p:sp>

--- a/others/Background - Proyecto 2 S.O.pptx
+++ b/others/Background - Proyecto 2 S.O.pptx
@@ -15,13 +15,14 @@
     <p:sldId id="268" r:id="rId9"/>
     <p:sldId id="269" r:id="rId10"/>
     <p:sldId id="271" r:id="rId11"/>
-    <p:sldId id="280" r:id="rId12"/>
-    <p:sldId id="273" r:id="rId13"/>
-    <p:sldId id="276" r:id="rId14"/>
-    <p:sldId id="277" r:id="rId15"/>
-    <p:sldId id="274" r:id="rId16"/>
-    <p:sldId id="275" r:id="rId17"/>
-    <p:sldId id="279" r:id="rId18"/>
+    <p:sldId id="281" r:id="rId12"/>
+    <p:sldId id="280" r:id="rId13"/>
+    <p:sldId id="273" r:id="rId14"/>
+    <p:sldId id="276" r:id="rId15"/>
+    <p:sldId id="277" r:id="rId16"/>
+    <p:sldId id="274" r:id="rId17"/>
+    <p:sldId id="275" r:id="rId18"/>
+    <p:sldId id="279" r:id="rId19"/>
   </p:sldIdLst>
   <p:sldSz cx="12192000" cy="6858000"/>
   <p:notesSz cx="6858000" cy="9144000"/>
@@ -9636,168 +9637,12 @@
           <a:chExt cx="0" cy="0"/>
         </a:xfrm>
       </p:grpSpPr>
-      <p:sp>
-        <p:nvSpPr>
-          <p:cNvPr id="65" name="Rectángulo 64">
+      <p:grpSp>
+        <p:nvGrpSpPr>
+          <p:cNvPr id="3" name="Grupo 2">
             <a:extLst>
               <a:ext uri="{FF2B5EF4-FFF2-40B4-BE49-F238E27FC236}">
-                <a16:creationId xmlns:a16="http://schemas.microsoft.com/office/drawing/2014/main" id="{95606A51-4899-423A-96C0-8CE9EC8934C2}"/>
-              </a:ext>
-            </a:extLst>
-          </p:cNvPr>
-          <p:cNvSpPr/>
-          <p:nvPr/>
-        </p:nvSpPr>
-        <p:spPr>
-          <a:xfrm>
-            <a:off x="611436" y="958084"/>
-            <a:ext cx="10969127" cy="5398816"/>
-          </a:xfrm>
-          <a:prstGeom prst="rect">
-            <a:avLst/>
-          </a:prstGeom>
-          <a:solidFill>
-            <a:srgbClr val="4FB5C1"/>
-          </a:solidFill>
-          <a:ln>
-            <a:noFill/>
-          </a:ln>
-        </p:spPr>
-        <p:style>
-          <a:lnRef idx="2">
-            <a:schemeClr val="accent1">
-              <a:shade val="50000"/>
-            </a:schemeClr>
-          </a:lnRef>
-          <a:fillRef idx="1">
-            <a:schemeClr val="accent1"/>
-          </a:fillRef>
-          <a:effectRef idx="0">
-            <a:schemeClr val="accent1"/>
-          </a:effectRef>
-          <a:fontRef idx="minor">
-            <a:schemeClr val="lt1"/>
-          </a:fontRef>
-        </p:style>
-        <p:txBody>
-          <a:bodyPr rtlCol="0" anchor="ctr"/>
-          <a:lstStyle/>
-          <a:p>
-            <a:pPr algn="ctr"/>
-            <a:endParaRPr lang="es-419"/>
-          </a:p>
-        </p:txBody>
-      </p:sp>
-      <p:sp>
-        <p:nvSpPr>
-          <p:cNvPr id="66" name="Rectángulo 65">
-            <a:extLst>
-              <a:ext uri="{FF2B5EF4-FFF2-40B4-BE49-F238E27FC236}">
-                <a16:creationId xmlns:a16="http://schemas.microsoft.com/office/drawing/2014/main" id="{D1607B60-6303-4550-AD79-402E0A00DBF1}"/>
-              </a:ext>
-            </a:extLst>
-          </p:cNvPr>
-          <p:cNvSpPr/>
-          <p:nvPr/>
-        </p:nvSpPr>
-        <p:spPr>
-          <a:xfrm>
-            <a:off x="754089" y="2660418"/>
-            <a:ext cx="8294479" cy="3696477"/>
-          </a:xfrm>
-          <a:prstGeom prst="rect">
-            <a:avLst/>
-          </a:prstGeom>
-          <a:solidFill>
-            <a:srgbClr val="33949A"/>
-          </a:solidFill>
-          <a:ln>
-            <a:noFill/>
-          </a:ln>
-        </p:spPr>
-        <p:style>
-          <a:lnRef idx="2">
-            <a:schemeClr val="accent1">
-              <a:shade val="50000"/>
-            </a:schemeClr>
-          </a:lnRef>
-          <a:fillRef idx="1">
-            <a:schemeClr val="accent1"/>
-          </a:fillRef>
-          <a:effectRef idx="0">
-            <a:schemeClr val="accent1"/>
-          </a:effectRef>
-          <a:fontRef idx="minor">
-            <a:schemeClr val="lt1"/>
-          </a:fontRef>
-        </p:style>
-        <p:txBody>
-          <a:bodyPr rtlCol="0" anchor="ctr"/>
-          <a:lstStyle/>
-          <a:p>
-            <a:pPr algn="ctr"/>
-            <a:endParaRPr lang="es-419"/>
-          </a:p>
-        </p:txBody>
-      </p:sp>
-      <p:sp>
-        <p:nvSpPr>
-          <p:cNvPr id="67" name="Triángulo rectángulo 66">
-            <a:extLst>
-              <a:ext uri="{FF2B5EF4-FFF2-40B4-BE49-F238E27FC236}">
-                <a16:creationId xmlns:a16="http://schemas.microsoft.com/office/drawing/2014/main" id="{629090C4-8F78-4D64-8F1D-A294E7ED8BD3}"/>
-              </a:ext>
-            </a:extLst>
-          </p:cNvPr>
-          <p:cNvSpPr/>
-          <p:nvPr/>
-        </p:nvSpPr>
-        <p:spPr>
-          <a:xfrm>
-            <a:off x="9048568" y="1132462"/>
-            <a:ext cx="1798570" cy="5224433"/>
-          </a:xfrm>
-          <a:prstGeom prst="rtTriangle">
-            <a:avLst/>
-          </a:prstGeom>
-          <a:solidFill>
-            <a:srgbClr val="33949A"/>
-          </a:solidFill>
-          <a:ln>
-            <a:noFill/>
-          </a:ln>
-        </p:spPr>
-        <p:style>
-          <a:lnRef idx="2">
-            <a:schemeClr val="accent1">
-              <a:shade val="50000"/>
-            </a:schemeClr>
-          </a:lnRef>
-          <a:fillRef idx="1">
-            <a:schemeClr val="accent1"/>
-          </a:fillRef>
-          <a:effectRef idx="0">
-            <a:schemeClr val="accent1"/>
-          </a:effectRef>
-          <a:fontRef idx="minor">
-            <a:schemeClr val="lt1"/>
-          </a:fontRef>
-        </p:style>
-        <p:txBody>
-          <a:bodyPr rtlCol="0" anchor="ctr"/>
-          <a:lstStyle/>
-          <a:p>
-            <a:pPr algn="ctr"/>
-            <a:endParaRPr lang="es-419"/>
-          </a:p>
-        </p:txBody>
-      </p:sp>
-      <p:grpSp>
-        <p:nvGrpSpPr>
-          <p:cNvPr id="68" name="Grupo 67">
-            <a:extLst>
-              <a:ext uri="{FF2B5EF4-FFF2-40B4-BE49-F238E27FC236}">
-                <a16:creationId xmlns:a16="http://schemas.microsoft.com/office/drawing/2014/main" id="{0C647551-7B0F-4A25-9078-B0BF3D7657D6}"/>
+                <a16:creationId xmlns:a16="http://schemas.microsoft.com/office/drawing/2014/main" id="{B5CB79B5-4FE0-4A3D-A7BB-D38EB0478CA9}"/>
               </a:ext>
             </a:extLst>
           </p:cNvPr>
@@ -9806,18 +9651,2725 @@
         </p:nvGrpSpPr>
         <p:grpSpPr>
           <a:xfrm>
-            <a:off x="5765713" y="1437972"/>
-            <a:ext cx="3796740" cy="4638358"/>
-            <a:chOff x="6528359" y="1406205"/>
-            <a:chExt cx="3796740" cy="4638358"/>
+            <a:off x="611436" y="958084"/>
+            <a:ext cx="10969127" cy="5398816"/>
+            <a:chOff x="611436" y="958084"/>
+            <a:chExt cx="10969127" cy="5398816"/>
           </a:xfrm>
         </p:grpSpPr>
+        <p:grpSp>
+          <p:nvGrpSpPr>
+            <p:cNvPr id="64" name="Grupo 63">
+              <a:extLst>
+                <a:ext uri="{FF2B5EF4-FFF2-40B4-BE49-F238E27FC236}">
+                  <a16:creationId xmlns:a16="http://schemas.microsoft.com/office/drawing/2014/main" id="{B097C058-350D-4EDC-9C53-277BA89D3183}"/>
+                </a:ext>
+              </a:extLst>
+            </p:cNvPr>
+            <p:cNvGrpSpPr/>
+            <p:nvPr/>
+          </p:nvGrpSpPr>
+          <p:grpSpPr>
+            <a:xfrm>
+              <a:off x="611436" y="958084"/>
+              <a:ext cx="10969127" cy="5398816"/>
+              <a:chOff x="611436" y="958084"/>
+              <a:chExt cx="10969127" cy="5398816"/>
+            </a:xfrm>
+          </p:grpSpPr>
+          <p:sp>
+            <p:nvSpPr>
+              <p:cNvPr id="65" name="Rectángulo 64">
+                <a:extLst>
+                  <a:ext uri="{FF2B5EF4-FFF2-40B4-BE49-F238E27FC236}">
+                    <a16:creationId xmlns:a16="http://schemas.microsoft.com/office/drawing/2014/main" id="{95606A51-4899-423A-96C0-8CE9EC8934C2}"/>
+                  </a:ext>
+                </a:extLst>
+              </p:cNvPr>
+              <p:cNvSpPr/>
+              <p:nvPr/>
+            </p:nvSpPr>
+            <p:spPr>
+              <a:xfrm>
+                <a:off x="611436" y="958084"/>
+                <a:ext cx="10969127" cy="5398816"/>
+              </a:xfrm>
+              <a:prstGeom prst="rect">
+                <a:avLst/>
+              </a:prstGeom>
+              <a:solidFill>
+                <a:srgbClr val="4FB5C1"/>
+              </a:solidFill>
+              <a:ln>
+                <a:noFill/>
+              </a:ln>
+            </p:spPr>
+            <p:style>
+              <a:lnRef idx="2">
+                <a:schemeClr val="accent1">
+                  <a:shade val="50000"/>
+                </a:schemeClr>
+              </a:lnRef>
+              <a:fillRef idx="1">
+                <a:schemeClr val="accent1"/>
+              </a:fillRef>
+              <a:effectRef idx="0">
+                <a:schemeClr val="accent1"/>
+              </a:effectRef>
+              <a:fontRef idx="minor">
+                <a:schemeClr val="lt1"/>
+              </a:fontRef>
+            </p:style>
+            <p:txBody>
+              <a:bodyPr rtlCol="0" anchor="ctr"/>
+              <a:lstStyle/>
+              <a:p>
+                <a:pPr algn="ctr"/>
+                <a:endParaRPr lang="es-419"/>
+              </a:p>
+            </p:txBody>
+          </p:sp>
+          <p:sp>
+            <p:nvSpPr>
+              <p:cNvPr id="66" name="Rectángulo 65">
+                <a:extLst>
+                  <a:ext uri="{FF2B5EF4-FFF2-40B4-BE49-F238E27FC236}">
+                    <a16:creationId xmlns:a16="http://schemas.microsoft.com/office/drawing/2014/main" id="{D1607B60-6303-4550-AD79-402E0A00DBF1}"/>
+                  </a:ext>
+                </a:extLst>
+              </p:cNvPr>
+              <p:cNvSpPr/>
+              <p:nvPr/>
+            </p:nvSpPr>
+            <p:spPr>
+              <a:xfrm>
+                <a:off x="754089" y="2660418"/>
+                <a:ext cx="8294479" cy="3696477"/>
+              </a:xfrm>
+              <a:prstGeom prst="rect">
+                <a:avLst/>
+              </a:prstGeom>
+              <a:solidFill>
+                <a:srgbClr val="33949A"/>
+              </a:solidFill>
+              <a:ln>
+                <a:noFill/>
+              </a:ln>
+            </p:spPr>
+            <p:style>
+              <a:lnRef idx="2">
+                <a:schemeClr val="accent1">
+                  <a:shade val="50000"/>
+                </a:schemeClr>
+              </a:lnRef>
+              <a:fillRef idx="1">
+                <a:schemeClr val="accent1"/>
+              </a:fillRef>
+              <a:effectRef idx="0">
+                <a:schemeClr val="accent1"/>
+              </a:effectRef>
+              <a:fontRef idx="minor">
+                <a:schemeClr val="lt1"/>
+              </a:fontRef>
+            </p:style>
+            <p:txBody>
+              <a:bodyPr rtlCol="0" anchor="ctr"/>
+              <a:lstStyle/>
+              <a:p>
+                <a:pPr algn="ctr"/>
+                <a:endParaRPr lang="es-419"/>
+              </a:p>
+            </p:txBody>
+          </p:sp>
+          <p:sp>
+            <p:nvSpPr>
+              <p:cNvPr id="67" name="Triángulo rectángulo 66">
+                <a:extLst>
+                  <a:ext uri="{FF2B5EF4-FFF2-40B4-BE49-F238E27FC236}">
+                    <a16:creationId xmlns:a16="http://schemas.microsoft.com/office/drawing/2014/main" id="{629090C4-8F78-4D64-8F1D-A294E7ED8BD3}"/>
+                  </a:ext>
+                </a:extLst>
+              </p:cNvPr>
+              <p:cNvSpPr/>
+              <p:nvPr/>
+            </p:nvSpPr>
+            <p:spPr>
+              <a:xfrm>
+                <a:off x="9048568" y="1132462"/>
+                <a:ext cx="1798570" cy="5224433"/>
+              </a:xfrm>
+              <a:prstGeom prst="rtTriangle">
+                <a:avLst/>
+              </a:prstGeom>
+              <a:solidFill>
+                <a:srgbClr val="33949A"/>
+              </a:solidFill>
+              <a:ln>
+                <a:noFill/>
+              </a:ln>
+            </p:spPr>
+            <p:style>
+              <a:lnRef idx="2">
+                <a:schemeClr val="accent1">
+                  <a:shade val="50000"/>
+                </a:schemeClr>
+              </a:lnRef>
+              <a:fillRef idx="1">
+                <a:schemeClr val="accent1"/>
+              </a:fillRef>
+              <a:effectRef idx="0">
+                <a:schemeClr val="accent1"/>
+              </a:effectRef>
+              <a:fontRef idx="minor">
+                <a:schemeClr val="lt1"/>
+              </a:fontRef>
+            </p:style>
+            <p:txBody>
+              <a:bodyPr rtlCol="0" anchor="ctr"/>
+              <a:lstStyle/>
+              <a:p>
+                <a:pPr algn="ctr"/>
+                <a:endParaRPr lang="es-419"/>
+              </a:p>
+            </p:txBody>
+          </p:sp>
+          <p:grpSp>
+            <p:nvGrpSpPr>
+              <p:cNvPr id="68" name="Grupo 67">
+                <a:extLst>
+                  <a:ext uri="{FF2B5EF4-FFF2-40B4-BE49-F238E27FC236}">
+                    <a16:creationId xmlns:a16="http://schemas.microsoft.com/office/drawing/2014/main" id="{0C647551-7B0F-4A25-9078-B0BF3D7657D6}"/>
+                  </a:ext>
+                </a:extLst>
+              </p:cNvPr>
+              <p:cNvGrpSpPr/>
+              <p:nvPr/>
+            </p:nvGrpSpPr>
+            <p:grpSpPr>
+              <a:xfrm>
+                <a:off x="5765713" y="1437972"/>
+                <a:ext cx="3796740" cy="4638358"/>
+                <a:chOff x="6528359" y="1406205"/>
+                <a:chExt cx="3796740" cy="4638358"/>
+              </a:xfrm>
+            </p:grpSpPr>
+            <p:sp>
+              <p:nvSpPr>
+                <p:cNvPr id="139" name="Rectángulo 138">
+                  <a:extLst>
+                    <a:ext uri="{FF2B5EF4-FFF2-40B4-BE49-F238E27FC236}">
+                      <a16:creationId xmlns:a16="http://schemas.microsoft.com/office/drawing/2014/main" id="{FFC145AC-ED24-4068-8E5E-BCE8B64910EA}"/>
+                    </a:ext>
+                  </a:extLst>
+                </p:cNvPr>
+                <p:cNvSpPr/>
+                <p:nvPr/>
+              </p:nvSpPr>
+              <p:spPr>
+                <a:xfrm>
+                  <a:off x="10010774" y="1406205"/>
+                  <a:ext cx="314325" cy="2022795"/>
+                </a:xfrm>
+                <a:prstGeom prst="rect">
+                  <a:avLst/>
+                </a:prstGeom>
+                <a:solidFill>
+                  <a:srgbClr val="FFB78B"/>
+                </a:solidFill>
+                <a:ln>
+                  <a:noFill/>
+                </a:ln>
+              </p:spPr>
+              <p:style>
+                <a:lnRef idx="2">
+                  <a:schemeClr val="accent1">
+                    <a:shade val="50000"/>
+                  </a:schemeClr>
+                </a:lnRef>
+                <a:fillRef idx="1">
+                  <a:schemeClr val="accent1"/>
+                </a:fillRef>
+                <a:effectRef idx="0">
+                  <a:schemeClr val="accent1"/>
+                </a:effectRef>
+                <a:fontRef idx="minor">
+                  <a:schemeClr val="lt1"/>
+                </a:fontRef>
+              </p:style>
+              <p:txBody>
+                <a:bodyPr rtlCol="0" anchor="ctr"/>
+                <a:lstStyle/>
+                <a:p>
+                  <a:pPr algn="ctr"/>
+                  <a:endParaRPr lang="es-419"/>
+                </a:p>
+              </p:txBody>
+            </p:sp>
+            <p:sp>
+              <p:nvSpPr>
+                <p:cNvPr id="140" name="Rectángulo 139">
+                  <a:extLst>
+                    <a:ext uri="{FF2B5EF4-FFF2-40B4-BE49-F238E27FC236}">
+                      <a16:creationId xmlns:a16="http://schemas.microsoft.com/office/drawing/2014/main" id="{498CF59F-33BB-4DE8-8709-761DE3048AC6}"/>
+                    </a:ext>
+                  </a:extLst>
+                </p:cNvPr>
+                <p:cNvSpPr/>
+                <p:nvPr/>
+              </p:nvSpPr>
+              <p:spPr>
+                <a:xfrm>
+                  <a:off x="6528359" y="1406205"/>
+                  <a:ext cx="3482416" cy="4638358"/>
+                </a:xfrm>
+                <a:prstGeom prst="rect">
+                  <a:avLst/>
+                </a:prstGeom>
+                <a:solidFill>
+                  <a:srgbClr val="FFB78B"/>
+                </a:solidFill>
+                <a:ln>
+                  <a:noFill/>
+                </a:ln>
+              </p:spPr>
+              <p:style>
+                <a:lnRef idx="2">
+                  <a:schemeClr val="accent1">
+                    <a:shade val="50000"/>
+                  </a:schemeClr>
+                </a:lnRef>
+                <a:fillRef idx="1">
+                  <a:schemeClr val="accent1"/>
+                </a:fillRef>
+                <a:effectRef idx="0">
+                  <a:schemeClr val="accent1"/>
+                </a:effectRef>
+                <a:fontRef idx="minor">
+                  <a:schemeClr val="lt1"/>
+                </a:fontRef>
+              </p:style>
+              <p:txBody>
+                <a:bodyPr rtlCol="0" anchor="ctr"/>
+                <a:lstStyle/>
+                <a:p>
+                  <a:pPr algn="ctr"/>
+                  <a:endParaRPr lang="es-419"/>
+                </a:p>
+              </p:txBody>
+            </p:sp>
+            <p:sp>
+              <p:nvSpPr>
+                <p:cNvPr id="143" name="Rectángulo 142">
+                  <a:extLst>
+                    <a:ext uri="{FF2B5EF4-FFF2-40B4-BE49-F238E27FC236}">
+                      <a16:creationId xmlns:a16="http://schemas.microsoft.com/office/drawing/2014/main" id="{CEA5BA0C-DC89-4B92-A063-0CC5D8C5E51B}"/>
+                    </a:ext>
+                  </a:extLst>
+                </p:cNvPr>
+                <p:cNvSpPr/>
+                <p:nvPr/>
+              </p:nvSpPr>
+              <p:spPr>
+                <a:xfrm>
+                  <a:off x="6754559" y="1608591"/>
+                  <a:ext cx="3387166" cy="4341974"/>
+                </a:xfrm>
+                <a:prstGeom prst="rect">
+                  <a:avLst/>
+                </a:prstGeom>
+                <a:solidFill>
+                  <a:srgbClr val="F3F3F3"/>
+                </a:solidFill>
+                <a:ln>
+                  <a:noFill/>
+                </a:ln>
+              </p:spPr>
+              <p:style>
+                <a:lnRef idx="2">
+                  <a:schemeClr val="accent1">
+                    <a:shade val="50000"/>
+                  </a:schemeClr>
+                </a:lnRef>
+                <a:fillRef idx="1">
+                  <a:schemeClr val="accent1"/>
+                </a:fillRef>
+                <a:effectRef idx="0">
+                  <a:schemeClr val="accent1"/>
+                </a:effectRef>
+                <a:fontRef idx="minor">
+                  <a:schemeClr val="lt1"/>
+                </a:fontRef>
+              </p:style>
+              <p:txBody>
+                <a:bodyPr rtlCol="0" anchor="ctr"/>
+                <a:lstStyle/>
+                <a:p>
+                  <a:pPr algn="ctr"/>
+                  <a:endParaRPr lang="es-419"/>
+                </a:p>
+              </p:txBody>
+            </p:sp>
+            <p:sp>
+              <p:nvSpPr>
+                <p:cNvPr id="144" name="Rectángulo 143">
+                  <a:extLst>
+                    <a:ext uri="{FF2B5EF4-FFF2-40B4-BE49-F238E27FC236}">
+                      <a16:creationId xmlns:a16="http://schemas.microsoft.com/office/drawing/2014/main" id="{9DE215A6-872E-4311-92EF-DFDCA9356AAC}"/>
+                    </a:ext>
+                  </a:extLst>
+                </p:cNvPr>
+                <p:cNvSpPr/>
+                <p:nvPr/>
+              </p:nvSpPr>
+              <p:spPr>
+                <a:xfrm>
+                  <a:off x="6671234" y="1554397"/>
+                  <a:ext cx="3387166" cy="4341974"/>
+                </a:xfrm>
+                <a:prstGeom prst="rect">
+                  <a:avLst/>
+                </a:prstGeom>
+                <a:solidFill>
+                  <a:schemeClr val="bg1"/>
+                </a:solidFill>
+                <a:ln>
+                  <a:noFill/>
+                </a:ln>
+              </p:spPr>
+              <p:style>
+                <a:lnRef idx="2">
+                  <a:schemeClr val="accent1">
+                    <a:shade val="50000"/>
+                  </a:schemeClr>
+                </a:lnRef>
+                <a:fillRef idx="1">
+                  <a:schemeClr val="accent1"/>
+                </a:fillRef>
+                <a:effectRef idx="0">
+                  <a:schemeClr val="accent1"/>
+                </a:effectRef>
+                <a:fontRef idx="minor">
+                  <a:schemeClr val="lt1"/>
+                </a:fontRef>
+              </p:style>
+              <p:txBody>
+                <a:bodyPr rtlCol="0" anchor="ctr"/>
+                <a:lstStyle/>
+                <a:p>
+                  <a:pPr algn="ctr"/>
+                  <a:endParaRPr lang="es-419"/>
+                </a:p>
+              </p:txBody>
+            </p:sp>
+            <p:sp>
+              <p:nvSpPr>
+                <p:cNvPr id="145" name="Rectángulo 144">
+                  <a:extLst>
+                    <a:ext uri="{FF2B5EF4-FFF2-40B4-BE49-F238E27FC236}">
+                      <a16:creationId xmlns:a16="http://schemas.microsoft.com/office/drawing/2014/main" id="{92E388D7-E92E-4844-A67F-F745F3EC9F96}"/>
+                    </a:ext>
+                  </a:extLst>
+                </p:cNvPr>
+                <p:cNvSpPr/>
+                <p:nvPr/>
+              </p:nvSpPr>
+              <p:spPr>
+                <a:xfrm>
+                  <a:off x="6528359" y="1406205"/>
+                  <a:ext cx="3387166" cy="4638358"/>
+                </a:xfrm>
+                <a:prstGeom prst="rect">
+                  <a:avLst/>
+                </a:prstGeom>
+                <a:solidFill>
+                  <a:srgbClr val="FFCDAF"/>
+                </a:solidFill>
+                <a:ln>
+                  <a:noFill/>
+                </a:ln>
+              </p:spPr>
+              <p:style>
+                <a:lnRef idx="2">
+                  <a:schemeClr val="accent1">
+                    <a:shade val="50000"/>
+                  </a:schemeClr>
+                </a:lnRef>
+                <a:fillRef idx="1">
+                  <a:schemeClr val="accent1"/>
+                </a:fillRef>
+                <a:effectRef idx="0">
+                  <a:schemeClr val="accent1"/>
+                </a:effectRef>
+                <a:fontRef idx="minor">
+                  <a:schemeClr val="lt1"/>
+                </a:fontRef>
+              </p:style>
+              <p:txBody>
+                <a:bodyPr rtlCol="0" anchor="ctr"/>
+                <a:lstStyle/>
+                <a:p>
+                  <a:pPr algn="ctr"/>
+                  <a:endParaRPr lang="es-419" dirty="0"/>
+                </a:p>
+              </p:txBody>
+            </p:sp>
+          </p:grpSp>
+          <p:grpSp>
+            <p:nvGrpSpPr>
+              <p:cNvPr id="69" name="Grupo 68">
+                <a:extLst>
+                  <a:ext uri="{FF2B5EF4-FFF2-40B4-BE49-F238E27FC236}">
+                    <a16:creationId xmlns:a16="http://schemas.microsoft.com/office/drawing/2014/main" id="{63507398-6EC8-4EA9-955D-93EB213B9B15}"/>
+                  </a:ext>
+                </a:extLst>
+              </p:cNvPr>
+              <p:cNvGrpSpPr/>
+              <p:nvPr/>
+            </p:nvGrpSpPr>
+            <p:grpSpPr>
+              <a:xfrm>
+                <a:off x="754090" y="1132462"/>
+                <a:ext cx="8294483" cy="5049548"/>
+                <a:chOff x="1487515" y="1132462"/>
+                <a:chExt cx="8294483" cy="5049548"/>
+              </a:xfrm>
+            </p:grpSpPr>
+            <p:cxnSp>
+              <p:nvCxnSpPr>
+                <p:cNvPr id="122" name="Conector recto 121">
+                  <a:extLst>
+                    <a:ext uri="{FF2B5EF4-FFF2-40B4-BE49-F238E27FC236}">
+                      <a16:creationId xmlns:a16="http://schemas.microsoft.com/office/drawing/2014/main" id="{E525F085-F30D-489A-9B44-9D0527BE9E23}"/>
+                    </a:ext>
+                  </a:extLst>
+                </p:cNvPr>
+                <p:cNvCxnSpPr/>
+                <p:nvPr/>
+              </p:nvCxnSpPr>
+              <p:spPr>
+                <a:xfrm>
+                  <a:off x="5478308" y="1132969"/>
+                  <a:ext cx="0" cy="5049041"/>
+                </a:xfrm>
+                <a:prstGeom prst="line">
+                  <a:avLst/>
+                </a:prstGeom>
+                <a:ln w="22225">
+                  <a:solidFill>
+                    <a:srgbClr val="CD8A53"/>
+                  </a:solidFill>
+                </a:ln>
+              </p:spPr>
+              <p:style>
+                <a:lnRef idx="1">
+                  <a:schemeClr val="accent1"/>
+                </a:lnRef>
+                <a:fillRef idx="0">
+                  <a:schemeClr val="accent1"/>
+                </a:fillRef>
+                <a:effectRef idx="0">
+                  <a:schemeClr val="accent1"/>
+                </a:effectRef>
+                <a:fontRef idx="minor">
+                  <a:schemeClr val="tx1"/>
+                </a:fontRef>
+              </p:style>
+            </p:cxnSp>
+            <p:sp>
+              <p:nvSpPr>
+                <p:cNvPr id="125" name="Rectángulo 124">
+                  <a:extLst>
+                    <a:ext uri="{FF2B5EF4-FFF2-40B4-BE49-F238E27FC236}">
+                      <a16:creationId xmlns:a16="http://schemas.microsoft.com/office/drawing/2014/main" id="{96AA633D-0B48-4105-A171-D0C0A981CB2B}"/>
+                    </a:ext>
+                  </a:extLst>
+                </p:cNvPr>
+                <p:cNvSpPr/>
+                <p:nvPr/>
+              </p:nvSpPr>
+              <p:spPr>
+                <a:xfrm>
+                  <a:off x="9467673" y="1132462"/>
+                  <a:ext cx="314325" cy="2363213"/>
+                </a:xfrm>
+                <a:prstGeom prst="rect">
+                  <a:avLst/>
+                </a:prstGeom>
+                <a:solidFill>
+                  <a:srgbClr val="FFE8A7"/>
+                </a:solidFill>
+                <a:ln>
+                  <a:noFill/>
+                </a:ln>
+              </p:spPr>
+              <p:style>
+                <a:lnRef idx="2">
+                  <a:schemeClr val="accent1">
+                    <a:shade val="50000"/>
+                  </a:schemeClr>
+                </a:lnRef>
+                <a:fillRef idx="1">
+                  <a:schemeClr val="accent1"/>
+                </a:fillRef>
+                <a:effectRef idx="0">
+                  <a:schemeClr val="accent1"/>
+                </a:effectRef>
+                <a:fontRef idx="minor">
+                  <a:schemeClr val="lt1"/>
+                </a:fontRef>
+              </p:style>
+              <p:txBody>
+                <a:bodyPr rtlCol="0" anchor="ctr"/>
+                <a:lstStyle/>
+                <a:p>
+                  <a:pPr algn="ctr"/>
+                  <a:endParaRPr lang="es-419"/>
+                </a:p>
+              </p:txBody>
+            </p:sp>
+            <p:sp>
+              <p:nvSpPr>
+                <p:cNvPr id="126" name="Rectángulo 125">
+                  <a:extLst>
+                    <a:ext uri="{FF2B5EF4-FFF2-40B4-BE49-F238E27FC236}">
+                      <a16:creationId xmlns:a16="http://schemas.microsoft.com/office/drawing/2014/main" id="{6317B91A-86FA-4C66-803F-046FB74451A8}"/>
+                    </a:ext>
+                  </a:extLst>
+                </p:cNvPr>
+                <p:cNvSpPr/>
+                <p:nvPr/>
+              </p:nvSpPr>
+              <p:spPr>
+                <a:xfrm>
+                  <a:off x="5477594" y="1132969"/>
+                  <a:ext cx="3990079" cy="5049041"/>
+                </a:xfrm>
+                <a:prstGeom prst="rect">
+                  <a:avLst/>
+                </a:prstGeom>
+                <a:solidFill>
+                  <a:srgbClr val="FFE8A7"/>
+                </a:solidFill>
+                <a:ln>
+                  <a:noFill/>
+                </a:ln>
+              </p:spPr>
+              <p:style>
+                <a:lnRef idx="2">
+                  <a:schemeClr val="accent1">
+                    <a:shade val="50000"/>
+                  </a:schemeClr>
+                </a:lnRef>
+                <a:fillRef idx="1">
+                  <a:schemeClr val="accent1"/>
+                </a:fillRef>
+                <a:effectRef idx="0">
+                  <a:schemeClr val="accent1"/>
+                </a:effectRef>
+                <a:fontRef idx="minor">
+                  <a:schemeClr val="lt1"/>
+                </a:fontRef>
+              </p:style>
+              <p:txBody>
+                <a:bodyPr rtlCol="0" anchor="ctr"/>
+                <a:lstStyle/>
+                <a:p>
+                  <a:pPr algn="ctr"/>
+                  <a:endParaRPr lang="es-419"/>
+                </a:p>
+              </p:txBody>
+            </p:sp>
+            <p:sp>
+              <p:nvSpPr>
+                <p:cNvPr id="127" name="Rectángulo 126">
+                  <a:extLst>
+                    <a:ext uri="{FF2B5EF4-FFF2-40B4-BE49-F238E27FC236}">
+                      <a16:creationId xmlns:a16="http://schemas.microsoft.com/office/drawing/2014/main" id="{03DBED80-56DC-4D36-B06B-05F65D11CBE0}"/>
+                    </a:ext>
+                  </a:extLst>
+                </p:cNvPr>
+                <p:cNvSpPr/>
+                <p:nvPr/>
+              </p:nvSpPr>
+              <p:spPr>
+                <a:xfrm rot="333266">
+                  <a:off x="5895657" y="1277076"/>
+                  <a:ext cx="3646485" cy="4809514"/>
+                </a:xfrm>
+                <a:prstGeom prst="rect">
+                  <a:avLst/>
+                </a:prstGeom>
+                <a:solidFill>
+                  <a:srgbClr val="E2E2E2"/>
+                </a:solidFill>
+                <a:ln>
+                  <a:noFill/>
+                </a:ln>
+              </p:spPr>
+              <p:style>
+                <a:lnRef idx="2">
+                  <a:schemeClr val="accent1">
+                    <a:shade val="50000"/>
+                  </a:schemeClr>
+                </a:lnRef>
+                <a:fillRef idx="1">
+                  <a:schemeClr val="accent1"/>
+                </a:fillRef>
+                <a:effectRef idx="0">
+                  <a:schemeClr val="accent1"/>
+                </a:effectRef>
+                <a:fontRef idx="minor">
+                  <a:schemeClr val="lt1"/>
+                </a:fontRef>
+              </p:style>
+              <p:txBody>
+                <a:bodyPr rtlCol="0" anchor="ctr"/>
+                <a:lstStyle/>
+                <a:p>
+                  <a:pPr algn="ctr"/>
+                  <a:endParaRPr lang="es-419"/>
+                </a:p>
+              </p:txBody>
+            </p:sp>
+            <p:sp>
+              <p:nvSpPr>
+                <p:cNvPr id="128" name="Rectángulo 127">
+                  <a:extLst>
+                    <a:ext uri="{FF2B5EF4-FFF2-40B4-BE49-F238E27FC236}">
+                      <a16:creationId xmlns:a16="http://schemas.microsoft.com/office/drawing/2014/main" id="{3EFC5D7C-D687-4FA0-8539-8C4E42CBCD6E}"/>
+                    </a:ext>
+                  </a:extLst>
+                </p:cNvPr>
+                <p:cNvSpPr/>
+                <p:nvPr/>
+              </p:nvSpPr>
+              <p:spPr>
+                <a:xfrm rot="167836">
+                  <a:off x="5747173" y="1237741"/>
+                  <a:ext cx="3646485" cy="4809514"/>
+                </a:xfrm>
+                <a:prstGeom prst="rect">
+                  <a:avLst/>
+                </a:prstGeom>
+                <a:solidFill>
+                  <a:schemeClr val="bg1">
+                    <a:lumMod val="95000"/>
+                  </a:schemeClr>
+                </a:solidFill>
+                <a:ln>
+                  <a:noFill/>
+                </a:ln>
+              </p:spPr>
+              <p:style>
+                <a:lnRef idx="2">
+                  <a:schemeClr val="accent1">
+                    <a:shade val="50000"/>
+                  </a:schemeClr>
+                </a:lnRef>
+                <a:fillRef idx="1">
+                  <a:schemeClr val="accent1"/>
+                </a:fillRef>
+                <a:effectRef idx="0">
+                  <a:schemeClr val="accent1"/>
+                </a:effectRef>
+                <a:fontRef idx="minor">
+                  <a:schemeClr val="lt1"/>
+                </a:fontRef>
+              </p:style>
+              <p:txBody>
+                <a:bodyPr rtlCol="0" anchor="ctr"/>
+                <a:lstStyle/>
+                <a:p>
+                  <a:pPr algn="ctr"/>
+                  <a:endParaRPr lang="es-419"/>
+                </a:p>
+              </p:txBody>
+            </p:sp>
+            <p:sp>
+              <p:nvSpPr>
+                <p:cNvPr id="129" name="Rectángulo 128">
+                  <a:extLst>
+                    <a:ext uri="{FF2B5EF4-FFF2-40B4-BE49-F238E27FC236}">
+                      <a16:creationId xmlns:a16="http://schemas.microsoft.com/office/drawing/2014/main" id="{782E1712-FB97-44DF-A51C-675B09382D7F}"/>
+                    </a:ext>
+                  </a:extLst>
+                </p:cNvPr>
+                <p:cNvSpPr/>
+                <p:nvPr/>
+              </p:nvSpPr>
+              <p:spPr>
+                <a:xfrm>
+                  <a:off x="1487515" y="1132969"/>
+                  <a:ext cx="3990079" cy="5049041"/>
+                </a:xfrm>
+                <a:prstGeom prst="rect">
+                  <a:avLst/>
+                </a:prstGeom>
+                <a:solidFill>
+                  <a:srgbClr val="FFE8A7"/>
+                </a:solidFill>
+                <a:ln>
+                  <a:noFill/>
+                </a:ln>
+              </p:spPr>
+              <p:style>
+                <a:lnRef idx="2">
+                  <a:schemeClr val="accent1">
+                    <a:shade val="50000"/>
+                  </a:schemeClr>
+                </a:lnRef>
+                <a:fillRef idx="1">
+                  <a:schemeClr val="accent1"/>
+                </a:fillRef>
+                <a:effectRef idx="0">
+                  <a:schemeClr val="accent1"/>
+                </a:effectRef>
+                <a:fontRef idx="minor">
+                  <a:schemeClr val="lt1"/>
+                </a:fontRef>
+              </p:style>
+              <p:txBody>
+                <a:bodyPr rtlCol="0" anchor="ctr"/>
+                <a:lstStyle/>
+                <a:p>
+                  <a:pPr algn="ctr"/>
+                  <a:endParaRPr lang="es-419"/>
+                </a:p>
+              </p:txBody>
+            </p:sp>
+            <p:sp>
+              <p:nvSpPr>
+                <p:cNvPr id="130" name="Rectángulo 129">
+                  <a:extLst>
+                    <a:ext uri="{FF2B5EF4-FFF2-40B4-BE49-F238E27FC236}">
+                      <a16:creationId xmlns:a16="http://schemas.microsoft.com/office/drawing/2014/main" id="{87299518-66C5-4772-862A-6F92C67AD1BF}"/>
+                    </a:ext>
+                  </a:extLst>
+                </p:cNvPr>
+                <p:cNvSpPr/>
+                <p:nvPr/>
+              </p:nvSpPr>
+              <p:spPr>
+                <a:xfrm>
+                  <a:off x="5655264" y="1273529"/>
+                  <a:ext cx="3646485" cy="4767919"/>
+                </a:xfrm>
+                <a:prstGeom prst="rect">
+                  <a:avLst/>
+                </a:prstGeom>
+                <a:solidFill>
+                  <a:schemeClr val="bg1"/>
+                </a:solidFill>
+                <a:ln>
+                  <a:noFill/>
+                </a:ln>
+              </p:spPr>
+              <p:style>
+                <a:lnRef idx="2">
+                  <a:schemeClr val="accent1">
+                    <a:shade val="50000"/>
+                  </a:schemeClr>
+                </a:lnRef>
+                <a:fillRef idx="1">
+                  <a:schemeClr val="accent1"/>
+                </a:fillRef>
+                <a:effectRef idx="0">
+                  <a:schemeClr val="accent1"/>
+                </a:effectRef>
+                <a:fontRef idx="minor">
+                  <a:schemeClr val="lt1"/>
+                </a:fontRef>
+              </p:style>
+              <p:txBody>
+                <a:bodyPr rtlCol="0" anchor="ctr"/>
+                <a:lstStyle/>
+                <a:p>
+                  <a:pPr algn="ctr"/>
+                  <a:endParaRPr lang="es-419" dirty="0"/>
+                </a:p>
+              </p:txBody>
+            </p:sp>
+            <p:sp>
+              <p:nvSpPr>
+                <p:cNvPr id="131" name="Rectángulo 130">
+                  <a:extLst>
+                    <a:ext uri="{FF2B5EF4-FFF2-40B4-BE49-F238E27FC236}">
+                      <a16:creationId xmlns:a16="http://schemas.microsoft.com/office/drawing/2014/main" id="{C9B8AD87-9B38-4BB1-B5CC-9EB0C721E3C3}"/>
+                    </a:ext>
+                  </a:extLst>
+                </p:cNvPr>
+                <p:cNvSpPr/>
+                <p:nvPr/>
+              </p:nvSpPr>
+              <p:spPr>
+                <a:xfrm rot="21416026">
+                  <a:off x="1621762" y="1254613"/>
+                  <a:ext cx="3646485" cy="4809514"/>
+                </a:xfrm>
+                <a:prstGeom prst="rect">
+                  <a:avLst/>
+                </a:prstGeom>
+                <a:solidFill>
+                  <a:schemeClr val="bg1">
+                    <a:lumMod val="95000"/>
+                  </a:schemeClr>
+                </a:solidFill>
+                <a:ln>
+                  <a:noFill/>
+                </a:ln>
+              </p:spPr>
+              <p:style>
+                <a:lnRef idx="2">
+                  <a:schemeClr val="accent1">
+                    <a:shade val="50000"/>
+                  </a:schemeClr>
+                </a:lnRef>
+                <a:fillRef idx="1">
+                  <a:schemeClr val="accent1"/>
+                </a:fillRef>
+                <a:effectRef idx="0">
+                  <a:schemeClr val="accent1"/>
+                </a:effectRef>
+                <a:fontRef idx="minor">
+                  <a:schemeClr val="lt1"/>
+                </a:fontRef>
+              </p:style>
+              <p:txBody>
+                <a:bodyPr rtlCol="0" anchor="ctr"/>
+                <a:lstStyle/>
+                <a:p>
+                  <a:pPr algn="ctr"/>
+                  <a:endParaRPr lang="es-419"/>
+                </a:p>
+              </p:txBody>
+            </p:sp>
+            <p:cxnSp>
+              <p:nvCxnSpPr>
+                <p:cNvPr id="132" name="Conector recto 131">
+                  <a:extLst>
+                    <a:ext uri="{FF2B5EF4-FFF2-40B4-BE49-F238E27FC236}">
+                      <a16:creationId xmlns:a16="http://schemas.microsoft.com/office/drawing/2014/main" id="{28B01502-208A-441D-AF1A-2D1C32311095}"/>
+                    </a:ext>
+                  </a:extLst>
+                </p:cNvPr>
+                <p:cNvCxnSpPr>
+                  <a:cxnSpLocks/>
+                </p:cNvCxnSpPr>
+                <p:nvPr/>
+              </p:nvCxnSpPr>
+              <p:spPr>
+                <a:xfrm>
+                  <a:off x="5477594" y="1132462"/>
+                  <a:ext cx="0" cy="5049548"/>
+                </a:xfrm>
+                <a:prstGeom prst="line">
+                  <a:avLst/>
+                </a:prstGeom>
+                <a:ln w="15875">
+                  <a:solidFill>
+                    <a:schemeClr val="accent2">
+                      <a:lumMod val="60000"/>
+                      <a:lumOff val="40000"/>
+                    </a:schemeClr>
+                  </a:solidFill>
+                </a:ln>
+              </p:spPr>
+              <p:style>
+                <a:lnRef idx="1">
+                  <a:schemeClr val="accent1"/>
+                </a:lnRef>
+                <a:fillRef idx="0">
+                  <a:schemeClr val="accent1"/>
+                </a:fillRef>
+                <a:effectRef idx="0">
+                  <a:schemeClr val="accent1"/>
+                </a:effectRef>
+                <a:fontRef idx="minor">
+                  <a:schemeClr val="tx1"/>
+                </a:fontRef>
+              </p:style>
+            </p:cxnSp>
+            <p:sp>
+              <p:nvSpPr>
+                <p:cNvPr id="137" name="Rectángulo 136">
+                  <a:extLst>
+                    <a:ext uri="{FF2B5EF4-FFF2-40B4-BE49-F238E27FC236}">
+                      <a16:creationId xmlns:a16="http://schemas.microsoft.com/office/drawing/2014/main" id="{55257687-7966-47B4-AEF9-C19B7BBBFABC}"/>
+                    </a:ext>
+                  </a:extLst>
+                </p:cNvPr>
+                <p:cNvSpPr/>
+                <p:nvPr/>
+              </p:nvSpPr>
+              <p:spPr>
+                <a:xfrm>
+                  <a:off x="1667278" y="1273529"/>
+                  <a:ext cx="3646485" cy="4767919"/>
+                </a:xfrm>
+                <a:prstGeom prst="rect">
+                  <a:avLst/>
+                </a:prstGeom>
+                <a:solidFill>
+                  <a:schemeClr val="bg1"/>
+                </a:solidFill>
+                <a:ln>
+                  <a:noFill/>
+                </a:ln>
+              </p:spPr>
+              <p:style>
+                <a:lnRef idx="2">
+                  <a:schemeClr val="accent1">
+                    <a:shade val="50000"/>
+                  </a:schemeClr>
+                </a:lnRef>
+                <a:fillRef idx="1">
+                  <a:schemeClr val="accent1"/>
+                </a:fillRef>
+                <a:effectRef idx="0">
+                  <a:schemeClr val="accent1"/>
+                </a:effectRef>
+                <a:fontRef idx="minor">
+                  <a:schemeClr val="lt1"/>
+                </a:fontRef>
+              </p:style>
+              <p:txBody>
+                <a:bodyPr rtlCol="0" anchor="ctr"/>
+                <a:lstStyle/>
+                <a:p>
+                  <a:pPr algn="ctr"/>
+                  <a:r>
+                    <a:rPr lang="en-US" dirty="0"/>
+                    <a:t> </a:t>
+                  </a:r>
+                  <a:endParaRPr lang="es-419" dirty="0"/>
+                </a:p>
+              </p:txBody>
+            </p:sp>
+          </p:grpSp>
+          <p:pic>
+            <p:nvPicPr>
+              <p:cNvPr id="70" name="Picture 2" descr="Resultado de imagen para pen vector png">
+                <a:extLst>
+                  <a:ext uri="{FF2B5EF4-FFF2-40B4-BE49-F238E27FC236}">
+                    <a16:creationId xmlns:a16="http://schemas.microsoft.com/office/drawing/2014/main" id="{87C05D01-67C7-47CC-BEC8-6617A240B00F}"/>
+                  </a:ext>
+                </a:extLst>
+              </p:cNvPr>
+              <p:cNvPicPr>
+                <a:picLocks noChangeAspect="1" noChangeArrowheads="1"/>
+              </p:cNvPicPr>
+              <p:nvPr/>
+            </p:nvPicPr>
+            <p:blipFill>
+              <a:blip r:embed="rId2">
+                <a:extLst>
+                  <a:ext uri="{28A0092B-C50C-407E-A947-70E740481C1C}">
+                    <a14:useLocalDpi xmlns:a14="http://schemas.microsoft.com/office/drawing/2010/main" val="0"/>
+                  </a:ext>
+                </a:extLst>
+              </a:blip>
+              <a:srcRect/>
+              <a:stretch>
+                <a:fillRect/>
+              </a:stretch>
+            </p:blipFill>
+            <p:spPr bwMode="auto">
+              <a:xfrm rot="19705747">
+                <a:off x="7689140" y="3104051"/>
+                <a:ext cx="2558852" cy="2600562"/>
+              </a:xfrm>
+              <a:prstGeom prst="rect">
+                <a:avLst/>
+              </a:prstGeom>
+              <a:noFill/>
+              <a:extLst>
+                <a:ext uri="{909E8E84-426E-40DD-AFC4-6F175D3DCCD1}">
+                  <a14:hiddenFill xmlns:a14="http://schemas.microsoft.com/office/drawing/2010/main">
+                    <a:solidFill>
+                      <a:srgbClr val="FFFFFF"/>
+                    </a:solidFill>
+                  </a14:hiddenFill>
+                </a:ext>
+              </a:extLst>
+            </p:spPr>
+          </p:pic>
+          <p:grpSp>
+            <p:nvGrpSpPr>
+              <p:cNvPr id="71" name="Grupo 70">
+                <a:extLst>
+                  <a:ext uri="{FF2B5EF4-FFF2-40B4-BE49-F238E27FC236}">
+                    <a16:creationId xmlns:a16="http://schemas.microsoft.com/office/drawing/2014/main" id="{DD071A4A-00FE-4FA5-B4F0-D29BBFBA56A8}"/>
+                  </a:ext>
+                </a:extLst>
+              </p:cNvPr>
+              <p:cNvGrpSpPr/>
+              <p:nvPr/>
+            </p:nvGrpSpPr>
+            <p:grpSpPr>
+              <a:xfrm>
+                <a:off x="1835285" y="3207945"/>
+                <a:ext cx="2327078" cy="886470"/>
+                <a:chOff x="1835285" y="3207945"/>
+                <a:chExt cx="2327078" cy="886470"/>
+              </a:xfrm>
+            </p:grpSpPr>
+            <p:cxnSp>
+              <p:nvCxnSpPr>
+                <p:cNvPr id="113" name="Conector recto 112">
+                  <a:extLst>
+                    <a:ext uri="{FF2B5EF4-FFF2-40B4-BE49-F238E27FC236}">
+                      <a16:creationId xmlns:a16="http://schemas.microsoft.com/office/drawing/2014/main" id="{4780C850-74B6-45CB-90CB-195C4ECAD840}"/>
+                    </a:ext>
+                  </a:extLst>
+                </p:cNvPr>
+                <p:cNvCxnSpPr>
+                  <a:cxnSpLocks/>
+                </p:cNvCxnSpPr>
+                <p:nvPr/>
+              </p:nvCxnSpPr>
+              <p:spPr>
+                <a:xfrm>
+                  <a:off x="2298192" y="3553732"/>
+                  <a:ext cx="1847613" cy="4656"/>
+                </a:xfrm>
+                <a:prstGeom prst="line">
+                  <a:avLst/>
+                </a:prstGeom>
+                <a:ln w="19050">
+                  <a:solidFill>
+                    <a:schemeClr val="bg1">
+                      <a:lumMod val="65000"/>
+                    </a:schemeClr>
+                  </a:solidFill>
+                  <a:prstDash val="sysDash"/>
+                </a:ln>
+              </p:spPr>
+              <p:style>
+                <a:lnRef idx="1">
+                  <a:schemeClr val="accent1"/>
+                </a:lnRef>
+                <a:fillRef idx="0">
+                  <a:schemeClr val="accent1"/>
+                </a:fillRef>
+                <a:effectRef idx="0">
+                  <a:schemeClr val="accent1"/>
+                </a:effectRef>
+                <a:fontRef idx="minor">
+                  <a:schemeClr val="tx1"/>
+                </a:fontRef>
+              </p:style>
+            </p:cxnSp>
+            <p:sp>
+              <p:nvSpPr>
+                <p:cNvPr id="115" name="CuadroTexto 114">
+                  <a:extLst>
+                    <a:ext uri="{FF2B5EF4-FFF2-40B4-BE49-F238E27FC236}">
+                      <a16:creationId xmlns:a16="http://schemas.microsoft.com/office/drawing/2014/main" id="{86FDC45D-B85D-4D31-A31C-185EC7BD433E}"/>
+                    </a:ext>
+                  </a:extLst>
+                </p:cNvPr>
+                <p:cNvSpPr txBox="1"/>
+                <p:nvPr/>
+              </p:nvSpPr>
+              <p:spPr>
+                <a:xfrm>
+                  <a:off x="2227644" y="3207945"/>
+                  <a:ext cx="1934719" cy="307777"/>
+                </a:xfrm>
+                <a:prstGeom prst="rect">
+                  <a:avLst/>
+                </a:prstGeom>
+                <a:noFill/>
+              </p:spPr>
+              <p:txBody>
+                <a:bodyPr wrap="square" rtlCol="0">
+                  <a:spAutoFit/>
+                </a:bodyPr>
+                <a:lstStyle/>
+                <a:p>
+                  <a:r>
+                    <a:rPr lang="es-419" sz="1400" dirty="0">
+                      <a:latin typeface="Arial Narrow" panose="020B0606020202030204" pitchFamily="34" charset="0"/>
+                    </a:rPr>
+                    <a:t>Number of routes</a:t>
+                  </a:r>
+                  <a:r>
+                    <a:rPr lang="en-US" sz="1400" dirty="0">
+                      <a:latin typeface="Arial Narrow" panose="020B0606020202030204" pitchFamily="34" charset="0"/>
+                    </a:rPr>
+                    <a:t>: </a:t>
+                  </a:r>
+                  <a:endParaRPr lang="es-419" sz="1400" dirty="0">
+                    <a:latin typeface="Arial Narrow" panose="020B0606020202030204" pitchFamily="34" charset="0"/>
+                  </a:endParaRPr>
+                </a:p>
+              </p:txBody>
+            </p:sp>
+            <p:cxnSp>
+              <p:nvCxnSpPr>
+                <p:cNvPr id="116" name="Conector recto 115">
+                  <a:extLst>
+                    <a:ext uri="{FF2B5EF4-FFF2-40B4-BE49-F238E27FC236}">
+                      <a16:creationId xmlns:a16="http://schemas.microsoft.com/office/drawing/2014/main" id="{21370C23-4528-4F05-A0A7-2610F1CA84C7}"/>
+                    </a:ext>
+                  </a:extLst>
+                </p:cNvPr>
+                <p:cNvCxnSpPr>
+                  <a:cxnSpLocks/>
+                </p:cNvCxnSpPr>
+                <p:nvPr/>
+              </p:nvCxnSpPr>
+              <p:spPr>
+                <a:xfrm>
+                  <a:off x="1864453" y="4094415"/>
+                  <a:ext cx="2267497" cy="0"/>
+                </a:xfrm>
+                <a:prstGeom prst="line">
+                  <a:avLst/>
+                </a:prstGeom>
+                <a:ln w="19050">
+                  <a:solidFill>
+                    <a:schemeClr val="bg1">
+                      <a:lumMod val="65000"/>
+                    </a:schemeClr>
+                  </a:solidFill>
+                  <a:prstDash val="sysDash"/>
+                </a:ln>
+              </p:spPr>
+              <p:style>
+                <a:lnRef idx="1">
+                  <a:schemeClr val="accent1"/>
+                </a:lnRef>
+                <a:fillRef idx="0">
+                  <a:schemeClr val="accent1"/>
+                </a:fillRef>
+                <a:effectRef idx="0">
+                  <a:schemeClr val="accent1"/>
+                </a:effectRef>
+                <a:fontRef idx="minor">
+                  <a:schemeClr val="tx1"/>
+                </a:fontRef>
+              </p:style>
+            </p:cxnSp>
+            <p:sp>
+              <p:nvSpPr>
+                <p:cNvPr id="120" name="CuadroTexto 119">
+                  <a:extLst>
+                    <a:ext uri="{FF2B5EF4-FFF2-40B4-BE49-F238E27FC236}">
+                      <a16:creationId xmlns:a16="http://schemas.microsoft.com/office/drawing/2014/main" id="{AD95631A-7AFF-4F6E-A370-E7F75855FF97}"/>
+                    </a:ext>
+                  </a:extLst>
+                </p:cNvPr>
+                <p:cNvSpPr txBox="1"/>
+                <p:nvPr/>
+              </p:nvSpPr>
+              <p:spPr>
+                <a:xfrm>
+                  <a:off x="1835285" y="3596398"/>
+                  <a:ext cx="2327078" cy="461665"/>
+                </a:xfrm>
+                <a:prstGeom prst="rect">
+                  <a:avLst/>
+                </a:prstGeom>
+                <a:noFill/>
+              </p:spPr>
+              <p:txBody>
+                <a:bodyPr wrap="square" rtlCol="0">
+                  <a:spAutoFit/>
+                </a:bodyPr>
+                <a:lstStyle/>
+                <a:p>
+                  <a:r>
+                    <a:rPr lang="en-US" sz="800" dirty="0">
+                      <a:solidFill>
+                        <a:schemeClr val="bg1">
+                          <a:lumMod val="50000"/>
+                        </a:schemeClr>
+                      </a:solidFill>
+                      <a:latin typeface="Arial" panose="020B0604020202020204" pitchFamily="34" charset="0"/>
+                      <a:cs typeface="Arial" panose="020B0604020202020204" pitchFamily="34" charset="0"/>
+                    </a:rPr>
+                    <a:t>The maximum number of transportation routes allowed in the state of Texas according to the FMCSA is 200.</a:t>
+                  </a:r>
+                  <a:endParaRPr lang="es-419" sz="800" dirty="0">
+                    <a:solidFill>
+                      <a:schemeClr val="bg1">
+                        <a:lumMod val="50000"/>
+                      </a:schemeClr>
+                    </a:solidFill>
+                    <a:latin typeface="Arial" panose="020B0604020202020204" pitchFamily="34" charset="0"/>
+                    <a:cs typeface="Arial" panose="020B0604020202020204" pitchFamily="34" charset="0"/>
+                  </a:endParaRPr>
+                </a:p>
+              </p:txBody>
+            </p:sp>
+            <p:pic>
+              <p:nvPicPr>
+                <p:cNvPr id="121" name="Picture 2" descr="Resultado de imagen para logo de ubicacion">
+                  <a:extLst>
+                    <a:ext uri="{FF2B5EF4-FFF2-40B4-BE49-F238E27FC236}">
+                      <a16:creationId xmlns:a16="http://schemas.microsoft.com/office/drawing/2014/main" id="{990FFDE1-7ED0-4E50-AAB5-54D8A572CCC9}"/>
+                    </a:ext>
+                  </a:extLst>
+                </p:cNvPr>
+                <p:cNvPicPr>
+                  <a:picLocks noChangeAspect="1" noChangeArrowheads="1"/>
+                </p:cNvPicPr>
+                <p:nvPr/>
+              </p:nvPicPr>
+              <p:blipFill>
+                <a:blip r:embed="rId3">
+                  <a:extLst>
+                    <a:ext uri="{BEBA8EAE-BF5A-486C-A8C5-ECC9F3942E4B}">
+                      <a14:imgProps xmlns:a14="http://schemas.microsoft.com/office/drawing/2010/main">
+                        <a14:imgLayer r:embed="rId4">
+                          <a14:imgEffect>
+                            <a14:backgroundRemoval t="639" b="99042" l="9585" r="89617">
+                              <a14:foregroundMark x1="38179" y1="6230" x2="50000" y2="6070"/>
+                              <a14:foregroundMark x1="50000" y1="6070" x2="60224" y2="6550"/>
+                              <a14:foregroundMark x1="49042" y1="1278" x2="52236" y2="639"/>
+                              <a14:foregroundMark x1="48562" y1="30831" x2="50639" y2="34185"/>
+                              <a14:foregroundMark x1="49681" y1="92173" x2="50160" y2="95527"/>
+                              <a14:foregroundMark x1="50319" y1="99042" x2="50319" y2="99042"/>
+                            </a14:backgroundRemoval>
+                          </a14:imgEffect>
+                        </a14:imgLayer>
+                      </a14:imgProps>
+                    </a:ext>
+                    <a:ext uri="{28A0092B-C50C-407E-A947-70E740481C1C}">
+                      <a14:useLocalDpi xmlns:a14="http://schemas.microsoft.com/office/drawing/2010/main" val="0"/>
+                    </a:ext>
+                  </a:extLst>
+                </a:blip>
+                <a:srcRect/>
+                <a:stretch>
+                  <a:fillRect/>
+                </a:stretch>
+              </p:blipFill>
+              <p:spPr bwMode="auto">
+                <a:xfrm>
+                  <a:off x="1894808" y="3232729"/>
+                  <a:ext cx="300439" cy="300439"/>
+                </a:xfrm>
+                <a:prstGeom prst="rect">
+                  <a:avLst/>
+                </a:prstGeom>
+                <a:noFill/>
+                <a:extLst>
+                  <a:ext uri="{909E8E84-426E-40DD-AFC4-6F175D3DCCD1}">
+                    <a14:hiddenFill xmlns:a14="http://schemas.microsoft.com/office/drawing/2010/main">
+                      <a:solidFill>
+                        <a:srgbClr val="FFFFFF"/>
+                      </a:solidFill>
+                    </a14:hiddenFill>
+                  </a:ext>
+                </a:extLst>
+              </p:spPr>
+            </p:pic>
+          </p:grpSp>
+          <p:pic>
+            <p:nvPicPr>
+              <p:cNvPr id="72" name="Picture 8" descr="Resultado de imagen para icon truck png">
+                <a:extLst>
+                  <a:ext uri="{FF2B5EF4-FFF2-40B4-BE49-F238E27FC236}">
+                    <a16:creationId xmlns:a16="http://schemas.microsoft.com/office/drawing/2014/main" id="{6E194033-C2AE-4FD3-908B-CE2F0126042E}"/>
+                  </a:ext>
+                </a:extLst>
+              </p:cNvPr>
+              <p:cNvPicPr>
+                <a:picLocks noChangeAspect="1" noChangeArrowheads="1"/>
+              </p:cNvPicPr>
+              <p:nvPr/>
+            </p:nvPicPr>
+            <p:blipFill>
+              <a:blip r:embed="rId5">
+                <a:extLst>
+                  <a:ext uri="{28A0092B-C50C-407E-A947-70E740481C1C}">
+                    <a14:useLocalDpi xmlns:a14="http://schemas.microsoft.com/office/drawing/2010/main" val="0"/>
+                  </a:ext>
+                </a:extLst>
+              </a:blip>
+              <a:srcRect/>
+              <a:stretch>
+                <a:fillRect/>
+              </a:stretch>
+            </p:blipFill>
+            <p:spPr bwMode="auto">
+              <a:xfrm>
+                <a:off x="5772782" y="1624744"/>
+                <a:ext cx="419884" cy="268051"/>
+              </a:xfrm>
+              <a:prstGeom prst="rect">
+                <a:avLst/>
+              </a:prstGeom>
+              <a:noFill/>
+              <a:extLst>
+                <a:ext uri="{909E8E84-426E-40DD-AFC4-6F175D3DCCD1}">
+                  <a14:hiddenFill xmlns:a14="http://schemas.microsoft.com/office/drawing/2010/main">
+                    <a:solidFill>
+                      <a:srgbClr val="FFFFFF"/>
+                    </a:solidFill>
+                  </a14:hiddenFill>
+                </a:ext>
+              </a:extLst>
+            </p:spPr>
+          </p:pic>
+          <p:sp>
+            <p:nvSpPr>
+              <p:cNvPr id="74" name="CuadroTexto 73">
+                <a:extLst>
+                  <a:ext uri="{FF2B5EF4-FFF2-40B4-BE49-F238E27FC236}">
+                    <a16:creationId xmlns:a16="http://schemas.microsoft.com/office/drawing/2014/main" id="{F9AFBAD6-6C64-4E77-86F0-EE06D881C8B1}"/>
+                  </a:ext>
+                </a:extLst>
+              </p:cNvPr>
+              <p:cNvSpPr txBox="1"/>
+              <p:nvPr/>
+            </p:nvSpPr>
+            <p:spPr>
+              <a:xfrm>
+                <a:off x="6203381" y="1591114"/>
+                <a:ext cx="2062710" cy="523220"/>
+              </a:xfrm>
+              <a:prstGeom prst="rect">
+                <a:avLst/>
+              </a:prstGeom>
+              <a:noFill/>
+            </p:spPr>
+            <p:txBody>
+              <a:bodyPr wrap="square" rtlCol="0">
+                <a:spAutoFit/>
+              </a:bodyPr>
+              <a:lstStyle/>
+              <a:p>
+                <a:r>
+                  <a:rPr lang="es-419" sz="1400" dirty="0">
+                    <a:latin typeface="Arial Narrow" panose="020B0606020202030204" pitchFamily="34" charset="0"/>
+                  </a:rPr>
+                  <a:t>Number of trucks </a:t>
+                </a:r>
+              </a:p>
+              <a:p>
+                <a:r>
+                  <a:rPr lang="en-US" sz="1400" dirty="0">
+                    <a:latin typeface="Arial Narrow" panose="020B0606020202030204" pitchFamily="34" charset="0"/>
+                  </a:rPr>
+                  <a:t>for the route</a:t>
+                </a:r>
+                <a:endParaRPr lang="es-419" sz="1400" dirty="0">
+                  <a:latin typeface="Arial Narrow" panose="020B0606020202030204" pitchFamily="34" charset="0"/>
+                </a:endParaRPr>
+              </a:p>
+            </p:txBody>
+          </p:sp>
+          <p:grpSp>
+            <p:nvGrpSpPr>
+              <p:cNvPr id="75" name="Grupo 74">
+                <a:extLst>
+                  <a:ext uri="{FF2B5EF4-FFF2-40B4-BE49-F238E27FC236}">
+                    <a16:creationId xmlns:a16="http://schemas.microsoft.com/office/drawing/2014/main" id="{A9CC50A1-FD1F-43EA-8F79-4CBCC53D1DF4}"/>
+                  </a:ext>
+                </a:extLst>
+              </p:cNvPr>
+              <p:cNvGrpSpPr/>
+              <p:nvPr/>
+            </p:nvGrpSpPr>
+            <p:grpSpPr>
+              <a:xfrm>
+                <a:off x="5871171" y="3175180"/>
+                <a:ext cx="2299655" cy="523220"/>
+                <a:chOff x="5857590" y="2829935"/>
+                <a:chExt cx="2299655" cy="523220"/>
+              </a:xfrm>
+            </p:grpSpPr>
+            <p:sp>
+              <p:nvSpPr>
+                <p:cNvPr id="109" name="CuadroTexto 108">
+                  <a:extLst>
+                    <a:ext uri="{FF2B5EF4-FFF2-40B4-BE49-F238E27FC236}">
+                      <a16:creationId xmlns:a16="http://schemas.microsoft.com/office/drawing/2014/main" id="{558B1095-3749-41F5-9341-35996C0AB6F0}"/>
+                    </a:ext>
+                  </a:extLst>
+                </p:cNvPr>
+                <p:cNvSpPr txBox="1"/>
+                <p:nvPr/>
+              </p:nvSpPr>
+              <p:spPr>
+                <a:xfrm>
+                  <a:off x="6222526" y="2829935"/>
+                  <a:ext cx="1934719" cy="523220"/>
+                </a:xfrm>
+                <a:prstGeom prst="rect">
+                  <a:avLst/>
+                </a:prstGeom>
+                <a:noFill/>
+              </p:spPr>
+              <p:txBody>
+                <a:bodyPr wrap="square" rtlCol="0">
+                  <a:spAutoFit/>
+                </a:bodyPr>
+                <a:lstStyle/>
+                <a:p>
+                  <a:r>
+                    <a:rPr lang="es-419" sz="1400" dirty="0">
+                      <a:latin typeface="Arial Narrow" panose="020B0606020202030204" pitchFamily="34" charset="0"/>
+                    </a:rPr>
+                    <a:t>Number of orders </a:t>
+                  </a:r>
+                </a:p>
+                <a:p>
+                  <a:r>
+                    <a:rPr lang="es-419" sz="1400" dirty="0">
+                      <a:latin typeface="Arial Narrow" panose="020B0606020202030204" pitchFamily="34" charset="0"/>
+                    </a:rPr>
+                    <a:t>per </a:t>
+                  </a:r>
+                  <a:r>
+                    <a:rPr lang="es-419" sz="1400" dirty="0" err="1">
+                      <a:latin typeface="Arial Narrow" panose="020B0606020202030204" pitchFamily="34" charset="0"/>
+                    </a:rPr>
+                    <a:t>truck</a:t>
+                  </a:r>
+                  <a:r>
+                    <a:rPr lang="en-US" sz="1400" dirty="0">
+                      <a:latin typeface="Arial Narrow" panose="020B0606020202030204" pitchFamily="34" charset="0"/>
+                    </a:rPr>
+                    <a:t>: </a:t>
+                  </a:r>
+                  <a:endParaRPr lang="es-419" sz="1400" dirty="0">
+                    <a:latin typeface="Arial Narrow" panose="020B0606020202030204" pitchFamily="34" charset="0"/>
+                  </a:endParaRPr>
+                </a:p>
+              </p:txBody>
+            </p:sp>
+            <p:pic>
+              <p:nvPicPr>
+                <p:cNvPr id="110" name="Picture 10" descr="Resultado de imagen para icon orders">
+                  <a:extLst>
+                    <a:ext uri="{FF2B5EF4-FFF2-40B4-BE49-F238E27FC236}">
+                      <a16:creationId xmlns:a16="http://schemas.microsoft.com/office/drawing/2014/main" id="{56AD9C91-B775-441B-B55B-0C1C3C16980E}"/>
+                    </a:ext>
+                  </a:extLst>
+                </p:cNvPr>
+                <p:cNvPicPr>
+                  <a:picLocks noChangeAspect="1" noChangeArrowheads="1"/>
+                </p:cNvPicPr>
+                <p:nvPr/>
+              </p:nvPicPr>
+              <p:blipFill>
+                <a:blip r:embed="rId6">
+                  <a:extLst>
+                    <a:ext uri="{28A0092B-C50C-407E-A947-70E740481C1C}">
+                      <a14:useLocalDpi xmlns:a14="http://schemas.microsoft.com/office/drawing/2010/main" val="0"/>
+                    </a:ext>
+                  </a:extLst>
+                </a:blip>
+                <a:srcRect/>
+                <a:stretch>
+                  <a:fillRect/>
+                </a:stretch>
+              </p:blipFill>
+              <p:spPr bwMode="auto">
+                <a:xfrm>
+                  <a:off x="5857590" y="2946270"/>
+                  <a:ext cx="309543" cy="309543"/>
+                </a:xfrm>
+                <a:prstGeom prst="rect">
+                  <a:avLst/>
+                </a:prstGeom>
+                <a:noFill/>
+                <a:extLst>
+                  <a:ext uri="{909E8E84-426E-40DD-AFC4-6F175D3DCCD1}">
+                    <a14:hiddenFill xmlns:a14="http://schemas.microsoft.com/office/drawing/2010/main">
+                      <a:solidFill>
+                        <a:srgbClr val="FFFFFF"/>
+                      </a:solidFill>
+                    </a14:hiddenFill>
+                  </a:ext>
+                </a:extLst>
+              </p:spPr>
+            </p:pic>
+          </p:grpSp>
+          <p:sp>
+            <p:nvSpPr>
+              <p:cNvPr id="76" name="CuadroTexto 75">
+                <a:extLst>
+                  <a:ext uri="{FF2B5EF4-FFF2-40B4-BE49-F238E27FC236}">
+                    <a16:creationId xmlns:a16="http://schemas.microsoft.com/office/drawing/2014/main" id="{AD2E3818-7078-4A37-A0BA-D0C52E06A756}"/>
+                  </a:ext>
+                </a:extLst>
+              </p:cNvPr>
+              <p:cNvSpPr txBox="1"/>
+              <p:nvPr/>
+            </p:nvSpPr>
+            <p:spPr>
+              <a:xfrm>
+                <a:off x="3363081" y="1365789"/>
+                <a:ext cx="561975" cy="400110"/>
+              </a:xfrm>
+              <a:prstGeom prst="rect">
+                <a:avLst/>
+              </a:prstGeom>
+              <a:noFill/>
+            </p:spPr>
+            <p:txBody>
+              <a:bodyPr wrap="square" rtlCol="0">
+                <a:spAutoFit/>
+              </a:bodyPr>
+              <a:lstStyle/>
+              <a:p>
+                <a:r>
+                  <a:rPr lang="es-419" sz="2000" b="1" dirty="0">
+                    <a:solidFill>
+                      <a:srgbClr val="4FB5C1"/>
+                    </a:solidFill>
+                    <a:latin typeface="Bahnschrift SemiLight" panose="020B0502040204020203" pitchFamily="34" charset="0"/>
+                  </a:rPr>
+                  <a:t>N°</a:t>
+                </a:r>
+                <a:r>
+                  <a:rPr lang="en-US" sz="2000" b="1" dirty="0">
+                    <a:solidFill>
+                      <a:srgbClr val="4FB5C1"/>
+                    </a:solidFill>
+                    <a:latin typeface="Bahnschrift SemiLight" panose="020B0502040204020203" pitchFamily="34" charset="0"/>
+                  </a:rPr>
+                  <a:t>:</a:t>
+                </a:r>
+                <a:endParaRPr lang="es-419" sz="2000" b="1" dirty="0">
+                  <a:solidFill>
+                    <a:srgbClr val="4FB5C1"/>
+                  </a:solidFill>
+                  <a:latin typeface="Bahnschrift SemiLight" panose="020B0502040204020203" pitchFamily="34" charset="0"/>
+                </a:endParaRPr>
+              </a:p>
+            </p:txBody>
+          </p:sp>
+          <p:sp>
+            <p:nvSpPr>
+              <p:cNvPr id="78" name="CuadroTexto 77">
+                <a:extLst>
+                  <a:ext uri="{FF2B5EF4-FFF2-40B4-BE49-F238E27FC236}">
+                    <a16:creationId xmlns:a16="http://schemas.microsoft.com/office/drawing/2014/main" id="{15080261-92BD-4419-A349-530A02424F13}"/>
+                  </a:ext>
+                </a:extLst>
+              </p:cNvPr>
+              <p:cNvSpPr txBox="1"/>
+              <p:nvPr/>
+            </p:nvSpPr>
+            <p:spPr>
+              <a:xfrm>
+                <a:off x="1188720" y="2200190"/>
+                <a:ext cx="3085727" cy="707886"/>
+              </a:xfrm>
+              <a:prstGeom prst="rect">
+                <a:avLst/>
+              </a:prstGeom>
+              <a:noFill/>
+            </p:spPr>
+            <p:txBody>
+              <a:bodyPr wrap="square" rtlCol="0">
+                <a:spAutoFit/>
+              </a:bodyPr>
+              <a:lstStyle/>
+              <a:p>
+                <a:pPr algn="just"/>
+                <a:r>
+                  <a:rPr lang="en-US" sz="800" dirty="0">
+                    <a:solidFill>
+                      <a:srgbClr val="7F7F7F"/>
+                    </a:solidFill>
+                    <a:latin typeface="Arial" panose="020B0604020202020204" pitchFamily="34" charset="0"/>
+                    <a:cs typeface="Arial" panose="020B0604020202020204" pitchFamily="34" charset="0"/>
+                  </a:rPr>
+                  <a:t>    Welcome to the company Trucks Logistic, this company is responsible for making any shipment to all of Texas, so that we have more control of the transport of orders, it is necessary to detail some aspects of the shipments. Once chosen the desired amount give you check.</a:t>
+                </a:r>
+                <a:endParaRPr lang="es-419" sz="800" dirty="0">
+                  <a:solidFill>
+                    <a:srgbClr val="7F7F7F"/>
+                  </a:solidFill>
+                  <a:latin typeface="Arial" panose="020B0604020202020204" pitchFamily="34" charset="0"/>
+                  <a:cs typeface="Arial" panose="020B0604020202020204" pitchFamily="34" charset="0"/>
+                </a:endParaRPr>
+              </a:p>
+            </p:txBody>
+          </p:sp>
+          <p:sp>
+            <p:nvSpPr>
+              <p:cNvPr id="79" name="CuadroTexto 78">
+                <a:extLst>
+                  <a:ext uri="{FF2B5EF4-FFF2-40B4-BE49-F238E27FC236}">
+                    <a16:creationId xmlns:a16="http://schemas.microsoft.com/office/drawing/2014/main" id="{EF225EB9-C54A-4E84-932B-0B588E0C2B1B}"/>
+                  </a:ext>
+                </a:extLst>
+              </p:cNvPr>
+              <p:cNvSpPr txBox="1"/>
+              <p:nvPr/>
+            </p:nvSpPr>
+            <p:spPr>
+              <a:xfrm>
+                <a:off x="1021447" y="1765774"/>
+                <a:ext cx="1208192" cy="276999"/>
+              </a:xfrm>
+              <a:prstGeom prst="rect">
+                <a:avLst/>
+              </a:prstGeom>
+              <a:noFill/>
+            </p:spPr>
+            <p:txBody>
+              <a:bodyPr wrap="square" rtlCol="0">
+                <a:spAutoFit/>
+              </a:bodyPr>
+              <a:lstStyle/>
+              <a:p>
+                <a:r>
+                  <a:rPr lang="en-US" sz="600" b="1" dirty="0">
+                    <a:solidFill>
+                      <a:schemeClr val="bg1">
+                        <a:lumMod val="50000"/>
+                      </a:schemeClr>
+                    </a:solidFill>
+                    <a:latin typeface="Arial" panose="020B0604020202020204" pitchFamily="34" charset="0"/>
+                    <a:cs typeface="Arial" panose="020B0604020202020204" pitchFamily="34" charset="0"/>
+                  </a:rPr>
+                  <a:t>CEO:   Marcos De Andrade</a:t>
+                </a:r>
+              </a:p>
+              <a:p>
+                <a:r>
+                  <a:rPr lang="en-US" sz="600" b="1" dirty="0">
+                    <a:solidFill>
+                      <a:schemeClr val="bg1">
+                        <a:lumMod val="50000"/>
+                      </a:schemeClr>
+                    </a:solidFill>
+                    <a:latin typeface="Arial" panose="020B0604020202020204" pitchFamily="34" charset="0"/>
+                    <a:cs typeface="Arial" panose="020B0604020202020204" pitchFamily="34" charset="0"/>
+                  </a:rPr>
+                  <a:t>            Samuel Boada</a:t>
+                </a:r>
+                <a:endParaRPr lang="es-419" sz="600" b="1" dirty="0">
+                  <a:solidFill>
+                    <a:schemeClr val="bg1">
+                      <a:lumMod val="50000"/>
+                    </a:schemeClr>
+                  </a:solidFill>
+                  <a:latin typeface="Arial" panose="020B0604020202020204" pitchFamily="34" charset="0"/>
+                  <a:cs typeface="Arial" panose="020B0604020202020204" pitchFamily="34" charset="0"/>
+                </a:endParaRPr>
+              </a:p>
+            </p:txBody>
+          </p:sp>
+          <p:pic>
+            <p:nvPicPr>
+              <p:cNvPr id="81" name="Picture 12" descr="Imagen relacionada">
+                <a:extLst>
+                  <a:ext uri="{FF2B5EF4-FFF2-40B4-BE49-F238E27FC236}">
+                    <a16:creationId xmlns:a16="http://schemas.microsoft.com/office/drawing/2014/main" id="{B0F7570A-B8EA-4F50-A662-E89789AED6CF}"/>
+                  </a:ext>
+                </a:extLst>
+              </p:cNvPr>
+              <p:cNvPicPr>
+                <a:picLocks noChangeAspect="1" noChangeArrowheads="1"/>
+              </p:cNvPicPr>
+              <p:nvPr/>
+            </p:nvPicPr>
+            <p:blipFill>
+              <a:blip r:embed="rId7">
+                <a:extLst>
+                  <a:ext uri="{28A0092B-C50C-407E-A947-70E740481C1C}">
+                    <a14:useLocalDpi xmlns:a14="http://schemas.microsoft.com/office/drawing/2010/main" val="0"/>
+                  </a:ext>
+                </a:extLst>
+              </a:blip>
+              <a:srcRect/>
+              <a:stretch>
+                <a:fillRect/>
+              </a:stretch>
+            </p:blipFill>
+            <p:spPr bwMode="auto">
+              <a:xfrm>
+                <a:off x="1084697" y="1323056"/>
+                <a:ext cx="207411" cy="207411"/>
+              </a:xfrm>
+              <a:prstGeom prst="rect">
+                <a:avLst/>
+              </a:prstGeom>
+              <a:noFill/>
+              <a:extLst>
+                <a:ext uri="{909E8E84-426E-40DD-AFC4-6F175D3DCCD1}">
+                  <a14:hiddenFill xmlns:a14="http://schemas.microsoft.com/office/drawing/2010/main">
+                    <a:solidFill>
+                      <a:srgbClr val="FFFFFF"/>
+                    </a:solidFill>
+                  </a14:hiddenFill>
+                </a:ext>
+              </a:extLst>
+            </p:spPr>
+          </p:pic>
+          <p:sp>
+            <p:nvSpPr>
+              <p:cNvPr id="82" name="CuadroTexto 81">
+                <a:extLst>
+                  <a:ext uri="{FF2B5EF4-FFF2-40B4-BE49-F238E27FC236}">
+                    <a16:creationId xmlns:a16="http://schemas.microsoft.com/office/drawing/2014/main" id="{474E83AA-D7F6-451F-B0BD-7AD0BCD6F1ED}"/>
+                  </a:ext>
+                </a:extLst>
+              </p:cNvPr>
+              <p:cNvSpPr txBox="1"/>
+              <p:nvPr/>
+            </p:nvSpPr>
+            <p:spPr>
+              <a:xfrm>
+                <a:off x="1210506" y="1371291"/>
+                <a:ext cx="766884" cy="153888"/>
+              </a:xfrm>
+              <a:prstGeom prst="rect">
+                <a:avLst/>
+              </a:prstGeom>
+              <a:noFill/>
+            </p:spPr>
+            <p:txBody>
+              <a:bodyPr wrap="square" rtlCol="0">
+                <a:spAutoFit/>
+              </a:bodyPr>
+              <a:lstStyle/>
+              <a:p>
+                <a:r>
+                  <a:rPr lang="en-US" sz="400" dirty="0">
+                    <a:solidFill>
+                      <a:schemeClr val="bg1">
+                        <a:lumMod val="50000"/>
+                      </a:schemeClr>
+                    </a:solidFill>
+                    <a:latin typeface="Arial" panose="020B0604020202020204" pitchFamily="34" charset="0"/>
+                    <a:cs typeface="Arial" panose="020B0604020202020204" pitchFamily="34" charset="0"/>
+                  </a:rPr>
+                  <a:t>United States of America</a:t>
+                </a:r>
+                <a:endParaRPr lang="es-419" sz="400" dirty="0">
+                  <a:solidFill>
+                    <a:schemeClr val="bg1">
+                      <a:lumMod val="50000"/>
+                    </a:schemeClr>
+                  </a:solidFill>
+                  <a:latin typeface="Arial" panose="020B0604020202020204" pitchFamily="34" charset="0"/>
+                  <a:cs typeface="Arial" panose="020B0604020202020204" pitchFamily="34" charset="0"/>
+                </a:endParaRPr>
+              </a:p>
+            </p:txBody>
+          </p:sp>
+          <p:grpSp>
+            <p:nvGrpSpPr>
+              <p:cNvPr id="84" name="Grupo 83">
+                <a:extLst>
+                  <a:ext uri="{FF2B5EF4-FFF2-40B4-BE49-F238E27FC236}">
+                    <a16:creationId xmlns:a16="http://schemas.microsoft.com/office/drawing/2014/main" id="{DB750B84-CEAD-479E-9F43-34CD5D2BE0A9}"/>
+                  </a:ext>
+                </a:extLst>
+              </p:cNvPr>
+              <p:cNvGrpSpPr/>
+              <p:nvPr/>
+            </p:nvGrpSpPr>
+            <p:grpSpPr>
+              <a:xfrm>
+                <a:off x="1811033" y="4624891"/>
+                <a:ext cx="2327078" cy="897638"/>
+                <a:chOff x="1811033" y="4624891"/>
+                <a:chExt cx="2327078" cy="897638"/>
+              </a:xfrm>
+            </p:grpSpPr>
+            <p:sp>
+              <p:nvSpPr>
+                <p:cNvPr id="103" name="CuadroTexto 102">
+                  <a:extLst>
+                    <a:ext uri="{FF2B5EF4-FFF2-40B4-BE49-F238E27FC236}">
+                      <a16:creationId xmlns:a16="http://schemas.microsoft.com/office/drawing/2014/main" id="{B82902AF-E437-4AAA-8013-355BFEC70F97}"/>
+                    </a:ext>
+                  </a:extLst>
+                </p:cNvPr>
+                <p:cNvSpPr txBox="1"/>
+                <p:nvPr/>
+              </p:nvSpPr>
+              <p:spPr>
+                <a:xfrm>
+                  <a:off x="2197231" y="4638710"/>
+                  <a:ext cx="1934719" cy="307777"/>
+                </a:xfrm>
+                <a:prstGeom prst="rect">
+                  <a:avLst/>
+                </a:prstGeom>
+                <a:noFill/>
+              </p:spPr>
+              <p:txBody>
+                <a:bodyPr wrap="square" rtlCol="0">
+                  <a:spAutoFit/>
+                </a:bodyPr>
+                <a:lstStyle/>
+                <a:p>
+                  <a:r>
+                    <a:rPr lang="es-419" sz="1400" dirty="0">
+                      <a:latin typeface="Arial Narrow" panose="020B0606020202030204" pitchFamily="34" charset="0"/>
+                    </a:rPr>
+                    <a:t>Number of orders</a:t>
+                  </a:r>
+                  <a:r>
+                    <a:rPr lang="en-US" sz="1400" dirty="0">
+                      <a:latin typeface="Arial Narrow" panose="020B0606020202030204" pitchFamily="34" charset="0"/>
+                    </a:rPr>
+                    <a:t>: </a:t>
+                  </a:r>
+                  <a:endParaRPr lang="es-419" sz="1400" dirty="0">
+                    <a:latin typeface="Arial Narrow" panose="020B0606020202030204" pitchFamily="34" charset="0"/>
+                  </a:endParaRPr>
+                </a:p>
+              </p:txBody>
+            </p:sp>
+            <p:pic>
+              <p:nvPicPr>
+                <p:cNvPr id="104" name="Picture 4" descr="Resultado de imagen para icon box">
+                  <a:extLst>
+                    <a:ext uri="{FF2B5EF4-FFF2-40B4-BE49-F238E27FC236}">
+                      <a16:creationId xmlns:a16="http://schemas.microsoft.com/office/drawing/2014/main" id="{4465AA0A-B703-4430-98D1-8A67F87C7907}"/>
+                    </a:ext>
+                  </a:extLst>
+                </p:cNvPr>
+                <p:cNvPicPr>
+                  <a:picLocks noChangeAspect="1" noChangeArrowheads="1"/>
+                </p:cNvPicPr>
+                <p:nvPr/>
+              </p:nvPicPr>
+              <p:blipFill>
+                <a:blip r:embed="rId8">
+                  <a:extLst>
+                    <a:ext uri="{28A0092B-C50C-407E-A947-70E740481C1C}">
+                      <a14:useLocalDpi xmlns:a14="http://schemas.microsoft.com/office/drawing/2010/main" val="0"/>
+                    </a:ext>
+                  </a:extLst>
+                </a:blip>
+                <a:srcRect/>
+                <a:stretch>
+                  <a:fillRect/>
+                </a:stretch>
+              </p:blipFill>
+              <p:spPr bwMode="auto">
+                <a:xfrm>
+                  <a:off x="1878308" y="4624891"/>
+                  <a:ext cx="325526" cy="325526"/>
+                </a:xfrm>
+                <a:prstGeom prst="rect">
+                  <a:avLst/>
+                </a:prstGeom>
+                <a:noFill/>
+                <a:extLst>
+                  <a:ext uri="{909E8E84-426E-40DD-AFC4-6F175D3DCCD1}">
+                    <a14:hiddenFill xmlns:a14="http://schemas.microsoft.com/office/drawing/2010/main">
+                      <a:solidFill>
+                        <a:srgbClr val="FFFFFF"/>
+                      </a:solidFill>
+                    </a14:hiddenFill>
+                  </a:ext>
+                </a:extLst>
+              </p:spPr>
+            </p:pic>
+            <p:cxnSp>
+              <p:nvCxnSpPr>
+                <p:cNvPr id="105" name="Conector recto 104">
+                  <a:extLst>
+                    <a:ext uri="{FF2B5EF4-FFF2-40B4-BE49-F238E27FC236}">
+                      <a16:creationId xmlns:a16="http://schemas.microsoft.com/office/drawing/2014/main" id="{A10CEF8F-71F2-4A82-81BE-66F012803E31}"/>
+                    </a:ext>
+                  </a:extLst>
+                </p:cNvPr>
+                <p:cNvCxnSpPr>
+                  <a:cxnSpLocks/>
+                </p:cNvCxnSpPr>
+                <p:nvPr/>
+              </p:nvCxnSpPr>
+              <p:spPr>
+                <a:xfrm>
+                  <a:off x="2273940" y="4981846"/>
+                  <a:ext cx="1847613" cy="4656"/>
+                </a:xfrm>
+                <a:prstGeom prst="line">
+                  <a:avLst/>
+                </a:prstGeom>
+                <a:ln w="19050">
+                  <a:solidFill>
+                    <a:schemeClr val="bg1">
+                      <a:lumMod val="65000"/>
+                    </a:schemeClr>
+                  </a:solidFill>
+                  <a:prstDash val="sysDash"/>
+                </a:ln>
+              </p:spPr>
+              <p:style>
+                <a:lnRef idx="1">
+                  <a:schemeClr val="accent1"/>
+                </a:lnRef>
+                <a:fillRef idx="0">
+                  <a:schemeClr val="accent1"/>
+                </a:fillRef>
+                <a:effectRef idx="0">
+                  <a:schemeClr val="accent1"/>
+                </a:effectRef>
+                <a:fontRef idx="minor">
+                  <a:schemeClr val="tx1"/>
+                </a:fontRef>
+              </p:style>
+            </p:cxnSp>
+            <p:cxnSp>
+              <p:nvCxnSpPr>
+                <p:cNvPr id="106" name="Conector recto 105">
+                  <a:extLst>
+                    <a:ext uri="{FF2B5EF4-FFF2-40B4-BE49-F238E27FC236}">
+                      <a16:creationId xmlns:a16="http://schemas.microsoft.com/office/drawing/2014/main" id="{E55E969D-A3D4-451D-A971-83150E0B5A90}"/>
+                    </a:ext>
+                  </a:extLst>
+                </p:cNvPr>
+                <p:cNvCxnSpPr>
+                  <a:cxnSpLocks/>
+                </p:cNvCxnSpPr>
+                <p:nvPr/>
+              </p:nvCxnSpPr>
+              <p:spPr>
+                <a:xfrm>
+                  <a:off x="1840201" y="5522529"/>
+                  <a:ext cx="2267497" cy="0"/>
+                </a:xfrm>
+                <a:prstGeom prst="line">
+                  <a:avLst/>
+                </a:prstGeom>
+                <a:ln w="19050">
+                  <a:solidFill>
+                    <a:schemeClr val="bg1">
+                      <a:lumMod val="65000"/>
+                    </a:schemeClr>
+                  </a:solidFill>
+                  <a:prstDash val="sysDash"/>
+                </a:ln>
+              </p:spPr>
+              <p:style>
+                <a:lnRef idx="1">
+                  <a:schemeClr val="accent1"/>
+                </a:lnRef>
+                <a:fillRef idx="0">
+                  <a:schemeClr val="accent1"/>
+                </a:fillRef>
+                <a:effectRef idx="0">
+                  <a:schemeClr val="accent1"/>
+                </a:effectRef>
+                <a:fontRef idx="minor">
+                  <a:schemeClr val="tx1"/>
+                </a:fontRef>
+              </p:style>
+            </p:cxnSp>
+            <p:sp>
+              <p:nvSpPr>
+                <p:cNvPr id="107" name="CuadroTexto 106">
+                  <a:extLst>
+                    <a:ext uri="{FF2B5EF4-FFF2-40B4-BE49-F238E27FC236}">
+                      <a16:creationId xmlns:a16="http://schemas.microsoft.com/office/drawing/2014/main" id="{4CEFDB4C-443B-48A8-84EE-414AAFF3EE20}"/>
+                    </a:ext>
+                  </a:extLst>
+                </p:cNvPr>
+                <p:cNvSpPr txBox="1"/>
+                <p:nvPr/>
+              </p:nvSpPr>
+              <p:spPr>
+                <a:xfrm>
+                  <a:off x="1811033" y="5024512"/>
+                  <a:ext cx="2327078" cy="461665"/>
+                </a:xfrm>
+                <a:prstGeom prst="rect">
+                  <a:avLst/>
+                </a:prstGeom>
+                <a:noFill/>
+              </p:spPr>
+              <p:txBody>
+                <a:bodyPr wrap="square" rtlCol="0">
+                  <a:spAutoFit/>
+                </a:bodyPr>
+                <a:lstStyle/>
+                <a:p>
+                  <a:r>
+                    <a:rPr lang="en-US" sz="800" dirty="0">
+                      <a:solidFill>
+                        <a:schemeClr val="bg1">
+                          <a:lumMod val="50000"/>
+                        </a:schemeClr>
+                      </a:solidFill>
+                      <a:latin typeface="Arial" panose="020B0604020202020204" pitchFamily="34" charset="0"/>
+                      <a:cs typeface="Arial" panose="020B0604020202020204" pitchFamily="34" charset="0"/>
+                    </a:rPr>
+                    <a:t>The maximum number of orders allowed in the state of Texas according to the law of the FMCSA is 3500.</a:t>
+                  </a:r>
+                  <a:endParaRPr lang="es-419" sz="800" dirty="0">
+                    <a:solidFill>
+                      <a:schemeClr val="bg1">
+                        <a:lumMod val="50000"/>
+                      </a:schemeClr>
+                    </a:solidFill>
+                    <a:latin typeface="Arial" panose="020B0604020202020204" pitchFamily="34" charset="0"/>
+                    <a:cs typeface="Arial" panose="020B0604020202020204" pitchFamily="34" charset="0"/>
+                  </a:endParaRPr>
+                </a:p>
+              </p:txBody>
+            </p:sp>
+          </p:grpSp>
+          <p:cxnSp>
+            <p:nvCxnSpPr>
+              <p:cNvPr id="85" name="Conector recto 84">
+                <a:extLst>
+                  <a:ext uri="{FF2B5EF4-FFF2-40B4-BE49-F238E27FC236}">
+                    <a16:creationId xmlns:a16="http://schemas.microsoft.com/office/drawing/2014/main" id="{AE669A1F-1C80-4872-ACDC-70EAE05A1B07}"/>
+                  </a:ext>
+                </a:extLst>
+              </p:cNvPr>
+              <p:cNvCxnSpPr>
+                <a:cxnSpLocks/>
+              </p:cNvCxnSpPr>
+              <p:nvPr/>
+            </p:nvCxnSpPr>
+            <p:spPr>
+              <a:xfrm>
+                <a:off x="6309523" y="2151997"/>
+                <a:ext cx="1699251" cy="0"/>
+              </a:xfrm>
+              <a:prstGeom prst="line">
+                <a:avLst/>
+              </a:prstGeom>
+              <a:ln w="19050">
+                <a:solidFill>
+                  <a:schemeClr val="bg1">
+                    <a:lumMod val="65000"/>
+                  </a:schemeClr>
+                </a:solidFill>
+                <a:prstDash val="sysDash"/>
+              </a:ln>
+            </p:spPr>
+            <p:style>
+              <a:lnRef idx="1">
+                <a:schemeClr val="accent1"/>
+              </a:lnRef>
+              <a:fillRef idx="0">
+                <a:schemeClr val="accent1"/>
+              </a:fillRef>
+              <a:effectRef idx="0">
+                <a:schemeClr val="accent1"/>
+              </a:effectRef>
+              <a:fontRef idx="minor">
+                <a:schemeClr val="tx1"/>
+              </a:fontRef>
+            </p:style>
+          </p:cxnSp>
+          <p:cxnSp>
+            <p:nvCxnSpPr>
+              <p:cNvPr id="86" name="Conector recto 85">
+                <a:extLst>
+                  <a:ext uri="{FF2B5EF4-FFF2-40B4-BE49-F238E27FC236}">
+                    <a16:creationId xmlns:a16="http://schemas.microsoft.com/office/drawing/2014/main" id="{9949DE06-A2F5-4233-BC4D-757B4C026939}"/>
+                  </a:ext>
+                </a:extLst>
+              </p:cNvPr>
+              <p:cNvCxnSpPr>
+                <a:cxnSpLocks/>
+              </p:cNvCxnSpPr>
+              <p:nvPr/>
+            </p:nvCxnSpPr>
+            <p:spPr>
+              <a:xfrm>
+                <a:off x="5772782" y="2816505"/>
+                <a:ext cx="2235992" cy="0"/>
+              </a:xfrm>
+              <a:prstGeom prst="line">
+                <a:avLst/>
+              </a:prstGeom>
+              <a:ln w="19050">
+                <a:solidFill>
+                  <a:schemeClr val="bg1">
+                    <a:lumMod val="65000"/>
+                  </a:schemeClr>
+                </a:solidFill>
+                <a:prstDash val="sysDash"/>
+              </a:ln>
+            </p:spPr>
+            <p:style>
+              <a:lnRef idx="1">
+                <a:schemeClr val="accent1"/>
+              </a:lnRef>
+              <a:fillRef idx="0">
+                <a:schemeClr val="accent1"/>
+              </a:fillRef>
+              <a:effectRef idx="0">
+                <a:schemeClr val="accent1"/>
+              </a:effectRef>
+              <a:fontRef idx="minor">
+                <a:schemeClr val="tx1"/>
+              </a:fontRef>
+            </p:style>
+          </p:cxnSp>
+          <p:sp>
+            <p:nvSpPr>
+              <p:cNvPr id="87" name="CuadroTexto 86">
+                <a:extLst>
+                  <a:ext uri="{FF2B5EF4-FFF2-40B4-BE49-F238E27FC236}">
+                    <a16:creationId xmlns:a16="http://schemas.microsoft.com/office/drawing/2014/main" id="{F6492FF6-38AC-41B7-8EA2-4E4DBBD2E639}"/>
+                  </a:ext>
+                </a:extLst>
+              </p:cNvPr>
+              <p:cNvSpPr txBox="1"/>
+              <p:nvPr/>
+            </p:nvSpPr>
+            <p:spPr>
+              <a:xfrm>
+                <a:off x="5769532" y="2195019"/>
+                <a:ext cx="2327078" cy="584775"/>
+              </a:xfrm>
+              <a:prstGeom prst="rect">
+                <a:avLst/>
+              </a:prstGeom>
+              <a:noFill/>
+            </p:spPr>
+            <p:txBody>
+              <a:bodyPr wrap="square" rtlCol="0">
+                <a:spAutoFit/>
+              </a:bodyPr>
+              <a:lstStyle/>
+              <a:p>
+                <a:pPr algn="just"/>
+                <a:r>
+                  <a:rPr lang="en-US" sz="800" dirty="0">
+                    <a:solidFill>
+                      <a:schemeClr val="bg1">
+                        <a:lumMod val="50000"/>
+                      </a:schemeClr>
+                    </a:solidFill>
+                    <a:latin typeface="Arial" panose="020B0604020202020204" pitchFamily="34" charset="0"/>
+                    <a:cs typeface="Arial" panose="020B0604020202020204" pitchFamily="34" charset="0"/>
+                  </a:rPr>
+                  <a:t>The maximum number of trucks for the transport of merchandise on the transportation routes allowed in the state of Texas according to the FMCSA is 200.</a:t>
+                </a:r>
+                <a:endParaRPr lang="es-419" sz="800" dirty="0">
+                  <a:solidFill>
+                    <a:schemeClr val="bg1">
+                      <a:lumMod val="50000"/>
+                    </a:schemeClr>
+                  </a:solidFill>
+                  <a:latin typeface="Arial" panose="020B0604020202020204" pitchFamily="34" charset="0"/>
+                  <a:cs typeface="Arial" panose="020B0604020202020204" pitchFamily="34" charset="0"/>
+                </a:endParaRPr>
+              </a:p>
+            </p:txBody>
+          </p:sp>
+          <p:cxnSp>
+            <p:nvCxnSpPr>
+              <p:cNvPr id="88" name="Conector recto 87">
+                <a:extLst>
+                  <a:ext uri="{FF2B5EF4-FFF2-40B4-BE49-F238E27FC236}">
+                    <a16:creationId xmlns:a16="http://schemas.microsoft.com/office/drawing/2014/main" id="{BCDBF541-10A8-46F6-B1B8-3CD65F341A7E}"/>
+                  </a:ext>
+                </a:extLst>
+              </p:cNvPr>
+              <p:cNvCxnSpPr>
+                <a:cxnSpLocks/>
+              </p:cNvCxnSpPr>
+              <p:nvPr/>
+            </p:nvCxnSpPr>
+            <p:spPr>
+              <a:xfrm>
+                <a:off x="6328348" y="3724408"/>
+                <a:ext cx="1699251" cy="0"/>
+              </a:xfrm>
+              <a:prstGeom prst="line">
+                <a:avLst/>
+              </a:prstGeom>
+              <a:ln w="19050">
+                <a:solidFill>
+                  <a:schemeClr val="bg1">
+                    <a:lumMod val="65000"/>
+                  </a:schemeClr>
+                </a:solidFill>
+                <a:prstDash val="sysDash"/>
+              </a:ln>
+            </p:spPr>
+            <p:style>
+              <a:lnRef idx="1">
+                <a:schemeClr val="accent1"/>
+              </a:lnRef>
+              <a:fillRef idx="0">
+                <a:schemeClr val="accent1"/>
+              </a:fillRef>
+              <a:effectRef idx="0">
+                <a:schemeClr val="accent1"/>
+              </a:effectRef>
+              <a:fontRef idx="minor">
+                <a:schemeClr val="tx1"/>
+              </a:fontRef>
+            </p:style>
+          </p:cxnSp>
+          <p:cxnSp>
+            <p:nvCxnSpPr>
+              <p:cNvPr id="90" name="Conector recto 89">
+                <a:extLst>
+                  <a:ext uri="{FF2B5EF4-FFF2-40B4-BE49-F238E27FC236}">
+                    <a16:creationId xmlns:a16="http://schemas.microsoft.com/office/drawing/2014/main" id="{30E7103D-2AF8-49F2-B96C-C8BB173B39B2}"/>
+                  </a:ext>
+                </a:extLst>
+              </p:cNvPr>
+              <p:cNvCxnSpPr>
+                <a:cxnSpLocks/>
+              </p:cNvCxnSpPr>
+              <p:nvPr/>
+            </p:nvCxnSpPr>
+            <p:spPr>
+              <a:xfrm>
+                <a:off x="5860618" y="4141975"/>
+                <a:ext cx="2235992" cy="0"/>
+              </a:xfrm>
+              <a:prstGeom prst="line">
+                <a:avLst/>
+              </a:prstGeom>
+              <a:ln w="19050">
+                <a:solidFill>
+                  <a:schemeClr val="bg1">
+                    <a:lumMod val="65000"/>
+                  </a:schemeClr>
+                </a:solidFill>
+                <a:prstDash val="sysDash"/>
+              </a:ln>
+            </p:spPr>
+            <p:style>
+              <a:lnRef idx="1">
+                <a:schemeClr val="accent1"/>
+              </a:lnRef>
+              <a:fillRef idx="0">
+                <a:schemeClr val="accent1"/>
+              </a:fillRef>
+              <a:effectRef idx="0">
+                <a:schemeClr val="accent1"/>
+              </a:effectRef>
+              <a:fontRef idx="minor">
+                <a:schemeClr val="tx1"/>
+              </a:fontRef>
+            </p:style>
+          </p:cxnSp>
+          <p:sp>
+            <p:nvSpPr>
+              <p:cNvPr id="91" name="CuadroTexto 90">
+                <a:extLst>
+                  <a:ext uri="{FF2B5EF4-FFF2-40B4-BE49-F238E27FC236}">
+                    <a16:creationId xmlns:a16="http://schemas.microsoft.com/office/drawing/2014/main" id="{B39647EE-021D-4F01-BE48-A9BCBD8C87E9}"/>
+                  </a:ext>
+                </a:extLst>
+              </p:cNvPr>
+              <p:cNvSpPr txBox="1"/>
+              <p:nvPr/>
+            </p:nvSpPr>
+            <p:spPr>
+              <a:xfrm>
+                <a:off x="5788357" y="3767430"/>
+                <a:ext cx="2327078" cy="338554"/>
+              </a:xfrm>
+              <a:prstGeom prst="rect">
+                <a:avLst/>
+              </a:prstGeom>
+              <a:noFill/>
+            </p:spPr>
+            <p:txBody>
+              <a:bodyPr wrap="square" rtlCol="0">
+                <a:spAutoFit/>
+              </a:bodyPr>
+              <a:lstStyle/>
+              <a:p>
+                <a:pPr algn="just"/>
+                <a:r>
+                  <a:rPr lang="en-US" sz="800" dirty="0">
+                    <a:solidFill>
+                      <a:schemeClr val="bg1">
+                        <a:lumMod val="50000"/>
+                      </a:schemeClr>
+                    </a:solidFill>
+                    <a:latin typeface="Arial" panose="020B0604020202020204" pitchFamily="34" charset="0"/>
+                    <a:cs typeface="Arial" panose="020B0604020202020204" pitchFamily="34" charset="0"/>
+                  </a:rPr>
+                  <a:t>The maximum number of orders that each truck can carry in the state of Texas is 20.</a:t>
+                </a:r>
+                <a:endParaRPr lang="es-419" sz="800" dirty="0">
+                  <a:solidFill>
+                    <a:schemeClr val="bg1">
+                      <a:lumMod val="50000"/>
+                    </a:schemeClr>
+                  </a:solidFill>
+                  <a:latin typeface="Arial" panose="020B0604020202020204" pitchFamily="34" charset="0"/>
+                  <a:cs typeface="Arial" panose="020B0604020202020204" pitchFamily="34" charset="0"/>
+                </a:endParaRPr>
+              </a:p>
+            </p:txBody>
+          </p:sp>
+          <p:cxnSp>
+            <p:nvCxnSpPr>
+              <p:cNvPr id="92" name="Conector recto 91">
+                <a:extLst>
+                  <a:ext uri="{FF2B5EF4-FFF2-40B4-BE49-F238E27FC236}">
+                    <a16:creationId xmlns:a16="http://schemas.microsoft.com/office/drawing/2014/main" id="{22611E10-E66F-4A87-A923-19262CCAD055}"/>
+                  </a:ext>
+                </a:extLst>
+              </p:cNvPr>
+              <p:cNvCxnSpPr>
+                <a:cxnSpLocks/>
+              </p:cNvCxnSpPr>
+              <p:nvPr/>
+            </p:nvCxnSpPr>
+            <p:spPr>
+              <a:xfrm>
+                <a:off x="5307680" y="4578752"/>
+                <a:ext cx="2761856" cy="0"/>
+              </a:xfrm>
+              <a:prstGeom prst="line">
+                <a:avLst/>
+              </a:prstGeom>
+              <a:ln w="19050">
+                <a:solidFill>
+                  <a:schemeClr val="bg1">
+                    <a:lumMod val="65000"/>
+                  </a:schemeClr>
+                </a:solidFill>
+                <a:prstDash val="solid"/>
+              </a:ln>
+            </p:spPr>
+            <p:style>
+              <a:lnRef idx="1">
+                <a:schemeClr val="accent1"/>
+              </a:lnRef>
+              <a:fillRef idx="0">
+                <a:schemeClr val="accent1"/>
+              </a:fillRef>
+              <a:effectRef idx="0">
+                <a:schemeClr val="accent1"/>
+              </a:effectRef>
+              <a:fontRef idx="minor">
+                <a:schemeClr val="tx1"/>
+              </a:fontRef>
+            </p:style>
+          </p:cxnSp>
+          <p:cxnSp>
+            <p:nvCxnSpPr>
+              <p:cNvPr id="93" name="Conector recto 92">
+                <a:extLst>
+                  <a:ext uri="{FF2B5EF4-FFF2-40B4-BE49-F238E27FC236}">
+                    <a16:creationId xmlns:a16="http://schemas.microsoft.com/office/drawing/2014/main" id="{14AB312E-BF4C-4AAC-9422-6FF2688F9482}"/>
+                  </a:ext>
+                </a:extLst>
+              </p:cNvPr>
+              <p:cNvCxnSpPr>
+                <a:cxnSpLocks/>
+              </p:cNvCxnSpPr>
+              <p:nvPr/>
+            </p:nvCxnSpPr>
+            <p:spPr>
+              <a:xfrm>
+                <a:off x="5306551" y="4720154"/>
+                <a:ext cx="2762985" cy="0"/>
+              </a:xfrm>
+              <a:prstGeom prst="line">
+                <a:avLst/>
+              </a:prstGeom>
+              <a:ln w="19050">
+                <a:solidFill>
+                  <a:schemeClr val="bg1">
+                    <a:lumMod val="65000"/>
+                  </a:schemeClr>
+                </a:solidFill>
+                <a:prstDash val="solid"/>
+              </a:ln>
+            </p:spPr>
+            <p:style>
+              <a:lnRef idx="1">
+                <a:schemeClr val="accent1"/>
+              </a:lnRef>
+              <a:fillRef idx="0">
+                <a:schemeClr val="accent1"/>
+              </a:fillRef>
+              <a:effectRef idx="0">
+                <a:schemeClr val="accent1"/>
+              </a:effectRef>
+              <a:fontRef idx="minor">
+                <a:schemeClr val="tx1"/>
+              </a:fontRef>
+            </p:style>
+          </p:cxnSp>
+          <p:cxnSp>
+            <p:nvCxnSpPr>
+              <p:cNvPr id="94" name="Conector recto 93">
+                <a:extLst>
+                  <a:ext uri="{FF2B5EF4-FFF2-40B4-BE49-F238E27FC236}">
+                    <a16:creationId xmlns:a16="http://schemas.microsoft.com/office/drawing/2014/main" id="{0C2CEF5D-BB58-4CFB-8650-CB79300E4EF8}"/>
+                  </a:ext>
+                </a:extLst>
+              </p:cNvPr>
+              <p:cNvCxnSpPr>
+                <a:cxnSpLocks/>
+              </p:cNvCxnSpPr>
+              <p:nvPr/>
+            </p:nvCxnSpPr>
+            <p:spPr>
+              <a:xfrm>
+                <a:off x="5306551" y="4879822"/>
+                <a:ext cx="1626520" cy="0"/>
+              </a:xfrm>
+              <a:prstGeom prst="line">
+                <a:avLst/>
+              </a:prstGeom>
+              <a:ln w="19050">
+                <a:solidFill>
+                  <a:schemeClr val="bg1">
+                    <a:lumMod val="65000"/>
+                  </a:schemeClr>
+                </a:solidFill>
+                <a:prstDash val="solid"/>
+              </a:ln>
+            </p:spPr>
+            <p:style>
+              <a:lnRef idx="1">
+                <a:schemeClr val="accent1"/>
+              </a:lnRef>
+              <a:fillRef idx="0">
+                <a:schemeClr val="accent1"/>
+              </a:fillRef>
+              <a:effectRef idx="0">
+                <a:schemeClr val="accent1"/>
+              </a:effectRef>
+              <a:fontRef idx="minor">
+                <a:schemeClr val="tx1"/>
+              </a:fontRef>
+            </p:style>
+          </p:cxnSp>
+          <p:cxnSp>
+            <p:nvCxnSpPr>
+              <p:cNvPr id="95" name="Conector recto 94">
+                <a:extLst>
+                  <a:ext uri="{FF2B5EF4-FFF2-40B4-BE49-F238E27FC236}">
+                    <a16:creationId xmlns:a16="http://schemas.microsoft.com/office/drawing/2014/main" id="{EC613204-F4DC-4C44-A46E-BE5C744EB519}"/>
+                  </a:ext>
+                </a:extLst>
+              </p:cNvPr>
+              <p:cNvCxnSpPr>
+                <a:cxnSpLocks/>
+              </p:cNvCxnSpPr>
+              <p:nvPr/>
+            </p:nvCxnSpPr>
+            <p:spPr>
+              <a:xfrm>
+                <a:off x="7189989" y="5662142"/>
+                <a:ext cx="1081794" cy="0"/>
+              </a:xfrm>
+              <a:prstGeom prst="line">
+                <a:avLst/>
+              </a:prstGeom>
+              <a:ln w="9525">
+                <a:solidFill>
+                  <a:schemeClr val="bg1">
+                    <a:lumMod val="65000"/>
+                  </a:schemeClr>
+                </a:solidFill>
+                <a:prstDash val="solid"/>
+              </a:ln>
+            </p:spPr>
+            <p:style>
+              <a:lnRef idx="1">
+                <a:schemeClr val="accent1"/>
+              </a:lnRef>
+              <a:fillRef idx="0">
+                <a:schemeClr val="accent1"/>
+              </a:fillRef>
+              <a:effectRef idx="0">
+                <a:schemeClr val="accent1"/>
+              </a:effectRef>
+              <a:fontRef idx="minor">
+                <a:schemeClr val="tx1"/>
+              </a:fontRef>
+            </p:style>
+          </p:cxnSp>
+          <p:sp>
+            <p:nvSpPr>
+              <p:cNvPr id="96" name="CuadroTexto 95">
+                <a:extLst>
+                  <a:ext uri="{FF2B5EF4-FFF2-40B4-BE49-F238E27FC236}">
+                    <a16:creationId xmlns:a16="http://schemas.microsoft.com/office/drawing/2014/main" id="{87917734-AECB-4372-94B3-A7DCCC71C7C0}"/>
+                  </a:ext>
+                </a:extLst>
+              </p:cNvPr>
+              <p:cNvSpPr txBox="1"/>
+              <p:nvPr/>
+            </p:nvSpPr>
+            <p:spPr>
+              <a:xfrm>
+                <a:off x="7134079" y="5668507"/>
+                <a:ext cx="1199001" cy="184666"/>
+              </a:xfrm>
+              <a:prstGeom prst="rect">
+                <a:avLst/>
+              </a:prstGeom>
+              <a:noFill/>
+            </p:spPr>
+            <p:txBody>
+              <a:bodyPr wrap="square" rtlCol="0">
+                <a:spAutoFit/>
+              </a:bodyPr>
+              <a:lstStyle/>
+              <a:p>
+                <a:pPr algn="just"/>
+                <a:r>
+                  <a:rPr lang="en-US" sz="600" dirty="0">
+                    <a:solidFill>
+                      <a:schemeClr val="bg1">
+                        <a:lumMod val="50000"/>
+                      </a:schemeClr>
+                    </a:solidFill>
+                    <a:latin typeface="Arial" panose="020B0604020202020204" pitchFamily="34" charset="0"/>
+                    <a:cs typeface="Arial" panose="020B0604020202020204" pitchFamily="34" charset="0"/>
+                  </a:rPr>
+                  <a:t>General Manager. John Doe</a:t>
+                </a:r>
+                <a:endParaRPr lang="es-419" sz="600" dirty="0">
+                  <a:solidFill>
+                    <a:schemeClr val="bg1">
+                      <a:lumMod val="50000"/>
+                    </a:schemeClr>
+                  </a:solidFill>
+                  <a:latin typeface="Arial" panose="020B0604020202020204" pitchFamily="34" charset="0"/>
+                  <a:cs typeface="Arial" panose="020B0604020202020204" pitchFamily="34" charset="0"/>
+                </a:endParaRPr>
+              </a:p>
+            </p:txBody>
+          </p:sp>
+          <p:pic>
+            <p:nvPicPr>
+              <p:cNvPr id="97" name="Picture 14" descr="Resultado de imagen para firmas png">
+                <a:extLst>
+                  <a:ext uri="{FF2B5EF4-FFF2-40B4-BE49-F238E27FC236}">
+                    <a16:creationId xmlns:a16="http://schemas.microsoft.com/office/drawing/2014/main" id="{E8DF70F0-0ECA-4D88-922F-BA0CAEFF415C}"/>
+                  </a:ext>
+                </a:extLst>
+              </p:cNvPr>
+              <p:cNvPicPr>
+                <a:picLocks noChangeAspect="1" noChangeArrowheads="1"/>
+              </p:cNvPicPr>
+              <p:nvPr/>
+            </p:nvPicPr>
+            <p:blipFill>
+              <a:blip r:embed="rId9">
+                <a:extLst>
+                  <a:ext uri="{28A0092B-C50C-407E-A947-70E740481C1C}">
+                    <a14:useLocalDpi xmlns:a14="http://schemas.microsoft.com/office/drawing/2010/main" val="0"/>
+                  </a:ext>
+                </a:extLst>
+              </a:blip>
+              <a:srcRect/>
+              <a:stretch>
+                <a:fillRect/>
+              </a:stretch>
+            </p:blipFill>
+            <p:spPr bwMode="auto">
+              <a:xfrm>
+                <a:off x="7311018" y="5202876"/>
+                <a:ext cx="883022" cy="515540"/>
+              </a:xfrm>
+              <a:prstGeom prst="rect">
+                <a:avLst/>
+              </a:prstGeom>
+              <a:noFill/>
+              <a:extLst>
+                <a:ext uri="{909E8E84-426E-40DD-AFC4-6F175D3DCCD1}">
+                  <a14:hiddenFill xmlns:a14="http://schemas.microsoft.com/office/drawing/2010/main">
+                    <a:solidFill>
+                      <a:srgbClr val="FFFFFF"/>
+                    </a:solidFill>
+                  </a14:hiddenFill>
+                </a:ext>
+              </a:extLst>
+            </p:spPr>
+          </p:pic>
+          <p:pic>
+            <p:nvPicPr>
+              <p:cNvPr id="98" name="Imagen 97">
+                <a:extLst>
+                  <a:ext uri="{FF2B5EF4-FFF2-40B4-BE49-F238E27FC236}">
+                    <a16:creationId xmlns:a16="http://schemas.microsoft.com/office/drawing/2014/main" id="{6E3422D2-CA72-47F2-9790-84A9D7BD7442}"/>
+                  </a:ext>
+                </a:extLst>
+              </p:cNvPr>
+              <p:cNvPicPr>
+                <a:picLocks noChangeAspect="1"/>
+              </p:cNvPicPr>
+              <p:nvPr/>
+            </p:nvPicPr>
+            <p:blipFill>
+              <a:blip r:embed="rId10">
+                <a:extLst>
+                  <a:ext uri="{28A0092B-C50C-407E-A947-70E740481C1C}">
+                    <a14:useLocalDpi xmlns:a14="http://schemas.microsoft.com/office/drawing/2010/main" val="0"/>
+                  </a:ext>
+                </a:extLst>
+              </a:blip>
+              <a:stretch>
+                <a:fillRect/>
+              </a:stretch>
+            </p:blipFill>
+            <p:spPr>
+              <a:xfrm>
+                <a:off x="9686000" y="1977230"/>
+                <a:ext cx="1781992" cy="3721594"/>
+              </a:xfrm>
+              <a:prstGeom prst="rect">
+                <a:avLst/>
+              </a:prstGeom>
+            </p:spPr>
+          </p:pic>
+          <p:pic>
+            <p:nvPicPr>
+              <p:cNvPr id="100" name="Imagen 99">
+                <a:extLst>
+                  <a:ext uri="{FF2B5EF4-FFF2-40B4-BE49-F238E27FC236}">
+                    <a16:creationId xmlns:a16="http://schemas.microsoft.com/office/drawing/2014/main" id="{27406753-51A2-4190-AEEB-C1CFB4634F27}"/>
+                  </a:ext>
+                </a:extLst>
+              </p:cNvPr>
+              <p:cNvPicPr>
+                <a:picLocks noChangeAspect="1"/>
+              </p:cNvPicPr>
+              <p:nvPr/>
+            </p:nvPicPr>
+            <p:blipFill>
+              <a:blip r:embed="rId11">
+                <a:extLst>
+                  <a:ext uri="{28A0092B-C50C-407E-A947-70E740481C1C}">
+                    <a14:useLocalDpi xmlns:a14="http://schemas.microsoft.com/office/drawing/2010/main" val="0"/>
+                  </a:ext>
+                </a:extLst>
+              </a:blip>
+              <a:stretch>
+                <a:fillRect/>
+              </a:stretch>
+            </p:blipFill>
+            <p:spPr>
+              <a:xfrm>
+                <a:off x="2386002" y="1538817"/>
+                <a:ext cx="741797" cy="643694"/>
+              </a:xfrm>
+              <a:prstGeom prst="rect">
+                <a:avLst/>
+              </a:prstGeom>
+            </p:spPr>
+          </p:pic>
+        </p:grpSp>
         <p:sp>
           <p:nvSpPr>
-            <p:cNvPr id="139" name="Rectángulo 138">
+            <p:cNvPr id="2" name="Rectángulo 1">
               <a:extLst>
                 <a:ext uri="{FF2B5EF4-FFF2-40B4-BE49-F238E27FC236}">
-                  <a16:creationId xmlns:a16="http://schemas.microsoft.com/office/drawing/2014/main" id="{FFC145AC-ED24-4068-8E5E-BCE8B64910EA}"/>
+                  <a16:creationId xmlns:a16="http://schemas.microsoft.com/office/drawing/2014/main" id="{4D2AFC08-0A69-4B5E-BD92-0A446B503640}"/>
                 </a:ext>
               </a:extLst>
             </p:cNvPr>
@@ -9826,164 +12378,8 @@
           </p:nvSpPr>
           <p:spPr>
             <a:xfrm>
-              <a:off x="10010774" y="1406205"/>
-              <a:ext cx="314325" cy="2022795"/>
-            </a:xfrm>
-            <a:prstGeom prst="rect">
-              <a:avLst/>
-            </a:prstGeom>
-            <a:solidFill>
-              <a:srgbClr val="FFB78B"/>
-            </a:solidFill>
-            <a:ln>
-              <a:noFill/>
-            </a:ln>
-          </p:spPr>
-          <p:style>
-            <a:lnRef idx="2">
-              <a:schemeClr val="accent1">
-                <a:shade val="50000"/>
-              </a:schemeClr>
-            </a:lnRef>
-            <a:fillRef idx="1">
-              <a:schemeClr val="accent1"/>
-            </a:fillRef>
-            <a:effectRef idx="0">
-              <a:schemeClr val="accent1"/>
-            </a:effectRef>
-            <a:fontRef idx="minor">
-              <a:schemeClr val="lt1"/>
-            </a:fontRef>
-          </p:style>
-          <p:txBody>
-            <a:bodyPr rtlCol="0" anchor="ctr"/>
-            <a:lstStyle/>
-            <a:p>
-              <a:pPr algn="ctr"/>
-              <a:endParaRPr lang="es-419"/>
-            </a:p>
-          </p:txBody>
-        </p:sp>
-        <p:sp>
-          <p:nvSpPr>
-            <p:cNvPr id="140" name="Rectángulo 139">
-              <a:extLst>
-                <a:ext uri="{FF2B5EF4-FFF2-40B4-BE49-F238E27FC236}">
-                  <a16:creationId xmlns:a16="http://schemas.microsoft.com/office/drawing/2014/main" id="{498CF59F-33BB-4DE8-8709-761DE3048AC6}"/>
-                </a:ext>
-              </a:extLst>
-            </p:cNvPr>
-            <p:cNvSpPr/>
-            <p:nvPr/>
-          </p:nvSpPr>
-          <p:spPr>
-            <a:xfrm>
-              <a:off x="6528359" y="1406205"/>
-              <a:ext cx="3482416" cy="4638358"/>
-            </a:xfrm>
-            <a:prstGeom prst="rect">
-              <a:avLst/>
-            </a:prstGeom>
-            <a:solidFill>
-              <a:srgbClr val="FFB78B"/>
-            </a:solidFill>
-            <a:ln>
-              <a:noFill/>
-            </a:ln>
-          </p:spPr>
-          <p:style>
-            <a:lnRef idx="2">
-              <a:schemeClr val="accent1">
-                <a:shade val="50000"/>
-              </a:schemeClr>
-            </a:lnRef>
-            <a:fillRef idx="1">
-              <a:schemeClr val="accent1"/>
-            </a:fillRef>
-            <a:effectRef idx="0">
-              <a:schemeClr val="accent1"/>
-            </a:effectRef>
-            <a:fontRef idx="minor">
-              <a:schemeClr val="lt1"/>
-            </a:fontRef>
-          </p:style>
-          <p:txBody>
-            <a:bodyPr rtlCol="0" anchor="ctr"/>
-            <a:lstStyle/>
-            <a:p>
-              <a:pPr algn="ctr"/>
-              <a:endParaRPr lang="es-419"/>
-            </a:p>
-          </p:txBody>
-        </p:sp>
-        <p:sp>
-          <p:nvSpPr>
-            <p:cNvPr id="143" name="Rectángulo 142">
-              <a:extLst>
-                <a:ext uri="{FF2B5EF4-FFF2-40B4-BE49-F238E27FC236}">
-                  <a16:creationId xmlns:a16="http://schemas.microsoft.com/office/drawing/2014/main" id="{CEA5BA0C-DC89-4B92-A063-0CC5D8C5E51B}"/>
-                </a:ext>
-              </a:extLst>
-            </p:cNvPr>
-            <p:cNvSpPr/>
-            <p:nvPr/>
-          </p:nvSpPr>
-          <p:spPr>
-            <a:xfrm>
-              <a:off x="6754559" y="1608591"/>
-              <a:ext cx="3387166" cy="4341974"/>
-            </a:xfrm>
-            <a:prstGeom prst="rect">
-              <a:avLst/>
-            </a:prstGeom>
-            <a:solidFill>
-              <a:srgbClr val="F3F3F3"/>
-            </a:solidFill>
-            <a:ln>
-              <a:noFill/>
-            </a:ln>
-          </p:spPr>
-          <p:style>
-            <a:lnRef idx="2">
-              <a:schemeClr val="accent1">
-                <a:shade val="50000"/>
-              </a:schemeClr>
-            </a:lnRef>
-            <a:fillRef idx="1">
-              <a:schemeClr val="accent1"/>
-            </a:fillRef>
-            <a:effectRef idx="0">
-              <a:schemeClr val="accent1"/>
-            </a:effectRef>
-            <a:fontRef idx="minor">
-              <a:schemeClr val="lt1"/>
-            </a:fontRef>
-          </p:style>
-          <p:txBody>
-            <a:bodyPr rtlCol="0" anchor="ctr"/>
-            <a:lstStyle/>
-            <a:p>
-              <a:pPr algn="ctr"/>
-              <a:endParaRPr lang="es-419"/>
-            </a:p>
-          </p:txBody>
-        </p:sp>
-        <p:sp>
-          <p:nvSpPr>
-            <p:cNvPr id="144" name="Rectángulo 143">
-              <a:extLst>
-                <a:ext uri="{FF2B5EF4-FFF2-40B4-BE49-F238E27FC236}">
-                  <a16:creationId xmlns:a16="http://schemas.microsoft.com/office/drawing/2014/main" id="{9DE215A6-872E-4311-92EF-DFDCA9356AAC}"/>
-                </a:ext>
-              </a:extLst>
-            </p:cNvPr>
-            <p:cNvSpPr/>
-            <p:nvPr/>
-          </p:nvSpPr>
-          <p:spPr>
-            <a:xfrm>
-              <a:off x="6671234" y="1554397"/>
-              <a:ext cx="3387166" cy="4341974"/>
+              <a:off x="9999406" y="4517136"/>
+              <a:ext cx="1154653" cy="507376"/>
             </a:xfrm>
             <a:prstGeom prst="rect">
               <a:avLst/>
@@ -10020,12 +12416,63 @@
             </a:p>
           </p:txBody>
         </p:sp>
+      </p:grpSp>
+    </p:spTree>
+    <p:extLst>
+      <p:ext uri="{BB962C8B-B14F-4D97-AF65-F5344CB8AC3E}">
+        <p14:creationId xmlns:p14="http://schemas.microsoft.com/office/powerpoint/2010/main" val="1141737134"/>
+      </p:ext>
+    </p:extLst>
+  </p:cSld>
+  <p:clrMapOvr>
+    <a:masterClrMapping/>
+  </p:clrMapOvr>
+</p:sld>
+</file>
+
+<file path=ppt/slides/slide12.xml><?xml version="1.0" encoding="utf-8"?>
+<p:sld xmlns:a="http://schemas.openxmlformats.org/drawingml/2006/main" xmlns:r="http://schemas.openxmlformats.org/officeDocument/2006/relationships" xmlns:p="http://schemas.openxmlformats.org/presentationml/2006/main">
+  <p:cSld>
+    <p:spTree>
+      <p:nvGrpSpPr>
+        <p:cNvPr id="1" name=""/>
+        <p:cNvGrpSpPr/>
+        <p:nvPr/>
+      </p:nvGrpSpPr>
+      <p:grpSpPr>
+        <a:xfrm>
+          <a:off x="0" y="0"/>
+          <a:ext cx="0" cy="0"/>
+          <a:chOff x="0" y="0"/>
+          <a:chExt cx="0" cy="0"/>
+        </a:xfrm>
+      </p:grpSpPr>
+      <p:grpSp>
+        <p:nvGrpSpPr>
+          <p:cNvPr id="3" name="Grupo 2">
+            <a:extLst>
+              <a:ext uri="{FF2B5EF4-FFF2-40B4-BE49-F238E27FC236}">
+                <a16:creationId xmlns:a16="http://schemas.microsoft.com/office/drawing/2014/main" id="{609842B7-ED1C-40CC-9A02-66E7EF222260}"/>
+              </a:ext>
+            </a:extLst>
+          </p:cNvPr>
+          <p:cNvGrpSpPr/>
+          <p:nvPr/>
+        </p:nvGrpSpPr>
+        <p:grpSpPr>
+          <a:xfrm>
+            <a:off x="611436" y="958084"/>
+            <a:ext cx="10969127" cy="5398816"/>
+            <a:chOff x="611436" y="958084"/>
+            <a:chExt cx="10969127" cy="5398816"/>
+          </a:xfrm>
+        </p:grpSpPr>
         <p:sp>
           <p:nvSpPr>
-            <p:cNvPr id="145" name="Rectángulo 144">
+            <p:cNvPr id="65" name="Rectángulo 64">
               <a:extLst>
                 <a:ext uri="{FF2B5EF4-FFF2-40B4-BE49-F238E27FC236}">
-                  <a16:creationId xmlns:a16="http://schemas.microsoft.com/office/drawing/2014/main" id="{92E388D7-E92E-4844-A67F-F745F3EC9F96}"/>
+                  <a16:creationId xmlns:a16="http://schemas.microsoft.com/office/drawing/2014/main" id="{95606A51-4899-423A-96C0-8CE9EC8934C2}"/>
                 </a:ext>
               </a:extLst>
             </p:cNvPr>
@@ -10034,128 +12481,14 @@
           </p:nvSpPr>
           <p:spPr>
             <a:xfrm>
-              <a:off x="6528359" y="1406205"/>
-              <a:ext cx="3387166" cy="4638358"/>
+              <a:off x="611436" y="958084"/>
+              <a:ext cx="10969127" cy="5398816"/>
             </a:xfrm>
             <a:prstGeom prst="rect">
               <a:avLst/>
             </a:prstGeom>
             <a:solidFill>
-              <a:srgbClr val="FFCDAF"/>
-            </a:solidFill>
-            <a:ln>
-              <a:noFill/>
-            </a:ln>
-          </p:spPr>
-          <p:style>
-            <a:lnRef idx="2">
-              <a:schemeClr val="accent1">
-                <a:shade val="50000"/>
-              </a:schemeClr>
-            </a:lnRef>
-            <a:fillRef idx="1">
-              <a:schemeClr val="accent1"/>
-            </a:fillRef>
-            <a:effectRef idx="0">
-              <a:schemeClr val="accent1"/>
-            </a:effectRef>
-            <a:fontRef idx="minor">
-              <a:schemeClr val="lt1"/>
-            </a:fontRef>
-          </p:style>
-          <p:txBody>
-            <a:bodyPr rtlCol="0" anchor="ctr"/>
-            <a:lstStyle/>
-            <a:p>
-              <a:pPr algn="ctr"/>
-              <a:endParaRPr lang="es-419" dirty="0"/>
-            </a:p>
-          </p:txBody>
-        </p:sp>
-      </p:grpSp>
-      <p:grpSp>
-        <p:nvGrpSpPr>
-          <p:cNvPr id="69" name="Grupo 68">
-            <a:extLst>
-              <a:ext uri="{FF2B5EF4-FFF2-40B4-BE49-F238E27FC236}">
-                <a16:creationId xmlns:a16="http://schemas.microsoft.com/office/drawing/2014/main" id="{63507398-6EC8-4EA9-955D-93EB213B9B15}"/>
-              </a:ext>
-            </a:extLst>
-          </p:cNvPr>
-          <p:cNvGrpSpPr/>
-          <p:nvPr/>
-        </p:nvGrpSpPr>
-        <p:grpSpPr>
-          <a:xfrm>
-            <a:off x="754090" y="1132462"/>
-            <a:ext cx="8294483" cy="5049548"/>
-            <a:chOff x="1487515" y="1132462"/>
-            <a:chExt cx="8294483" cy="5049548"/>
-          </a:xfrm>
-        </p:grpSpPr>
-        <p:cxnSp>
-          <p:nvCxnSpPr>
-            <p:cNvPr id="122" name="Conector recto 121">
-              <a:extLst>
-                <a:ext uri="{FF2B5EF4-FFF2-40B4-BE49-F238E27FC236}">
-                  <a16:creationId xmlns:a16="http://schemas.microsoft.com/office/drawing/2014/main" id="{E525F085-F30D-489A-9B44-9D0527BE9E23}"/>
-                </a:ext>
-              </a:extLst>
-            </p:cNvPr>
-            <p:cNvCxnSpPr/>
-            <p:nvPr/>
-          </p:nvCxnSpPr>
-          <p:spPr>
-            <a:xfrm>
-              <a:off x="5478308" y="1132969"/>
-              <a:ext cx="0" cy="5049041"/>
-            </a:xfrm>
-            <a:prstGeom prst="line">
-              <a:avLst/>
-            </a:prstGeom>
-            <a:ln w="22225">
-              <a:solidFill>
-                <a:srgbClr val="CD8A53"/>
-              </a:solidFill>
-            </a:ln>
-          </p:spPr>
-          <p:style>
-            <a:lnRef idx="1">
-              <a:schemeClr val="accent1"/>
-            </a:lnRef>
-            <a:fillRef idx="0">
-              <a:schemeClr val="accent1"/>
-            </a:fillRef>
-            <a:effectRef idx="0">
-              <a:schemeClr val="accent1"/>
-            </a:effectRef>
-            <a:fontRef idx="minor">
-              <a:schemeClr val="tx1"/>
-            </a:fontRef>
-          </p:style>
-        </p:cxnSp>
-        <p:sp>
-          <p:nvSpPr>
-            <p:cNvPr id="125" name="Rectángulo 124">
-              <a:extLst>
-                <a:ext uri="{FF2B5EF4-FFF2-40B4-BE49-F238E27FC236}">
-                  <a16:creationId xmlns:a16="http://schemas.microsoft.com/office/drawing/2014/main" id="{96AA633D-0B48-4105-A171-D0C0A981CB2B}"/>
-                </a:ext>
-              </a:extLst>
-            </p:cNvPr>
-            <p:cNvSpPr/>
-            <p:nvPr/>
-          </p:nvSpPr>
-          <p:spPr>
-            <a:xfrm>
-              <a:off x="9467673" y="1132462"/>
-              <a:ext cx="314325" cy="2363213"/>
-            </a:xfrm>
-            <a:prstGeom prst="rect">
-              <a:avLst/>
-            </a:prstGeom>
-            <a:solidFill>
-              <a:srgbClr val="FFE8A7"/>
+              <a:srgbClr val="4FB5C1"/>
             </a:solidFill>
             <a:ln>
               <a:noFill/>
@@ -10188,10 +12521,10 @@
         </p:sp>
         <p:sp>
           <p:nvSpPr>
-            <p:cNvPr id="126" name="Rectángulo 125">
+            <p:cNvPr id="66" name="Rectángulo 65">
               <a:extLst>
                 <a:ext uri="{FF2B5EF4-FFF2-40B4-BE49-F238E27FC236}">
-                  <a16:creationId xmlns:a16="http://schemas.microsoft.com/office/drawing/2014/main" id="{6317B91A-86FA-4C66-803F-046FB74451A8}"/>
+                  <a16:creationId xmlns:a16="http://schemas.microsoft.com/office/drawing/2014/main" id="{D1607B60-6303-4550-AD79-402E0A00DBF1}"/>
                 </a:ext>
               </a:extLst>
             </p:cNvPr>
@@ -10200,14 +12533,14 @@
           </p:nvSpPr>
           <p:spPr>
             <a:xfrm>
-              <a:off x="5477594" y="1132969"/>
-              <a:ext cx="3990079" cy="5049041"/>
+              <a:off x="754089" y="2660418"/>
+              <a:ext cx="8294479" cy="3696477"/>
             </a:xfrm>
             <a:prstGeom prst="rect">
               <a:avLst/>
             </a:prstGeom>
             <a:solidFill>
-              <a:srgbClr val="FFE8A7"/>
+              <a:srgbClr val="33949A"/>
             </a:solidFill>
             <a:ln>
               <a:noFill/>
@@ -10240,10 +12573,10 @@
         </p:sp>
         <p:sp>
           <p:nvSpPr>
-            <p:cNvPr id="127" name="Rectángulo 126">
+            <p:cNvPr id="67" name="Triángulo rectángulo 66">
               <a:extLst>
                 <a:ext uri="{FF2B5EF4-FFF2-40B4-BE49-F238E27FC236}">
-                  <a16:creationId xmlns:a16="http://schemas.microsoft.com/office/drawing/2014/main" id="{03DBED80-56DC-4D36-B06B-05F65D11CBE0}"/>
+                  <a16:creationId xmlns:a16="http://schemas.microsoft.com/office/drawing/2014/main" id="{629090C4-8F78-4D64-8F1D-A294E7ED8BD3}"/>
                 </a:ext>
               </a:extLst>
             </p:cNvPr>
@@ -10251,15 +12584,15 @@
             <p:nvPr/>
           </p:nvSpPr>
           <p:spPr>
-            <a:xfrm rot="333266">
-              <a:off x="5895657" y="1277076"/>
-              <a:ext cx="3646485" cy="4809514"/>
+            <a:xfrm>
+              <a:off x="9048568" y="1132462"/>
+              <a:ext cx="1798570" cy="5224433"/>
             </a:xfrm>
-            <a:prstGeom prst="rect">
+            <a:prstGeom prst="rtTriangle">
               <a:avLst/>
             </a:prstGeom>
             <a:solidFill>
-              <a:srgbClr val="E2E2E2"/>
+              <a:srgbClr val="33949A"/>
             </a:solidFill>
             <a:ln>
               <a:noFill/>
@@ -10290,66 +12623,1985 @@
             </a:p>
           </p:txBody>
         </p:sp>
-        <p:sp>
-          <p:nvSpPr>
-            <p:cNvPr id="128" name="Rectángulo 127">
+        <p:grpSp>
+          <p:nvGrpSpPr>
+            <p:cNvPr id="68" name="Grupo 67">
               <a:extLst>
                 <a:ext uri="{FF2B5EF4-FFF2-40B4-BE49-F238E27FC236}">
-                  <a16:creationId xmlns:a16="http://schemas.microsoft.com/office/drawing/2014/main" id="{3EFC5D7C-D687-4FA0-8539-8C4E42CBCD6E}"/>
+                  <a16:creationId xmlns:a16="http://schemas.microsoft.com/office/drawing/2014/main" id="{0C647551-7B0F-4A25-9078-B0BF3D7657D6}"/>
                 </a:ext>
               </a:extLst>
             </p:cNvPr>
-            <p:cNvSpPr/>
+            <p:cNvGrpSpPr/>
             <p:nvPr/>
-          </p:nvSpPr>
-          <p:spPr>
-            <a:xfrm rot="167836">
-              <a:off x="5747173" y="1237741"/>
-              <a:ext cx="3646485" cy="4809514"/>
+          </p:nvGrpSpPr>
+          <p:grpSpPr>
+            <a:xfrm>
+              <a:off x="5765713" y="1437972"/>
+              <a:ext cx="3796740" cy="4638358"/>
+              <a:chOff x="6528359" y="1406205"/>
+              <a:chExt cx="3796740" cy="4638358"/>
+            </a:xfrm>
+          </p:grpSpPr>
+          <p:sp>
+            <p:nvSpPr>
+              <p:cNvPr id="139" name="Rectángulo 138">
+                <a:extLst>
+                  <a:ext uri="{FF2B5EF4-FFF2-40B4-BE49-F238E27FC236}">
+                    <a16:creationId xmlns:a16="http://schemas.microsoft.com/office/drawing/2014/main" id="{FFC145AC-ED24-4068-8E5E-BCE8B64910EA}"/>
+                  </a:ext>
+                </a:extLst>
+              </p:cNvPr>
+              <p:cNvSpPr/>
+              <p:nvPr/>
+            </p:nvSpPr>
+            <p:spPr>
+              <a:xfrm>
+                <a:off x="10010774" y="1406205"/>
+                <a:ext cx="314325" cy="2022795"/>
+              </a:xfrm>
+              <a:prstGeom prst="rect">
+                <a:avLst/>
+              </a:prstGeom>
+              <a:solidFill>
+                <a:srgbClr val="FFB78B"/>
+              </a:solidFill>
+              <a:ln>
+                <a:noFill/>
+              </a:ln>
+            </p:spPr>
+            <p:style>
+              <a:lnRef idx="2">
+                <a:schemeClr val="accent1">
+                  <a:shade val="50000"/>
+                </a:schemeClr>
+              </a:lnRef>
+              <a:fillRef idx="1">
+                <a:schemeClr val="accent1"/>
+              </a:fillRef>
+              <a:effectRef idx="0">
+                <a:schemeClr val="accent1"/>
+              </a:effectRef>
+              <a:fontRef idx="minor">
+                <a:schemeClr val="lt1"/>
+              </a:fontRef>
+            </p:style>
+            <p:txBody>
+              <a:bodyPr rtlCol="0" anchor="ctr"/>
+              <a:lstStyle/>
+              <a:p>
+                <a:pPr algn="ctr"/>
+                <a:endParaRPr lang="es-419"/>
+              </a:p>
+            </p:txBody>
+          </p:sp>
+          <p:sp>
+            <p:nvSpPr>
+              <p:cNvPr id="140" name="Rectángulo 139">
+                <a:extLst>
+                  <a:ext uri="{FF2B5EF4-FFF2-40B4-BE49-F238E27FC236}">
+                    <a16:creationId xmlns:a16="http://schemas.microsoft.com/office/drawing/2014/main" id="{498CF59F-33BB-4DE8-8709-761DE3048AC6}"/>
+                  </a:ext>
+                </a:extLst>
+              </p:cNvPr>
+              <p:cNvSpPr/>
+              <p:nvPr/>
+            </p:nvSpPr>
+            <p:spPr>
+              <a:xfrm>
+                <a:off x="6528359" y="1406205"/>
+                <a:ext cx="3482416" cy="4638358"/>
+              </a:xfrm>
+              <a:prstGeom prst="rect">
+                <a:avLst/>
+              </a:prstGeom>
+              <a:solidFill>
+                <a:srgbClr val="FFB78B"/>
+              </a:solidFill>
+              <a:ln>
+                <a:noFill/>
+              </a:ln>
+            </p:spPr>
+            <p:style>
+              <a:lnRef idx="2">
+                <a:schemeClr val="accent1">
+                  <a:shade val="50000"/>
+                </a:schemeClr>
+              </a:lnRef>
+              <a:fillRef idx="1">
+                <a:schemeClr val="accent1"/>
+              </a:fillRef>
+              <a:effectRef idx="0">
+                <a:schemeClr val="accent1"/>
+              </a:effectRef>
+              <a:fontRef idx="minor">
+                <a:schemeClr val="lt1"/>
+              </a:fontRef>
+            </p:style>
+            <p:txBody>
+              <a:bodyPr rtlCol="0" anchor="ctr"/>
+              <a:lstStyle/>
+              <a:p>
+                <a:pPr algn="ctr"/>
+                <a:endParaRPr lang="es-419"/>
+              </a:p>
+            </p:txBody>
+          </p:sp>
+          <p:sp>
+            <p:nvSpPr>
+              <p:cNvPr id="143" name="Rectángulo 142">
+                <a:extLst>
+                  <a:ext uri="{FF2B5EF4-FFF2-40B4-BE49-F238E27FC236}">
+                    <a16:creationId xmlns:a16="http://schemas.microsoft.com/office/drawing/2014/main" id="{CEA5BA0C-DC89-4B92-A063-0CC5D8C5E51B}"/>
+                  </a:ext>
+                </a:extLst>
+              </p:cNvPr>
+              <p:cNvSpPr/>
+              <p:nvPr/>
+            </p:nvSpPr>
+            <p:spPr>
+              <a:xfrm>
+                <a:off x="6754559" y="1608591"/>
+                <a:ext cx="3387166" cy="4341974"/>
+              </a:xfrm>
+              <a:prstGeom prst="rect">
+                <a:avLst/>
+              </a:prstGeom>
+              <a:solidFill>
+                <a:srgbClr val="F3F3F3"/>
+              </a:solidFill>
+              <a:ln>
+                <a:noFill/>
+              </a:ln>
+            </p:spPr>
+            <p:style>
+              <a:lnRef idx="2">
+                <a:schemeClr val="accent1">
+                  <a:shade val="50000"/>
+                </a:schemeClr>
+              </a:lnRef>
+              <a:fillRef idx="1">
+                <a:schemeClr val="accent1"/>
+              </a:fillRef>
+              <a:effectRef idx="0">
+                <a:schemeClr val="accent1"/>
+              </a:effectRef>
+              <a:fontRef idx="minor">
+                <a:schemeClr val="lt1"/>
+              </a:fontRef>
+            </p:style>
+            <p:txBody>
+              <a:bodyPr rtlCol="0" anchor="ctr"/>
+              <a:lstStyle/>
+              <a:p>
+                <a:pPr algn="ctr"/>
+                <a:endParaRPr lang="es-419"/>
+              </a:p>
+            </p:txBody>
+          </p:sp>
+          <p:sp>
+            <p:nvSpPr>
+              <p:cNvPr id="144" name="Rectángulo 143">
+                <a:extLst>
+                  <a:ext uri="{FF2B5EF4-FFF2-40B4-BE49-F238E27FC236}">
+                    <a16:creationId xmlns:a16="http://schemas.microsoft.com/office/drawing/2014/main" id="{9DE215A6-872E-4311-92EF-DFDCA9356AAC}"/>
+                  </a:ext>
+                </a:extLst>
+              </p:cNvPr>
+              <p:cNvSpPr/>
+              <p:nvPr/>
+            </p:nvSpPr>
+            <p:spPr>
+              <a:xfrm>
+                <a:off x="6671234" y="1554397"/>
+                <a:ext cx="3387166" cy="4341974"/>
+              </a:xfrm>
+              <a:prstGeom prst="rect">
+                <a:avLst/>
+              </a:prstGeom>
+              <a:solidFill>
+                <a:schemeClr val="bg1"/>
+              </a:solidFill>
+              <a:ln>
+                <a:noFill/>
+              </a:ln>
+            </p:spPr>
+            <p:style>
+              <a:lnRef idx="2">
+                <a:schemeClr val="accent1">
+                  <a:shade val="50000"/>
+                </a:schemeClr>
+              </a:lnRef>
+              <a:fillRef idx="1">
+                <a:schemeClr val="accent1"/>
+              </a:fillRef>
+              <a:effectRef idx="0">
+                <a:schemeClr val="accent1"/>
+              </a:effectRef>
+              <a:fontRef idx="minor">
+                <a:schemeClr val="lt1"/>
+              </a:fontRef>
+            </p:style>
+            <p:txBody>
+              <a:bodyPr rtlCol="0" anchor="ctr"/>
+              <a:lstStyle/>
+              <a:p>
+                <a:pPr algn="ctr"/>
+                <a:endParaRPr lang="es-419"/>
+              </a:p>
+            </p:txBody>
+          </p:sp>
+          <p:sp>
+            <p:nvSpPr>
+              <p:cNvPr id="145" name="Rectángulo 144">
+                <a:extLst>
+                  <a:ext uri="{FF2B5EF4-FFF2-40B4-BE49-F238E27FC236}">
+                    <a16:creationId xmlns:a16="http://schemas.microsoft.com/office/drawing/2014/main" id="{92E388D7-E92E-4844-A67F-F745F3EC9F96}"/>
+                  </a:ext>
+                </a:extLst>
+              </p:cNvPr>
+              <p:cNvSpPr/>
+              <p:nvPr/>
+            </p:nvSpPr>
+            <p:spPr>
+              <a:xfrm>
+                <a:off x="6528359" y="1406205"/>
+                <a:ext cx="3387166" cy="4638358"/>
+              </a:xfrm>
+              <a:prstGeom prst="rect">
+                <a:avLst/>
+              </a:prstGeom>
+              <a:solidFill>
+                <a:srgbClr val="FFCDAF"/>
+              </a:solidFill>
+              <a:ln>
+                <a:noFill/>
+              </a:ln>
+            </p:spPr>
+            <p:style>
+              <a:lnRef idx="2">
+                <a:schemeClr val="accent1">
+                  <a:shade val="50000"/>
+                </a:schemeClr>
+              </a:lnRef>
+              <a:fillRef idx="1">
+                <a:schemeClr val="accent1"/>
+              </a:fillRef>
+              <a:effectRef idx="0">
+                <a:schemeClr val="accent1"/>
+              </a:effectRef>
+              <a:fontRef idx="minor">
+                <a:schemeClr val="lt1"/>
+              </a:fontRef>
+            </p:style>
+            <p:txBody>
+              <a:bodyPr rtlCol="0" anchor="ctr"/>
+              <a:lstStyle/>
+              <a:p>
+                <a:pPr algn="ctr"/>
+                <a:endParaRPr lang="es-419" dirty="0"/>
+              </a:p>
+            </p:txBody>
+          </p:sp>
+        </p:grpSp>
+        <p:grpSp>
+          <p:nvGrpSpPr>
+            <p:cNvPr id="69" name="Grupo 68">
+              <a:extLst>
+                <a:ext uri="{FF2B5EF4-FFF2-40B4-BE49-F238E27FC236}">
+                  <a16:creationId xmlns:a16="http://schemas.microsoft.com/office/drawing/2014/main" id="{63507398-6EC8-4EA9-955D-93EB213B9B15}"/>
+                </a:ext>
+              </a:extLst>
+            </p:cNvPr>
+            <p:cNvGrpSpPr/>
+            <p:nvPr/>
+          </p:nvGrpSpPr>
+          <p:grpSpPr>
+            <a:xfrm>
+              <a:off x="754090" y="1132462"/>
+              <a:ext cx="8294483" cy="5049548"/>
+              <a:chOff x="1487515" y="1132462"/>
+              <a:chExt cx="8294483" cy="5049548"/>
+            </a:xfrm>
+          </p:grpSpPr>
+          <p:cxnSp>
+            <p:nvCxnSpPr>
+              <p:cNvPr id="122" name="Conector recto 121">
+                <a:extLst>
+                  <a:ext uri="{FF2B5EF4-FFF2-40B4-BE49-F238E27FC236}">
+                    <a16:creationId xmlns:a16="http://schemas.microsoft.com/office/drawing/2014/main" id="{E525F085-F30D-489A-9B44-9D0527BE9E23}"/>
+                  </a:ext>
+                </a:extLst>
+              </p:cNvPr>
+              <p:cNvCxnSpPr/>
+              <p:nvPr/>
+            </p:nvCxnSpPr>
+            <p:spPr>
+              <a:xfrm>
+                <a:off x="5478308" y="1132969"/>
+                <a:ext cx="0" cy="5049041"/>
+              </a:xfrm>
+              <a:prstGeom prst="line">
+                <a:avLst/>
+              </a:prstGeom>
+              <a:ln w="22225">
+                <a:solidFill>
+                  <a:srgbClr val="CD8A53"/>
+                </a:solidFill>
+              </a:ln>
+            </p:spPr>
+            <p:style>
+              <a:lnRef idx="1">
+                <a:schemeClr val="accent1"/>
+              </a:lnRef>
+              <a:fillRef idx="0">
+                <a:schemeClr val="accent1"/>
+              </a:fillRef>
+              <a:effectRef idx="0">
+                <a:schemeClr val="accent1"/>
+              </a:effectRef>
+              <a:fontRef idx="minor">
+                <a:schemeClr val="tx1"/>
+              </a:fontRef>
+            </p:style>
+          </p:cxnSp>
+          <p:sp>
+            <p:nvSpPr>
+              <p:cNvPr id="125" name="Rectángulo 124">
+                <a:extLst>
+                  <a:ext uri="{FF2B5EF4-FFF2-40B4-BE49-F238E27FC236}">
+                    <a16:creationId xmlns:a16="http://schemas.microsoft.com/office/drawing/2014/main" id="{96AA633D-0B48-4105-A171-D0C0A981CB2B}"/>
+                  </a:ext>
+                </a:extLst>
+              </p:cNvPr>
+              <p:cNvSpPr/>
+              <p:nvPr/>
+            </p:nvSpPr>
+            <p:spPr>
+              <a:xfrm>
+                <a:off x="9467673" y="1132462"/>
+                <a:ext cx="314325" cy="2363213"/>
+              </a:xfrm>
+              <a:prstGeom prst="rect">
+                <a:avLst/>
+              </a:prstGeom>
+              <a:solidFill>
+                <a:srgbClr val="FFE8A7"/>
+              </a:solidFill>
+              <a:ln>
+                <a:noFill/>
+              </a:ln>
+            </p:spPr>
+            <p:style>
+              <a:lnRef idx="2">
+                <a:schemeClr val="accent1">
+                  <a:shade val="50000"/>
+                </a:schemeClr>
+              </a:lnRef>
+              <a:fillRef idx="1">
+                <a:schemeClr val="accent1"/>
+              </a:fillRef>
+              <a:effectRef idx="0">
+                <a:schemeClr val="accent1"/>
+              </a:effectRef>
+              <a:fontRef idx="minor">
+                <a:schemeClr val="lt1"/>
+              </a:fontRef>
+            </p:style>
+            <p:txBody>
+              <a:bodyPr rtlCol="0" anchor="ctr"/>
+              <a:lstStyle/>
+              <a:p>
+                <a:pPr algn="ctr"/>
+                <a:endParaRPr lang="es-419"/>
+              </a:p>
+            </p:txBody>
+          </p:sp>
+          <p:sp>
+            <p:nvSpPr>
+              <p:cNvPr id="126" name="Rectángulo 125">
+                <a:extLst>
+                  <a:ext uri="{FF2B5EF4-FFF2-40B4-BE49-F238E27FC236}">
+                    <a16:creationId xmlns:a16="http://schemas.microsoft.com/office/drawing/2014/main" id="{6317B91A-86FA-4C66-803F-046FB74451A8}"/>
+                  </a:ext>
+                </a:extLst>
+              </p:cNvPr>
+              <p:cNvSpPr/>
+              <p:nvPr/>
+            </p:nvSpPr>
+            <p:spPr>
+              <a:xfrm>
+                <a:off x="5477594" y="1132969"/>
+                <a:ext cx="3990079" cy="5049041"/>
+              </a:xfrm>
+              <a:prstGeom prst="rect">
+                <a:avLst/>
+              </a:prstGeom>
+              <a:solidFill>
+                <a:srgbClr val="FFE8A7"/>
+              </a:solidFill>
+              <a:ln>
+                <a:noFill/>
+              </a:ln>
+            </p:spPr>
+            <p:style>
+              <a:lnRef idx="2">
+                <a:schemeClr val="accent1">
+                  <a:shade val="50000"/>
+                </a:schemeClr>
+              </a:lnRef>
+              <a:fillRef idx="1">
+                <a:schemeClr val="accent1"/>
+              </a:fillRef>
+              <a:effectRef idx="0">
+                <a:schemeClr val="accent1"/>
+              </a:effectRef>
+              <a:fontRef idx="minor">
+                <a:schemeClr val="lt1"/>
+              </a:fontRef>
+            </p:style>
+            <p:txBody>
+              <a:bodyPr rtlCol="0" anchor="ctr"/>
+              <a:lstStyle/>
+              <a:p>
+                <a:pPr algn="ctr"/>
+                <a:endParaRPr lang="es-419"/>
+              </a:p>
+            </p:txBody>
+          </p:sp>
+          <p:sp>
+            <p:nvSpPr>
+              <p:cNvPr id="127" name="Rectángulo 126">
+                <a:extLst>
+                  <a:ext uri="{FF2B5EF4-FFF2-40B4-BE49-F238E27FC236}">
+                    <a16:creationId xmlns:a16="http://schemas.microsoft.com/office/drawing/2014/main" id="{03DBED80-56DC-4D36-B06B-05F65D11CBE0}"/>
+                  </a:ext>
+                </a:extLst>
+              </p:cNvPr>
+              <p:cNvSpPr/>
+              <p:nvPr/>
+            </p:nvSpPr>
+            <p:spPr>
+              <a:xfrm rot="333266">
+                <a:off x="5895657" y="1277076"/>
+                <a:ext cx="3646485" cy="4809514"/>
+              </a:xfrm>
+              <a:prstGeom prst="rect">
+                <a:avLst/>
+              </a:prstGeom>
+              <a:solidFill>
+                <a:srgbClr val="E2E2E2"/>
+              </a:solidFill>
+              <a:ln>
+                <a:noFill/>
+              </a:ln>
+            </p:spPr>
+            <p:style>
+              <a:lnRef idx="2">
+                <a:schemeClr val="accent1">
+                  <a:shade val="50000"/>
+                </a:schemeClr>
+              </a:lnRef>
+              <a:fillRef idx="1">
+                <a:schemeClr val="accent1"/>
+              </a:fillRef>
+              <a:effectRef idx="0">
+                <a:schemeClr val="accent1"/>
+              </a:effectRef>
+              <a:fontRef idx="minor">
+                <a:schemeClr val="lt1"/>
+              </a:fontRef>
+            </p:style>
+            <p:txBody>
+              <a:bodyPr rtlCol="0" anchor="ctr"/>
+              <a:lstStyle/>
+              <a:p>
+                <a:pPr algn="ctr"/>
+                <a:endParaRPr lang="es-419"/>
+              </a:p>
+            </p:txBody>
+          </p:sp>
+          <p:sp>
+            <p:nvSpPr>
+              <p:cNvPr id="128" name="Rectángulo 127">
+                <a:extLst>
+                  <a:ext uri="{FF2B5EF4-FFF2-40B4-BE49-F238E27FC236}">
+                    <a16:creationId xmlns:a16="http://schemas.microsoft.com/office/drawing/2014/main" id="{3EFC5D7C-D687-4FA0-8539-8C4E42CBCD6E}"/>
+                  </a:ext>
+                </a:extLst>
+              </p:cNvPr>
+              <p:cNvSpPr/>
+              <p:nvPr/>
+            </p:nvSpPr>
+            <p:spPr>
+              <a:xfrm rot="167836">
+                <a:off x="5747173" y="1237741"/>
+                <a:ext cx="3646485" cy="4809514"/>
+              </a:xfrm>
+              <a:prstGeom prst="rect">
+                <a:avLst/>
+              </a:prstGeom>
+              <a:solidFill>
+                <a:schemeClr val="bg1">
+                  <a:lumMod val="95000"/>
+                </a:schemeClr>
+              </a:solidFill>
+              <a:ln>
+                <a:noFill/>
+              </a:ln>
+            </p:spPr>
+            <p:style>
+              <a:lnRef idx="2">
+                <a:schemeClr val="accent1">
+                  <a:shade val="50000"/>
+                </a:schemeClr>
+              </a:lnRef>
+              <a:fillRef idx="1">
+                <a:schemeClr val="accent1"/>
+              </a:fillRef>
+              <a:effectRef idx="0">
+                <a:schemeClr val="accent1"/>
+              </a:effectRef>
+              <a:fontRef idx="minor">
+                <a:schemeClr val="lt1"/>
+              </a:fontRef>
+            </p:style>
+            <p:txBody>
+              <a:bodyPr rtlCol="0" anchor="ctr"/>
+              <a:lstStyle/>
+              <a:p>
+                <a:pPr algn="ctr"/>
+                <a:endParaRPr lang="es-419"/>
+              </a:p>
+            </p:txBody>
+          </p:sp>
+          <p:sp>
+            <p:nvSpPr>
+              <p:cNvPr id="129" name="Rectángulo 128">
+                <a:extLst>
+                  <a:ext uri="{FF2B5EF4-FFF2-40B4-BE49-F238E27FC236}">
+                    <a16:creationId xmlns:a16="http://schemas.microsoft.com/office/drawing/2014/main" id="{782E1712-FB97-44DF-A51C-675B09382D7F}"/>
+                  </a:ext>
+                </a:extLst>
+              </p:cNvPr>
+              <p:cNvSpPr/>
+              <p:nvPr/>
+            </p:nvSpPr>
+            <p:spPr>
+              <a:xfrm>
+                <a:off x="1487515" y="1132969"/>
+                <a:ext cx="3990079" cy="5049041"/>
+              </a:xfrm>
+              <a:prstGeom prst="rect">
+                <a:avLst/>
+              </a:prstGeom>
+              <a:solidFill>
+                <a:srgbClr val="FFE8A7"/>
+              </a:solidFill>
+              <a:ln>
+                <a:noFill/>
+              </a:ln>
+            </p:spPr>
+            <p:style>
+              <a:lnRef idx="2">
+                <a:schemeClr val="accent1">
+                  <a:shade val="50000"/>
+                </a:schemeClr>
+              </a:lnRef>
+              <a:fillRef idx="1">
+                <a:schemeClr val="accent1"/>
+              </a:fillRef>
+              <a:effectRef idx="0">
+                <a:schemeClr val="accent1"/>
+              </a:effectRef>
+              <a:fontRef idx="minor">
+                <a:schemeClr val="lt1"/>
+              </a:fontRef>
+            </p:style>
+            <p:txBody>
+              <a:bodyPr rtlCol="0" anchor="ctr"/>
+              <a:lstStyle/>
+              <a:p>
+                <a:pPr algn="ctr"/>
+                <a:endParaRPr lang="es-419"/>
+              </a:p>
+            </p:txBody>
+          </p:sp>
+          <p:sp>
+            <p:nvSpPr>
+              <p:cNvPr id="130" name="Rectángulo 129">
+                <a:extLst>
+                  <a:ext uri="{FF2B5EF4-FFF2-40B4-BE49-F238E27FC236}">
+                    <a16:creationId xmlns:a16="http://schemas.microsoft.com/office/drawing/2014/main" id="{87299518-66C5-4772-862A-6F92C67AD1BF}"/>
+                  </a:ext>
+                </a:extLst>
+              </p:cNvPr>
+              <p:cNvSpPr/>
+              <p:nvPr/>
+            </p:nvSpPr>
+            <p:spPr>
+              <a:xfrm>
+                <a:off x="5655264" y="1306189"/>
+                <a:ext cx="3646485" cy="4767919"/>
+              </a:xfrm>
+              <a:prstGeom prst="rect">
+                <a:avLst/>
+              </a:prstGeom>
+              <a:solidFill>
+                <a:schemeClr val="bg1"/>
+              </a:solidFill>
+              <a:ln>
+                <a:noFill/>
+              </a:ln>
+            </p:spPr>
+            <p:style>
+              <a:lnRef idx="2">
+                <a:schemeClr val="accent1">
+                  <a:shade val="50000"/>
+                </a:schemeClr>
+              </a:lnRef>
+              <a:fillRef idx="1">
+                <a:schemeClr val="accent1"/>
+              </a:fillRef>
+              <a:effectRef idx="0">
+                <a:schemeClr val="accent1"/>
+              </a:effectRef>
+              <a:fontRef idx="minor">
+                <a:schemeClr val="lt1"/>
+              </a:fontRef>
+            </p:style>
+            <p:txBody>
+              <a:bodyPr rtlCol="0" anchor="ctr"/>
+              <a:lstStyle/>
+              <a:p>
+                <a:pPr algn="ctr"/>
+                <a:endParaRPr lang="es-419" dirty="0"/>
+              </a:p>
+            </p:txBody>
+          </p:sp>
+          <p:sp>
+            <p:nvSpPr>
+              <p:cNvPr id="131" name="Rectángulo 130">
+                <a:extLst>
+                  <a:ext uri="{FF2B5EF4-FFF2-40B4-BE49-F238E27FC236}">
+                    <a16:creationId xmlns:a16="http://schemas.microsoft.com/office/drawing/2014/main" id="{C9B8AD87-9B38-4BB1-B5CC-9EB0C721E3C3}"/>
+                  </a:ext>
+                </a:extLst>
+              </p:cNvPr>
+              <p:cNvSpPr/>
+              <p:nvPr/>
+            </p:nvSpPr>
+            <p:spPr>
+              <a:xfrm rot="21416026">
+                <a:off x="1621762" y="1254613"/>
+                <a:ext cx="3646485" cy="4809514"/>
+              </a:xfrm>
+              <a:prstGeom prst="rect">
+                <a:avLst/>
+              </a:prstGeom>
+              <a:solidFill>
+                <a:schemeClr val="bg1">
+                  <a:lumMod val="95000"/>
+                </a:schemeClr>
+              </a:solidFill>
+              <a:ln>
+                <a:noFill/>
+              </a:ln>
+            </p:spPr>
+            <p:style>
+              <a:lnRef idx="2">
+                <a:schemeClr val="accent1">
+                  <a:shade val="50000"/>
+                </a:schemeClr>
+              </a:lnRef>
+              <a:fillRef idx="1">
+                <a:schemeClr val="accent1"/>
+              </a:fillRef>
+              <a:effectRef idx="0">
+                <a:schemeClr val="accent1"/>
+              </a:effectRef>
+              <a:fontRef idx="minor">
+                <a:schemeClr val="lt1"/>
+              </a:fontRef>
+            </p:style>
+            <p:txBody>
+              <a:bodyPr rtlCol="0" anchor="ctr"/>
+              <a:lstStyle/>
+              <a:p>
+                <a:pPr algn="ctr"/>
+                <a:endParaRPr lang="es-419"/>
+              </a:p>
+            </p:txBody>
+          </p:sp>
+          <p:cxnSp>
+            <p:nvCxnSpPr>
+              <p:cNvPr id="132" name="Conector recto 131">
+                <a:extLst>
+                  <a:ext uri="{FF2B5EF4-FFF2-40B4-BE49-F238E27FC236}">
+                    <a16:creationId xmlns:a16="http://schemas.microsoft.com/office/drawing/2014/main" id="{28B01502-208A-441D-AF1A-2D1C32311095}"/>
+                  </a:ext>
+                </a:extLst>
+              </p:cNvPr>
+              <p:cNvCxnSpPr>
+                <a:cxnSpLocks/>
+              </p:cNvCxnSpPr>
+              <p:nvPr/>
+            </p:nvCxnSpPr>
+            <p:spPr>
+              <a:xfrm>
+                <a:off x="5477594" y="1132462"/>
+                <a:ext cx="0" cy="5049548"/>
+              </a:xfrm>
+              <a:prstGeom prst="line">
+                <a:avLst/>
+              </a:prstGeom>
+              <a:ln w="15875">
+                <a:solidFill>
+                  <a:schemeClr val="accent2">
+                    <a:lumMod val="60000"/>
+                    <a:lumOff val="40000"/>
+                  </a:schemeClr>
+                </a:solidFill>
+              </a:ln>
+            </p:spPr>
+            <p:style>
+              <a:lnRef idx="1">
+                <a:schemeClr val="accent1"/>
+              </a:lnRef>
+              <a:fillRef idx="0">
+                <a:schemeClr val="accent1"/>
+              </a:fillRef>
+              <a:effectRef idx="0">
+                <a:schemeClr val="accent1"/>
+              </a:effectRef>
+              <a:fontRef idx="minor">
+                <a:schemeClr val="tx1"/>
+              </a:fontRef>
+            </p:style>
+          </p:cxnSp>
+          <p:sp>
+            <p:nvSpPr>
+              <p:cNvPr id="137" name="Rectángulo 136">
+                <a:extLst>
+                  <a:ext uri="{FF2B5EF4-FFF2-40B4-BE49-F238E27FC236}">
+                    <a16:creationId xmlns:a16="http://schemas.microsoft.com/office/drawing/2014/main" id="{55257687-7966-47B4-AEF9-C19B7BBBFABC}"/>
+                  </a:ext>
+                </a:extLst>
+              </p:cNvPr>
+              <p:cNvSpPr/>
+              <p:nvPr/>
+            </p:nvSpPr>
+            <p:spPr>
+              <a:xfrm>
+                <a:off x="1667278" y="1273529"/>
+                <a:ext cx="3646485" cy="4767919"/>
+              </a:xfrm>
+              <a:prstGeom prst="rect">
+                <a:avLst/>
+              </a:prstGeom>
+              <a:solidFill>
+                <a:schemeClr val="bg1"/>
+              </a:solidFill>
+              <a:ln>
+                <a:noFill/>
+              </a:ln>
+            </p:spPr>
+            <p:style>
+              <a:lnRef idx="2">
+                <a:schemeClr val="accent1">
+                  <a:shade val="50000"/>
+                </a:schemeClr>
+              </a:lnRef>
+              <a:fillRef idx="1">
+                <a:schemeClr val="accent1"/>
+              </a:fillRef>
+              <a:effectRef idx="0">
+                <a:schemeClr val="accent1"/>
+              </a:effectRef>
+              <a:fontRef idx="minor">
+                <a:schemeClr val="lt1"/>
+              </a:fontRef>
+            </p:style>
+            <p:txBody>
+              <a:bodyPr rtlCol="0" anchor="ctr"/>
+              <a:lstStyle/>
+              <a:p>
+                <a:pPr algn="ctr"/>
+                <a:r>
+                  <a:rPr lang="en-US" dirty="0"/>
+                  <a:t> </a:t>
+                </a:r>
+                <a:endParaRPr lang="es-419" dirty="0"/>
+              </a:p>
+            </p:txBody>
+          </p:sp>
+        </p:grpSp>
+        <p:pic>
+          <p:nvPicPr>
+            <p:cNvPr id="70" name="Picture 2" descr="Resultado de imagen para pen vector png">
+              <a:extLst>
+                <a:ext uri="{FF2B5EF4-FFF2-40B4-BE49-F238E27FC236}">
+                  <a16:creationId xmlns:a16="http://schemas.microsoft.com/office/drawing/2014/main" id="{87C05D01-67C7-47CC-BEC8-6617A240B00F}"/>
+                </a:ext>
+              </a:extLst>
+            </p:cNvPr>
+            <p:cNvPicPr>
+              <a:picLocks noChangeAspect="1" noChangeArrowheads="1"/>
+            </p:cNvPicPr>
+            <p:nvPr/>
+          </p:nvPicPr>
+          <p:blipFill>
+            <a:blip r:embed="rId2">
+              <a:extLst>
+                <a:ext uri="{28A0092B-C50C-407E-A947-70E740481C1C}">
+                  <a14:useLocalDpi xmlns:a14="http://schemas.microsoft.com/office/drawing/2010/main" val="0"/>
+                </a:ext>
+              </a:extLst>
+            </a:blip>
+            <a:srcRect/>
+            <a:stretch>
+              <a:fillRect/>
+            </a:stretch>
+          </p:blipFill>
+          <p:spPr bwMode="auto">
+            <a:xfrm rot="19705747">
+              <a:off x="7689140" y="3104051"/>
+              <a:ext cx="2558852" cy="2600562"/>
             </a:xfrm>
             <a:prstGeom prst="rect">
               <a:avLst/>
             </a:prstGeom>
-            <a:solidFill>
-              <a:schemeClr val="bg1">
-                <a:lumMod val="95000"/>
-              </a:schemeClr>
-            </a:solidFill>
-            <a:ln>
+            <a:noFill/>
+            <a:extLst>
+              <a:ext uri="{909E8E84-426E-40DD-AFC4-6F175D3DCCD1}">
+                <a14:hiddenFill xmlns:a14="http://schemas.microsoft.com/office/drawing/2010/main">
+                  <a:solidFill>
+                    <a:srgbClr val="FFFFFF"/>
+                  </a:solidFill>
+                </a14:hiddenFill>
+              </a:ext>
+            </a:extLst>
+          </p:spPr>
+        </p:pic>
+        <p:grpSp>
+          <p:nvGrpSpPr>
+            <p:cNvPr id="71" name="Grupo 70">
+              <a:extLst>
+                <a:ext uri="{FF2B5EF4-FFF2-40B4-BE49-F238E27FC236}">
+                  <a16:creationId xmlns:a16="http://schemas.microsoft.com/office/drawing/2014/main" id="{DD071A4A-00FE-4FA5-B4F0-D29BBFBA56A8}"/>
+                </a:ext>
+              </a:extLst>
+            </p:cNvPr>
+            <p:cNvGrpSpPr/>
+            <p:nvPr/>
+          </p:nvGrpSpPr>
+          <p:grpSpPr>
+            <a:xfrm>
+              <a:off x="1835285" y="3207945"/>
+              <a:ext cx="2327078" cy="886470"/>
+              <a:chOff x="1835285" y="3207945"/>
+              <a:chExt cx="2327078" cy="886470"/>
+            </a:xfrm>
+          </p:grpSpPr>
+          <p:cxnSp>
+            <p:nvCxnSpPr>
+              <p:cNvPr id="113" name="Conector recto 112">
+                <a:extLst>
+                  <a:ext uri="{FF2B5EF4-FFF2-40B4-BE49-F238E27FC236}">
+                    <a16:creationId xmlns:a16="http://schemas.microsoft.com/office/drawing/2014/main" id="{4780C850-74B6-45CB-90CB-195C4ECAD840}"/>
+                  </a:ext>
+                </a:extLst>
+              </p:cNvPr>
+              <p:cNvCxnSpPr>
+                <a:cxnSpLocks/>
+              </p:cNvCxnSpPr>
+              <p:nvPr/>
+            </p:nvCxnSpPr>
+            <p:spPr>
+              <a:xfrm>
+                <a:off x="2298192" y="3553732"/>
+                <a:ext cx="1847613" cy="4656"/>
+              </a:xfrm>
+              <a:prstGeom prst="line">
+                <a:avLst/>
+              </a:prstGeom>
+              <a:ln w="19050">
+                <a:solidFill>
+                  <a:schemeClr val="bg1">
+                    <a:lumMod val="65000"/>
+                  </a:schemeClr>
+                </a:solidFill>
+                <a:prstDash val="sysDash"/>
+              </a:ln>
+            </p:spPr>
+            <p:style>
+              <a:lnRef idx="1">
+                <a:schemeClr val="accent1"/>
+              </a:lnRef>
+              <a:fillRef idx="0">
+                <a:schemeClr val="accent1"/>
+              </a:fillRef>
+              <a:effectRef idx="0">
+                <a:schemeClr val="accent1"/>
+              </a:effectRef>
+              <a:fontRef idx="minor">
+                <a:schemeClr val="tx1"/>
+              </a:fontRef>
+            </p:style>
+          </p:cxnSp>
+          <p:sp>
+            <p:nvSpPr>
+              <p:cNvPr id="115" name="CuadroTexto 114">
+                <a:extLst>
+                  <a:ext uri="{FF2B5EF4-FFF2-40B4-BE49-F238E27FC236}">
+                    <a16:creationId xmlns:a16="http://schemas.microsoft.com/office/drawing/2014/main" id="{86FDC45D-B85D-4D31-A31C-185EC7BD433E}"/>
+                  </a:ext>
+                </a:extLst>
+              </p:cNvPr>
+              <p:cNvSpPr txBox="1"/>
+              <p:nvPr/>
+            </p:nvSpPr>
+            <p:spPr>
+              <a:xfrm>
+                <a:off x="2227644" y="3207945"/>
+                <a:ext cx="1934719" cy="307777"/>
+              </a:xfrm>
+              <a:prstGeom prst="rect">
+                <a:avLst/>
+              </a:prstGeom>
               <a:noFill/>
+            </p:spPr>
+            <p:txBody>
+              <a:bodyPr wrap="square" rtlCol="0">
+                <a:spAutoFit/>
+              </a:bodyPr>
+              <a:lstStyle/>
+              <a:p>
+                <a:r>
+                  <a:rPr lang="es-419" sz="1400" dirty="0">
+                    <a:latin typeface="Arial Narrow" panose="020B0606020202030204" pitchFamily="34" charset="0"/>
+                  </a:rPr>
+                  <a:t>Number of routes</a:t>
+                </a:r>
+                <a:r>
+                  <a:rPr lang="en-US" sz="1400" dirty="0">
+                    <a:latin typeface="Arial Narrow" panose="020B0606020202030204" pitchFamily="34" charset="0"/>
+                  </a:rPr>
+                  <a:t>: </a:t>
+                </a:r>
+                <a:endParaRPr lang="es-419" sz="1400" dirty="0">
+                  <a:latin typeface="Arial Narrow" panose="020B0606020202030204" pitchFamily="34" charset="0"/>
+                </a:endParaRPr>
+              </a:p>
+            </p:txBody>
+          </p:sp>
+          <p:cxnSp>
+            <p:nvCxnSpPr>
+              <p:cNvPr id="116" name="Conector recto 115">
+                <a:extLst>
+                  <a:ext uri="{FF2B5EF4-FFF2-40B4-BE49-F238E27FC236}">
+                    <a16:creationId xmlns:a16="http://schemas.microsoft.com/office/drawing/2014/main" id="{21370C23-4528-4F05-A0A7-2610F1CA84C7}"/>
+                  </a:ext>
+                </a:extLst>
+              </p:cNvPr>
+              <p:cNvCxnSpPr>
+                <a:cxnSpLocks/>
+              </p:cNvCxnSpPr>
+              <p:nvPr/>
+            </p:nvCxnSpPr>
+            <p:spPr>
+              <a:xfrm>
+                <a:off x="1864453" y="4094415"/>
+                <a:ext cx="2267497" cy="0"/>
+              </a:xfrm>
+              <a:prstGeom prst="line">
+                <a:avLst/>
+              </a:prstGeom>
+              <a:ln w="19050">
+                <a:solidFill>
+                  <a:schemeClr val="bg1">
+                    <a:lumMod val="65000"/>
+                  </a:schemeClr>
+                </a:solidFill>
+                <a:prstDash val="sysDash"/>
+              </a:ln>
+            </p:spPr>
+            <p:style>
+              <a:lnRef idx="1">
+                <a:schemeClr val="accent1"/>
+              </a:lnRef>
+              <a:fillRef idx="0">
+                <a:schemeClr val="accent1"/>
+              </a:fillRef>
+              <a:effectRef idx="0">
+                <a:schemeClr val="accent1"/>
+              </a:effectRef>
+              <a:fontRef idx="minor">
+                <a:schemeClr val="tx1"/>
+              </a:fontRef>
+            </p:style>
+          </p:cxnSp>
+          <p:sp>
+            <p:nvSpPr>
+              <p:cNvPr id="120" name="CuadroTexto 119">
+                <a:extLst>
+                  <a:ext uri="{FF2B5EF4-FFF2-40B4-BE49-F238E27FC236}">
+                    <a16:creationId xmlns:a16="http://schemas.microsoft.com/office/drawing/2014/main" id="{AD95631A-7AFF-4F6E-A370-E7F75855FF97}"/>
+                  </a:ext>
+                </a:extLst>
+              </p:cNvPr>
+              <p:cNvSpPr txBox="1"/>
+              <p:nvPr/>
+            </p:nvSpPr>
+            <p:spPr>
+              <a:xfrm>
+                <a:off x="1835285" y="3596398"/>
+                <a:ext cx="2327078" cy="461665"/>
+              </a:xfrm>
+              <a:prstGeom prst="rect">
+                <a:avLst/>
+              </a:prstGeom>
+              <a:noFill/>
+            </p:spPr>
+            <p:txBody>
+              <a:bodyPr wrap="square" rtlCol="0">
+                <a:spAutoFit/>
+              </a:bodyPr>
+              <a:lstStyle/>
+              <a:p>
+                <a:r>
+                  <a:rPr lang="en-US" sz="800" dirty="0">
+                    <a:solidFill>
+                      <a:schemeClr val="bg1">
+                        <a:lumMod val="50000"/>
+                      </a:schemeClr>
+                    </a:solidFill>
+                    <a:latin typeface="Arial" panose="020B0604020202020204" pitchFamily="34" charset="0"/>
+                    <a:cs typeface="Arial" panose="020B0604020202020204" pitchFamily="34" charset="0"/>
+                  </a:rPr>
+                  <a:t>The maximum number of transportation routes allowed in the state of Texas according to the FMCSA is 200.</a:t>
+                </a:r>
+                <a:endParaRPr lang="es-419" sz="800" dirty="0">
+                  <a:solidFill>
+                    <a:schemeClr val="bg1">
+                      <a:lumMod val="50000"/>
+                    </a:schemeClr>
+                  </a:solidFill>
+                  <a:latin typeface="Arial" panose="020B0604020202020204" pitchFamily="34" charset="0"/>
+                  <a:cs typeface="Arial" panose="020B0604020202020204" pitchFamily="34" charset="0"/>
+                </a:endParaRPr>
+              </a:p>
+            </p:txBody>
+          </p:sp>
+          <p:pic>
+            <p:nvPicPr>
+              <p:cNvPr id="121" name="Picture 2" descr="Resultado de imagen para logo de ubicacion">
+                <a:extLst>
+                  <a:ext uri="{FF2B5EF4-FFF2-40B4-BE49-F238E27FC236}">
+                    <a16:creationId xmlns:a16="http://schemas.microsoft.com/office/drawing/2014/main" id="{990FFDE1-7ED0-4E50-AAB5-54D8A572CCC9}"/>
+                  </a:ext>
+                </a:extLst>
+              </p:cNvPr>
+              <p:cNvPicPr>
+                <a:picLocks noChangeAspect="1" noChangeArrowheads="1"/>
+              </p:cNvPicPr>
+              <p:nvPr/>
+            </p:nvPicPr>
+            <p:blipFill>
+              <a:blip r:embed="rId3">
+                <a:extLst>
+                  <a:ext uri="{BEBA8EAE-BF5A-486C-A8C5-ECC9F3942E4B}">
+                    <a14:imgProps xmlns:a14="http://schemas.microsoft.com/office/drawing/2010/main">
+                      <a14:imgLayer r:embed="rId4">
+                        <a14:imgEffect>
+                          <a14:backgroundRemoval t="639" b="99042" l="9585" r="89617">
+                            <a14:foregroundMark x1="38179" y1="6230" x2="50000" y2="6070"/>
+                            <a14:foregroundMark x1="50000" y1="6070" x2="60224" y2="6550"/>
+                            <a14:foregroundMark x1="49042" y1="1278" x2="52236" y2="639"/>
+                            <a14:foregroundMark x1="48562" y1="30831" x2="50639" y2="34185"/>
+                            <a14:foregroundMark x1="49681" y1="92173" x2="50160" y2="95527"/>
+                            <a14:foregroundMark x1="50319" y1="99042" x2="50319" y2="99042"/>
+                          </a14:backgroundRemoval>
+                        </a14:imgEffect>
+                      </a14:imgLayer>
+                    </a14:imgProps>
+                  </a:ext>
+                  <a:ext uri="{28A0092B-C50C-407E-A947-70E740481C1C}">
+                    <a14:useLocalDpi xmlns:a14="http://schemas.microsoft.com/office/drawing/2010/main" val="0"/>
+                  </a:ext>
+                </a:extLst>
+              </a:blip>
+              <a:srcRect/>
+              <a:stretch>
+                <a:fillRect/>
+              </a:stretch>
+            </p:blipFill>
+            <p:spPr bwMode="auto">
+              <a:xfrm>
+                <a:off x="1894808" y="3232729"/>
+                <a:ext cx="300439" cy="300439"/>
+              </a:xfrm>
+              <a:prstGeom prst="rect">
+                <a:avLst/>
+              </a:prstGeom>
+              <a:noFill/>
+              <a:extLst>
+                <a:ext uri="{909E8E84-426E-40DD-AFC4-6F175D3DCCD1}">
+                  <a14:hiddenFill xmlns:a14="http://schemas.microsoft.com/office/drawing/2010/main">
+                    <a:solidFill>
+                      <a:srgbClr val="FFFFFF"/>
+                    </a:solidFill>
+                  </a14:hiddenFill>
+                </a:ext>
+              </a:extLst>
+            </p:spPr>
+          </p:pic>
+        </p:grpSp>
+        <p:pic>
+          <p:nvPicPr>
+            <p:cNvPr id="72" name="Picture 8" descr="Resultado de imagen para icon truck png">
+              <a:extLst>
+                <a:ext uri="{FF2B5EF4-FFF2-40B4-BE49-F238E27FC236}">
+                  <a16:creationId xmlns:a16="http://schemas.microsoft.com/office/drawing/2014/main" id="{6E194033-C2AE-4FD3-908B-CE2F0126042E}"/>
+                </a:ext>
+              </a:extLst>
+            </p:cNvPr>
+            <p:cNvPicPr>
+              <a:picLocks noChangeAspect="1" noChangeArrowheads="1"/>
+            </p:cNvPicPr>
+            <p:nvPr/>
+          </p:nvPicPr>
+          <p:blipFill>
+            <a:blip r:embed="rId5">
+              <a:extLst>
+                <a:ext uri="{28A0092B-C50C-407E-A947-70E740481C1C}">
+                  <a14:useLocalDpi xmlns:a14="http://schemas.microsoft.com/office/drawing/2010/main" val="0"/>
+                </a:ext>
+              </a:extLst>
+            </a:blip>
+            <a:srcRect/>
+            <a:stretch>
+              <a:fillRect/>
+            </a:stretch>
+          </p:blipFill>
+          <p:spPr bwMode="auto">
+            <a:xfrm>
+              <a:off x="5772782" y="1624744"/>
+              <a:ext cx="419884" cy="268051"/>
+            </a:xfrm>
+            <a:prstGeom prst="rect">
+              <a:avLst/>
+            </a:prstGeom>
+            <a:noFill/>
+            <a:extLst>
+              <a:ext uri="{909E8E84-426E-40DD-AFC4-6F175D3DCCD1}">
+                <a14:hiddenFill xmlns:a14="http://schemas.microsoft.com/office/drawing/2010/main">
+                  <a:solidFill>
+                    <a:srgbClr val="FFFFFF"/>
+                  </a:solidFill>
+                </a14:hiddenFill>
+              </a:ext>
+            </a:extLst>
+          </p:spPr>
+        </p:pic>
+        <p:sp>
+          <p:nvSpPr>
+            <p:cNvPr id="74" name="CuadroTexto 73">
+              <a:extLst>
+                <a:ext uri="{FF2B5EF4-FFF2-40B4-BE49-F238E27FC236}">
+                  <a16:creationId xmlns:a16="http://schemas.microsoft.com/office/drawing/2014/main" id="{F9AFBAD6-6C64-4E77-86F0-EE06D881C8B1}"/>
+                </a:ext>
+              </a:extLst>
+            </p:cNvPr>
+            <p:cNvSpPr txBox="1"/>
+            <p:nvPr/>
+          </p:nvSpPr>
+          <p:spPr>
+            <a:xfrm>
+              <a:off x="6203381" y="1591114"/>
+              <a:ext cx="2062710" cy="523220"/>
+            </a:xfrm>
+            <a:prstGeom prst="rect">
+              <a:avLst/>
+            </a:prstGeom>
+            <a:noFill/>
+          </p:spPr>
+          <p:txBody>
+            <a:bodyPr wrap="square" rtlCol="0">
+              <a:spAutoFit/>
+            </a:bodyPr>
+            <a:lstStyle/>
+            <a:p>
+              <a:r>
+                <a:rPr lang="en-US" sz="1400" dirty="0">
+                  <a:latin typeface="Arial Narrow" panose="020B0606020202030204" pitchFamily="34" charset="0"/>
+                </a:rPr>
+                <a:t>Trucks</a:t>
+              </a:r>
+            </a:p>
+            <a:p>
+              <a:r>
+                <a:rPr lang="en-US" sz="1400" dirty="0">
+                  <a:latin typeface="Arial Narrow" panose="020B0606020202030204" pitchFamily="34" charset="0"/>
+                </a:rPr>
+                <a:t>For the route</a:t>
+              </a:r>
+              <a:endParaRPr lang="es-419" sz="1400" dirty="0">
+                <a:latin typeface="Arial Narrow" panose="020B0606020202030204" pitchFamily="34" charset="0"/>
+              </a:endParaRPr>
+            </a:p>
+          </p:txBody>
+        </p:sp>
+        <p:sp>
+          <p:nvSpPr>
+            <p:cNvPr id="76" name="CuadroTexto 75">
+              <a:extLst>
+                <a:ext uri="{FF2B5EF4-FFF2-40B4-BE49-F238E27FC236}">
+                  <a16:creationId xmlns:a16="http://schemas.microsoft.com/office/drawing/2014/main" id="{AD2E3818-7078-4A37-A0BA-D0C52E06A756}"/>
+                </a:ext>
+              </a:extLst>
+            </p:cNvPr>
+            <p:cNvSpPr txBox="1"/>
+            <p:nvPr/>
+          </p:nvSpPr>
+          <p:spPr>
+            <a:xfrm>
+              <a:off x="3363081" y="1365789"/>
+              <a:ext cx="561975" cy="400110"/>
+            </a:xfrm>
+            <a:prstGeom prst="rect">
+              <a:avLst/>
+            </a:prstGeom>
+            <a:noFill/>
+          </p:spPr>
+          <p:txBody>
+            <a:bodyPr wrap="square" rtlCol="0">
+              <a:spAutoFit/>
+            </a:bodyPr>
+            <a:lstStyle/>
+            <a:p>
+              <a:r>
+                <a:rPr lang="es-419" sz="2000" b="1" dirty="0">
+                  <a:solidFill>
+                    <a:srgbClr val="4FB5C1"/>
+                  </a:solidFill>
+                  <a:latin typeface="Bahnschrift SemiLight" panose="020B0502040204020203" pitchFamily="34" charset="0"/>
+                </a:rPr>
+                <a:t>N°</a:t>
+              </a:r>
+              <a:r>
+                <a:rPr lang="en-US" sz="2000" b="1" dirty="0">
+                  <a:solidFill>
+                    <a:srgbClr val="4FB5C1"/>
+                  </a:solidFill>
+                  <a:latin typeface="Bahnschrift SemiLight" panose="020B0502040204020203" pitchFamily="34" charset="0"/>
+                </a:rPr>
+                <a:t>:</a:t>
+              </a:r>
+              <a:endParaRPr lang="es-419" sz="2000" b="1" dirty="0">
+                <a:solidFill>
+                  <a:srgbClr val="4FB5C1"/>
+                </a:solidFill>
+                <a:latin typeface="Bahnschrift SemiLight" panose="020B0502040204020203" pitchFamily="34" charset="0"/>
+              </a:endParaRPr>
+            </a:p>
+          </p:txBody>
+        </p:sp>
+        <p:sp>
+          <p:nvSpPr>
+            <p:cNvPr id="78" name="CuadroTexto 77">
+              <a:extLst>
+                <a:ext uri="{FF2B5EF4-FFF2-40B4-BE49-F238E27FC236}">
+                  <a16:creationId xmlns:a16="http://schemas.microsoft.com/office/drawing/2014/main" id="{15080261-92BD-4419-A349-530A02424F13}"/>
+                </a:ext>
+              </a:extLst>
+            </p:cNvPr>
+            <p:cNvSpPr txBox="1"/>
+            <p:nvPr/>
+          </p:nvSpPr>
+          <p:spPr>
+            <a:xfrm>
+              <a:off x="1188720" y="2200190"/>
+              <a:ext cx="3085727" cy="707886"/>
+            </a:xfrm>
+            <a:prstGeom prst="rect">
+              <a:avLst/>
+            </a:prstGeom>
+            <a:noFill/>
+          </p:spPr>
+          <p:txBody>
+            <a:bodyPr wrap="square" rtlCol="0">
+              <a:spAutoFit/>
+            </a:bodyPr>
+            <a:lstStyle/>
+            <a:p>
+              <a:pPr algn="just"/>
+              <a:r>
+                <a:rPr lang="en-US" sz="800" dirty="0">
+                  <a:solidFill>
+                    <a:srgbClr val="7F7F7F"/>
+                  </a:solidFill>
+                  <a:latin typeface="Arial" panose="020B0604020202020204" pitchFamily="34" charset="0"/>
+                  <a:cs typeface="Arial" panose="020B0604020202020204" pitchFamily="34" charset="0"/>
+                </a:rPr>
+                <a:t>    Welcome to the company Trucks Logistic, this company is responsible for making any shipment to all of Texas, so that we have more control of the transport of orders, it is necessary to detail some aspects of the shipments. Once chosen the desired amount give you check.</a:t>
+              </a:r>
+              <a:endParaRPr lang="es-419" sz="800" dirty="0">
+                <a:solidFill>
+                  <a:srgbClr val="7F7F7F"/>
+                </a:solidFill>
+                <a:latin typeface="Arial" panose="020B0604020202020204" pitchFamily="34" charset="0"/>
+                <a:cs typeface="Arial" panose="020B0604020202020204" pitchFamily="34" charset="0"/>
+              </a:endParaRPr>
+            </a:p>
+          </p:txBody>
+        </p:sp>
+        <p:sp>
+          <p:nvSpPr>
+            <p:cNvPr id="79" name="CuadroTexto 78">
+              <a:extLst>
+                <a:ext uri="{FF2B5EF4-FFF2-40B4-BE49-F238E27FC236}">
+                  <a16:creationId xmlns:a16="http://schemas.microsoft.com/office/drawing/2014/main" id="{EF225EB9-C54A-4E84-932B-0B588E0C2B1B}"/>
+                </a:ext>
+              </a:extLst>
+            </p:cNvPr>
+            <p:cNvSpPr txBox="1"/>
+            <p:nvPr/>
+          </p:nvSpPr>
+          <p:spPr>
+            <a:xfrm>
+              <a:off x="1021447" y="1765774"/>
+              <a:ext cx="1208192" cy="276999"/>
+            </a:xfrm>
+            <a:prstGeom prst="rect">
+              <a:avLst/>
+            </a:prstGeom>
+            <a:noFill/>
+          </p:spPr>
+          <p:txBody>
+            <a:bodyPr wrap="square" rtlCol="0">
+              <a:spAutoFit/>
+            </a:bodyPr>
+            <a:lstStyle/>
+            <a:p>
+              <a:r>
+                <a:rPr lang="en-US" sz="600" b="1" dirty="0">
+                  <a:solidFill>
+                    <a:schemeClr val="bg1">
+                      <a:lumMod val="50000"/>
+                    </a:schemeClr>
+                  </a:solidFill>
+                  <a:latin typeface="Arial" panose="020B0604020202020204" pitchFamily="34" charset="0"/>
+                  <a:cs typeface="Arial" panose="020B0604020202020204" pitchFamily="34" charset="0"/>
+                </a:rPr>
+                <a:t>CEO:   Marcos De Andrade</a:t>
+              </a:r>
+            </a:p>
+            <a:p>
+              <a:r>
+                <a:rPr lang="en-US" sz="600" b="1" dirty="0">
+                  <a:solidFill>
+                    <a:schemeClr val="bg1">
+                      <a:lumMod val="50000"/>
+                    </a:schemeClr>
+                  </a:solidFill>
+                  <a:latin typeface="Arial" panose="020B0604020202020204" pitchFamily="34" charset="0"/>
+                  <a:cs typeface="Arial" panose="020B0604020202020204" pitchFamily="34" charset="0"/>
+                </a:rPr>
+                <a:t>            Samuel Boada</a:t>
+              </a:r>
+              <a:endParaRPr lang="es-419" sz="600" b="1" dirty="0">
+                <a:solidFill>
+                  <a:schemeClr val="bg1">
+                    <a:lumMod val="50000"/>
+                  </a:schemeClr>
+                </a:solidFill>
+                <a:latin typeface="Arial" panose="020B0604020202020204" pitchFamily="34" charset="0"/>
+                <a:cs typeface="Arial" panose="020B0604020202020204" pitchFamily="34" charset="0"/>
+              </a:endParaRPr>
+            </a:p>
+          </p:txBody>
+        </p:sp>
+        <p:pic>
+          <p:nvPicPr>
+            <p:cNvPr id="81" name="Picture 12" descr="Imagen relacionada">
+              <a:extLst>
+                <a:ext uri="{FF2B5EF4-FFF2-40B4-BE49-F238E27FC236}">
+                  <a16:creationId xmlns:a16="http://schemas.microsoft.com/office/drawing/2014/main" id="{B0F7570A-B8EA-4F50-A662-E89789AED6CF}"/>
+                </a:ext>
+              </a:extLst>
+            </p:cNvPr>
+            <p:cNvPicPr>
+              <a:picLocks noChangeAspect="1" noChangeArrowheads="1"/>
+            </p:cNvPicPr>
+            <p:nvPr/>
+          </p:nvPicPr>
+          <p:blipFill>
+            <a:blip r:embed="rId6">
+              <a:extLst>
+                <a:ext uri="{28A0092B-C50C-407E-A947-70E740481C1C}">
+                  <a14:useLocalDpi xmlns:a14="http://schemas.microsoft.com/office/drawing/2010/main" val="0"/>
+                </a:ext>
+              </a:extLst>
+            </a:blip>
+            <a:srcRect/>
+            <a:stretch>
+              <a:fillRect/>
+            </a:stretch>
+          </p:blipFill>
+          <p:spPr bwMode="auto">
+            <a:xfrm>
+              <a:off x="1084697" y="1323056"/>
+              <a:ext cx="207411" cy="207411"/>
+            </a:xfrm>
+            <a:prstGeom prst="rect">
+              <a:avLst/>
+            </a:prstGeom>
+            <a:noFill/>
+            <a:extLst>
+              <a:ext uri="{909E8E84-426E-40DD-AFC4-6F175D3DCCD1}">
+                <a14:hiddenFill xmlns:a14="http://schemas.microsoft.com/office/drawing/2010/main">
+                  <a:solidFill>
+                    <a:srgbClr val="FFFFFF"/>
+                  </a:solidFill>
+                </a14:hiddenFill>
+              </a:ext>
+            </a:extLst>
+          </p:spPr>
+        </p:pic>
+        <p:sp>
+          <p:nvSpPr>
+            <p:cNvPr id="82" name="CuadroTexto 81">
+              <a:extLst>
+                <a:ext uri="{FF2B5EF4-FFF2-40B4-BE49-F238E27FC236}">
+                  <a16:creationId xmlns:a16="http://schemas.microsoft.com/office/drawing/2014/main" id="{474E83AA-D7F6-451F-B0BD-7AD0BCD6F1ED}"/>
+                </a:ext>
+              </a:extLst>
+            </p:cNvPr>
+            <p:cNvSpPr txBox="1"/>
+            <p:nvPr/>
+          </p:nvSpPr>
+          <p:spPr>
+            <a:xfrm>
+              <a:off x="1210506" y="1371291"/>
+              <a:ext cx="766884" cy="153888"/>
+            </a:xfrm>
+            <a:prstGeom prst="rect">
+              <a:avLst/>
+            </a:prstGeom>
+            <a:noFill/>
+          </p:spPr>
+          <p:txBody>
+            <a:bodyPr wrap="square" rtlCol="0">
+              <a:spAutoFit/>
+            </a:bodyPr>
+            <a:lstStyle/>
+            <a:p>
+              <a:r>
+                <a:rPr lang="en-US" sz="400" dirty="0">
+                  <a:solidFill>
+                    <a:schemeClr val="bg1">
+                      <a:lumMod val="50000"/>
+                    </a:schemeClr>
+                  </a:solidFill>
+                  <a:latin typeface="Arial" panose="020B0604020202020204" pitchFamily="34" charset="0"/>
+                  <a:cs typeface="Arial" panose="020B0604020202020204" pitchFamily="34" charset="0"/>
+                </a:rPr>
+                <a:t>United States of America</a:t>
+              </a:r>
+              <a:endParaRPr lang="es-419" sz="400" dirty="0">
+                <a:solidFill>
+                  <a:schemeClr val="bg1">
+                    <a:lumMod val="50000"/>
+                  </a:schemeClr>
+                </a:solidFill>
+                <a:latin typeface="Arial" panose="020B0604020202020204" pitchFamily="34" charset="0"/>
+                <a:cs typeface="Arial" panose="020B0604020202020204" pitchFamily="34" charset="0"/>
+              </a:endParaRPr>
+            </a:p>
+          </p:txBody>
+        </p:sp>
+        <p:grpSp>
+          <p:nvGrpSpPr>
+            <p:cNvPr id="84" name="Grupo 83">
+              <a:extLst>
+                <a:ext uri="{FF2B5EF4-FFF2-40B4-BE49-F238E27FC236}">
+                  <a16:creationId xmlns:a16="http://schemas.microsoft.com/office/drawing/2014/main" id="{DB750B84-CEAD-479E-9F43-34CD5D2BE0A9}"/>
+                </a:ext>
+              </a:extLst>
+            </p:cNvPr>
+            <p:cNvGrpSpPr/>
+            <p:nvPr/>
+          </p:nvGrpSpPr>
+          <p:grpSpPr>
+            <a:xfrm>
+              <a:off x="1811033" y="4624891"/>
+              <a:ext cx="2327078" cy="897638"/>
+              <a:chOff x="1811033" y="4624891"/>
+              <a:chExt cx="2327078" cy="897638"/>
+            </a:xfrm>
+          </p:grpSpPr>
+          <p:sp>
+            <p:nvSpPr>
+              <p:cNvPr id="103" name="CuadroTexto 102">
+                <a:extLst>
+                  <a:ext uri="{FF2B5EF4-FFF2-40B4-BE49-F238E27FC236}">
+                    <a16:creationId xmlns:a16="http://schemas.microsoft.com/office/drawing/2014/main" id="{B82902AF-E437-4AAA-8013-355BFEC70F97}"/>
+                  </a:ext>
+                </a:extLst>
+              </p:cNvPr>
+              <p:cNvSpPr txBox="1"/>
+              <p:nvPr/>
+            </p:nvSpPr>
+            <p:spPr>
+              <a:xfrm>
+                <a:off x="2197231" y="4638710"/>
+                <a:ext cx="1934719" cy="307777"/>
+              </a:xfrm>
+              <a:prstGeom prst="rect">
+                <a:avLst/>
+              </a:prstGeom>
+              <a:noFill/>
+            </p:spPr>
+            <p:txBody>
+              <a:bodyPr wrap="square" rtlCol="0">
+                <a:spAutoFit/>
+              </a:bodyPr>
+              <a:lstStyle/>
+              <a:p>
+                <a:r>
+                  <a:rPr lang="es-419" sz="1400" dirty="0">
+                    <a:latin typeface="Arial Narrow" panose="020B0606020202030204" pitchFamily="34" charset="0"/>
+                  </a:rPr>
+                  <a:t>Number of orders</a:t>
+                </a:r>
+                <a:r>
+                  <a:rPr lang="en-US" sz="1400" dirty="0">
+                    <a:latin typeface="Arial Narrow" panose="020B0606020202030204" pitchFamily="34" charset="0"/>
+                  </a:rPr>
+                  <a:t>: </a:t>
+                </a:r>
+                <a:endParaRPr lang="es-419" sz="1400" dirty="0">
+                  <a:latin typeface="Arial Narrow" panose="020B0606020202030204" pitchFamily="34" charset="0"/>
+                </a:endParaRPr>
+              </a:p>
+            </p:txBody>
+          </p:sp>
+          <p:pic>
+            <p:nvPicPr>
+              <p:cNvPr id="104" name="Picture 4" descr="Resultado de imagen para icon box">
+                <a:extLst>
+                  <a:ext uri="{FF2B5EF4-FFF2-40B4-BE49-F238E27FC236}">
+                    <a16:creationId xmlns:a16="http://schemas.microsoft.com/office/drawing/2014/main" id="{4465AA0A-B703-4430-98D1-8A67F87C7907}"/>
+                  </a:ext>
+                </a:extLst>
+              </p:cNvPr>
+              <p:cNvPicPr>
+                <a:picLocks noChangeAspect="1" noChangeArrowheads="1"/>
+              </p:cNvPicPr>
+              <p:nvPr/>
+            </p:nvPicPr>
+            <p:blipFill>
+              <a:blip r:embed="rId7">
+                <a:extLst>
+                  <a:ext uri="{28A0092B-C50C-407E-A947-70E740481C1C}">
+                    <a14:useLocalDpi xmlns:a14="http://schemas.microsoft.com/office/drawing/2010/main" val="0"/>
+                  </a:ext>
+                </a:extLst>
+              </a:blip>
+              <a:srcRect/>
+              <a:stretch>
+                <a:fillRect/>
+              </a:stretch>
+            </p:blipFill>
+            <p:spPr bwMode="auto">
+              <a:xfrm>
+                <a:off x="1878308" y="4624891"/>
+                <a:ext cx="325526" cy="325526"/>
+              </a:xfrm>
+              <a:prstGeom prst="rect">
+                <a:avLst/>
+              </a:prstGeom>
+              <a:noFill/>
+              <a:extLst>
+                <a:ext uri="{909E8E84-426E-40DD-AFC4-6F175D3DCCD1}">
+                  <a14:hiddenFill xmlns:a14="http://schemas.microsoft.com/office/drawing/2010/main">
+                    <a:solidFill>
+                      <a:srgbClr val="FFFFFF"/>
+                    </a:solidFill>
+                  </a14:hiddenFill>
+                </a:ext>
+              </a:extLst>
+            </p:spPr>
+          </p:pic>
+          <p:cxnSp>
+            <p:nvCxnSpPr>
+              <p:cNvPr id="105" name="Conector recto 104">
+                <a:extLst>
+                  <a:ext uri="{FF2B5EF4-FFF2-40B4-BE49-F238E27FC236}">
+                    <a16:creationId xmlns:a16="http://schemas.microsoft.com/office/drawing/2014/main" id="{A10CEF8F-71F2-4A82-81BE-66F012803E31}"/>
+                  </a:ext>
+                </a:extLst>
+              </p:cNvPr>
+              <p:cNvCxnSpPr>
+                <a:cxnSpLocks/>
+              </p:cNvCxnSpPr>
+              <p:nvPr/>
+            </p:nvCxnSpPr>
+            <p:spPr>
+              <a:xfrm>
+                <a:off x="2273940" y="4981846"/>
+                <a:ext cx="1847613" cy="4656"/>
+              </a:xfrm>
+              <a:prstGeom prst="line">
+                <a:avLst/>
+              </a:prstGeom>
+              <a:ln w="19050">
+                <a:solidFill>
+                  <a:schemeClr val="bg1">
+                    <a:lumMod val="65000"/>
+                  </a:schemeClr>
+                </a:solidFill>
+                <a:prstDash val="sysDash"/>
+              </a:ln>
+            </p:spPr>
+            <p:style>
+              <a:lnRef idx="1">
+                <a:schemeClr val="accent1"/>
+              </a:lnRef>
+              <a:fillRef idx="0">
+                <a:schemeClr val="accent1"/>
+              </a:fillRef>
+              <a:effectRef idx="0">
+                <a:schemeClr val="accent1"/>
+              </a:effectRef>
+              <a:fontRef idx="minor">
+                <a:schemeClr val="tx1"/>
+              </a:fontRef>
+            </p:style>
+          </p:cxnSp>
+          <p:cxnSp>
+            <p:nvCxnSpPr>
+              <p:cNvPr id="106" name="Conector recto 105">
+                <a:extLst>
+                  <a:ext uri="{FF2B5EF4-FFF2-40B4-BE49-F238E27FC236}">
+                    <a16:creationId xmlns:a16="http://schemas.microsoft.com/office/drawing/2014/main" id="{E55E969D-A3D4-451D-A971-83150E0B5A90}"/>
+                  </a:ext>
+                </a:extLst>
+              </p:cNvPr>
+              <p:cNvCxnSpPr>
+                <a:cxnSpLocks/>
+              </p:cNvCxnSpPr>
+              <p:nvPr/>
+            </p:nvCxnSpPr>
+            <p:spPr>
+              <a:xfrm>
+                <a:off x="1840201" y="5522529"/>
+                <a:ext cx="2267497" cy="0"/>
+              </a:xfrm>
+              <a:prstGeom prst="line">
+                <a:avLst/>
+              </a:prstGeom>
+              <a:ln w="19050">
+                <a:solidFill>
+                  <a:schemeClr val="bg1">
+                    <a:lumMod val="65000"/>
+                  </a:schemeClr>
+                </a:solidFill>
+                <a:prstDash val="sysDash"/>
+              </a:ln>
+            </p:spPr>
+            <p:style>
+              <a:lnRef idx="1">
+                <a:schemeClr val="accent1"/>
+              </a:lnRef>
+              <a:fillRef idx="0">
+                <a:schemeClr val="accent1"/>
+              </a:fillRef>
+              <a:effectRef idx="0">
+                <a:schemeClr val="accent1"/>
+              </a:effectRef>
+              <a:fontRef idx="minor">
+                <a:schemeClr val="tx1"/>
+              </a:fontRef>
+            </p:style>
+          </p:cxnSp>
+          <p:sp>
+            <p:nvSpPr>
+              <p:cNvPr id="107" name="CuadroTexto 106">
+                <a:extLst>
+                  <a:ext uri="{FF2B5EF4-FFF2-40B4-BE49-F238E27FC236}">
+                    <a16:creationId xmlns:a16="http://schemas.microsoft.com/office/drawing/2014/main" id="{4CEFDB4C-443B-48A8-84EE-414AAFF3EE20}"/>
+                  </a:ext>
+                </a:extLst>
+              </p:cNvPr>
+              <p:cNvSpPr txBox="1"/>
+              <p:nvPr/>
+            </p:nvSpPr>
+            <p:spPr>
+              <a:xfrm>
+                <a:off x="1811033" y="5024512"/>
+                <a:ext cx="2327078" cy="461665"/>
+              </a:xfrm>
+              <a:prstGeom prst="rect">
+                <a:avLst/>
+              </a:prstGeom>
+              <a:noFill/>
+            </p:spPr>
+            <p:txBody>
+              <a:bodyPr wrap="square" rtlCol="0">
+                <a:spAutoFit/>
+              </a:bodyPr>
+              <a:lstStyle/>
+              <a:p>
+                <a:r>
+                  <a:rPr lang="en-US" sz="800" dirty="0">
+                    <a:solidFill>
+                      <a:schemeClr val="bg1">
+                        <a:lumMod val="50000"/>
+                      </a:schemeClr>
+                    </a:solidFill>
+                    <a:latin typeface="Arial" panose="020B0604020202020204" pitchFamily="34" charset="0"/>
+                    <a:cs typeface="Arial" panose="020B0604020202020204" pitchFamily="34" charset="0"/>
+                  </a:rPr>
+                  <a:t>The maximum number of orders allowed in the state of Texas according to the law of the FMCSA is 3500.</a:t>
+                </a:r>
+                <a:endParaRPr lang="es-419" sz="800" dirty="0">
+                  <a:solidFill>
+                    <a:schemeClr val="bg1">
+                      <a:lumMod val="50000"/>
+                    </a:schemeClr>
+                  </a:solidFill>
+                  <a:latin typeface="Arial" panose="020B0604020202020204" pitchFamily="34" charset="0"/>
+                  <a:cs typeface="Arial" panose="020B0604020202020204" pitchFamily="34" charset="0"/>
+                </a:endParaRPr>
+              </a:p>
+            </p:txBody>
+          </p:sp>
+        </p:grpSp>
+        <p:cxnSp>
+          <p:nvCxnSpPr>
+            <p:cNvPr id="85" name="Conector recto 84">
+              <a:extLst>
+                <a:ext uri="{FF2B5EF4-FFF2-40B4-BE49-F238E27FC236}">
+                  <a16:creationId xmlns:a16="http://schemas.microsoft.com/office/drawing/2014/main" id="{AE669A1F-1C80-4872-ACDC-70EAE05A1B07}"/>
+                </a:ext>
+              </a:extLst>
+            </p:cNvPr>
+            <p:cNvCxnSpPr>
+              <a:cxnSpLocks/>
+            </p:cNvCxnSpPr>
+            <p:nvPr/>
+          </p:nvCxnSpPr>
+          <p:spPr>
+            <a:xfrm>
+              <a:off x="6309523" y="2103565"/>
+              <a:ext cx="1699251" cy="0"/>
+            </a:xfrm>
+            <a:prstGeom prst="line">
+              <a:avLst/>
+            </a:prstGeom>
+            <a:ln w="19050">
+              <a:solidFill>
+                <a:schemeClr val="bg1">
+                  <a:lumMod val="65000"/>
+                </a:schemeClr>
+              </a:solidFill>
+              <a:prstDash val="sysDash"/>
             </a:ln>
           </p:spPr>
           <p:style>
-            <a:lnRef idx="2">
-              <a:schemeClr val="accent1">
-                <a:shade val="50000"/>
-              </a:schemeClr>
+            <a:lnRef idx="1">
+              <a:schemeClr val="accent1"/>
             </a:lnRef>
-            <a:fillRef idx="1">
+            <a:fillRef idx="0">
               <a:schemeClr val="accent1"/>
             </a:fillRef>
             <a:effectRef idx="0">
               <a:schemeClr val="accent1"/>
             </a:effectRef>
             <a:fontRef idx="minor">
-              <a:schemeClr val="lt1"/>
+              <a:schemeClr val="tx1"/>
             </a:fontRef>
           </p:style>
+        </p:cxnSp>
+        <p:cxnSp>
+          <p:nvCxnSpPr>
+            <p:cNvPr id="86" name="Conector recto 85">
+              <a:extLst>
+                <a:ext uri="{FF2B5EF4-FFF2-40B4-BE49-F238E27FC236}">
+                  <a16:creationId xmlns:a16="http://schemas.microsoft.com/office/drawing/2014/main" id="{9949DE06-A2F5-4233-BC4D-757B4C026939}"/>
+                </a:ext>
+              </a:extLst>
+            </p:cNvPr>
+            <p:cNvCxnSpPr>
+              <a:cxnSpLocks/>
+            </p:cNvCxnSpPr>
+            <p:nvPr/>
+          </p:nvCxnSpPr>
+          <p:spPr>
+            <a:xfrm>
+              <a:off x="5772782" y="2792565"/>
+              <a:ext cx="2235992" cy="0"/>
+            </a:xfrm>
+            <a:prstGeom prst="line">
+              <a:avLst/>
+            </a:prstGeom>
+            <a:ln w="19050">
+              <a:solidFill>
+                <a:schemeClr val="bg1">
+                  <a:lumMod val="65000"/>
+                </a:schemeClr>
+              </a:solidFill>
+              <a:prstDash val="sysDash"/>
+            </a:ln>
+          </p:spPr>
+          <p:style>
+            <a:lnRef idx="1">
+              <a:schemeClr val="accent1"/>
+            </a:lnRef>
+            <a:fillRef idx="0">
+              <a:schemeClr val="accent1"/>
+            </a:fillRef>
+            <a:effectRef idx="0">
+              <a:schemeClr val="accent1"/>
+            </a:effectRef>
+            <a:fontRef idx="minor">
+              <a:schemeClr val="tx1"/>
+            </a:fontRef>
+          </p:style>
+        </p:cxnSp>
+        <p:sp>
+          <p:nvSpPr>
+            <p:cNvPr id="87" name="CuadroTexto 86">
+              <a:extLst>
+                <a:ext uri="{FF2B5EF4-FFF2-40B4-BE49-F238E27FC236}">
+                  <a16:creationId xmlns:a16="http://schemas.microsoft.com/office/drawing/2014/main" id="{F6492FF6-38AC-41B7-8EA2-4E4DBBD2E639}"/>
+                </a:ext>
+              </a:extLst>
+            </p:cNvPr>
+            <p:cNvSpPr txBox="1"/>
+            <p:nvPr/>
+          </p:nvSpPr>
+          <p:spPr>
+            <a:xfrm>
+              <a:off x="5769532" y="2146587"/>
+              <a:ext cx="2327078" cy="584775"/>
+            </a:xfrm>
+            <a:prstGeom prst="rect">
+              <a:avLst/>
+            </a:prstGeom>
+            <a:noFill/>
+          </p:spPr>
           <p:txBody>
-            <a:bodyPr rtlCol="0" anchor="ctr"/>
+            <a:bodyPr wrap="square" rtlCol="0">
+              <a:spAutoFit/>
+            </a:bodyPr>
             <a:lstStyle/>
             <a:p>
-              <a:pPr algn="ctr"/>
-              <a:endParaRPr lang="es-419"/>
+              <a:pPr algn="just"/>
+              <a:r>
+                <a:rPr lang="en-US" sz="800" dirty="0">
+                  <a:solidFill>
+                    <a:schemeClr val="bg1">
+                      <a:lumMod val="50000"/>
+                    </a:schemeClr>
+                  </a:solidFill>
+                  <a:latin typeface="Arial" panose="020B0604020202020204" pitchFamily="34" charset="0"/>
+                  <a:cs typeface="Arial" panose="020B0604020202020204" pitchFamily="34" charset="0"/>
+                </a:rPr>
+                <a:t>The maximum number of trucks for the transport of merchandise on the transportation routes allowed in the state of Texas according to the FMCSA is 200.</a:t>
+              </a:r>
+              <a:endParaRPr lang="es-419" sz="800" dirty="0">
+                <a:solidFill>
+                  <a:schemeClr val="bg1">
+                    <a:lumMod val="50000"/>
+                  </a:schemeClr>
+                </a:solidFill>
+                <a:latin typeface="Arial" panose="020B0604020202020204" pitchFamily="34" charset="0"/>
+                <a:cs typeface="Arial" panose="020B0604020202020204" pitchFamily="34" charset="0"/>
+              </a:endParaRPr>
             </a:p>
           </p:txBody>
         </p:sp>
+        <p:pic>
+          <p:nvPicPr>
+            <p:cNvPr id="98" name="Imagen 97">
+              <a:extLst>
+                <a:ext uri="{FF2B5EF4-FFF2-40B4-BE49-F238E27FC236}">
+                  <a16:creationId xmlns:a16="http://schemas.microsoft.com/office/drawing/2014/main" id="{6E3422D2-CA72-47F2-9790-84A9D7BD7442}"/>
+                </a:ext>
+              </a:extLst>
+            </p:cNvPr>
+            <p:cNvPicPr>
+              <a:picLocks noChangeAspect="1"/>
+            </p:cNvPicPr>
+            <p:nvPr/>
+          </p:nvPicPr>
+          <p:blipFill>
+            <a:blip r:embed="rId8">
+              <a:extLst>
+                <a:ext uri="{28A0092B-C50C-407E-A947-70E740481C1C}">
+                  <a14:useLocalDpi xmlns:a14="http://schemas.microsoft.com/office/drawing/2010/main" val="0"/>
+                </a:ext>
+              </a:extLst>
+            </a:blip>
+            <a:stretch>
+              <a:fillRect/>
+            </a:stretch>
+          </p:blipFill>
+          <p:spPr>
+            <a:xfrm>
+              <a:off x="9686000" y="1977230"/>
+              <a:ext cx="1781992" cy="3721594"/>
+            </a:xfrm>
+            <a:prstGeom prst="rect">
+              <a:avLst/>
+            </a:prstGeom>
+          </p:spPr>
+        </p:pic>
+        <p:pic>
+          <p:nvPicPr>
+            <p:cNvPr id="100" name="Imagen 99">
+              <a:extLst>
+                <a:ext uri="{FF2B5EF4-FFF2-40B4-BE49-F238E27FC236}">
+                  <a16:creationId xmlns:a16="http://schemas.microsoft.com/office/drawing/2014/main" id="{27406753-51A2-4190-AEEB-C1CFB4634F27}"/>
+                </a:ext>
+              </a:extLst>
+            </p:cNvPr>
+            <p:cNvPicPr>
+              <a:picLocks noChangeAspect="1"/>
+            </p:cNvPicPr>
+            <p:nvPr/>
+          </p:nvPicPr>
+          <p:blipFill>
+            <a:blip r:embed="rId9">
+              <a:extLst>
+                <a:ext uri="{28A0092B-C50C-407E-A947-70E740481C1C}">
+                  <a14:useLocalDpi xmlns:a14="http://schemas.microsoft.com/office/drawing/2010/main" val="0"/>
+                </a:ext>
+              </a:extLst>
+            </a:blip>
+            <a:stretch>
+              <a:fillRect/>
+            </a:stretch>
+          </p:blipFill>
+          <p:spPr>
+            <a:xfrm>
+              <a:off x="2386002" y="1538817"/>
+              <a:ext cx="741797" cy="643694"/>
+            </a:xfrm>
+            <a:prstGeom prst="rect">
+              <a:avLst/>
+            </a:prstGeom>
+          </p:spPr>
+        </p:pic>
         <p:sp>
           <p:nvSpPr>
-            <p:cNvPr id="129" name="Rectángulo 128">
+            <p:cNvPr id="2" name="Rectángulo 1">
               <a:extLst>
                 <a:ext uri="{FF2B5EF4-FFF2-40B4-BE49-F238E27FC236}">
-                  <a16:creationId xmlns:a16="http://schemas.microsoft.com/office/drawing/2014/main" id="{782E1712-FB97-44DF-A51C-675B09382D7F}"/>
+                  <a16:creationId xmlns:a16="http://schemas.microsoft.com/office/drawing/2014/main" id="{4D2AFC08-0A69-4B5E-BD92-0A446B503640}"/>
                 </a:ext>
               </a:extLst>
             </p:cNvPr>
@@ -10358,60 +14610,8 @@
           </p:nvSpPr>
           <p:spPr>
             <a:xfrm>
-              <a:off x="1487515" y="1132969"/>
-              <a:ext cx="3990079" cy="5049041"/>
-            </a:xfrm>
-            <a:prstGeom prst="rect">
-              <a:avLst/>
-            </a:prstGeom>
-            <a:solidFill>
-              <a:srgbClr val="FFE8A7"/>
-            </a:solidFill>
-            <a:ln>
-              <a:noFill/>
-            </a:ln>
-          </p:spPr>
-          <p:style>
-            <a:lnRef idx="2">
-              <a:schemeClr val="accent1">
-                <a:shade val="50000"/>
-              </a:schemeClr>
-            </a:lnRef>
-            <a:fillRef idx="1">
-              <a:schemeClr val="accent1"/>
-            </a:fillRef>
-            <a:effectRef idx="0">
-              <a:schemeClr val="accent1"/>
-            </a:effectRef>
-            <a:fontRef idx="minor">
-              <a:schemeClr val="lt1"/>
-            </a:fontRef>
-          </p:style>
-          <p:txBody>
-            <a:bodyPr rtlCol="0" anchor="ctr"/>
-            <a:lstStyle/>
-            <a:p>
-              <a:pPr algn="ctr"/>
-              <a:endParaRPr lang="es-419"/>
-            </a:p>
-          </p:txBody>
-        </p:sp>
-        <p:sp>
-          <p:nvSpPr>
-            <p:cNvPr id="130" name="Rectángulo 129">
-              <a:extLst>
-                <a:ext uri="{FF2B5EF4-FFF2-40B4-BE49-F238E27FC236}">
-                  <a16:creationId xmlns:a16="http://schemas.microsoft.com/office/drawing/2014/main" id="{87299518-66C5-4772-862A-6F92C67AD1BF}"/>
-                </a:ext>
-              </a:extLst>
-            </p:cNvPr>
-            <p:cNvSpPr/>
-            <p:nvPr/>
-          </p:nvSpPr>
-          <p:spPr>
-            <a:xfrm>
-              <a:off x="5655264" y="1273529"/>
-              <a:ext cx="3646485" cy="4767919"/>
+              <a:off x="9999406" y="4517136"/>
+              <a:ext cx="1154653" cy="507376"/>
             </a:xfrm>
             <a:prstGeom prst="rect">
               <a:avLst/>
@@ -10444,286 +14644,230 @@
             <a:lstStyle/>
             <a:p>
               <a:pPr algn="ctr"/>
-              <a:endParaRPr lang="es-419" dirty="0"/>
+              <a:endParaRPr lang="es-419"/>
             </a:p>
           </p:txBody>
         </p:sp>
-        <p:sp>
-          <p:nvSpPr>
-            <p:cNvPr id="131" name="Rectángulo 130">
+        <p:grpSp>
+          <p:nvGrpSpPr>
+            <p:cNvPr id="4" name="Grupo 3">
               <a:extLst>
                 <a:ext uri="{FF2B5EF4-FFF2-40B4-BE49-F238E27FC236}">
-                  <a16:creationId xmlns:a16="http://schemas.microsoft.com/office/drawing/2014/main" id="{C9B8AD87-9B38-4BB1-B5CC-9EB0C721E3C3}"/>
+                  <a16:creationId xmlns:a16="http://schemas.microsoft.com/office/drawing/2014/main" id="{2322C57E-36C0-4A0C-B315-1E1895E0DF5F}"/>
                 </a:ext>
               </a:extLst>
             </p:cNvPr>
-            <p:cNvSpPr/>
+            <p:cNvGrpSpPr/>
             <p:nvPr/>
-          </p:nvSpPr>
-          <p:spPr>
-            <a:xfrm rot="21416026">
-              <a:off x="1621762" y="1254613"/>
-              <a:ext cx="3646485" cy="4809514"/>
+          </p:nvGrpSpPr>
+          <p:grpSpPr>
+            <a:xfrm>
+              <a:off x="6139707" y="5138688"/>
+              <a:ext cx="1199001" cy="650297"/>
+              <a:chOff x="7134079" y="5202876"/>
+              <a:chExt cx="1199001" cy="650297"/>
+            </a:xfrm>
+          </p:grpSpPr>
+          <p:cxnSp>
+            <p:nvCxnSpPr>
+              <p:cNvPr id="95" name="Conector recto 94">
+                <a:extLst>
+                  <a:ext uri="{FF2B5EF4-FFF2-40B4-BE49-F238E27FC236}">
+                    <a16:creationId xmlns:a16="http://schemas.microsoft.com/office/drawing/2014/main" id="{EC613204-F4DC-4C44-A46E-BE5C744EB519}"/>
+                  </a:ext>
+                </a:extLst>
+              </p:cNvPr>
+              <p:cNvCxnSpPr>
+                <a:cxnSpLocks/>
+              </p:cNvCxnSpPr>
+              <p:nvPr/>
+            </p:nvCxnSpPr>
+            <p:spPr>
+              <a:xfrm>
+                <a:off x="7189989" y="5662142"/>
+                <a:ext cx="1081794" cy="0"/>
+              </a:xfrm>
+              <a:prstGeom prst="line">
+                <a:avLst/>
+              </a:prstGeom>
+              <a:ln w="9525">
+                <a:solidFill>
+                  <a:schemeClr val="bg1">
+                    <a:lumMod val="65000"/>
+                  </a:schemeClr>
+                </a:solidFill>
+                <a:prstDash val="solid"/>
+              </a:ln>
+            </p:spPr>
+            <p:style>
+              <a:lnRef idx="1">
+                <a:schemeClr val="accent1"/>
+              </a:lnRef>
+              <a:fillRef idx="0">
+                <a:schemeClr val="accent1"/>
+              </a:fillRef>
+              <a:effectRef idx="0">
+                <a:schemeClr val="accent1"/>
+              </a:effectRef>
+              <a:fontRef idx="minor">
+                <a:schemeClr val="tx1"/>
+              </a:fontRef>
+            </p:style>
+          </p:cxnSp>
+          <p:sp>
+            <p:nvSpPr>
+              <p:cNvPr id="96" name="CuadroTexto 95">
+                <a:extLst>
+                  <a:ext uri="{FF2B5EF4-FFF2-40B4-BE49-F238E27FC236}">
+                    <a16:creationId xmlns:a16="http://schemas.microsoft.com/office/drawing/2014/main" id="{87917734-AECB-4372-94B3-A7DCCC71C7C0}"/>
+                  </a:ext>
+                </a:extLst>
+              </p:cNvPr>
+              <p:cNvSpPr txBox="1"/>
+              <p:nvPr/>
+            </p:nvSpPr>
+            <p:spPr>
+              <a:xfrm>
+                <a:off x="7134079" y="5668507"/>
+                <a:ext cx="1199001" cy="184666"/>
+              </a:xfrm>
+              <a:prstGeom prst="rect">
+                <a:avLst/>
+              </a:prstGeom>
+              <a:noFill/>
+            </p:spPr>
+            <p:txBody>
+              <a:bodyPr wrap="square" rtlCol="0">
+                <a:spAutoFit/>
+              </a:bodyPr>
+              <a:lstStyle/>
+              <a:p>
+                <a:pPr algn="just"/>
+                <a:r>
+                  <a:rPr lang="en-US" sz="600" dirty="0">
+                    <a:solidFill>
+                      <a:schemeClr val="bg1">
+                        <a:lumMod val="50000"/>
+                      </a:schemeClr>
+                    </a:solidFill>
+                    <a:latin typeface="Arial" panose="020B0604020202020204" pitchFamily="34" charset="0"/>
+                    <a:cs typeface="Arial" panose="020B0604020202020204" pitchFamily="34" charset="0"/>
+                  </a:rPr>
+                  <a:t>General Manager. John Doe</a:t>
+                </a:r>
+                <a:endParaRPr lang="es-419" sz="600" dirty="0">
+                  <a:solidFill>
+                    <a:schemeClr val="bg1">
+                      <a:lumMod val="50000"/>
+                    </a:schemeClr>
+                  </a:solidFill>
+                  <a:latin typeface="Arial" panose="020B0604020202020204" pitchFamily="34" charset="0"/>
+                  <a:cs typeface="Arial" panose="020B0604020202020204" pitchFamily="34" charset="0"/>
+                </a:endParaRPr>
+              </a:p>
+            </p:txBody>
+          </p:sp>
+          <p:pic>
+            <p:nvPicPr>
+              <p:cNvPr id="97" name="Picture 14" descr="Resultado de imagen para firmas png">
+                <a:extLst>
+                  <a:ext uri="{FF2B5EF4-FFF2-40B4-BE49-F238E27FC236}">
+                    <a16:creationId xmlns:a16="http://schemas.microsoft.com/office/drawing/2014/main" id="{E8DF70F0-0ECA-4D88-922F-BA0CAEFF415C}"/>
+                  </a:ext>
+                </a:extLst>
+              </p:cNvPr>
+              <p:cNvPicPr>
+                <a:picLocks noChangeAspect="1" noChangeArrowheads="1"/>
+              </p:cNvPicPr>
+              <p:nvPr/>
+            </p:nvPicPr>
+            <p:blipFill>
+              <a:blip r:embed="rId10">
+                <a:extLst>
+                  <a:ext uri="{28A0092B-C50C-407E-A947-70E740481C1C}">
+                    <a14:useLocalDpi xmlns:a14="http://schemas.microsoft.com/office/drawing/2010/main" val="0"/>
+                  </a:ext>
+                </a:extLst>
+              </a:blip>
+              <a:srcRect/>
+              <a:stretch>
+                <a:fillRect/>
+              </a:stretch>
+            </p:blipFill>
+            <p:spPr bwMode="auto">
+              <a:xfrm>
+                <a:off x="7311018" y="5202876"/>
+                <a:ext cx="883022" cy="515540"/>
+              </a:xfrm>
+              <a:prstGeom prst="rect">
+                <a:avLst/>
+              </a:prstGeom>
+              <a:noFill/>
+              <a:extLst>
+                <a:ext uri="{909E8E84-426E-40DD-AFC4-6F175D3DCCD1}">
+                  <a14:hiddenFill xmlns:a14="http://schemas.microsoft.com/office/drawing/2010/main">
+                    <a:solidFill>
+                      <a:srgbClr val="FFFFFF"/>
+                    </a:solidFill>
+                  </a14:hiddenFill>
+                </a:ext>
+              </a:extLst>
+            </p:spPr>
+          </p:pic>
+        </p:grpSp>
+        <p:pic>
+          <p:nvPicPr>
+            <p:cNvPr id="55" name="Picture 8" descr="Resultado de imagen para icon truck png">
+              <a:extLst>
+                <a:ext uri="{FF2B5EF4-FFF2-40B4-BE49-F238E27FC236}">
+                  <a16:creationId xmlns:a16="http://schemas.microsoft.com/office/drawing/2014/main" id="{A0BF9B6B-3D31-4A68-98ED-A977329160F9}"/>
+                </a:ext>
+              </a:extLst>
+            </p:cNvPr>
+            <p:cNvPicPr>
+              <a:picLocks noChangeAspect="1" noChangeArrowheads="1"/>
+            </p:cNvPicPr>
+            <p:nvPr/>
+          </p:nvPicPr>
+          <p:blipFill>
+            <a:blip r:embed="rId5">
+              <a:extLst>
+                <a:ext uri="{28A0092B-C50C-407E-A947-70E740481C1C}">
+                  <a14:useLocalDpi xmlns:a14="http://schemas.microsoft.com/office/drawing/2010/main" val="0"/>
+                </a:ext>
+              </a:extLst>
+            </a:blip>
+            <a:srcRect/>
+            <a:stretch>
+              <a:fillRect/>
+            </a:stretch>
+          </p:blipFill>
+          <p:spPr bwMode="auto">
+            <a:xfrm>
+              <a:off x="5794552" y="3156926"/>
+              <a:ext cx="419884" cy="268051"/>
             </a:xfrm>
             <a:prstGeom prst="rect">
               <a:avLst/>
             </a:prstGeom>
-            <a:solidFill>
-              <a:schemeClr val="bg1">
-                <a:lumMod val="95000"/>
-              </a:schemeClr>
-            </a:solidFill>
-            <a:ln>
-              <a:noFill/>
-            </a:ln>
+            <a:noFill/>
+            <a:extLst>
+              <a:ext uri="{909E8E84-426E-40DD-AFC4-6F175D3DCCD1}">
+                <a14:hiddenFill xmlns:a14="http://schemas.microsoft.com/office/drawing/2010/main">
+                  <a:solidFill>
+                    <a:srgbClr val="FFFFFF"/>
+                  </a:solidFill>
+                </a14:hiddenFill>
+              </a:ext>
+            </a:extLst>
           </p:spPr>
-          <p:style>
-            <a:lnRef idx="2">
-              <a:schemeClr val="accent1">
-                <a:shade val="50000"/>
-              </a:schemeClr>
-            </a:lnRef>
-            <a:fillRef idx="1">
-              <a:schemeClr val="accent1"/>
-            </a:fillRef>
-            <a:effectRef idx="0">
-              <a:schemeClr val="accent1"/>
-            </a:effectRef>
-            <a:fontRef idx="minor">
-              <a:schemeClr val="lt1"/>
-            </a:fontRef>
-          </p:style>
-          <p:txBody>
-            <a:bodyPr rtlCol="0" anchor="ctr"/>
-            <a:lstStyle/>
-            <a:p>
-              <a:pPr algn="ctr"/>
-              <a:endParaRPr lang="es-419"/>
-            </a:p>
-          </p:txBody>
-        </p:sp>
-        <p:cxnSp>
-          <p:nvCxnSpPr>
-            <p:cNvPr id="132" name="Conector recto 131">
+        </p:pic>
+        <p:sp>
+          <p:nvSpPr>
+            <p:cNvPr id="56" name="CuadroTexto 55">
               <a:extLst>
                 <a:ext uri="{FF2B5EF4-FFF2-40B4-BE49-F238E27FC236}">
-                  <a16:creationId xmlns:a16="http://schemas.microsoft.com/office/drawing/2014/main" id="{28B01502-208A-441D-AF1A-2D1C32311095}"/>
-                </a:ext>
-              </a:extLst>
-            </p:cNvPr>
-            <p:cNvCxnSpPr>
-              <a:cxnSpLocks/>
-            </p:cNvCxnSpPr>
-            <p:nvPr/>
-          </p:nvCxnSpPr>
-          <p:spPr>
-            <a:xfrm>
-              <a:off x="5477594" y="1132462"/>
-              <a:ext cx="0" cy="5049548"/>
-            </a:xfrm>
-            <a:prstGeom prst="line">
-              <a:avLst/>
-            </a:prstGeom>
-            <a:ln w="15875">
-              <a:solidFill>
-                <a:schemeClr val="accent2">
-                  <a:lumMod val="60000"/>
-                  <a:lumOff val="40000"/>
-                </a:schemeClr>
-              </a:solidFill>
-            </a:ln>
-          </p:spPr>
-          <p:style>
-            <a:lnRef idx="1">
-              <a:schemeClr val="accent1"/>
-            </a:lnRef>
-            <a:fillRef idx="0">
-              <a:schemeClr val="accent1"/>
-            </a:fillRef>
-            <a:effectRef idx="0">
-              <a:schemeClr val="accent1"/>
-            </a:effectRef>
-            <a:fontRef idx="minor">
-              <a:schemeClr val="tx1"/>
-            </a:fontRef>
-          </p:style>
-        </p:cxnSp>
-        <p:sp>
-          <p:nvSpPr>
-            <p:cNvPr id="137" name="Rectángulo 136">
-              <a:extLst>
-                <a:ext uri="{FF2B5EF4-FFF2-40B4-BE49-F238E27FC236}">
-                  <a16:creationId xmlns:a16="http://schemas.microsoft.com/office/drawing/2014/main" id="{55257687-7966-47B4-AEF9-C19B7BBBFABC}"/>
-                </a:ext>
-              </a:extLst>
-            </p:cNvPr>
-            <p:cNvSpPr/>
-            <p:nvPr/>
-          </p:nvSpPr>
-          <p:spPr>
-            <a:xfrm>
-              <a:off x="1667278" y="1273529"/>
-              <a:ext cx="3646485" cy="4767919"/>
-            </a:xfrm>
-            <a:prstGeom prst="rect">
-              <a:avLst/>
-            </a:prstGeom>
-            <a:solidFill>
-              <a:schemeClr val="bg1"/>
-            </a:solidFill>
-            <a:ln>
-              <a:noFill/>
-            </a:ln>
-          </p:spPr>
-          <p:style>
-            <a:lnRef idx="2">
-              <a:schemeClr val="accent1">
-                <a:shade val="50000"/>
-              </a:schemeClr>
-            </a:lnRef>
-            <a:fillRef idx="1">
-              <a:schemeClr val="accent1"/>
-            </a:fillRef>
-            <a:effectRef idx="0">
-              <a:schemeClr val="accent1"/>
-            </a:effectRef>
-            <a:fontRef idx="minor">
-              <a:schemeClr val="lt1"/>
-            </a:fontRef>
-          </p:style>
-          <p:txBody>
-            <a:bodyPr rtlCol="0" anchor="ctr"/>
-            <a:lstStyle/>
-            <a:p>
-              <a:pPr algn="ctr"/>
-              <a:r>
-                <a:rPr lang="en-US" dirty="0"/>
-                <a:t> </a:t>
-              </a:r>
-              <a:endParaRPr lang="es-419" dirty="0"/>
-            </a:p>
-          </p:txBody>
-        </p:sp>
-      </p:grpSp>
-      <p:pic>
-        <p:nvPicPr>
-          <p:cNvPr id="70" name="Picture 2" descr="Resultado de imagen para pen vector png">
-            <a:extLst>
-              <a:ext uri="{FF2B5EF4-FFF2-40B4-BE49-F238E27FC236}">
-                <a16:creationId xmlns:a16="http://schemas.microsoft.com/office/drawing/2014/main" id="{87C05D01-67C7-47CC-BEC8-6617A240B00F}"/>
-              </a:ext>
-            </a:extLst>
-          </p:cNvPr>
-          <p:cNvPicPr>
-            <a:picLocks noChangeAspect="1" noChangeArrowheads="1"/>
-          </p:cNvPicPr>
-          <p:nvPr/>
-        </p:nvPicPr>
-        <p:blipFill>
-          <a:blip r:embed="rId2">
-            <a:extLst>
-              <a:ext uri="{28A0092B-C50C-407E-A947-70E740481C1C}">
-                <a14:useLocalDpi xmlns:a14="http://schemas.microsoft.com/office/drawing/2010/main" val="0"/>
-              </a:ext>
-            </a:extLst>
-          </a:blip>
-          <a:srcRect/>
-          <a:stretch>
-            <a:fillRect/>
-          </a:stretch>
-        </p:blipFill>
-        <p:spPr bwMode="auto">
-          <a:xfrm rot="19705747">
-            <a:off x="7689140" y="3104051"/>
-            <a:ext cx="2558852" cy="2600562"/>
-          </a:xfrm>
-          <a:prstGeom prst="rect">
-            <a:avLst/>
-          </a:prstGeom>
-          <a:noFill/>
-          <a:extLst>
-            <a:ext uri="{909E8E84-426E-40DD-AFC4-6F175D3DCCD1}">
-              <a14:hiddenFill xmlns:a14="http://schemas.microsoft.com/office/drawing/2010/main">
-                <a:solidFill>
-                  <a:srgbClr val="FFFFFF"/>
-                </a:solidFill>
-              </a14:hiddenFill>
-            </a:ext>
-          </a:extLst>
-        </p:spPr>
-      </p:pic>
-      <p:grpSp>
-        <p:nvGrpSpPr>
-          <p:cNvPr id="71" name="Grupo 70">
-            <a:extLst>
-              <a:ext uri="{FF2B5EF4-FFF2-40B4-BE49-F238E27FC236}">
-                <a16:creationId xmlns:a16="http://schemas.microsoft.com/office/drawing/2014/main" id="{DD071A4A-00FE-4FA5-B4F0-D29BBFBA56A8}"/>
-              </a:ext>
-            </a:extLst>
-          </p:cNvPr>
-          <p:cNvGrpSpPr/>
-          <p:nvPr/>
-        </p:nvGrpSpPr>
-        <p:grpSpPr>
-          <a:xfrm>
-            <a:off x="1835285" y="3207945"/>
-            <a:ext cx="2327078" cy="886470"/>
-            <a:chOff x="1835285" y="3207945"/>
-            <a:chExt cx="2327078" cy="886470"/>
-          </a:xfrm>
-        </p:grpSpPr>
-        <p:cxnSp>
-          <p:nvCxnSpPr>
-            <p:cNvPr id="113" name="Conector recto 112">
-              <a:extLst>
-                <a:ext uri="{FF2B5EF4-FFF2-40B4-BE49-F238E27FC236}">
-                  <a16:creationId xmlns:a16="http://schemas.microsoft.com/office/drawing/2014/main" id="{4780C850-74B6-45CB-90CB-195C4ECAD840}"/>
-                </a:ext>
-              </a:extLst>
-            </p:cNvPr>
-            <p:cNvCxnSpPr>
-              <a:cxnSpLocks/>
-            </p:cNvCxnSpPr>
-            <p:nvPr/>
-          </p:nvCxnSpPr>
-          <p:spPr>
-            <a:xfrm>
-              <a:off x="2298192" y="3553732"/>
-              <a:ext cx="1847613" cy="4656"/>
-            </a:xfrm>
-            <a:prstGeom prst="line">
-              <a:avLst/>
-            </a:prstGeom>
-            <a:ln w="19050">
-              <a:solidFill>
-                <a:schemeClr val="bg1">
-                  <a:lumMod val="65000"/>
-                </a:schemeClr>
-              </a:solidFill>
-              <a:prstDash val="sysDash"/>
-            </a:ln>
-          </p:spPr>
-          <p:style>
-            <a:lnRef idx="1">
-              <a:schemeClr val="accent1"/>
-            </a:lnRef>
-            <a:fillRef idx="0">
-              <a:schemeClr val="accent1"/>
-            </a:fillRef>
-            <a:effectRef idx="0">
-              <a:schemeClr val="accent1"/>
-            </a:effectRef>
-            <a:fontRef idx="minor">
-              <a:schemeClr val="tx1"/>
-            </a:fontRef>
-          </p:style>
-        </p:cxnSp>
-        <p:sp>
-          <p:nvSpPr>
-            <p:cNvPr id="115" name="CuadroTexto 114">
-              <a:extLst>
-                <a:ext uri="{FF2B5EF4-FFF2-40B4-BE49-F238E27FC236}">
-                  <a16:creationId xmlns:a16="http://schemas.microsoft.com/office/drawing/2014/main" id="{86FDC45D-B85D-4D31-A31C-185EC7BD433E}"/>
+                  <a16:creationId xmlns:a16="http://schemas.microsoft.com/office/drawing/2014/main" id="{1AEEA567-7F70-484C-A1A3-FF0E463A8209}"/>
                 </a:ext>
               </a:extLst>
             </p:cNvPr>
@@ -10732,8 +14876,8 @@
           </p:nvSpPr>
           <p:spPr>
             <a:xfrm>
-              <a:off x="2227644" y="3207945"/>
-              <a:ext cx="1934719" cy="307777"/>
+              <a:off x="6225151" y="3123296"/>
+              <a:ext cx="2062710" cy="738664"/>
             </a:xfrm>
             <a:prstGeom prst="rect">
               <a:avLst/>
@@ -10750,13 +14894,23 @@
                 <a:rPr lang="es-419" sz="1400" dirty="0">
                   <a:latin typeface="Arial Narrow" panose="020B0606020202030204" pitchFamily="34" charset="0"/>
                 </a:rPr>
-                <a:t>Number of routes</a:t>
+                <a:t>Number of trucks </a:t>
               </a:r>
+            </a:p>
+            <a:p>
               <a:r>
                 <a:rPr lang="en-US" sz="1400" dirty="0">
                   <a:latin typeface="Arial Narrow" panose="020B0606020202030204" pitchFamily="34" charset="0"/>
                 </a:rPr>
-                <a:t>: </a:t>
+                <a:t>for the route	            </a:t>
+              </a:r>
+            </a:p>
+            <a:p>
+              <a:r>
+                <a:rPr lang="en-US" sz="1400" dirty="0">
+                  <a:latin typeface="Arial Narrow" panose="020B0606020202030204" pitchFamily="34" charset="0"/>
+                </a:rPr>
+                <a:t>In this order</a:t>
               </a:r>
               <a:endParaRPr lang="es-419" sz="1400" dirty="0">
                 <a:latin typeface="Arial Narrow" panose="020B0606020202030204" pitchFamily="34" charset="0"/>
@@ -10764,1330 +14918,6 @@
             </a:p>
           </p:txBody>
         </p:sp>
-        <p:cxnSp>
-          <p:nvCxnSpPr>
-            <p:cNvPr id="116" name="Conector recto 115">
-              <a:extLst>
-                <a:ext uri="{FF2B5EF4-FFF2-40B4-BE49-F238E27FC236}">
-                  <a16:creationId xmlns:a16="http://schemas.microsoft.com/office/drawing/2014/main" id="{21370C23-4528-4F05-A0A7-2610F1CA84C7}"/>
-                </a:ext>
-              </a:extLst>
-            </p:cNvPr>
-            <p:cNvCxnSpPr>
-              <a:cxnSpLocks/>
-            </p:cNvCxnSpPr>
-            <p:nvPr/>
-          </p:nvCxnSpPr>
-          <p:spPr>
-            <a:xfrm>
-              <a:off x="1864453" y="4094415"/>
-              <a:ext cx="2267497" cy="0"/>
-            </a:xfrm>
-            <a:prstGeom prst="line">
-              <a:avLst/>
-            </a:prstGeom>
-            <a:ln w="19050">
-              <a:solidFill>
-                <a:schemeClr val="bg1">
-                  <a:lumMod val="65000"/>
-                </a:schemeClr>
-              </a:solidFill>
-              <a:prstDash val="sysDash"/>
-            </a:ln>
-          </p:spPr>
-          <p:style>
-            <a:lnRef idx="1">
-              <a:schemeClr val="accent1"/>
-            </a:lnRef>
-            <a:fillRef idx="0">
-              <a:schemeClr val="accent1"/>
-            </a:fillRef>
-            <a:effectRef idx="0">
-              <a:schemeClr val="accent1"/>
-            </a:effectRef>
-            <a:fontRef idx="minor">
-              <a:schemeClr val="tx1"/>
-            </a:fontRef>
-          </p:style>
-        </p:cxnSp>
-        <p:sp>
-          <p:nvSpPr>
-            <p:cNvPr id="120" name="CuadroTexto 119">
-              <a:extLst>
-                <a:ext uri="{FF2B5EF4-FFF2-40B4-BE49-F238E27FC236}">
-                  <a16:creationId xmlns:a16="http://schemas.microsoft.com/office/drawing/2014/main" id="{AD95631A-7AFF-4F6E-A370-E7F75855FF97}"/>
-                </a:ext>
-              </a:extLst>
-            </p:cNvPr>
-            <p:cNvSpPr txBox="1"/>
-            <p:nvPr/>
-          </p:nvSpPr>
-          <p:spPr>
-            <a:xfrm>
-              <a:off x="1835285" y="3596398"/>
-              <a:ext cx="2327078" cy="461665"/>
-            </a:xfrm>
-            <a:prstGeom prst="rect">
-              <a:avLst/>
-            </a:prstGeom>
-            <a:noFill/>
-          </p:spPr>
-          <p:txBody>
-            <a:bodyPr wrap="square" rtlCol="0">
-              <a:spAutoFit/>
-            </a:bodyPr>
-            <a:lstStyle/>
-            <a:p>
-              <a:r>
-                <a:rPr lang="en-US" sz="800" dirty="0">
-                  <a:solidFill>
-                    <a:schemeClr val="bg1">
-                      <a:lumMod val="50000"/>
-                    </a:schemeClr>
-                  </a:solidFill>
-                  <a:latin typeface="Arial" panose="020B0604020202020204" pitchFamily="34" charset="0"/>
-                  <a:cs typeface="Arial" panose="020B0604020202020204" pitchFamily="34" charset="0"/>
-                </a:rPr>
-                <a:t>The maximum number of transportation routes allowed in the state of Texas according to the FMCSA is 200.</a:t>
-              </a:r>
-              <a:endParaRPr lang="es-419" sz="800" dirty="0">
-                <a:solidFill>
-                  <a:schemeClr val="bg1">
-                    <a:lumMod val="50000"/>
-                  </a:schemeClr>
-                </a:solidFill>
-                <a:latin typeface="Arial" panose="020B0604020202020204" pitchFamily="34" charset="0"/>
-                <a:cs typeface="Arial" panose="020B0604020202020204" pitchFamily="34" charset="0"/>
-              </a:endParaRPr>
-            </a:p>
-          </p:txBody>
-        </p:sp>
-        <p:pic>
-          <p:nvPicPr>
-            <p:cNvPr id="121" name="Picture 2" descr="Resultado de imagen para logo de ubicacion">
-              <a:extLst>
-                <a:ext uri="{FF2B5EF4-FFF2-40B4-BE49-F238E27FC236}">
-                  <a16:creationId xmlns:a16="http://schemas.microsoft.com/office/drawing/2014/main" id="{990FFDE1-7ED0-4E50-AAB5-54D8A572CCC9}"/>
-                </a:ext>
-              </a:extLst>
-            </p:cNvPr>
-            <p:cNvPicPr>
-              <a:picLocks noChangeAspect="1" noChangeArrowheads="1"/>
-            </p:cNvPicPr>
-            <p:nvPr/>
-          </p:nvPicPr>
-          <p:blipFill>
-            <a:blip r:embed="rId3">
-              <a:extLst>
-                <a:ext uri="{BEBA8EAE-BF5A-486C-A8C5-ECC9F3942E4B}">
-                  <a14:imgProps xmlns:a14="http://schemas.microsoft.com/office/drawing/2010/main">
-                    <a14:imgLayer r:embed="rId4">
-                      <a14:imgEffect>
-                        <a14:backgroundRemoval t="639" b="99042" l="9585" r="89617">
-                          <a14:foregroundMark x1="38179" y1="6230" x2="50000" y2="6070"/>
-                          <a14:foregroundMark x1="50000" y1="6070" x2="60224" y2="6550"/>
-                          <a14:foregroundMark x1="49042" y1="1278" x2="52236" y2="639"/>
-                          <a14:foregroundMark x1="48562" y1="30831" x2="50639" y2="34185"/>
-                          <a14:foregroundMark x1="49681" y1="92173" x2="50160" y2="95527"/>
-                          <a14:foregroundMark x1="50319" y1="99042" x2="50319" y2="99042"/>
-                        </a14:backgroundRemoval>
-                      </a14:imgEffect>
-                    </a14:imgLayer>
-                  </a14:imgProps>
-                </a:ext>
-                <a:ext uri="{28A0092B-C50C-407E-A947-70E740481C1C}">
-                  <a14:useLocalDpi xmlns:a14="http://schemas.microsoft.com/office/drawing/2010/main" val="0"/>
-                </a:ext>
-              </a:extLst>
-            </a:blip>
-            <a:srcRect/>
-            <a:stretch>
-              <a:fillRect/>
-            </a:stretch>
-          </p:blipFill>
-          <p:spPr bwMode="auto">
-            <a:xfrm>
-              <a:off x="1894808" y="3232729"/>
-              <a:ext cx="300439" cy="300439"/>
-            </a:xfrm>
-            <a:prstGeom prst="rect">
-              <a:avLst/>
-            </a:prstGeom>
-            <a:noFill/>
-            <a:extLst>
-              <a:ext uri="{909E8E84-426E-40DD-AFC4-6F175D3DCCD1}">
-                <a14:hiddenFill xmlns:a14="http://schemas.microsoft.com/office/drawing/2010/main">
-                  <a:solidFill>
-                    <a:srgbClr val="FFFFFF"/>
-                  </a:solidFill>
-                </a14:hiddenFill>
-              </a:ext>
-            </a:extLst>
-          </p:spPr>
-        </p:pic>
-      </p:grpSp>
-      <p:pic>
-        <p:nvPicPr>
-          <p:cNvPr id="72" name="Picture 8" descr="Resultado de imagen para icon truck png">
-            <a:extLst>
-              <a:ext uri="{FF2B5EF4-FFF2-40B4-BE49-F238E27FC236}">
-                <a16:creationId xmlns:a16="http://schemas.microsoft.com/office/drawing/2014/main" id="{6E194033-C2AE-4FD3-908B-CE2F0126042E}"/>
-              </a:ext>
-            </a:extLst>
-          </p:cNvPr>
-          <p:cNvPicPr>
-            <a:picLocks noChangeAspect="1" noChangeArrowheads="1"/>
-          </p:cNvPicPr>
-          <p:nvPr/>
-        </p:nvPicPr>
-        <p:blipFill>
-          <a:blip r:embed="rId5">
-            <a:extLst>
-              <a:ext uri="{28A0092B-C50C-407E-A947-70E740481C1C}">
-                <a14:useLocalDpi xmlns:a14="http://schemas.microsoft.com/office/drawing/2010/main" val="0"/>
-              </a:ext>
-            </a:extLst>
-          </a:blip>
-          <a:srcRect/>
-          <a:stretch>
-            <a:fillRect/>
-          </a:stretch>
-        </p:blipFill>
-        <p:spPr bwMode="auto">
-          <a:xfrm>
-            <a:off x="5772782" y="1624744"/>
-            <a:ext cx="419884" cy="268051"/>
-          </a:xfrm>
-          <a:prstGeom prst="rect">
-            <a:avLst/>
-          </a:prstGeom>
-          <a:noFill/>
-          <a:extLst>
-            <a:ext uri="{909E8E84-426E-40DD-AFC4-6F175D3DCCD1}">
-              <a14:hiddenFill xmlns:a14="http://schemas.microsoft.com/office/drawing/2010/main">
-                <a:solidFill>
-                  <a:srgbClr val="FFFFFF"/>
-                </a:solidFill>
-              </a14:hiddenFill>
-            </a:ext>
-          </a:extLst>
-        </p:spPr>
-      </p:pic>
-      <p:sp>
-        <p:nvSpPr>
-          <p:cNvPr id="74" name="CuadroTexto 73">
-            <a:extLst>
-              <a:ext uri="{FF2B5EF4-FFF2-40B4-BE49-F238E27FC236}">
-                <a16:creationId xmlns:a16="http://schemas.microsoft.com/office/drawing/2014/main" id="{F9AFBAD6-6C64-4E77-86F0-EE06D881C8B1}"/>
-              </a:ext>
-            </a:extLst>
-          </p:cNvPr>
-          <p:cNvSpPr txBox="1"/>
-          <p:nvPr/>
-        </p:nvSpPr>
-        <p:spPr>
-          <a:xfrm>
-            <a:off x="6203381" y="1591114"/>
-            <a:ext cx="2062710" cy="738664"/>
-          </a:xfrm>
-          <a:prstGeom prst="rect">
-            <a:avLst/>
-          </a:prstGeom>
-          <a:noFill/>
-        </p:spPr>
-        <p:txBody>
-          <a:bodyPr wrap="square" rtlCol="0">
-            <a:spAutoFit/>
-          </a:bodyPr>
-          <a:lstStyle/>
-          <a:p>
-            <a:r>
-              <a:rPr lang="es-419" sz="1400" dirty="0">
-                <a:latin typeface="Arial Narrow" panose="020B0606020202030204" pitchFamily="34" charset="0"/>
-              </a:rPr>
-              <a:t>Number of trucks </a:t>
-            </a:r>
-          </a:p>
-          <a:p>
-            <a:r>
-              <a:rPr lang="en-US" sz="1400" dirty="0">
-                <a:latin typeface="Arial Narrow" panose="020B0606020202030204" pitchFamily="34" charset="0"/>
-              </a:rPr>
-              <a:t>for the route	            </a:t>
-            </a:r>
-          </a:p>
-          <a:p>
-            <a:r>
-              <a:rPr lang="en-US" sz="1400" dirty="0">
-                <a:latin typeface="Arial Narrow" panose="020B0606020202030204" pitchFamily="34" charset="0"/>
-              </a:rPr>
-              <a:t>In this order</a:t>
-            </a:r>
-            <a:endParaRPr lang="es-419" sz="1400" dirty="0">
-              <a:latin typeface="Arial Narrow" panose="020B0606020202030204" pitchFamily="34" charset="0"/>
-            </a:endParaRPr>
-          </a:p>
-        </p:txBody>
-      </p:sp>
-      <p:sp>
-        <p:nvSpPr>
-          <p:cNvPr id="76" name="CuadroTexto 75">
-            <a:extLst>
-              <a:ext uri="{FF2B5EF4-FFF2-40B4-BE49-F238E27FC236}">
-                <a16:creationId xmlns:a16="http://schemas.microsoft.com/office/drawing/2014/main" id="{AD2E3818-7078-4A37-A0BA-D0C52E06A756}"/>
-              </a:ext>
-            </a:extLst>
-          </p:cNvPr>
-          <p:cNvSpPr txBox="1"/>
-          <p:nvPr/>
-        </p:nvSpPr>
-        <p:spPr>
-          <a:xfrm>
-            <a:off x="3363081" y="1365789"/>
-            <a:ext cx="561975" cy="400110"/>
-          </a:xfrm>
-          <a:prstGeom prst="rect">
-            <a:avLst/>
-          </a:prstGeom>
-          <a:noFill/>
-        </p:spPr>
-        <p:txBody>
-          <a:bodyPr wrap="square" rtlCol="0">
-            <a:spAutoFit/>
-          </a:bodyPr>
-          <a:lstStyle/>
-          <a:p>
-            <a:r>
-              <a:rPr lang="es-419" sz="2000" b="1" dirty="0">
-                <a:solidFill>
-                  <a:srgbClr val="4FB5C1"/>
-                </a:solidFill>
-                <a:latin typeface="Bahnschrift SemiLight" panose="020B0502040204020203" pitchFamily="34" charset="0"/>
-              </a:rPr>
-              <a:t>N°</a:t>
-            </a:r>
-            <a:r>
-              <a:rPr lang="en-US" sz="2000" b="1" dirty="0">
-                <a:solidFill>
-                  <a:srgbClr val="4FB5C1"/>
-                </a:solidFill>
-                <a:latin typeface="Bahnschrift SemiLight" panose="020B0502040204020203" pitchFamily="34" charset="0"/>
-              </a:rPr>
-              <a:t>:</a:t>
-            </a:r>
-            <a:endParaRPr lang="es-419" sz="2000" b="1" dirty="0">
-              <a:solidFill>
-                <a:srgbClr val="4FB5C1"/>
-              </a:solidFill>
-              <a:latin typeface="Bahnschrift SemiLight" panose="020B0502040204020203" pitchFamily="34" charset="0"/>
-            </a:endParaRPr>
-          </a:p>
-        </p:txBody>
-      </p:sp>
-      <p:sp>
-        <p:nvSpPr>
-          <p:cNvPr id="78" name="CuadroTexto 77">
-            <a:extLst>
-              <a:ext uri="{FF2B5EF4-FFF2-40B4-BE49-F238E27FC236}">
-                <a16:creationId xmlns:a16="http://schemas.microsoft.com/office/drawing/2014/main" id="{15080261-92BD-4419-A349-530A02424F13}"/>
-              </a:ext>
-            </a:extLst>
-          </p:cNvPr>
-          <p:cNvSpPr txBox="1"/>
-          <p:nvPr/>
-        </p:nvSpPr>
-        <p:spPr>
-          <a:xfrm>
-            <a:off x="1188720" y="2200190"/>
-            <a:ext cx="3085727" cy="707886"/>
-          </a:xfrm>
-          <a:prstGeom prst="rect">
-            <a:avLst/>
-          </a:prstGeom>
-          <a:noFill/>
-        </p:spPr>
-        <p:txBody>
-          <a:bodyPr wrap="square" rtlCol="0">
-            <a:spAutoFit/>
-          </a:bodyPr>
-          <a:lstStyle/>
-          <a:p>
-            <a:pPr algn="just"/>
-            <a:r>
-              <a:rPr lang="en-US" sz="800" dirty="0">
-                <a:solidFill>
-                  <a:srgbClr val="7F7F7F"/>
-                </a:solidFill>
-                <a:latin typeface="Arial" panose="020B0604020202020204" pitchFamily="34" charset="0"/>
-                <a:cs typeface="Arial" panose="020B0604020202020204" pitchFamily="34" charset="0"/>
-              </a:rPr>
-              <a:t>    Welcome to the company Trucks Logistic, this company is responsible for making any shipment to all of Texas, so that we have more control of the transport of orders, it is necessary to detail some aspects of the shipments. Once chosen the desired amount give you check.</a:t>
-            </a:r>
-            <a:endParaRPr lang="es-419" sz="800" dirty="0">
-              <a:solidFill>
-                <a:srgbClr val="7F7F7F"/>
-              </a:solidFill>
-              <a:latin typeface="Arial" panose="020B0604020202020204" pitchFamily="34" charset="0"/>
-              <a:cs typeface="Arial" panose="020B0604020202020204" pitchFamily="34" charset="0"/>
-            </a:endParaRPr>
-          </a:p>
-        </p:txBody>
-      </p:sp>
-      <p:sp>
-        <p:nvSpPr>
-          <p:cNvPr id="79" name="CuadroTexto 78">
-            <a:extLst>
-              <a:ext uri="{FF2B5EF4-FFF2-40B4-BE49-F238E27FC236}">
-                <a16:creationId xmlns:a16="http://schemas.microsoft.com/office/drawing/2014/main" id="{EF225EB9-C54A-4E84-932B-0B588E0C2B1B}"/>
-              </a:ext>
-            </a:extLst>
-          </p:cNvPr>
-          <p:cNvSpPr txBox="1"/>
-          <p:nvPr/>
-        </p:nvSpPr>
-        <p:spPr>
-          <a:xfrm>
-            <a:off x="1021447" y="1765774"/>
-            <a:ext cx="1208192" cy="276999"/>
-          </a:xfrm>
-          <a:prstGeom prst="rect">
-            <a:avLst/>
-          </a:prstGeom>
-          <a:noFill/>
-        </p:spPr>
-        <p:txBody>
-          <a:bodyPr wrap="square" rtlCol="0">
-            <a:spAutoFit/>
-          </a:bodyPr>
-          <a:lstStyle/>
-          <a:p>
-            <a:r>
-              <a:rPr lang="en-US" sz="600" b="1" dirty="0">
-                <a:solidFill>
-                  <a:schemeClr val="bg1">
-                    <a:lumMod val="50000"/>
-                  </a:schemeClr>
-                </a:solidFill>
-                <a:latin typeface="Arial" panose="020B0604020202020204" pitchFamily="34" charset="0"/>
-                <a:cs typeface="Arial" panose="020B0604020202020204" pitchFamily="34" charset="0"/>
-              </a:rPr>
-              <a:t>CEO:   Marcos De Andrade</a:t>
-            </a:r>
-          </a:p>
-          <a:p>
-            <a:r>
-              <a:rPr lang="en-US" sz="600" b="1" dirty="0">
-                <a:solidFill>
-                  <a:schemeClr val="bg1">
-                    <a:lumMod val="50000"/>
-                  </a:schemeClr>
-                </a:solidFill>
-                <a:latin typeface="Arial" panose="020B0604020202020204" pitchFamily="34" charset="0"/>
-                <a:cs typeface="Arial" panose="020B0604020202020204" pitchFamily="34" charset="0"/>
-              </a:rPr>
-              <a:t>            Samuel Boada</a:t>
-            </a:r>
-            <a:endParaRPr lang="es-419" sz="600" b="1" dirty="0">
-              <a:solidFill>
-                <a:schemeClr val="bg1">
-                  <a:lumMod val="50000"/>
-                </a:schemeClr>
-              </a:solidFill>
-              <a:latin typeface="Arial" panose="020B0604020202020204" pitchFamily="34" charset="0"/>
-              <a:cs typeface="Arial" panose="020B0604020202020204" pitchFamily="34" charset="0"/>
-            </a:endParaRPr>
-          </a:p>
-        </p:txBody>
-      </p:sp>
-      <p:pic>
-        <p:nvPicPr>
-          <p:cNvPr id="81" name="Picture 12" descr="Imagen relacionada">
-            <a:extLst>
-              <a:ext uri="{FF2B5EF4-FFF2-40B4-BE49-F238E27FC236}">
-                <a16:creationId xmlns:a16="http://schemas.microsoft.com/office/drawing/2014/main" id="{B0F7570A-B8EA-4F50-A662-E89789AED6CF}"/>
-              </a:ext>
-            </a:extLst>
-          </p:cNvPr>
-          <p:cNvPicPr>
-            <a:picLocks noChangeAspect="1" noChangeArrowheads="1"/>
-          </p:cNvPicPr>
-          <p:nvPr/>
-        </p:nvPicPr>
-        <p:blipFill>
-          <a:blip r:embed="rId6">
-            <a:extLst>
-              <a:ext uri="{28A0092B-C50C-407E-A947-70E740481C1C}">
-                <a14:useLocalDpi xmlns:a14="http://schemas.microsoft.com/office/drawing/2010/main" val="0"/>
-              </a:ext>
-            </a:extLst>
-          </a:blip>
-          <a:srcRect/>
-          <a:stretch>
-            <a:fillRect/>
-          </a:stretch>
-        </p:blipFill>
-        <p:spPr bwMode="auto">
-          <a:xfrm>
-            <a:off x="1084697" y="1323056"/>
-            <a:ext cx="207411" cy="207411"/>
-          </a:xfrm>
-          <a:prstGeom prst="rect">
-            <a:avLst/>
-          </a:prstGeom>
-          <a:noFill/>
-          <a:extLst>
-            <a:ext uri="{909E8E84-426E-40DD-AFC4-6F175D3DCCD1}">
-              <a14:hiddenFill xmlns:a14="http://schemas.microsoft.com/office/drawing/2010/main">
-                <a:solidFill>
-                  <a:srgbClr val="FFFFFF"/>
-                </a:solidFill>
-              </a14:hiddenFill>
-            </a:ext>
-          </a:extLst>
-        </p:spPr>
-      </p:pic>
-      <p:sp>
-        <p:nvSpPr>
-          <p:cNvPr id="82" name="CuadroTexto 81">
-            <a:extLst>
-              <a:ext uri="{FF2B5EF4-FFF2-40B4-BE49-F238E27FC236}">
-                <a16:creationId xmlns:a16="http://schemas.microsoft.com/office/drawing/2014/main" id="{474E83AA-D7F6-451F-B0BD-7AD0BCD6F1ED}"/>
-              </a:ext>
-            </a:extLst>
-          </p:cNvPr>
-          <p:cNvSpPr txBox="1"/>
-          <p:nvPr/>
-        </p:nvSpPr>
-        <p:spPr>
-          <a:xfrm>
-            <a:off x="1210506" y="1371291"/>
-            <a:ext cx="766884" cy="153888"/>
-          </a:xfrm>
-          <a:prstGeom prst="rect">
-            <a:avLst/>
-          </a:prstGeom>
-          <a:noFill/>
-        </p:spPr>
-        <p:txBody>
-          <a:bodyPr wrap="square" rtlCol="0">
-            <a:spAutoFit/>
-          </a:bodyPr>
-          <a:lstStyle/>
-          <a:p>
-            <a:r>
-              <a:rPr lang="en-US" sz="400" dirty="0">
-                <a:solidFill>
-                  <a:schemeClr val="bg1">
-                    <a:lumMod val="50000"/>
-                  </a:schemeClr>
-                </a:solidFill>
-                <a:latin typeface="Arial" panose="020B0604020202020204" pitchFamily="34" charset="0"/>
-                <a:cs typeface="Arial" panose="020B0604020202020204" pitchFamily="34" charset="0"/>
-              </a:rPr>
-              <a:t>United States of America</a:t>
-            </a:r>
-            <a:endParaRPr lang="es-419" sz="400" dirty="0">
-              <a:solidFill>
-                <a:schemeClr val="bg1">
-                  <a:lumMod val="50000"/>
-                </a:schemeClr>
-              </a:solidFill>
-              <a:latin typeface="Arial" panose="020B0604020202020204" pitchFamily="34" charset="0"/>
-              <a:cs typeface="Arial" panose="020B0604020202020204" pitchFamily="34" charset="0"/>
-            </a:endParaRPr>
-          </a:p>
-        </p:txBody>
-      </p:sp>
-      <p:grpSp>
-        <p:nvGrpSpPr>
-          <p:cNvPr id="84" name="Grupo 83">
-            <a:extLst>
-              <a:ext uri="{FF2B5EF4-FFF2-40B4-BE49-F238E27FC236}">
-                <a16:creationId xmlns:a16="http://schemas.microsoft.com/office/drawing/2014/main" id="{DB750B84-CEAD-479E-9F43-34CD5D2BE0A9}"/>
-              </a:ext>
-            </a:extLst>
-          </p:cNvPr>
-          <p:cNvGrpSpPr/>
-          <p:nvPr/>
-        </p:nvGrpSpPr>
-        <p:grpSpPr>
-          <a:xfrm>
-            <a:off x="1811033" y="4624891"/>
-            <a:ext cx="2327078" cy="897638"/>
-            <a:chOff x="1811033" y="4624891"/>
-            <a:chExt cx="2327078" cy="897638"/>
-          </a:xfrm>
-        </p:grpSpPr>
-        <p:sp>
-          <p:nvSpPr>
-            <p:cNvPr id="103" name="CuadroTexto 102">
-              <a:extLst>
-                <a:ext uri="{FF2B5EF4-FFF2-40B4-BE49-F238E27FC236}">
-                  <a16:creationId xmlns:a16="http://schemas.microsoft.com/office/drawing/2014/main" id="{B82902AF-E437-4AAA-8013-355BFEC70F97}"/>
-                </a:ext>
-              </a:extLst>
-            </p:cNvPr>
-            <p:cNvSpPr txBox="1"/>
-            <p:nvPr/>
-          </p:nvSpPr>
-          <p:spPr>
-            <a:xfrm>
-              <a:off x="2197231" y="4638710"/>
-              <a:ext cx="1934719" cy="307777"/>
-            </a:xfrm>
-            <a:prstGeom prst="rect">
-              <a:avLst/>
-            </a:prstGeom>
-            <a:noFill/>
-          </p:spPr>
-          <p:txBody>
-            <a:bodyPr wrap="square" rtlCol="0">
-              <a:spAutoFit/>
-            </a:bodyPr>
-            <a:lstStyle/>
-            <a:p>
-              <a:r>
-                <a:rPr lang="es-419" sz="1400" dirty="0">
-                  <a:latin typeface="Arial Narrow" panose="020B0606020202030204" pitchFamily="34" charset="0"/>
-                </a:rPr>
-                <a:t>Number of orders</a:t>
-              </a:r>
-              <a:r>
-                <a:rPr lang="en-US" sz="1400" dirty="0">
-                  <a:latin typeface="Arial Narrow" panose="020B0606020202030204" pitchFamily="34" charset="0"/>
-                </a:rPr>
-                <a:t>: </a:t>
-              </a:r>
-              <a:endParaRPr lang="es-419" sz="1400" dirty="0">
-                <a:latin typeface="Arial Narrow" panose="020B0606020202030204" pitchFamily="34" charset="0"/>
-              </a:endParaRPr>
-            </a:p>
-          </p:txBody>
-        </p:sp>
-        <p:pic>
-          <p:nvPicPr>
-            <p:cNvPr id="104" name="Picture 4" descr="Resultado de imagen para icon box">
-              <a:extLst>
-                <a:ext uri="{FF2B5EF4-FFF2-40B4-BE49-F238E27FC236}">
-                  <a16:creationId xmlns:a16="http://schemas.microsoft.com/office/drawing/2014/main" id="{4465AA0A-B703-4430-98D1-8A67F87C7907}"/>
-                </a:ext>
-              </a:extLst>
-            </p:cNvPr>
-            <p:cNvPicPr>
-              <a:picLocks noChangeAspect="1" noChangeArrowheads="1"/>
-            </p:cNvPicPr>
-            <p:nvPr/>
-          </p:nvPicPr>
-          <p:blipFill>
-            <a:blip r:embed="rId7">
-              <a:extLst>
-                <a:ext uri="{28A0092B-C50C-407E-A947-70E740481C1C}">
-                  <a14:useLocalDpi xmlns:a14="http://schemas.microsoft.com/office/drawing/2010/main" val="0"/>
-                </a:ext>
-              </a:extLst>
-            </a:blip>
-            <a:srcRect/>
-            <a:stretch>
-              <a:fillRect/>
-            </a:stretch>
-          </p:blipFill>
-          <p:spPr bwMode="auto">
-            <a:xfrm>
-              <a:off x="1878308" y="4624891"/>
-              <a:ext cx="325526" cy="325526"/>
-            </a:xfrm>
-            <a:prstGeom prst="rect">
-              <a:avLst/>
-            </a:prstGeom>
-            <a:noFill/>
-            <a:extLst>
-              <a:ext uri="{909E8E84-426E-40DD-AFC4-6F175D3DCCD1}">
-                <a14:hiddenFill xmlns:a14="http://schemas.microsoft.com/office/drawing/2010/main">
-                  <a:solidFill>
-                    <a:srgbClr val="FFFFFF"/>
-                  </a:solidFill>
-                </a14:hiddenFill>
-              </a:ext>
-            </a:extLst>
-          </p:spPr>
-        </p:pic>
-        <p:cxnSp>
-          <p:nvCxnSpPr>
-            <p:cNvPr id="105" name="Conector recto 104">
-              <a:extLst>
-                <a:ext uri="{FF2B5EF4-FFF2-40B4-BE49-F238E27FC236}">
-                  <a16:creationId xmlns:a16="http://schemas.microsoft.com/office/drawing/2014/main" id="{A10CEF8F-71F2-4A82-81BE-66F012803E31}"/>
-                </a:ext>
-              </a:extLst>
-            </p:cNvPr>
-            <p:cNvCxnSpPr>
-              <a:cxnSpLocks/>
-            </p:cNvCxnSpPr>
-            <p:nvPr/>
-          </p:nvCxnSpPr>
-          <p:spPr>
-            <a:xfrm>
-              <a:off x="2273940" y="4981846"/>
-              <a:ext cx="1847613" cy="4656"/>
-            </a:xfrm>
-            <a:prstGeom prst="line">
-              <a:avLst/>
-            </a:prstGeom>
-            <a:ln w="19050">
-              <a:solidFill>
-                <a:schemeClr val="bg1">
-                  <a:lumMod val="65000"/>
-                </a:schemeClr>
-              </a:solidFill>
-              <a:prstDash val="sysDash"/>
-            </a:ln>
-          </p:spPr>
-          <p:style>
-            <a:lnRef idx="1">
-              <a:schemeClr val="accent1"/>
-            </a:lnRef>
-            <a:fillRef idx="0">
-              <a:schemeClr val="accent1"/>
-            </a:fillRef>
-            <a:effectRef idx="0">
-              <a:schemeClr val="accent1"/>
-            </a:effectRef>
-            <a:fontRef idx="minor">
-              <a:schemeClr val="tx1"/>
-            </a:fontRef>
-          </p:style>
-        </p:cxnSp>
-        <p:cxnSp>
-          <p:nvCxnSpPr>
-            <p:cNvPr id="106" name="Conector recto 105">
-              <a:extLst>
-                <a:ext uri="{FF2B5EF4-FFF2-40B4-BE49-F238E27FC236}">
-                  <a16:creationId xmlns:a16="http://schemas.microsoft.com/office/drawing/2014/main" id="{E55E969D-A3D4-451D-A971-83150E0B5A90}"/>
-                </a:ext>
-              </a:extLst>
-            </p:cNvPr>
-            <p:cNvCxnSpPr>
-              <a:cxnSpLocks/>
-            </p:cNvCxnSpPr>
-            <p:nvPr/>
-          </p:nvCxnSpPr>
-          <p:spPr>
-            <a:xfrm>
-              <a:off x="1840201" y="5522529"/>
-              <a:ext cx="2267497" cy="0"/>
-            </a:xfrm>
-            <a:prstGeom prst="line">
-              <a:avLst/>
-            </a:prstGeom>
-            <a:ln w="19050">
-              <a:solidFill>
-                <a:schemeClr val="bg1">
-                  <a:lumMod val="65000"/>
-                </a:schemeClr>
-              </a:solidFill>
-              <a:prstDash val="sysDash"/>
-            </a:ln>
-          </p:spPr>
-          <p:style>
-            <a:lnRef idx="1">
-              <a:schemeClr val="accent1"/>
-            </a:lnRef>
-            <a:fillRef idx="0">
-              <a:schemeClr val="accent1"/>
-            </a:fillRef>
-            <a:effectRef idx="0">
-              <a:schemeClr val="accent1"/>
-            </a:effectRef>
-            <a:fontRef idx="minor">
-              <a:schemeClr val="tx1"/>
-            </a:fontRef>
-          </p:style>
-        </p:cxnSp>
-        <p:sp>
-          <p:nvSpPr>
-            <p:cNvPr id="107" name="CuadroTexto 106">
-              <a:extLst>
-                <a:ext uri="{FF2B5EF4-FFF2-40B4-BE49-F238E27FC236}">
-                  <a16:creationId xmlns:a16="http://schemas.microsoft.com/office/drawing/2014/main" id="{4CEFDB4C-443B-48A8-84EE-414AAFF3EE20}"/>
-                </a:ext>
-              </a:extLst>
-            </p:cNvPr>
-            <p:cNvSpPr txBox="1"/>
-            <p:nvPr/>
-          </p:nvSpPr>
-          <p:spPr>
-            <a:xfrm>
-              <a:off x="1811033" y="5024512"/>
-              <a:ext cx="2327078" cy="461665"/>
-            </a:xfrm>
-            <a:prstGeom prst="rect">
-              <a:avLst/>
-            </a:prstGeom>
-            <a:noFill/>
-          </p:spPr>
-          <p:txBody>
-            <a:bodyPr wrap="square" rtlCol="0">
-              <a:spAutoFit/>
-            </a:bodyPr>
-            <a:lstStyle/>
-            <a:p>
-              <a:r>
-                <a:rPr lang="en-US" sz="800" dirty="0">
-                  <a:solidFill>
-                    <a:schemeClr val="bg1">
-                      <a:lumMod val="50000"/>
-                    </a:schemeClr>
-                  </a:solidFill>
-                  <a:latin typeface="Arial" panose="020B0604020202020204" pitchFamily="34" charset="0"/>
-                  <a:cs typeface="Arial" panose="020B0604020202020204" pitchFamily="34" charset="0"/>
-                </a:rPr>
-                <a:t>The maximum number of orders allowed in the state of Texas according to the law of the FMCSA is 3500.</a:t>
-              </a:r>
-              <a:endParaRPr lang="es-419" sz="800" dirty="0">
-                <a:solidFill>
-                  <a:schemeClr val="bg1">
-                    <a:lumMod val="50000"/>
-                  </a:schemeClr>
-                </a:solidFill>
-                <a:latin typeface="Arial" panose="020B0604020202020204" pitchFamily="34" charset="0"/>
-                <a:cs typeface="Arial" panose="020B0604020202020204" pitchFamily="34" charset="0"/>
-              </a:endParaRPr>
-            </a:p>
-          </p:txBody>
-        </p:sp>
-      </p:grpSp>
-      <p:cxnSp>
-        <p:nvCxnSpPr>
-          <p:cNvPr id="85" name="Conector recto 84">
-            <a:extLst>
-              <a:ext uri="{FF2B5EF4-FFF2-40B4-BE49-F238E27FC236}">
-                <a16:creationId xmlns:a16="http://schemas.microsoft.com/office/drawing/2014/main" id="{AE669A1F-1C80-4872-ACDC-70EAE05A1B07}"/>
-              </a:ext>
-            </a:extLst>
-          </p:cNvPr>
-          <p:cNvCxnSpPr>
-            <a:cxnSpLocks/>
-          </p:cNvCxnSpPr>
-          <p:nvPr/>
-        </p:nvCxnSpPr>
-        <p:spPr>
-          <a:xfrm>
-            <a:off x="6309523" y="2372977"/>
-            <a:ext cx="1699251" cy="0"/>
-          </a:xfrm>
-          <a:prstGeom prst="line">
-            <a:avLst/>
-          </a:prstGeom>
-          <a:ln w="19050">
-            <a:solidFill>
-              <a:schemeClr val="bg1">
-                <a:lumMod val="65000"/>
-              </a:schemeClr>
-            </a:solidFill>
-            <a:prstDash val="sysDash"/>
-          </a:ln>
-        </p:spPr>
-        <p:style>
-          <a:lnRef idx="1">
-            <a:schemeClr val="accent1"/>
-          </a:lnRef>
-          <a:fillRef idx="0">
-            <a:schemeClr val="accent1"/>
-          </a:fillRef>
-          <a:effectRef idx="0">
-            <a:schemeClr val="accent1"/>
-          </a:effectRef>
-          <a:fontRef idx="minor">
-            <a:schemeClr val="tx1"/>
-          </a:fontRef>
-        </p:style>
-      </p:cxnSp>
-      <p:cxnSp>
-        <p:nvCxnSpPr>
-          <p:cNvPr id="86" name="Conector recto 85">
-            <a:extLst>
-              <a:ext uri="{FF2B5EF4-FFF2-40B4-BE49-F238E27FC236}">
-                <a16:creationId xmlns:a16="http://schemas.microsoft.com/office/drawing/2014/main" id="{9949DE06-A2F5-4233-BC4D-757B4C026939}"/>
-              </a:ext>
-            </a:extLst>
-          </p:cNvPr>
-          <p:cNvCxnSpPr>
-            <a:cxnSpLocks/>
-          </p:cNvCxnSpPr>
-          <p:nvPr/>
-        </p:nvCxnSpPr>
-        <p:spPr>
-          <a:xfrm>
-            <a:off x="5772782" y="3037485"/>
-            <a:ext cx="2235992" cy="0"/>
-          </a:xfrm>
-          <a:prstGeom prst="line">
-            <a:avLst/>
-          </a:prstGeom>
-          <a:ln w="19050">
-            <a:solidFill>
-              <a:schemeClr val="bg1">
-                <a:lumMod val="65000"/>
-              </a:schemeClr>
-            </a:solidFill>
-            <a:prstDash val="sysDash"/>
-          </a:ln>
-        </p:spPr>
-        <p:style>
-          <a:lnRef idx="1">
-            <a:schemeClr val="accent1"/>
-          </a:lnRef>
-          <a:fillRef idx="0">
-            <a:schemeClr val="accent1"/>
-          </a:fillRef>
-          <a:effectRef idx="0">
-            <a:schemeClr val="accent1"/>
-          </a:effectRef>
-          <a:fontRef idx="minor">
-            <a:schemeClr val="tx1"/>
-          </a:fontRef>
-        </p:style>
-      </p:cxnSp>
-      <p:sp>
-        <p:nvSpPr>
-          <p:cNvPr id="87" name="CuadroTexto 86">
-            <a:extLst>
-              <a:ext uri="{FF2B5EF4-FFF2-40B4-BE49-F238E27FC236}">
-                <a16:creationId xmlns:a16="http://schemas.microsoft.com/office/drawing/2014/main" id="{F6492FF6-38AC-41B7-8EA2-4E4DBBD2E639}"/>
-              </a:ext>
-            </a:extLst>
-          </p:cNvPr>
-          <p:cNvSpPr txBox="1"/>
-          <p:nvPr/>
-        </p:nvSpPr>
-        <p:spPr>
-          <a:xfrm>
-            <a:off x="5769532" y="2415999"/>
-            <a:ext cx="2327078" cy="584775"/>
-          </a:xfrm>
-          <a:prstGeom prst="rect">
-            <a:avLst/>
-          </a:prstGeom>
-          <a:noFill/>
-        </p:spPr>
-        <p:txBody>
-          <a:bodyPr wrap="square" rtlCol="0">
-            <a:spAutoFit/>
-          </a:bodyPr>
-          <a:lstStyle/>
-          <a:p>
-            <a:pPr algn="just"/>
-            <a:r>
-              <a:rPr lang="en-US" sz="800" dirty="0">
-                <a:solidFill>
-                  <a:schemeClr val="bg1">
-                    <a:lumMod val="50000"/>
-                  </a:schemeClr>
-                </a:solidFill>
-                <a:latin typeface="Arial" panose="020B0604020202020204" pitchFamily="34" charset="0"/>
-                <a:cs typeface="Arial" panose="020B0604020202020204" pitchFamily="34" charset="0"/>
-              </a:rPr>
-              <a:t>The maximum number of trucks for the transport of merchandise on the transportation routes allowed in the state of Texas according to the FMCSA is 200.</a:t>
-            </a:r>
-            <a:endParaRPr lang="es-419" sz="800" dirty="0">
-              <a:solidFill>
-                <a:schemeClr val="bg1">
-                  <a:lumMod val="50000"/>
-                </a:schemeClr>
-              </a:solidFill>
-              <a:latin typeface="Arial" panose="020B0604020202020204" pitchFamily="34" charset="0"/>
-              <a:cs typeface="Arial" panose="020B0604020202020204" pitchFamily="34" charset="0"/>
-            </a:endParaRPr>
-          </a:p>
-        </p:txBody>
-      </p:sp>
-      <p:pic>
-        <p:nvPicPr>
-          <p:cNvPr id="98" name="Imagen 97">
-            <a:extLst>
-              <a:ext uri="{FF2B5EF4-FFF2-40B4-BE49-F238E27FC236}">
-                <a16:creationId xmlns:a16="http://schemas.microsoft.com/office/drawing/2014/main" id="{6E3422D2-CA72-47F2-9790-84A9D7BD7442}"/>
-              </a:ext>
-            </a:extLst>
-          </p:cNvPr>
-          <p:cNvPicPr>
-            <a:picLocks noChangeAspect="1"/>
-          </p:cNvPicPr>
-          <p:nvPr/>
-        </p:nvPicPr>
-        <p:blipFill>
-          <a:blip r:embed="rId8">
-            <a:extLst>
-              <a:ext uri="{28A0092B-C50C-407E-A947-70E740481C1C}">
-                <a14:useLocalDpi xmlns:a14="http://schemas.microsoft.com/office/drawing/2010/main" val="0"/>
-              </a:ext>
-            </a:extLst>
-          </a:blip>
-          <a:stretch>
-            <a:fillRect/>
-          </a:stretch>
-        </p:blipFill>
-        <p:spPr>
-          <a:xfrm>
-            <a:off x="9686000" y="1977230"/>
-            <a:ext cx="1781992" cy="3721594"/>
-          </a:xfrm>
-          <a:prstGeom prst="rect">
-            <a:avLst/>
-          </a:prstGeom>
-        </p:spPr>
-      </p:pic>
-      <p:pic>
-        <p:nvPicPr>
-          <p:cNvPr id="100" name="Imagen 99">
-            <a:extLst>
-              <a:ext uri="{FF2B5EF4-FFF2-40B4-BE49-F238E27FC236}">
-                <a16:creationId xmlns:a16="http://schemas.microsoft.com/office/drawing/2014/main" id="{27406753-51A2-4190-AEEB-C1CFB4634F27}"/>
-              </a:ext>
-            </a:extLst>
-          </p:cNvPr>
-          <p:cNvPicPr>
-            <a:picLocks noChangeAspect="1"/>
-          </p:cNvPicPr>
-          <p:nvPr/>
-        </p:nvPicPr>
-        <p:blipFill>
-          <a:blip r:embed="rId9">
-            <a:extLst>
-              <a:ext uri="{28A0092B-C50C-407E-A947-70E740481C1C}">
-                <a14:useLocalDpi xmlns:a14="http://schemas.microsoft.com/office/drawing/2010/main" val="0"/>
-              </a:ext>
-            </a:extLst>
-          </a:blip>
-          <a:stretch>
-            <a:fillRect/>
-          </a:stretch>
-        </p:blipFill>
-        <p:spPr>
-          <a:xfrm>
-            <a:off x="2386002" y="1538817"/>
-            <a:ext cx="741797" cy="643694"/>
-          </a:xfrm>
-          <a:prstGeom prst="rect">
-            <a:avLst/>
-          </a:prstGeom>
-        </p:spPr>
-      </p:pic>
-      <p:sp>
-        <p:nvSpPr>
-          <p:cNvPr id="2" name="Rectángulo 1">
-            <a:extLst>
-              <a:ext uri="{FF2B5EF4-FFF2-40B4-BE49-F238E27FC236}">
-                <a16:creationId xmlns:a16="http://schemas.microsoft.com/office/drawing/2014/main" id="{4D2AFC08-0A69-4B5E-BD92-0A446B503640}"/>
-              </a:ext>
-            </a:extLst>
-          </p:cNvPr>
-          <p:cNvSpPr/>
-          <p:nvPr/>
-        </p:nvSpPr>
-        <p:spPr>
-          <a:xfrm>
-            <a:off x="9999406" y="4517136"/>
-            <a:ext cx="1154653" cy="507376"/>
-          </a:xfrm>
-          <a:prstGeom prst="rect">
-            <a:avLst/>
-          </a:prstGeom>
-          <a:solidFill>
-            <a:schemeClr val="bg1"/>
-          </a:solidFill>
-          <a:ln>
-            <a:noFill/>
-          </a:ln>
-        </p:spPr>
-        <p:style>
-          <a:lnRef idx="2">
-            <a:schemeClr val="accent1">
-              <a:shade val="50000"/>
-            </a:schemeClr>
-          </a:lnRef>
-          <a:fillRef idx="1">
-            <a:schemeClr val="accent1"/>
-          </a:fillRef>
-          <a:effectRef idx="0">
-            <a:schemeClr val="accent1"/>
-          </a:effectRef>
-          <a:fontRef idx="minor">
-            <a:schemeClr val="lt1"/>
-          </a:fontRef>
-        </p:style>
-        <p:txBody>
-          <a:bodyPr rtlCol="0" anchor="ctr"/>
-          <a:lstStyle/>
-          <a:p>
-            <a:pPr algn="ctr"/>
-            <a:endParaRPr lang="es-419"/>
-          </a:p>
-        </p:txBody>
-      </p:sp>
-      <p:pic>
-        <p:nvPicPr>
-          <p:cNvPr id="54" name="Imagen 53">
-            <a:extLst>
-              <a:ext uri="{FF2B5EF4-FFF2-40B4-BE49-F238E27FC236}">
-                <a16:creationId xmlns:a16="http://schemas.microsoft.com/office/drawing/2014/main" id="{728D697B-93BC-4B9D-B25A-756B191BD91D}"/>
-              </a:ext>
-            </a:extLst>
-          </p:cNvPr>
-          <p:cNvPicPr>
-            <a:picLocks noChangeAspect="1"/>
-          </p:cNvPicPr>
-          <p:nvPr/>
-        </p:nvPicPr>
-        <p:blipFill>
-          <a:blip r:embed="rId9">
-            <a:duotone>
-              <a:schemeClr val="bg2">
-                <a:shade val="45000"/>
-                <a:satMod val="135000"/>
-              </a:schemeClr>
-              <a:prstClr val="white"/>
-            </a:duotone>
-            <a:extLst>
-              <a:ext uri="{28A0092B-C50C-407E-A947-70E740481C1C}">
-                <a14:useLocalDpi xmlns:a14="http://schemas.microsoft.com/office/drawing/2010/main" val="0"/>
-              </a:ext>
-            </a:extLst>
-          </a:blip>
-          <a:stretch>
-            <a:fillRect/>
-          </a:stretch>
-        </p:blipFill>
-        <p:spPr>
-          <a:xfrm>
-            <a:off x="5720527" y="3219062"/>
-            <a:ext cx="2049637" cy="1778572"/>
-          </a:xfrm>
-          <a:prstGeom prst="rect">
-            <a:avLst/>
-          </a:prstGeom>
-        </p:spPr>
-      </p:pic>
-      <p:sp>
-        <p:nvSpPr>
-          <p:cNvPr id="5" name="Rectángulo 4">
-            <a:extLst>
-              <a:ext uri="{FF2B5EF4-FFF2-40B4-BE49-F238E27FC236}">
-                <a16:creationId xmlns:a16="http://schemas.microsoft.com/office/drawing/2014/main" id="{2D54A1E0-47EF-4FA0-8714-3051E5A0A6C8}"/>
-              </a:ext>
-            </a:extLst>
-          </p:cNvPr>
-          <p:cNvSpPr/>
-          <p:nvPr/>
-        </p:nvSpPr>
-        <p:spPr>
-          <a:xfrm>
-            <a:off x="5720527" y="3116580"/>
-            <a:ext cx="2327078" cy="1774188"/>
-          </a:xfrm>
-          <a:prstGeom prst="rect">
-            <a:avLst/>
-          </a:prstGeom>
-          <a:solidFill>
-            <a:schemeClr val="bg1">
-              <a:alpha val="56000"/>
-            </a:schemeClr>
-          </a:solidFill>
-          <a:ln>
-            <a:noFill/>
-          </a:ln>
-        </p:spPr>
-        <p:style>
-          <a:lnRef idx="2">
-            <a:schemeClr val="accent1">
-              <a:shade val="50000"/>
-            </a:schemeClr>
-          </a:lnRef>
-          <a:fillRef idx="1">
-            <a:schemeClr val="accent1"/>
-          </a:fillRef>
-          <a:effectRef idx="0">
-            <a:schemeClr val="accent1"/>
-          </a:effectRef>
-          <a:fontRef idx="minor">
-            <a:schemeClr val="lt1"/>
-          </a:fontRef>
-        </p:style>
-        <p:txBody>
-          <a:bodyPr rtlCol="0" anchor="ctr"/>
-          <a:lstStyle/>
-          <a:p>
-            <a:pPr algn="ctr"/>
-            <a:endParaRPr lang="es-419"/>
-          </a:p>
-        </p:txBody>
-      </p:sp>
-      <p:grpSp>
-        <p:nvGrpSpPr>
-          <p:cNvPr id="4" name="Grupo 3">
-            <a:extLst>
-              <a:ext uri="{FF2B5EF4-FFF2-40B4-BE49-F238E27FC236}">
-                <a16:creationId xmlns:a16="http://schemas.microsoft.com/office/drawing/2014/main" id="{2322C57E-36C0-4A0C-B315-1E1895E0DF5F}"/>
-              </a:ext>
-            </a:extLst>
-          </p:cNvPr>
-          <p:cNvGrpSpPr/>
-          <p:nvPr/>
-        </p:nvGrpSpPr>
-        <p:grpSpPr>
-          <a:xfrm>
-            <a:off x="6139707" y="5138688"/>
-            <a:ext cx="1199001" cy="650297"/>
-            <a:chOff x="7134079" y="5202876"/>
-            <a:chExt cx="1199001" cy="650297"/>
-          </a:xfrm>
-        </p:grpSpPr>
-        <p:cxnSp>
-          <p:nvCxnSpPr>
-            <p:cNvPr id="95" name="Conector recto 94">
-              <a:extLst>
-                <a:ext uri="{FF2B5EF4-FFF2-40B4-BE49-F238E27FC236}">
-                  <a16:creationId xmlns:a16="http://schemas.microsoft.com/office/drawing/2014/main" id="{EC613204-F4DC-4C44-A46E-BE5C744EB519}"/>
-                </a:ext>
-              </a:extLst>
-            </p:cNvPr>
-            <p:cNvCxnSpPr>
-              <a:cxnSpLocks/>
-            </p:cNvCxnSpPr>
-            <p:nvPr/>
-          </p:nvCxnSpPr>
-          <p:spPr>
-            <a:xfrm>
-              <a:off x="7189989" y="5662142"/>
-              <a:ext cx="1081794" cy="0"/>
-            </a:xfrm>
-            <a:prstGeom prst="line">
-              <a:avLst/>
-            </a:prstGeom>
-            <a:ln w="9525">
-              <a:solidFill>
-                <a:schemeClr val="bg1">
-                  <a:lumMod val="65000"/>
-                </a:schemeClr>
-              </a:solidFill>
-              <a:prstDash val="solid"/>
-            </a:ln>
-          </p:spPr>
-          <p:style>
-            <a:lnRef idx="1">
-              <a:schemeClr val="accent1"/>
-            </a:lnRef>
-            <a:fillRef idx="0">
-              <a:schemeClr val="accent1"/>
-            </a:fillRef>
-            <a:effectRef idx="0">
-              <a:schemeClr val="accent1"/>
-            </a:effectRef>
-            <a:fontRef idx="minor">
-              <a:schemeClr val="tx1"/>
-            </a:fontRef>
-          </p:style>
-        </p:cxnSp>
-        <p:sp>
-          <p:nvSpPr>
-            <p:cNvPr id="96" name="CuadroTexto 95">
-              <a:extLst>
-                <a:ext uri="{FF2B5EF4-FFF2-40B4-BE49-F238E27FC236}">
-                  <a16:creationId xmlns:a16="http://schemas.microsoft.com/office/drawing/2014/main" id="{87917734-AECB-4372-94B3-A7DCCC71C7C0}"/>
-                </a:ext>
-              </a:extLst>
-            </p:cNvPr>
-            <p:cNvSpPr txBox="1"/>
-            <p:nvPr/>
-          </p:nvSpPr>
-          <p:spPr>
-            <a:xfrm>
-              <a:off x="7134079" y="5668507"/>
-              <a:ext cx="1199001" cy="184666"/>
-            </a:xfrm>
-            <a:prstGeom prst="rect">
-              <a:avLst/>
-            </a:prstGeom>
-            <a:noFill/>
-          </p:spPr>
-          <p:txBody>
-            <a:bodyPr wrap="square" rtlCol="0">
-              <a:spAutoFit/>
-            </a:bodyPr>
-            <a:lstStyle/>
-            <a:p>
-              <a:pPr algn="just"/>
-              <a:r>
-                <a:rPr lang="en-US" sz="600" dirty="0">
-                  <a:solidFill>
-                    <a:schemeClr val="bg1">
-                      <a:lumMod val="50000"/>
-                    </a:schemeClr>
-                  </a:solidFill>
-                  <a:latin typeface="Arial" panose="020B0604020202020204" pitchFamily="34" charset="0"/>
-                  <a:cs typeface="Arial" panose="020B0604020202020204" pitchFamily="34" charset="0"/>
-                </a:rPr>
-                <a:t>General Manager. John Doe</a:t>
-              </a:r>
-              <a:endParaRPr lang="es-419" sz="600" dirty="0">
-                <a:solidFill>
-                  <a:schemeClr val="bg1">
-                    <a:lumMod val="50000"/>
-                  </a:schemeClr>
-                </a:solidFill>
-                <a:latin typeface="Arial" panose="020B0604020202020204" pitchFamily="34" charset="0"/>
-                <a:cs typeface="Arial" panose="020B0604020202020204" pitchFamily="34" charset="0"/>
-              </a:endParaRPr>
-            </a:p>
-          </p:txBody>
-        </p:sp>
-        <p:pic>
-          <p:nvPicPr>
-            <p:cNvPr id="97" name="Picture 14" descr="Resultado de imagen para firmas png">
-              <a:extLst>
-                <a:ext uri="{FF2B5EF4-FFF2-40B4-BE49-F238E27FC236}">
-                  <a16:creationId xmlns:a16="http://schemas.microsoft.com/office/drawing/2014/main" id="{E8DF70F0-0ECA-4D88-922F-BA0CAEFF415C}"/>
-                </a:ext>
-              </a:extLst>
-            </p:cNvPr>
-            <p:cNvPicPr>
-              <a:picLocks noChangeAspect="1" noChangeArrowheads="1"/>
-            </p:cNvPicPr>
-            <p:nvPr/>
-          </p:nvPicPr>
-          <p:blipFill>
-            <a:blip r:embed="rId10">
-              <a:extLst>
-                <a:ext uri="{28A0092B-C50C-407E-A947-70E740481C1C}">
-                  <a14:useLocalDpi xmlns:a14="http://schemas.microsoft.com/office/drawing/2010/main" val="0"/>
-                </a:ext>
-              </a:extLst>
-            </a:blip>
-            <a:srcRect/>
-            <a:stretch>
-              <a:fillRect/>
-            </a:stretch>
-          </p:blipFill>
-          <p:spPr bwMode="auto">
-            <a:xfrm>
-              <a:off x="7311018" y="5202876"/>
-              <a:ext cx="883022" cy="515540"/>
-            </a:xfrm>
-            <a:prstGeom prst="rect">
-              <a:avLst/>
-            </a:prstGeom>
-            <a:noFill/>
-            <a:extLst>
-              <a:ext uri="{909E8E84-426E-40DD-AFC4-6F175D3DCCD1}">
-                <a14:hiddenFill xmlns:a14="http://schemas.microsoft.com/office/drawing/2010/main">
-                  <a:solidFill>
-                    <a:srgbClr val="FFFFFF"/>
-                  </a:solidFill>
-                </a14:hiddenFill>
-              </a:ext>
-            </a:extLst>
-          </p:spPr>
-        </p:pic>
       </p:grpSp>
     </p:spTree>
     <p:extLst>
@@ -12102,7 +14932,7 @@
 </p:sld>
 </file>
 
-<file path=ppt/slides/slide12.xml><?xml version="1.0" encoding="utf-8"?>
+<file path=ppt/slides/slide13.xml><?xml version="1.0" encoding="utf-8"?>
 <p:sld xmlns:a="http://schemas.openxmlformats.org/drawingml/2006/main" xmlns:r="http://schemas.openxmlformats.org/officeDocument/2006/relationships" xmlns:p="http://schemas.openxmlformats.org/presentationml/2006/main">
   <p:cSld>
     <p:spTree>
@@ -13574,7 +16404,7 @@
 </p:sld>
 </file>
 
-<file path=ppt/slides/slide13.xml><?xml version="1.0" encoding="utf-8"?>
+<file path=ppt/slides/slide14.xml><?xml version="1.0" encoding="utf-8"?>
 <p:sld xmlns:a="http://schemas.openxmlformats.org/drawingml/2006/main" xmlns:r="http://schemas.openxmlformats.org/officeDocument/2006/relationships" xmlns:p="http://schemas.openxmlformats.org/presentationml/2006/main">
   <p:cSld>
     <p:spTree>
@@ -14836,7 +17666,7 @@
 </p:sld>
 </file>
 
-<file path=ppt/slides/slide14.xml><?xml version="1.0" encoding="utf-8"?>
+<file path=ppt/slides/slide15.xml><?xml version="1.0" encoding="utf-8"?>
 <p:sld xmlns:a="http://schemas.openxmlformats.org/drawingml/2006/main" xmlns:r="http://schemas.openxmlformats.org/officeDocument/2006/relationships" xmlns:p="http://schemas.openxmlformats.org/presentationml/2006/main">
   <p:cSld>
     <p:spTree>
@@ -16046,7 +18876,7 @@
 </p:sld>
 </file>
 
-<file path=ppt/slides/slide15.xml><?xml version="1.0" encoding="utf-8"?>
+<file path=ppt/slides/slide16.xml><?xml version="1.0" encoding="utf-8"?>
 <p:sld xmlns:a="http://schemas.openxmlformats.org/drawingml/2006/main" xmlns:r="http://schemas.openxmlformats.org/officeDocument/2006/relationships" xmlns:p="http://schemas.openxmlformats.org/presentationml/2006/main">
   <p:cSld>
     <p:spTree>
@@ -18515,7 +21345,7 @@
 </p:sld>
 </file>
 
-<file path=ppt/slides/slide16.xml><?xml version="1.0" encoding="utf-8"?>
+<file path=ppt/slides/slide17.xml><?xml version="1.0" encoding="utf-8"?>
 <p:sld xmlns:a="http://schemas.openxmlformats.org/drawingml/2006/main" xmlns:r="http://schemas.openxmlformats.org/officeDocument/2006/relationships" xmlns:p="http://schemas.openxmlformats.org/presentationml/2006/main">
   <p:cSld>
     <p:spTree>
@@ -20475,7 +23305,7 @@
 </p:sld>
 </file>
 
-<file path=ppt/slides/slide17.xml><?xml version="1.0" encoding="utf-8"?>
+<file path=ppt/slides/slide18.xml><?xml version="1.0" encoding="utf-8"?>
 <p:sld xmlns:a="http://schemas.openxmlformats.org/drawingml/2006/main" xmlns:r="http://schemas.openxmlformats.org/officeDocument/2006/relationships" xmlns:p="http://schemas.openxmlformats.org/presentationml/2006/main">
   <p:cSld>
     <p:spTree>
